--- a/README_Provider 통합.pptx
+++ b/README_Provider 통합.pptx
@@ -6,7 +6,8 @@
   </p:sldMasterIdLst>
   <p:sldIdLst>
     <p:sldId id="260" r:id="rId2"/>
-    <p:sldId id="257" r:id="rId3"/>
+    <p:sldId id="261" r:id="rId3"/>
+    <p:sldId id="257" r:id="rId4"/>
   </p:sldIdLst>
   <p:sldSz cx="12192000" cy="6858000"/>
   <p:notesSz cx="6858000" cy="9144000"/>
@@ -4603,6 +4604,187 @@
       </p:grpSpPr>
       <p:sp>
         <p:nvSpPr>
+          <p:cNvPr id="20" name="TextBox 19">
+            <a:extLst>
+              <a:ext uri="{FF2B5EF4-FFF2-40B4-BE49-F238E27FC236}">
+                <a16:creationId xmlns="" xmlns:a16="http://schemas.microsoft.com/office/drawing/2014/main" id="{A9AFB107-57BE-3FF3-7AFF-962C2368E148}"/>
+              </a:ext>
+            </a:extLst>
+          </p:cNvPr>
+          <p:cNvSpPr txBox="1"/>
+          <p:nvPr/>
+        </p:nvSpPr>
+        <p:spPr>
+          <a:xfrm>
+            <a:off x="440181" y="2438400"/>
+            <a:ext cx="7456043" cy="2541103"/>
+          </a:xfrm>
+          <a:prstGeom prst="rect">
+            <a:avLst/>
+          </a:prstGeom>
+          <a:solidFill>
+            <a:schemeClr val="accent6">
+              <a:lumMod val="20000"/>
+              <a:lumOff val="80000"/>
+            </a:schemeClr>
+          </a:solidFill>
+          <a:ln>
+            <a:solidFill>
+              <a:schemeClr val="accent1"/>
+            </a:solidFill>
+          </a:ln>
+        </p:spPr>
+        <p:txBody>
+          <a:bodyPr wrap="square" anchor="ctr">
+            <a:noAutofit/>
+          </a:bodyPr>
+          <a:lstStyle/>
+          <a:p>
+            <a:endParaRPr lang="en-US" altLang="ko-KR" sz="1100" dirty="0"/>
+          </a:p>
+        </p:txBody>
+      </p:sp>
+      <p:sp>
+        <p:nvSpPr>
+          <p:cNvPr id="17" name="TextBox 16">
+            <a:extLst>
+              <a:ext uri="{FF2B5EF4-FFF2-40B4-BE49-F238E27FC236}">
+                <a16:creationId xmlns="" xmlns:a16="http://schemas.microsoft.com/office/drawing/2014/main" id="{A9AFB107-57BE-3FF3-7AFF-962C2368E148}"/>
+              </a:ext>
+            </a:extLst>
+          </p:cNvPr>
+          <p:cNvSpPr txBox="1"/>
+          <p:nvPr/>
+        </p:nvSpPr>
+        <p:spPr>
+          <a:xfrm>
+            <a:off x="4038601" y="2526888"/>
+            <a:ext cx="3753677" cy="261610"/>
+          </a:xfrm>
+          <a:prstGeom prst="rect">
+            <a:avLst/>
+          </a:prstGeom>
+          <a:solidFill>
+            <a:schemeClr val="bg1"/>
+          </a:solidFill>
+          <a:ln>
+            <a:solidFill>
+              <a:schemeClr val="accent1"/>
+            </a:solidFill>
+          </a:ln>
+        </p:spPr>
+        <p:txBody>
+          <a:bodyPr wrap="square">
+            <a:spAutoFit/>
+          </a:bodyPr>
+          <a:lstStyle/>
+          <a:p>
+            <a:r>
+              <a:rPr lang="en-US" altLang="ko-KR" sz="1100" dirty="0" smtClean="0"/>
+              <a:t>Observer, Listener</a:t>
+            </a:r>
+          </a:p>
+        </p:txBody>
+      </p:sp>
+      <p:sp>
+        <p:nvSpPr>
+          <p:cNvPr id="35" name="TextBox 34">
+            <a:extLst>
+              <a:ext uri="{FF2B5EF4-FFF2-40B4-BE49-F238E27FC236}">
+                <a16:creationId xmlns="" xmlns:a16="http://schemas.microsoft.com/office/drawing/2014/main" id="{A9AFB107-57BE-3FF3-7AFF-962C2368E148}"/>
+              </a:ext>
+            </a:extLst>
+          </p:cNvPr>
+          <p:cNvSpPr txBox="1"/>
+          <p:nvPr/>
+        </p:nvSpPr>
+        <p:spPr>
+          <a:xfrm>
+            <a:off x="4038600" y="2788498"/>
+            <a:ext cx="3753678" cy="1028128"/>
+          </a:xfrm>
+          <a:prstGeom prst="rect">
+            <a:avLst/>
+          </a:prstGeom>
+          <a:solidFill>
+            <a:schemeClr val="bg1"/>
+          </a:solidFill>
+          <a:ln>
+            <a:solidFill>
+              <a:schemeClr val="accent1"/>
+            </a:solidFill>
+          </a:ln>
+        </p:spPr>
+        <p:txBody>
+          <a:bodyPr wrap="square">
+            <a:noAutofit/>
+          </a:bodyPr>
+          <a:lstStyle/>
+          <a:p>
+            <a:r>
+              <a:rPr lang="en-US" altLang="ko-KR" sz="1100" dirty="0" smtClean="0"/>
+              <a:t> </a:t>
+            </a:r>
+            <a:endParaRPr lang="en-US" altLang="ko-KR" sz="1100" dirty="0" smtClean="0"/>
+          </a:p>
+        </p:txBody>
+      </p:sp>
+      <p:sp>
+        <p:nvSpPr>
+          <p:cNvPr id="21" name="TextBox 20">
+            <a:extLst>
+              <a:ext uri="{FF2B5EF4-FFF2-40B4-BE49-F238E27FC236}">
+                <a16:creationId xmlns="" xmlns:a16="http://schemas.microsoft.com/office/drawing/2014/main" id="{A9AFB107-57BE-3FF3-7AFF-962C2368E148}"/>
+              </a:ext>
+            </a:extLst>
+          </p:cNvPr>
+          <p:cNvSpPr txBox="1"/>
+          <p:nvPr/>
+        </p:nvSpPr>
+        <p:spPr>
+          <a:xfrm>
+            <a:off x="440180" y="2200275"/>
+            <a:ext cx="7456043" cy="238126"/>
+          </a:xfrm>
+          <a:prstGeom prst="rect">
+            <a:avLst/>
+          </a:prstGeom>
+          <a:solidFill>
+            <a:schemeClr val="accent6">
+              <a:lumMod val="20000"/>
+              <a:lumOff val="80000"/>
+            </a:schemeClr>
+          </a:solidFill>
+          <a:ln>
+            <a:solidFill>
+              <a:schemeClr val="accent1"/>
+            </a:solidFill>
+          </a:ln>
+        </p:spPr>
+        <p:txBody>
+          <a:bodyPr wrap="square" anchor="ctr">
+            <a:noAutofit/>
+          </a:bodyPr>
+          <a:lstStyle/>
+          <a:p>
+            <a:r>
+              <a:rPr lang="en-US" altLang="ko-KR" sz="1100" dirty="0" smtClean="0">
+                <a:solidFill>
+                  <a:srgbClr val="FF0000"/>
+                </a:solidFill>
+              </a:rPr>
+              <a:t>Use</a:t>
+            </a:r>
+            <a:endParaRPr lang="en-US" altLang="ko-KR" sz="1100" dirty="0">
+              <a:solidFill>
+                <a:srgbClr val="FF0000"/>
+              </a:solidFill>
+            </a:endParaRPr>
+          </a:p>
+        </p:txBody>
+      </p:sp>
+      <p:sp>
+        <p:nvSpPr>
           <p:cNvPr id="2" name="TextBox 1">
             <a:extLst>
               <a:ext uri="{FF2B5EF4-FFF2-40B4-BE49-F238E27FC236}">
@@ -4635,7 +4817,973 @@
             </a:r>
             <a:r>
               <a:rPr lang="ko-KR" altLang="en-US" sz="1200" dirty="0" smtClean="0"/>
-              <a:t>사용이유</a:t>
+              <a:t>구성도</a:t>
+            </a:r>
+            <a:endParaRPr lang="ko-KR" altLang="en-US" sz="1200" dirty="0"/>
+          </a:p>
+        </p:txBody>
+      </p:sp>
+      <p:cxnSp>
+        <p:nvCxnSpPr>
+          <p:cNvPr id="3" name="직선 연결선 2">
+            <a:extLst>
+              <a:ext uri="{FF2B5EF4-FFF2-40B4-BE49-F238E27FC236}">
+                <a16:creationId xmlns="" xmlns:a16="http://schemas.microsoft.com/office/drawing/2014/main" id="{648A685F-2664-99D3-FAE0-D046BBDCCF84}"/>
+              </a:ext>
+            </a:extLst>
+          </p:cNvPr>
+          <p:cNvCxnSpPr/>
+          <p:nvPr/>
+        </p:nvCxnSpPr>
+        <p:spPr>
+          <a:xfrm>
+            <a:off x="0" y="290453"/>
+            <a:ext cx="12192000" cy="0"/>
+          </a:xfrm>
+          <a:prstGeom prst="line">
+            <a:avLst/>
+          </a:prstGeom>
+        </p:spPr>
+        <p:style>
+          <a:lnRef idx="1">
+            <a:schemeClr val="accent1"/>
+          </a:lnRef>
+          <a:fillRef idx="0">
+            <a:schemeClr val="accent1"/>
+          </a:fillRef>
+          <a:effectRef idx="0">
+            <a:schemeClr val="accent1"/>
+          </a:effectRef>
+          <a:fontRef idx="minor">
+            <a:schemeClr val="tx1"/>
+          </a:fontRef>
+        </p:style>
+      </p:cxnSp>
+      <p:sp>
+        <p:nvSpPr>
+          <p:cNvPr id="6" name="TextBox 5">
+            <a:extLst>
+              <a:ext uri="{FF2B5EF4-FFF2-40B4-BE49-F238E27FC236}">
+                <a16:creationId xmlns="" xmlns:a16="http://schemas.microsoft.com/office/drawing/2014/main" id="{A9AFB107-57BE-3FF3-7AFF-962C2368E148}"/>
+              </a:ext>
+            </a:extLst>
+          </p:cNvPr>
+          <p:cNvSpPr txBox="1"/>
+          <p:nvPr/>
+        </p:nvSpPr>
+        <p:spPr>
+          <a:xfrm>
+            <a:off x="640207" y="3289869"/>
+            <a:ext cx="3265043" cy="430886"/>
+          </a:xfrm>
+          <a:prstGeom prst="rect">
+            <a:avLst/>
+          </a:prstGeom>
+          <a:solidFill>
+            <a:schemeClr val="bg1"/>
+          </a:solidFill>
+          <a:ln>
+            <a:solidFill>
+              <a:schemeClr val="accent1"/>
+            </a:solidFill>
+          </a:ln>
+        </p:spPr>
+        <p:txBody>
+          <a:bodyPr wrap="square" anchor="ctr">
+            <a:noAutofit/>
+          </a:bodyPr>
+          <a:lstStyle/>
+          <a:p>
+            <a:r>
+              <a:rPr lang="en-US" altLang="ko-KR" sz="1100" dirty="0"/>
+              <a:t>context.read&lt;Dog&gt;().</a:t>
+            </a:r>
+            <a:r>
+              <a:rPr lang="en-US" altLang="ko-KR" sz="1100" dirty="0" smtClean="0"/>
+              <a:t>name</a:t>
+            </a:r>
+            <a:endParaRPr lang="en-US" altLang="ko-KR" sz="1100" dirty="0"/>
+          </a:p>
+        </p:txBody>
+      </p:sp>
+      <p:sp>
+        <p:nvSpPr>
+          <p:cNvPr id="7" name="TextBox 6">
+            <a:extLst>
+              <a:ext uri="{FF2B5EF4-FFF2-40B4-BE49-F238E27FC236}">
+                <a16:creationId xmlns="" xmlns:a16="http://schemas.microsoft.com/office/drawing/2014/main" id="{A9AFB107-57BE-3FF3-7AFF-962C2368E148}"/>
+              </a:ext>
+            </a:extLst>
+          </p:cNvPr>
+          <p:cNvSpPr txBox="1"/>
+          <p:nvPr/>
+        </p:nvSpPr>
+        <p:spPr>
+          <a:xfrm>
+            <a:off x="640207" y="2862485"/>
+            <a:ext cx="3265043" cy="430887"/>
+          </a:xfrm>
+          <a:prstGeom prst="rect">
+            <a:avLst/>
+          </a:prstGeom>
+          <a:solidFill>
+            <a:schemeClr val="bg1"/>
+          </a:solidFill>
+          <a:ln>
+            <a:solidFill>
+              <a:schemeClr val="accent1"/>
+            </a:solidFill>
+          </a:ln>
+        </p:spPr>
+        <p:txBody>
+          <a:bodyPr wrap="square">
+            <a:spAutoFit/>
+          </a:bodyPr>
+          <a:lstStyle/>
+          <a:p>
+            <a:r>
+              <a:rPr lang="en-US" altLang="ko-KR" sz="1100" dirty="0" smtClean="0"/>
+              <a:t>Provider.of&lt;Dog</a:t>
+            </a:r>
+            <a:r>
+              <a:rPr lang="en-US" altLang="ko-KR" sz="1100" dirty="0"/>
+              <a:t>&gt;(context, listen: false).</a:t>
+            </a:r>
+            <a:r>
+              <a:rPr lang="en-US" altLang="ko-KR" sz="1100" dirty="0" smtClean="0"/>
+              <a:t>name</a:t>
+            </a:r>
+          </a:p>
+          <a:p>
+            <a:r>
+              <a:rPr lang="en-US" altLang="ko-KR" sz="1100" dirty="0" smtClean="0"/>
+              <a:t>Provider.of&lt;Dog</a:t>
+            </a:r>
+            <a:r>
+              <a:rPr lang="en-US" altLang="ko-KR" sz="1100" dirty="0"/>
+              <a:t>&gt;(context, listen: false).grow</a:t>
+            </a:r>
+            <a:r>
+              <a:rPr lang="en-US" altLang="ko-KR" sz="1100" dirty="0" smtClean="0"/>
+              <a:t>()</a:t>
+            </a:r>
+            <a:endParaRPr lang="en-US" altLang="ko-KR" sz="1100" dirty="0"/>
+          </a:p>
+        </p:txBody>
+      </p:sp>
+      <p:grpSp>
+        <p:nvGrpSpPr>
+          <p:cNvPr id="16" name="그룹 15"/>
+          <p:cNvGrpSpPr/>
+          <p:nvPr/>
+        </p:nvGrpSpPr>
+        <p:grpSpPr>
+          <a:xfrm>
+            <a:off x="4171950" y="523121"/>
+            <a:ext cx="2921732" cy="692497"/>
+            <a:chOff x="4171950" y="523121"/>
+            <a:chExt cx="2921732" cy="692497"/>
+          </a:xfrm>
+          <a:solidFill>
+            <a:schemeClr val="accent2">
+              <a:lumMod val="20000"/>
+              <a:lumOff val="80000"/>
+            </a:schemeClr>
+          </a:solidFill>
+        </p:grpSpPr>
+        <p:sp>
+          <p:nvSpPr>
+            <p:cNvPr id="5" name="TextBox 4">
+              <a:extLst>
+                <a:ext uri="{FF2B5EF4-FFF2-40B4-BE49-F238E27FC236}">
+                  <a16:creationId xmlns="" xmlns:a16="http://schemas.microsoft.com/office/drawing/2014/main" id="{A9AFB107-57BE-3FF3-7AFF-962C2368E148}"/>
+                </a:ext>
+              </a:extLst>
+            </p:cNvPr>
+            <p:cNvSpPr txBox="1"/>
+            <p:nvPr/>
+          </p:nvSpPr>
+          <p:spPr>
+            <a:xfrm>
+              <a:off x="4171950" y="784731"/>
+              <a:ext cx="2921732" cy="430887"/>
+            </a:xfrm>
+            <a:prstGeom prst="rect">
+              <a:avLst/>
+            </a:prstGeom>
+            <a:grpFill/>
+            <a:ln>
+              <a:solidFill>
+                <a:schemeClr val="accent1"/>
+              </a:solidFill>
+            </a:ln>
+          </p:spPr>
+          <p:txBody>
+            <a:bodyPr wrap="square">
+              <a:spAutoFit/>
+            </a:bodyPr>
+            <a:lstStyle/>
+            <a:p>
+              <a:r>
+                <a:rPr lang="en-US" altLang="ko-KR" sz="1100" b="1" dirty="0" smtClean="0"/>
+                <a:t>ChangeNotifier</a:t>
+              </a:r>
+              <a:endParaRPr lang="en-US" altLang="ko-KR" sz="1100" dirty="0"/>
+            </a:p>
+            <a:p>
+              <a:r>
+                <a:rPr lang="en-US" altLang="ko-KR" sz="1100" dirty="0" smtClean="0"/>
+                <a:t>  - </a:t>
+              </a:r>
+              <a:r>
+                <a:rPr lang="en-US" altLang="ko-KR" sz="1100" dirty="0"/>
+                <a:t>notifyListeners</a:t>
+              </a:r>
+              <a:r>
+                <a:rPr lang="en-US" altLang="ko-KR" sz="1100" dirty="0" smtClean="0"/>
+                <a:t>()</a:t>
+              </a:r>
+              <a:endParaRPr lang="en-US" altLang="ko-KR" sz="1100" dirty="0"/>
+            </a:p>
+          </p:txBody>
+        </p:sp>
+        <p:sp>
+          <p:nvSpPr>
+            <p:cNvPr id="11" name="TextBox 10">
+              <a:extLst>
+                <a:ext uri="{FF2B5EF4-FFF2-40B4-BE49-F238E27FC236}">
+                  <a16:creationId xmlns="" xmlns:a16="http://schemas.microsoft.com/office/drawing/2014/main" id="{A9AFB107-57BE-3FF3-7AFF-962C2368E148}"/>
+                </a:ext>
+              </a:extLst>
+            </p:cNvPr>
+            <p:cNvSpPr txBox="1"/>
+            <p:nvPr/>
+          </p:nvSpPr>
+          <p:spPr>
+            <a:xfrm>
+              <a:off x="4171950" y="523121"/>
+              <a:ext cx="2921732" cy="261610"/>
+            </a:xfrm>
+            <a:prstGeom prst="rect">
+              <a:avLst/>
+            </a:prstGeom>
+            <a:grpFill/>
+            <a:ln>
+              <a:solidFill>
+                <a:schemeClr val="accent1"/>
+              </a:solidFill>
+            </a:ln>
+          </p:spPr>
+          <p:txBody>
+            <a:bodyPr wrap="square">
+              <a:spAutoFit/>
+            </a:bodyPr>
+            <a:lstStyle/>
+            <a:p>
+              <a:r>
+                <a:rPr lang="en-US" altLang="ko-KR" sz="1100" dirty="0" smtClean="0">
+                  <a:solidFill>
+                    <a:srgbClr val="FF0000"/>
+                  </a:solidFill>
+                </a:rPr>
+                <a:t>Notifier (Model)</a:t>
+              </a:r>
+              <a:endParaRPr lang="en-US" altLang="ko-KR" sz="1100" dirty="0">
+                <a:solidFill>
+                  <a:srgbClr val="FF0000"/>
+                </a:solidFill>
+              </a:endParaRPr>
+            </a:p>
+          </p:txBody>
+        </p:sp>
+      </p:grpSp>
+      <p:sp>
+        <p:nvSpPr>
+          <p:cNvPr id="13" name="TextBox 12">
+            <a:extLst>
+              <a:ext uri="{FF2B5EF4-FFF2-40B4-BE49-F238E27FC236}">
+                <a16:creationId xmlns="" xmlns:a16="http://schemas.microsoft.com/office/drawing/2014/main" id="{A9AFB107-57BE-3FF3-7AFF-962C2368E148}"/>
+              </a:ext>
+            </a:extLst>
+          </p:cNvPr>
+          <p:cNvSpPr txBox="1"/>
+          <p:nvPr/>
+        </p:nvSpPr>
+        <p:spPr>
+          <a:xfrm>
+            <a:off x="4078358" y="2863313"/>
+            <a:ext cx="3664224" cy="430887"/>
+          </a:xfrm>
+          <a:prstGeom prst="rect">
+            <a:avLst/>
+          </a:prstGeom>
+          <a:solidFill>
+            <a:schemeClr val="bg1"/>
+          </a:solidFill>
+          <a:ln>
+            <a:solidFill>
+              <a:schemeClr val="accent1"/>
+            </a:solidFill>
+          </a:ln>
+        </p:spPr>
+        <p:txBody>
+          <a:bodyPr wrap="square">
+            <a:spAutoFit/>
+          </a:bodyPr>
+          <a:lstStyle/>
+          <a:p>
+            <a:r>
+              <a:rPr lang="en-US" altLang="ko-KR" sz="1100" dirty="0" smtClean="0"/>
+              <a:t>Provider.of&lt;Dog&gt;(context).name</a:t>
+            </a:r>
+          </a:p>
+          <a:p>
+            <a:r>
+              <a:rPr lang="en-US" altLang="ko-KR" sz="1100" dirty="0" smtClean="0"/>
+              <a:t>Provider.of&lt;Dog&gt;(context).age</a:t>
+            </a:r>
+          </a:p>
+        </p:txBody>
+      </p:sp>
+      <p:sp>
+        <p:nvSpPr>
+          <p:cNvPr id="14" name="TextBox 13">
+            <a:extLst>
+              <a:ext uri="{FF2B5EF4-FFF2-40B4-BE49-F238E27FC236}">
+                <a16:creationId xmlns="" xmlns:a16="http://schemas.microsoft.com/office/drawing/2014/main" id="{A9AFB107-57BE-3FF3-7AFF-962C2368E148}"/>
+              </a:ext>
+            </a:extLst>
+          </p:cNvPr>
+          <p:cNvSpPr txBox="1"/>
+          <p:nvPr/>
+        </p:nvSpPr>
+        <p:spPr>
+          <a:xfrm>
+            <a:off x="4078358" y="3287457"/>
+            <a:ext cx="3664224" cy="430887"/>
+          </a:xfrm>
+          <a:prstGeom prst="rect">
+            <a:avLst/>
+          </a:prstGeom>
+          <a:solidFill>
+            <a:schemeClr val="bg1"/>
+          </a:solidFill>
+          <a:ln>
+            <a:solidFill>
+              <a:schemeClr val="accent1"/>
+            </a:solidFill>
+          </a:ln>
+        </p:spPr>
+        <p:txBody>
+          <a:bodyPr wrap="square">
+            <a:spAutoFit/>
+          </a:bodyPr>
+          <a:lstStyle/>
+          <a:p>
+            <a:r>
+              <a:rPr lang="en-US" altLang="ko-KR" sz="1100" dirty="0" smtClean="0"/>
+              <a:t>context.watch&lt;Dog</a:t>
+            </a:r>
+            <a:r>
+              <a:rPr lang="en-US" altLang="ko-KR" sz="1100" dirty="0"/>
+              <a:t>&gt;().age</a:t>
+            </a:r>
+          </a:p>
+          <a:p>
+            <a:r>
+              <a:rPr lang="en-US" altLang="ko-KR" sz="1100" dirty="0"/>
+              <a:t>context.select&lt;Dog, String&gt;((Dog dog) =&gt; dog.breed</a:t>
+            </a:r>
+            <a:r>
+              <a:rPr lang="en-US" altLang="ko-KR" sz="1100" dirty="0" smtClean="0"/>
+              <a:t>)</a:t>
+            </a:r>
+            <a:endParaRPr lang="en-US" altLang="ko-KR" sz="1100" dirty="0"/>
+          </a:p>
+        </p:txBody>
+      </p:sp>
+      <p:grpSp>
+        <p:nvGrpSpPr>
+          <p:cNvPr id="42" name="그룹 41"/>
+          <p:cNvGrpSpPr/>
+          <p:nvPr/>
+        </p:nvGrpSpPr>
+        <p:grpSpPr>
+          <a:xfrm>
+            <a:off x="440182" y="503327"/>
+            <a:ext cx="3283682" cy="1363572"/>
+            <a:chOff x="440182" y="503327"/>
+            <a:chExt cx="3283682" cy="1363572"/>
+          </a:xfrm>
+        </p:grpSpPr>
+        <p:sp>
+          <p:nvSpPr>
+            <p:cNvPr id="34" name="TextBox 33">
+              <a:extLst>
+                <a:ext uri="{FF2B5EF4-FFF2-40B4-BE49-F238E27FC236}">
+                  <a16:creationId xmlns="" xmlns:a16="http://schemas.microsoft.com/office/drawing/2014/main" id="{A9AFB107-57BE-3FF3-7AFF-962C2368E148}"/>
+                </a:ext>
+              </a:extLst>
+            </p:cNvPr>
+            <p:cNvSpPr txBox="1"/>
+            <p:nvPr/>
+          </p:nvSpPr>
+          <p:spPr>
+            <a:xfrm>
+              <a:off x="440182" y="765680"/>
+              <a:ext cx="3283682" cy="1101219"/>
+            </a:xfrm>
+            <a:prstGeom prst="rect">
+              <a:avLst/>
+            </a:prstGeom>
+            <a:solidFill>
+              <a:schemeClr val="bg1">
+                <a:lumMod val="85000"/>
+              </a:schemeClr>
+            </a:solidFill>
+            <a:ln>
+              <a:solidFill>
+                <a:schemeClr val="accent1"/>
+              </a:solidFill>
+            </a:ln>
+          </p:spPr>
+          <p:txBody>
+            <a:bodyPr wrap="square">
+              <a:noAutofit/>
+            </a:bodyPr>
+            <a:lstStyle/>
+            <a:p>
+              <a:endParaRPr lang="en-US" altLang="ko-KR" sz="1100" dirty="0">
+                <a:solidFill>
+                  <a:srgbClr val="FF0000"/>
+                </a:solidFill>
+              </a:endParaRPr>
+            </a:p>
+          </p:txBody>
+        </p:sp>
+        <p:sp>
+          <p:nvSpPr>
+            <p:cNvPr id="4" name="TextBox 3">
+              <a:extLst>
+                <a:ext uri="{FF2B5EF4-FFF2-40B4-BE49-F238E27FC236}">
+                  <a16:creationId xmlns="" xmlns:a16="http://schemas.microsoft.com/office/drawing/2014/main" id="{A9AFB107-57BE-3FF3-7AFF-962C2368E148}"/>
+                </a:ext>
+              </a:extLst>
+            </p:cNvPr>
+            <p:cNvSpPr txBox="1"/>
+            <p:nvPr/>
+          </p:nvSpPr>
+          <p:spPr>
+            <a:xfrm>
+              <a:off x="552452" y="831250"/>
+              <a:ext cx="3009898" cy="261610"/>
+            </a:xfrm>
+            <a:prstGeom prst="rect">
+              <a:avLst/>
+            </a:prstGeom>
+            <a:solidFill>
+              <a:schemeClr val="bg1"/>
+            </a:solidFill>
+            <a:ln>
+              <a:solidFill>
+                <a:schemeClr val="accent1"/>
+              </a:solidFill>
+            </a:ln>
+          </p:spPr>
+          <p:txBody>
+            <a:bodyPr wrap="square">
+              <a:spAutoFit/>
+            </a:bodyPr>
+            <a:lstStyle/>
+            <a:p>
+              <a:r>
+                <a:rPr lang="en-US" altLang="ko-KR" sz="1100" b="1" dirty="0" smtClean="0"/>
+                <a:t>ProxyProvider</a:t>
+              </a:r>
+              <a:endParaRPr lang="en-US" altLang="ko-KR" sz="1100" dirty="0"/>
+            </a:p>
+          </p:txBody>
+        </p:sp>
+        <p:sp>
+          <p:nvSpPr>
+            <p:cNvPr id="10" name="TextBox 9">
+              <a:extLst>
+                <a:ext uri="{FF2B5EF4-FFF2-40B4-BE49-F238E27FC236}">
+                  <a16:creationId xmlns="" xmlns:a16="http://schemas.microsoft.com/office/drawing/2014/main" id="{A9AFB107-57BE-3FF3-7AFF-962C2368E148}"/>
+                </a:ext>
+              </a:extLst>
+            </p:cNvPr>
+            <p:cNvSpPr txBox="1"/>
+            <p:nvPr/>
+          </p:nvSpPr>
+          <p:spPr>
+            <a:xfrm>
+              <a:off x="440182" y="503327"/>
+              <a:ext cx="3283682" cy="261610"/>
+            </a:xfrm>
+            <a:prstGeom prst="rect">
+              <a:avLst/>
+            </a:prstGeom>
+            <a:solidFill>
+              <a:schemeClr val="bg1">
+                <a:lumMod val="85000"/>
+              </a:schemeClr>
+            </a:solidFill>
+            <a:ln>
+              <a:solidFill>
+                <a:schemeClr val="accent1"/>
+              </a:solidFill>
+            </a:ln>
+          </p:spPr>
+          <p:txBody>
+            <a:bodyPr wrap="square">
+              <a:noAutofit/>
+            </a:bodyPr>
+            <a:lstStyle/>
+            <a:p>
+              <a:r>
+                <a:rPr lang="en-US" altLang="ko-KR" sz="1100" dirty="0" smtClean="0">
+                  <a:solidFill>
+                    <a:srgbClr val="FF0000"/>
+                  </a:solidFill>
+                </a:rPr>
+                <a:t>Definition</a:t>
+              </a:r>
+              <a:endParaRPr lang="en-US" altLang="ko-KR" sz="1100" dirty="0">
+                <a:solidFill>
+                  <a:srgbClr val="FF0000"/>
+                </a:solidFill>
+              </a:endParaRPr>
+            </a:p>
+          </p:txBody>
+        </p:sp>
+        <p:sp>
+          <p:nvSpPr>
+            <p:cNvPr id="25" name="TextBox 24">
+              <a:extLst>
+                <a:ext uri="{FF2B5EF4-FFF2-40B4-BE49-F238E27FC236}">
+                  <a16:creationId xmlns="" xmlns:a16="http://schemas.microsoft.com/office/drawing/2014/main" id="{A9AFB107-57BE-3FF3-7AFF-962C2368E148}"/>
+                </a:ext>
+              </a:extLst>
+            </p:cNvPr>
+            <p:cNvSpPr txBox="1"/>
+            <p:nvPr/>
+          </p:nvSpPr>
+          <p:spPr>
+            <a:xfrm>
+              <a:off x="552450" y="1140485"/>
+              <a:ext cx="3009898" cy="430887"/>
+            </a:xfrm>
+            <a:prstGeom prst="rect">
+              <a:avLst/>
+            </a:prstGeom>
+            <a:solidFill>
+              <a:schemeClr val="bg1"/>
+            </a:solidFill>
+            <a:ln>
+              <a:solidFill>
+                <a:schemeClr val="accent1"/>
+              </a:solidFill>
+            </a:ln>
+          </p:spPr>
+          <p:txBody>
+            <a:bodyPr wrap="square">
+              <a:spAutoFit/>
+            </a:bodyPr>
+            <a:lstStyle/>
+            <a:p>
+              <a:r>
+                <a:rPr lang="en-US" altLang="ko-KR" sz="1100" b="1" dirty="0"/>
+                <a:t>ChangeNotifierProxyProvider</a:t>
+              </a:r>
+              <a:endParaRPr lang="en-US" altLang="ko-KR" sz="1100" dirty="0"/>
+            </a:p>
+            <a:p>
+              <a:r>
+                <a:rPr lang="en-US" altLang="ko-KR" sz="1100" b="1" dirty="0" smtClean="0"/>
+                <a:t>..</a:t>
+              </a:r>
+              <a:endParaRPr lang="en-US" altLang="ko-KR" sz="1100" dirty="0"/>
+            </a:p>
+          </p:txBody>
+        </p:sp>
+      </p:grpSp>
+      <p:cxnSp>
+        <p:nvCxnSpPr>
+          <p:cNvPr id="9" name="꺾인 연결선 8"/>
+          <p:cNvCxnSpPr>
+            <a:stCxn id="5" idx="1"/>
+            <a:endCxn id="25" idx="3"/>
+          </p:cNvCxnSpPr>
+          <p:nvPr/>
+        </p:nvCxnSpPr>
+        <p:spPr>
+          <a:xfrm rot="10800000" flipV="1">
+            <a:off x="3562348" y="1000175"/>
+            <a:ext cx="609602" cy="355754"/>
+          </a:xfrm>
+          <a:prstGeom prst="bentConnector3">
+            <a:avLst/>
+          </a:prstGeom>
+          <a:ln>
+            <a:tailEnd type="arrow"/>
+          </a:ln>
+        </p:spPr>
+        <p:style>
+          <a:lnRef idx="1">
+            <a:schemeClr val="accent1"/>
+          </a:lnRef>
+          <a:fillRef idx="0">
+            <a:schemeClr val="accent1"/>
+          </a:fillRef>
+          <a:effectRef idx="0">
+            <a:schemeClr val="accent1"/>
+          </a:effectRef>
+          <a:fontRef idx="minor">
+            <a:schemeClr val="tx1"/>
+          </a:fontRef>
+        </p:style>
+      </p:cxnSp>
+      <p:cxnSp>
+        <p:nvCxnSpPr>
+          <p:cNvPr id="26" name="꺾인 연결선 25"/>
+          <p:cNvCxnSpPr>
+            <a:stCxn id="25" idx="2"/>
+            <a:endCxn id="21" idx="0"/>
+          </p:cNvCxnSpPr>
+          <p:nvPr/>
+        </p:nvCxnSpPr>
+        <p:spPr>
+          <a:xfrm rot="16200000" flipH="1">
+            <a:off x="2798349" y="830421"/>
+            <a:ext cx="628903" cy="2110803"/>
+          </a:xfrm>
+          <a:prstGeom prst="bentConnector3">
+            <a:avLst/>
+          </a:prstGeom>
+          <a:ln>
+            <a:tailEnd type="arrow"/>
+          </a:ln>
+        </p:spPr>
+        <p:style>
+          <a:lnRef idx="1">
+            <a:schemeClr val="accent1"/>
+          </a:lnRef>
+          <a:fillRef idx="0">
+            <a:schemeClr val="accent1"/>
+          </a:fillRef>
+          <a:effectRef idx="0">
+            <a:schemeClr val="accent1"/>
+          </a:effectRef>
+          <a:fontRef idx="minor">
+            <a:schemeClr val="tx1"/>
+          </a:fontRef>
+        </p:style>
+      </p:cxnSp>
+      <p:cxnSp>
+        <p:nvCxnSpPr>
+          <p:cNvPr id="28" name="꺾인 연결선 27"/>
+          <p:cNvCxnSpPr>
+            <a:stCxn id="5" idx="2"/>
+            <a:endCxn id="17" idx="0"/>
+          </p:cNvCxnSpPr>
+          <p:nvPr/>
+        </p:nvCxnSpPr>
+        <p:spPr>
+          <a:xfrm rot="16200000" flipH="1">
+            <a:off x="5118493" y="1729941"/>
+            <a:ext cx="1311270" cy="282624"/>
+          </a:xfrm>
+          <a:prstGeom prst="bentConnector3">
+            <a:avLst/>
+          </a:prstGeom>
+          <a:ln>
+            <a:tailEnd type="arrow"/>
+          </a:ln>
+        </p:spPr>
+        <p:style>
+          <a:lnRef idx="1">
+            <a:schemeClr val="accent1"/>
+          </a:lnRef>
+          <a:fillRef idx="0">
+            <a:schemeClr val="accent1"/>
+          </a:fillRef>
+          <a:effectRef idx="0">
+            <a:schemeClr val="accent1"/>
+          </a:effectRef>
+          <a:fontRef idx="minor">
+            <a:schemeClr val="tx1"/>
+          </a:fontRef>
+        </p:style>
+      </p:cxnSp>
+      <p:grpSp>
+        <p:nvGrpSpPr>
+          <p:cNvPr id="43" name="그룹 42"/>
+          <p:cNvGrpSpPr/>
+          <p:nvPr/>
+        </p:nvGrpSpPr>
+        <p:grpSpPr>
+          <a:xfrm>
+            <a:off x="640207" y="3980676"/>
+            <a:ext cx="3265043" cy="849741"/>
+            <a:chOff x="640207" y="3602994"/>
+            <a:chExt cx="3283682" cy="849741"/>
+          </a:xfrm>
+        </p:grpSpPr>
+        <p:sp>
+          <p:nvSpPr>
+            <p:cNvPr id="39" name="TextBox 38">
+              <a:extLst>
+                <a:ext uri="{FF2B5EF4-FFF2-40B4-BE49-F238E27FC236}">
+                  <a16:creationId xmlns="" xmlns:a16="http://schemas.microsoft.com/office/drawing/2014/main" id="{A9AFB107-57BE-3FF3-7AFF-962C2368E148}"/>
+                </a:ext>
+              </a:extLst>
+            </p:cNvPr>
+            <p:cNvSpPr txBox="1"/>
+            <p:nvPr/>
+          </p:nvSpPr>
+          <p:spPr>
+            <a:xfrm>
+              <a:off x="640207" y="3865347"/>
+              <a:ext cx="3283682" cy="587388"/>
+            </a:xfrm>
+            <a:prstGeom prst="rect">
+              <a:avLst/>
+            </a:prstGeom>
+            <a:solidFill>
+              <a:schemeClr val="bg1">
+                <a:lumMod val="85000"/>
+              </a:schemeClr>
+            </a:solidFill>
+            <a:ln>
+              <a:solidFill>
+                <a:schemeClr val="accent1"/>
+              </a:solidFill>
+            </a:ln>
+          </p:spPr>
+          <p:txBody>
+            <a:bodyPr wrap="square">
+              <a:noAutofit/>
+            </a:bodyPr>
+            <a:lstStyle/>
+            <a:p>
+              <a:endParaRPr lang="en-US" altLang="ko-KR" sz="1100" dirty="0">
+                <a:solidFill>
+                  <a:srgbClr val="FF0000"/>
+                </a:solidFill>
+              </a:endParaRPr>
+            </a:p>
+          </p:txBody>
+        </p:sp>
+        <p:sp>
+          <p:nvSpPr>
+            <p:cNvPr id="40" name="TextBox 39">
+              <a:extLst>
+                <a:ext uri="{FF2B5EF4-FFF2-40B4-BE49-F238E27FC236}">
+                  <a16:creationId xmlns="" xmlns:a16="http://schemas.microsoft.com/office/drawing/2014/main" id="{A9AFB107-57BE-3FF3-7AFF-962C2368E148}"/>
+                </a:ext>
+              </a:extLst>
+            </p:cNvPr>
+            <p:cNvSpPr txBox="1"/>
+            <p:nvPr/>
+          </p:nvSpPr>
+          <p:spPr>
+            <a:xfrm>
+              <a:off x="640207" y="3602994"/>
+              <a:ext cx="3283682" cy="261610"/>
+            </a:xfrm>
+            <a:prstGeom prst="rect">
+              <a:avLst/>
+            </a:prstGeom>
+            <a:solidFill>
+              <a:schemeClr val="bg1">
+                <a:lumMod val="85000"/>
+              </a:schemeClr>
+            </a:solidFill>
+            <a:ln>
+              <a:solidFill>
+                <a:schemeClr val="accent1"/>
+              </a:solidFill>
+            </a:ln>
+          </p:spPr>
+          <p:txBody>
+            <a:bodyPr wrap="square">
+              <a:noAutofit/>
+            </a:bodyPr>
+            <a:lstStyle/>
+            <a:p>
+              <a:r>
+                <a:rPr lang="en-US" altLang="ko-KR" sz="1100" dirty="0" smtClean="0">
+                  <a:solidFill>
+                    <a:srgbClr val="FF0000"/>
+                  </a:solidFill>
+                </a:rPr>
+                <a:t>Definition &amp; Use</a:t>
+              </a:r>
+              <a:endParaRPr lang="en-US" altLang="ko-KR" sz="1100" dirty="0">
+                <a:solidFill>
+                  <a:srgbClr val="FF0000"/>
+                </a:solidFill>
+              </a:endParaRPr>
+            </a:p>
+          </p:txBody>
+        </p:sp>
+        <p:sp>
+          <p:nvSpPr>
+            <p:cNvPr id="41" name="TextBox 40">
+              <a:extLst>
+                <a:ext uri="{FF2B5EF4-FFF2-40B4-BE49-F238E27FC236}">
+                  <a16:creationId xmlns="" xmlns:a16="http://schemas.microsoft.com/office/drawing/2014/main" id="{A9AFB107-57BE-3FF3-7AFF-962C2368E148}"/>
+                </a:ext>
+              </a:extLst>
+            </p:cNvPr>
+            <p:cNvSpPr txBox="1"/>
+            <p:nvPr/>
+          </p:nvSpPr>
+          <p:spPr>
+            <a:xfrm>
+              <a:off x="752475" y="3932043"/>
+              <a:ext cx="3009898" cy="430887"/>
+            </a:xfrm>
+            <a:prstGeom prst="rect">
+              <a:avLst/>
+            </a:prstGeom>
+            <a:solidFill>
+              <a:schemeClr val="bg1"/>
+            </a:solidFill>
+            <a:ln>
+              <a:solidFill>
+                <a:schemeClr val="accent1"/>
+              </a:solidFill>
+            </a:ln>
+          </p:spPr>
+          <p:txBody>
+            <a:bodyPr wrap="square">
+              <a:spAutoFit/>
+            </a:bodyPr>
+            <a:lstStyle/>
+            <a:p>
+              <a:r>
+                <a:rPr lang="en-US" altLang="ko-KR" sz="1100" b="1" dirty="0" smtClean="0"/>
+                <a:t>Consumer</a:t>
+              </a:r>
+            </a:p>
+            <a:p>
+              <a:r>
+                <a:rPr lang="en-US" altLang="ko-KR" sz="1100" b="1" dirty="0" smtClean="0"/>
+                <a:t>Selector</a:t>
+              </a:r>
+              <a:endParaRPr lang="en-US" altLang="ko-KR" sz="1100" dirty="0"/>
+            </a:p>
+          </p:txBody>
+        </p:sp>
+      </p:grpSp>
+      <p:cxnSp>
+        <p:nvCxnSpPr>
+          <p:cNvPr id="44" name="꺾인 연결선 43"/>
+          <p:cNvCxnSpPr>
+            <a:stCxn id="40" idx="0"/>
+            <a:endCxn id="6" idx="2"/>
+          </p:cNvCxnSpPr>
+          <p:nvPr/>
+        </p:nvCxnSpPr>
+        <p:spPr>
+          <a:xfrm rot="5400000" flipH="1" flipV="1">
+            <a:off x="2142769" y="3850716"/>
+            <a:ext cx="259921" cy="12700"/>
+          </a:xfrm>
+          <a:prstGeom prst="bentConnector3">
+            <a:avLst>
+              <a:gd name="adj1" fmla="val 50000"/>
+            </a:avLst>
+          </a:prstGeom>
+          <a:ln>
+            <a:tailEnd type="arrow"/>
+          </a:ln>
+        </p:spPr>
+        <p:style>
+          <a:lnRef idx="1">
+            <a:schemeClr val="accent1"/>
+          </a:lnRef>
+          <a:fillRef idx="0">
+            <a:schemeClr val="accent1"/>
+          </a:fillRef>
+          <a:effectRef idx="0">
+            <a:schemeClr val="accent1"/>
+          </a:effectRef>
+          <a:fontRef idx="minor">
+            <a:schemeClr val="tx1"/>
+          </a:fontRef>
+        </p:style>
+      </p:cxnSp>
+    </p:spTree>
+    <p:extLst>
+      <p:ext uri="{BB962C8B-B14F-4D97-AF65-F5344CB8AC3E}">
+        <p14:creationId xmlns:p14="http://schemas.microsoft.com/office/powerpoint/2010/main" val="3035045179"/>
+      </p:ext>
+    </p:extLst>
+  </p:cSld>
+  <p:clrMapOvr>
+    <a:masterClrMapping/>
+  </p:clrMapOvr>
+  <p:timing>
+    <p:tnLst>
+      <p:par>
+        <p:cTn id="1" dur="indefinite" restart="never" nodeType="tmRoot"/>
+      </p:par>
+    </p:tnLst>
+  </p:timing>
+</p:sld>
+</file>
+
+<file path=ppt/slides/slide3.xml><?xml version="1.0" encoding="utf-8"?>
+<p:sld xmlns:a="http://schemas.openxmlformats.org/drawingml/2006/main" xmlns:r="http://schemas.openxmlformats.org/officeDocument/2006/relationships" xmlns:p="http://schemas.openxmlformats.org/presentationml/2006/main">
+  <p:cSld>
+    <p:spTree>
+      <p:nvGrpSpPr>
+        <p:cNvPr id="1" name=""/>
+        <p:cNvGrpSpPr/>
+        <p:nvPr/>
+      </p:nvGrpSpPr>
+      <p:grpSpPr>
+        <a:xfrm>
+          <a:off x="0" y="0"/>
+          <a:ext cx="0" cy="0"/>
+          <a:chOff x="0" y="0"/>
+          <a:chExt cx="0" cy="0"/>
+        </a:xfrm>
+      </p:grpSpPr>
+      <p:sp>
+        <p:nvSpPr>
+          <p:cNvPr id="2" name="TextBox 1">
+            <a:extLst>
+              <a:ext uri="{FF2B5EF4-FFF2-40B4-BE49-F238E27FC236}">
+                <a16:creationId xmlns="" xmlns:a16="http://schemas.microsoft.com/office/drawing/2014/main" id="{C4AF561A-3B7B-158D-BC4D-3C39551F8D95}"/>
+              </a:ext>
+            </a:extLst>
+          </p:cNvPr>
+          <p:cNvSpPr txBox="1"/>
+          <p:nvPr/>
+        </p:nvSpPr>
+        <p:spPr>
+          <a:xfrm>
+            <a:off x="10160" y="13454"/>
+            <a:ext cx="6096000" cy="276999"/>
+          </a:xfrm>
+          <a:prstGeom prst="rect">
+            <a:avLst/>
+          </a:prstGeom>
+          <a:noFill/>
+        </p:spPr>
+        <p:txBody>
+          <a:bodyPr wrap="square">
+            <a:spAutoFit/>
+          </a:bodyPr>
+          <a:lstStyle/>
+          <a:p>
+            <a:r>
+              <a:rPr lang="en-US" altLang="ko-KR" sz="1200" dirty="0" smtClean="0"/>
+              <a:t>aaaaaaaaaa</a:t>
             </a:r>
             <a:endParaRPr lang="ko-KR" altLang="en-US" sz="1200" dirty="0"/>
           </a:p>

--- a/README_Provider 통합.pptx
+++ b/README_Provider 통합.pptx
@@ -6,8 +6,9 @@
   </p:sldMasterIdLst>
   <p:sldIdLst>
     <p:sldId id="260" r:id="rId2"/>
-    <p:sldId id="261" r:id="rId3"/>
-    <p:sldId id="257" r:id="rId4"/>
+    <p:sldId id="262" r:id="rId3"/>
+    <p:sldId id="261" r:id="rId4"/>
+    <p:sldId id="257" r:id="rId5"/>
   </p:sldIdLst>
   <p:sldSz cx="12192000" cy="6858000"/>
   <p:notesSz cx="6858000" cy="9144000"/>
@@ -108,7 +109,7 @@
   </p:defaultTextStyle>
   <p:extLst>
     <p:ext uri="{EFAFB233-063F-42B5-8137-9DF3F51BA10A}">
-      <p15:sldGuideLst xmlns="" xmlns:p15="http://schemas.microsoft.com/office/powerpoint/2012/main"/>
+      <p15:sldGuideLst xmlns:p15="http://schemas.microsoft.com/office/powerpoint/2012/main" xmlns=""/>
     </p:ext>
   </p:extLst>
 </p:presentation>
@@ -136,7 +137,7 @@
           <p:cNvPr id="2" name="제목 1">
             <a:extLst>
               <a:ext uri="{FF2B5EF4-FFF2-40B4-BE49-F238E27FC236}">
-                <a16:creationId xmlns="" xmlns:a16="http://schemas.microsoft.com/office/drawing/2014/main" id="{49F40279-CD25-8B7A-3975-12664637434F}"/>
+                <a16:creationId xmlns:a16="http://schemas.microsoft.com/office/drawing/2014/main" xmlns="" id="{49F40279-CD25-8B7A-3975-12664637434F}"/>
               </a:ext>
             </a:extLst>
           </p:cNvPr>
@@ -173,7 +174,7 @@
           <p:cNvPr id="3" name="부제목 2">
             <a:extLst>
               <a:ext uri="{FF2B5EF4-FFF2-40B4-BE49-F238E27FC236}">
-                <a16:creationId xmlns="" xmlns:a16="http://schemas.microsoft.com/office/drawing/2014/main" id="{0CBD974B-C55E-F38B-99CE-864D2D01E33C}"/>
+                <a16:creationId xmlns:a16="http://schemas.microsoft.com/office/drawing/2014/main" xmlns="" id="{0CBD974B-C55E-F38B-99CE-864D2D01E33C}"/>
               </a:ext>
             </a:extLst>
           </p:cNvPr>
@@ -243,7 +244,7 @@
           <p:cNvPr id="4" name="날짜 개체 틀 3">
             <a:extLst>
               <a:ext uri="{FF2B5EF4-FFF2-40B4-BE49-F238E27FC236}">
-                <a16:creationId xmlns="" xmlns:a16="http://schemas.microsoft.com/office/drawing/2014/main" id="{632E0770-9CC2-F36E-EA57-6F860D9A1EBB}"/>
+                <a16:creationId xmlns:a16="http://schemas.microsoft.com/office/drawing/2014/main" xmlns="" id="{632E0770-9CC2-F36E-EA57-6F860D9A1EBB}"/>
               </a:ext>
             </a:extLst>
           </p:cNvPr>
@@ -261,7 +262,7 @@
           <a:p>
             <a:fld id="{DE1A4F41-A76E-4852-8F55-2746E7B52609}" type="datetimeFigureOut">
               <a:rPr lang="ko-KR" altLang="en-US" smtClean="0"/>
-              <a:t>2022-12-10</a:t>
+              <a:t>2022-12-11</a:t>
             </a:fld>
             <a:endParaRPr lang="ko-KR" altLang="en-US"/>
           </a:p>
@@ -272,7 +273,7 @@
           <p:cNvPr id="5" name="바닥글 개체 틀 4">
             <a:extLst>
               <a:ext uri="{FF2B5EF4-FFF2-40B4-BE49-F238E27FC236}">
-                <a16:creationId xmlns="" xmlns:a16="http://schemas.microsoft.com/office/drawing/2014/main" id="{F121A2AE-6467-02FB-D453-492614D4BFEB}"/>
+                <a16:creationId xmlns:a16="http://schemas.microsoft.com/office/drawing/2014/main" xmlns="" id="{F121A2AE-6467-02FB-D453-492614D4BFEB}"/>
               </a:ext>
             </a:extLst>
           </p:cNvPr>
@@ -297,7 +298,7 @@
           <p:cNvPr id="6" name="슬라이드 번호 개체 틀 5">
             <a:extLst>
               <a:ext uri="{FF2B5EF4-FFF2-40B4-BE49-F238E27FC236}">
-                <a16:creationId xmlns="" xmlns:a16="http://schemas.microsoft.com/office/drawing/2014/main" id="{303BD8BA-6B34-C296-B8FB-3D08D9C017D5}"/>
+                <a16:creationId xmlns:a16="http://schemas.microsoft.com/office/drawing/2014/main" xmlns="" id="{303BD8BA-6B34-C296-B8FB-3D08D9C017D5}"/>
               </a:ext>
             </a:extLst>
           </p:cNvPr>
@@ -356,7 +357,7 @@
           <p:cNvPr id="2" name="제목 1">
             <a:extLst>
               <a:ext uri="{FF2B5EF4-FFF2-40B4-BE49-F238E27FC236}">
-                <a16:creationId xmlns="" xmlns:a16="http://schemas.microsoft.com/office/drawing/2014/main" id="{3AD112FC-8C68-581D-E4A7-BD6A0CD3F1F8}"/>
+                <a16:creationId xmlns:a16="http://schemas.microsoft.com/office/drawing/2014/main" xmlns="" id="{3AD112FC-8C68-581D-E4A7-BD6A0CD3F1F8}"/>
               </a:ext>
             </a:extLst>
           </p:cNvPr>
@@ -384,7 +385,7 @@
           <p:cNvPr id="3" name="세로 텍스트 개체 틀 2">
             <a:extLst>
               <a:ext uri="{FF2B5EF4-FFF2-40B4-BE49-F238E27FC236}">
-                <a16:creationId xmlns="" xmlns:a16="http://schemas.microsoft.com/office/drawing/2014/main" id="{705BDFBA-8161-5E9D-5306-39633F919ADC}"/>
+                <a16:creationId xmlns:a16="http://schemas.microsoft.com/office/drawing/2014/main" xmlns="" id="{705BDFBA-8161-5E9D-5306-39633F919ADC}"/>
               </a:ext>
             </a:extLst>
           </p:cNvPr>
@@ -441,7 +442,7 @@
           <p:cNvPr id="4" name="날짜 개체 틀 3">
             <a:extLst>
               <a:ext uri="{FF2B5EF4-FFF2-40B4-BE49-F238E27FC236}">
-                <a16:creationId xmlns="" xmlns:a16="http://schemas.microsoft.com/office/drawing/2014/main" id="{10499AED-EBEE-AE14-843F-F54D9763A2BB}"/>
+                <a16:creationId xmlns:a16="http://schemas.microsoft.com/office/drawing/2014/main" xmlns="" id="{10499AED-EBEE-AE14-843F-F54D9763A2BB}"/>
               </a:ext>
             </a:extLst>
           </p:cNvPr>
@@ -459,7 +460,7 @@
           <a:p>
             <a:fld id="{DE1A4F41-A76E-4852-8F55-2746E7B52609}" type="datetimeFigureOut">
               <a:rPr lang="ko-KR" altLang="en-US" smtClean="0"/>
-              <a:t>2022-12-10</a:t>
+              <a:t>2022-12-11</a:t>
             </a:fld>
             <a:endParaRPr lang="ko-KR" altLang="en-US"/>
           </a:p>
@@ -470,7 +471,7 @@
           <p:cNvPr id="5" name="바닥글 개체 틀 4">
             <a:extLst>
               <a:ext uri="{FF2B5EF4-FFF2-40B4-BE49-F238E27FC236}">
-                <a16:creationId xmlns="" xmlns:a16="http://schemas.microsoft.com/office/drawing/2014/main" id="{5AC494CD-4343-5B23-B816-E01AB3C6B81B}"/>
+                <a16:creationId xmlns:a16="http://schemas.microsoft.com/office/drawing/2014/main" xmlns="" id="{5AC494CD-4343-5B23-B816-E01AB3C6B81B}"/>
               </a:ext>
             </a:extLst>
           </p:cNvPr>
@@ -495,7 +496,7 @@
           <p:cNvPr id="6" name="슬라이드 번호 개체 틀 5">
             <a:extLst>
               <a:ext uri="{FF2B5EF4-FFF2-40B4-BE49-F238E27FC236}">
-                <a16:creationId xmlns="" xmlns:a16="http://schemas.microsoft.com/office/drawing/2014/main" id="{DE9BA120-4C37-4762-5D4F-283594989455}"/>
+                <a16:creationId xmlns:a16="http://schemas.microsoft.com/office/drawing/2014/main" xmlns="" id="{DE9BA120-4C37-4762-5D4F-283594989455}"/>
               </a:ext>
             </a:extLst>
           </p:cNvPr>
@@ -554,7 +555,7 @@
           <p:cNvPr id="2" name="세로 제목 1">
             <a:extLst>
               <a:ext uri="{FF2B5EF4-FFF2-40B4-BE49-F238E27FC236}">
-                <a16:creationId xmlns="" xmlns:a16="http://schemas.microsoft.com/office/drawing/2014/main" id="{7BA90191-E178-F795-23DA-8AA8F61E0780}"/>
+                <a16:creationId xmlns:a16="http://schemas.microsoft.com/office/drawing/2014/main" xmlns="" id="{7BA90191-E178-F795-23DA-8AA8F61E0780}"/>
               </a:ext>
             </a:extLst>
           </p:cNvPr>
@@ -587,7 +588,7 @@
           <p:cNvPr id="3" name="세로 텍스트 개체 틀 2">
             <a:extLst>
               <a:ext uri="{FF2B5EF4-FFF2-40B4-BE49-F238E27FC236}">
-                <a16:creationId xmlns="" xmlns:a16="http://schemas.microsoft.com/office/drawing/2014/main" id="{B37A81A2-3574-97A0-B669-B1F9002B2242}"/>
+                <a16:creationId xmlns:a16="http://schemas.microsoft.com/office/drawing/2014/main" xmlns="" id="{B37A81A2-3574-97A0-B669-B1F9002B2242}"/>
               </a:ext>
             </a:extLst>
           </p:cNvPr>
@@ -649,7 +650,7 @@
           <p:cNvPr id="4" name="날짜 개체 틀 3">
             <a:extLst>
               <a:ext uri="{FF2B5EF4-FFF2-40B4-BE49-F238E27FC236}">
-                <a16:creationId xmlns="" xmlns:a16="http://schemas.microsoft.com/office/drawing/2014/main" id="{7093D321-9553-C5FC-1AB8-1C21AA853EA2}"/>
+                <a16:creationId xmlns:a16="http://schemas.microsoft.com/office/drawing/2014/main" xmlns="" id="{7093D321-9553-C5FC-1AB8-1C21AA853EA2}"/>
               </a:ext>
             </a:extLst>
           </p:cNvPr>
@@ -667,7 +668,7 @@
           <a:p>
             <a:fld id="{DE1A4F41-A76E-4852-8F55-2746E7B52609}" type="datetimeFigureOut">
               <a:rPr lang="ko-KR" altLang="en-US" smtClean="0"/>
-              <a:t>2022-12-10</a:t>
+              <a:t>2022-12-11</a:t>
             </a:fld>
             <a:endParaRPr lang="ko-KR" altLang="en-US"/>
           </a:p>
@@ -678,7 +679,7 @@
           <p:cNvPr id="5" name="바닥글 개체 틀 4">
             <a:extLst>
               <a:ext uri="{FF2B5EF4-FFF2-40B4-BE49-F238E27FC236}">
-                <a16:creationId xmlns="" xmlns:a16="http://schemas.microsoft.com/office/drawing/2014/main" id="{4A9DA5EA-7E92-CDEB-C16D-DBADEA4E7C4F}"/>
+                <a16:creationId xmlns:a16="http://schemas.microsoft.com/office/drawing/2014/main" xmlns="" id="{4A9DA5EA-7E92-CDEB-C16D-DBADEA4E7C4F}"/>
               </a:ext>
             </a:extLst>
           </p:cNvPr>
@@ -703,7 +704,7 @@
           <p:cNvPr id="6" name="슬라이드 번호 개체 틀 5">
             <a:extLst>
               <a:ext uri="{FF2B5EF4-FFF2-40B4-BE49-F238E27FC236}">
-                <a16:creationId xmlns="" xmlns:a16="http://schemas.microsoft.com/office/drawing/2014/main" id="{2B70D6E9-EB43-591B-BC67-8D20CB9E4CB8}"/>
+                <a16:creationId xmlns:a16="http://schemas.microsoft.com/office/drawing/2014/main" xmlns="" id="{2B70D6E9-EB43-591B-BC67-8D20CB9E4CB8}"/>
               </a:ext>
             </a:extLst>
           </p:cNvPr>
@@ -762,7 +763,7 @@
           <p:cNvPr id="2" name="제목 1">
             <a:extLst>
               <a:ext uri="{FF2B5EF4-FFF2-40B4-BE49-F238E27FC236}">
-                <a16:creationId xmlns="" xmlns:a16="http://schemas.microsoft.com/office/drawing/2014/main" id="{496F6A08-6278-2ED1-2DC9-F0749523920E}"/>
+                <a16:creationId xmlns:a16="http://schemas.microsoft.com/office/drawing/2014/main" xmlns="" id="{496F6A08-6278-2ED1-2DC9-F0749523920E}"/>
               </a:ext>
             </a:extLst>
           </p:cNvPr>
@@ -790,7 +791,7 @@
           <p:cNvPr id="3" name="내용 개체 틀 2">
             <a:extLst>
               <a:ext uri="{FF2B5EF4-FFF2-40B4-BE49-F238E27FC236}">
-                <a16:creationId xmlns="" xmlns:a16="http://schemas.microsoft.com/office/drawing/2014/main" id="{2B799D18-5EEC-FEF7-9226-42049F00748A}"/>
+                <a16:creationId xmlns:a16="http://schemas.microsoft.com/office/drawing/2014/main" xmlns="" id="{2B799D18-5EEC-FEF7-9226-42049F00748A}"/>
               </a:ext>
             </a:extLst>
           </p:cNvPr>
@@ -847,7 +848,7 @@
           <p:cNvPr id="4" name="날짜 개체 틀 3">
             <a:extLst>
               <a:ext uri="{FF2B5EF4-FFF2-40B4-BE49-F238E27FC236}">
-                <a16:creationId xmlns="" xmlns:a16="http://schemas.microsoft.com/office/drawing/2014/main" id="{DEC7297D-BDEA-3DA8-A093-9A35E2D859D3}"/>
+                <a16:creationId xmlns:a16="http://schemas.microsoft.com/office/drawing/2014/main" xmlns="" id="{DEC7297D-BDEA-3DA8-A093-9A35E2D859D3}"/>
               </a:ext>
             </a:extLst>
           </p:cNvPr>
@@ -865,7 +866,7 @@
           <a:p>
             <a:fld id="{DE1A4F41-A76E-4852-8F55-2746E7B52609}" type="datetimeFigureOut">
               <a:rPr lang="ko-KR" altLang="en-US" smtClean="0"/>
-              <a:t>2022-12-10</a:t>
+              <a:t>2022-12-11</a:t>
             </a:fld>
             <a:endParaRPr lang="ko-KR" altLang="en-US"/>
           </a:p>
@@ -876,7 +877,7 @@
           <p:cNvPr id="5" name="바닥글 개체 틀 4">
             <a:extLst>
               <a:ext uri="{FF2B5EF4-FFF2-40B4-BE49-F238E27FC236}">
-                <a16:creationId xmlns="" xmlns:a16="http://schemas.microsoft.com/office/drawing/2014/main" id="{800F4056-960F-6EAC-6C33-EE67DD917FA0}"/>
+                <a16:creationId xmlns:a16="http://schemas.microsoft.com/office/drawing/2014/main" xmlns="" id="{800F4056-960F-6EAC-6C33-EE67DD917FA0}"/>
               </a:ext>
             </a:extLst>
           </p:cNvPr>
@@ -901,7 +902,7 @@
           <p:cNvPr id="6" name="슬라이드 번호 개체 틀 5">
             <a:extLst>
               <a:ext uri="{FF2B5EF4-FFF2-40B4-BE49-F238E27FC236}">
-                <a16:creationId xmlns="" xmlns:a16="http://schemas.microsoft.com/office/drawing/2014/main" id="{F1A9033F-69E8-0003-4D3A-E0E03C97A11D}"/>
+                <a16:creationId xmlns:a16="http://schemas.microsoft.com/office/drawing/2014/main" xmlns="" id="{F1A9033F-69E8-0003-4D3A-E0E03C97A11D}"/>
               </a:ext>
             </a:extLst>
           </p:cNvPr>
@@ -960,7 +961,7 @@
           <p:cNvPr id="2" name="제목 1">
             <a:extLst>
               <a:ext uri="{FF2B5EF4-FFF2-40B4-BE49-F238E27FC236}">
-                <a16:creationId xmlns="" xmlns:a16="http://schemas.microsoft.com/office/drawing/2014/main" id="{EEEFD127-F6C9-EA9E-1B8E-5B8FEF536F49}"/>
+                <a16:creationId xmlns:a16="http://schemas.microsoft.com/office/drawing/2014/main" xmlns="" id="{EEEFD127-F6C9-EA9E-1B8E-5B8FEF536F49}"/>
               </a:ext>
             </a:extLst>
           </p:cNvPr>
@@ -997,7 +998,7 @@
           <p:cNvPr id="3" name="텍스트 개체 틀 2">
             <a:extLst>
               <a:ext uri="{FF2B5EF4-FFF2-40B4-BE49-F238E27FC236}">
-                <a16:creationId xmlns="" xmlns:a16="http://schemas.microsoft.com/office/drawing/2014/main" id="{A016A7B9-E5BE-67CD-8D4B-C56AC3FD4361}"/>
+                <a16:creationId xmlns:a16="http://schemas.microsoft.com/office/drawing/2014/main" xmlns="" id="{A016A7B9-E5BE-67CD-8D4B-C56AC3FD4361}"/>
               </a:ext>
             </a:extLst>
           </p:cNvPr>
@@ -1122,7 +1123,7 @@
           <p:cNvPr id="4" name="날짜 개체 틀 3">
             <a:extLst>
               <a:ext uri="{FF2B5EF4-FFF2-40B4-BE49-F238E27FC236}">
-                <a16:creationId xmlns="" xmlns:a16="http://schemas.microsoft.com/office/drawing/2014/main" id="{BB46CCD3-D772-1248-E16D-4B1E0AD6158A}"/>
+                <a16:creationId xmlns:a16="http://schemas.microsoft.com/office/drawing/2014/main" xmlns="" id="{BB46CCD3-D772-1248-E16D-4B1E0AD6158A}"/>
               </a:ext>
             </a:extLst>
           </p:cNvPr>
@@ -1140,7 +1141,7 @@
           <a:p>
             <a:fld id="{DE1A4F41-A76E-4852-8F55-2746E7B52609}" type="datetimeFigureOut">
               <a:rPr lang="ko-KR" altLang="en-US" smtClean="0"/>
-              <a:t>2022-12-10</a:t>
+              <a:t>2022-12-11</a:t>
             </a:fld>
             <a:endParaRPr lang="ko-KR" altLang="en-US"/>
           </a:p>
@@ -1151,7 +1152,7 @@
           <p:cNvPr id="5" name="바닥글 개체 틀 4">
             <a:extLst>
               <a:ext uri="{FF2B5EF4-FFF2-40B4-BE49-F238E27FC236}">
-                <a16:creationId xmlns="" xmlns:a16="http://schemas.microsoft.com/office/drawing/2014/main" id="{0D0B4FF8-A64B-78A0-DE84-D324A0C948FD}"/>
+                <a16:creationId xmlns:a16="http://schemas.microsoft.com/office/drawing/2014/main" xmlns="" id="{0D0B4FF8-A64B-78A0-DE84-D324A0C948FD}"/>
               </a:ext>
             </a:extLst>
           </p:cNvPr>
@@ -1176,7 +1177,7 @@
           <p:cNvPr id="6" name="슬라이드 번호 개체 틀 5">
             <a:extLst>
               <a:ext uri="{FF2B5EF4-FFF2-40B4-BE49-F238E27FC236}">
-                <a16:creationId xmlns="" xmlns:a16="http://schemas.microsoft.com/office/drawing/2014/main" id="{1D5CDF91-EF48-538A-7D98-74BF79A289F6}"/>
+                <a16:creationId xmlns:a16="http://schemas.microsoft.com/office/drawing/2014/main" xmlns="" id="{1D5CDF91-EF48-538A-7D98-74BF79A289F6}"/>
               </a:ext>
             </a:extLst>
           </p:cNvPr>
@@ -1235,7 +1236,7 @@
           <p:cNvPr id="2" name="제목 1">
             <a:extLst>
               <a:ext uri="{FF2B5EF4-FFF2-40B4-BE49-F238E27FC236}">
-                <a16:creationId xmlns="" xmlns:a16="http://schemas.microsoft.com/office/drawing/2014/main" id="{BD5D7BC4-8EFB-4113-FBE1-3F9E2F2B12A7}"/>
+                <a16:creationId xmlns:a16="http://schemas.microsoft.com/office/drawing/2014/main" xmlns="" id="{BD5D7BC4-8EFB-4113-FBE1-3F9E2F2B12A7}"/>
               </a:ext>
             </a:extLst>
           </p:cNvPr>
@@ -1263,7 +1264,7 @@
           <p:cNvPr id="3" name="내용 개체 틀 2">
             <a:extLst>
               <a:ext uri="{FF2B5EF4-FFF2-40B4-BE49-F238E27FC236}">
-                <a16:creationId xmlns="" xmlns:a16="http://schemas.microsoft.com/office/drawing/2014/main" id="{EDEE2099-518F-F1DE-11DD-D45C853B987A}"/>
+                <a16:creationId xmlns:a16="http://schemas.microsoft.com/office/drawing/2014/main" xmlns="" id="{EDEE2099-518F-F1DE-11DD-D45C853B987A}"/>
               </a:ext>
             </a:extLst>
           </p:cNvPr>
@@ -1325,7 +1326,7 @@
           <p:cNvPr id="4" name="내용 개체 틀 3">
             <a:extLst>
               <a:ext uri="{FF2B5EF4-FFF2-40B4-BE49-F238E27FC236}">
-                <a16:creationId xmlns="" xmlns:a16="http://schemas.microsoft.com/office/drawing/2014/main" id="{82D71EF5-CB72-2F30-8F64-1B8D8DCCB216}"/>
+                <a16:creationId xmlns:a16="http://schemas.microsoft.com/office/drawing/2014/main" xmlns="" id="{82D71EF5-CB72-2F30-8F64-1B8D8DCCB216}"/>
               </a:ext>
             </a:extLst>
           </p:cNvPr>
@@ -1387,7 +1388,7 @@
           <p:cNvPr id="5" name="날짜 개체 틀 4">
             <a:extLst>
               <a:ext uri="{FF2B5EF4-FFF2-40B4-BE49-F238E27FC236}">
-                <a16:creationId xmlns="" xmlns:a16="http://schemas.microsoft.com/office/drawing/2014/main" id="{DA892DC2-6A22-4FD0-8DC1-B2CB97CAF876}"/>
+                <a16:creationId xmlns:a16="http://schemas.microsoft.com/office/drawing/2014/main" xmlns="" id="{DA892DC2-6A22-4FD0-8DC1-B2CB97CAF876}"/>
               </a:ext>
             </a:extLst>
           </p:cNvPr>
@@ -1405,7 +1406,7 @@
           <a:p>
             <a:fld id="{DE1A4F41-A76E-4852-8F55-2746E7B52609}" type="datetimeFigureOut">
               <a:rPr lang="ko-KR" altLang="en-US" smtClean="0"/>
-              <a:t>2022-12-10</a:t>
+              <a:t>2022-12-11</a:t>
             </a:fld>
             <a:endParaRPr lang="ko-KR" altLang="en-US"/>
           </a:p>
@@ -1416,7 +1417,7 @@
           <p:cNvPr id="6" name="바닥글 개체 틀 5">
             <a:extLst>
               <a:ext uri="{FF2B5EF4-FFF2-40B4-BE49-F238E27FC236}">
-                <a16:creationId xmlns="" xmlns:a16="http://schemas.microsoft.com/office/drawing/2014/main" id="{9166CFA2-FC53-08F1-02D1-35AE2347463E}"/>
+                <a16:creationId xmlns:a16="http://schemas.microsoft.com/office/drawing/2014/main" xmlns="" id="{9166CFA2-FC53-08F1-02D1-35AE2347463E}"/>
               </a:ext>
             </a:extLst>
           </p:cNvPr>
@@ -1441,7 +1442,7 @@
           <p:cNvPr id="7" name="슬라이드 번호 개체 틀 6">
             <a:extLst>
               <a:ext uri="{FF2B5EF4-FFF2-40B4-BE49-F238E27FC236}">
-                <a16:creationId xmlns="" xmlns:a16="http://schemas.microsoft.com/office/drawing/2014/main" id="{4D7CA0AE-9097-9CDD-0EC0-C228B78D5726}"/>
+                <a16:creationId xmlns:a16="http://schemas.microsoft.com/office/drawing/2014/main" xmlns="" id="{4D7CA0AE-9097-9CDD-0EC0-C228B78D5726}"/>
               </a:ext>
             </a:extLst>
           </p:cNvPr>
@@ -1500,7 +1501,7 @@
           <p:cNvPr id="2" name="제목 1">
             <a:extLst>
               <a:ext uri="{FF2B5EF4-FFF2-40B4-BE49-F238E27FC236}">
-                <a16:creationId xmlns="" xmlns:a16="http://schemas.microsoft.com/office/drawing/2014/main" id="{1BA7C5F6-1881-DD1E-74A3-3F1B650EB668}"/>
+                <a16:creationId xmlns:a16="http://schemas.microsoft.com/office/drawing/2014/main" xmlns="" id="{1BA7C5F6-1881-DD1E-74A3-3F1B650EB668}"/>
               </a:ext>
             </a:extLst>
           </p:cNvPr>
@@ -1533,7 +1534,7 @@
           <p:cNvPr id="3" name="텍스트 개체 틀 2">
             <a:extLst>
               <a:ext uri="{FF2B5EF4-FFF2-40B4-BE49-F238E27FC236}">
-                <a16:creationId xmlns="" xmlns:a16="http://schemas.microsoft.com/office/drawing/2014/main" id="{6B24FA09-E8AD-D36F-C255-FE14A2FFD897}"/>
+                <a16:creationId xmlns:a16="http://schemas.microsoft.com/office/drawing/2014/main" xmlns="" id="{6B24FA09-E8AD-D36F-C255-FE14A2FFD897}"/>
               </a:ext>
             </a:extLst>
           </p:cNvPr>
@@ -1604,7 +1605,7 @@
           <p:cNvPr id="4" name="내용 개체 틀 3">
             <a:extLst>
               <a:ext uri="{FF2B5EF4-FFF2-40B4-BE49-F238E27FC236}">
-                <a16:creationId xmlns="" xmlns:a16="http://schemas.microsoft.com/office/drawing/2014/main" id="{DBB30CBF-9D01-5B61-BB91-4004D55C5B9D}"/>
+                <a16:creationId xmlns:a16="http://schemas.microsoft.com/office/drawing/2014/main" xmlns="" id="{DBB30CBF-9D01-5B61-BB91-4004D55C5B9D}"/>
               </a:ext>
             </a:extLst>
           </p:cNvPr>
@@ -1666,7 +1667,7 @@
           <p:cNvPr id="5" name="텍스트 개체 틀 4">
             <a:extLst>
               <a:ext uri="{FF2B5EF4-FFF2-40B4-BE49-F238E27FC236}">
-                <a16:creationId xmlns="" xmlns:a16="http://schemas.microsoft.com/office/drawing/2014/main" id="{71CD3E62-5AC7-6980-02D4-C365698333FF}"/>
+                <a16:creationId xmlns:a16="http://schemas.microsoft.com/office/drawing/2014/main" xmlns="" id="{71CD3E62-5AC7-6980-02D4-C365698333FF}"/>
               </a:ext>
             </a:extLst>
           </p:cNvPr>
@@ -1737,7 +1738,7 @@
           <p:cNvPr id="6" name="내용 개체 틀 5">
             <a:extLst>
               <a:ext uri="{FF2B5EF4-FFF2-40B4-BE49-F238E27FC236}">
-                <a16:creationId xmlns="" xmlns:a16="http://schemas.microsoft.com/office/drawing/2014/main" id="{57FEA27C-E8A2-F4DE-3B64-B79EDF0C2AB4}"/>
+                <a16:creationId xmlns:a16="http://schemas.microsoft.com/office/drawing/2014/main" xmlns="" id="{57FEA27C-E8A2-F4DE-3B64-B79EDF0C2AB4}"/>
               </a:ext>
             </a:extLst>
           </p:cNvPr>
@@ -1799,7 +1800,7 @@
           <p:cNvPr id="7" name="날짜 개체 틀 6">
             <a:extLst>
               <a:ext uri="{FF2B5EF4-FFF2-40B4-BE49-F238E27FC236}">
-                <a16:creationId xmlns="" xmlns:a16="http://schemas.microsoft.com/office/drawing/2014/main" id="{383282FE-19FC-7783-3251-D73A65D21215}"/>
+                <a16:creationId xmlns:a16="http://schemas.microsoft.com/office/drawing/2014/main" xmlns="" id="{383282FE-19FC-7783-3251-D73A65D21215}"/>
               </a:ext>
             </a:extLst>
           </p:cNvPr>
@@ -1817,7 +1818,7 @@
           <a:p>
             <a:fld id="{DE1A4F41-A76E-4852-8F55-2746E7B52609}" type="datetimeFigureOut">
               <a:rPr lang="ko-KR" altLang="en-US" smtClean="0"/>
-              <a:t>2022-12-10</a:t>
+              <a:t>2022-12-11</a:t>
             </a:fld>
             <a:endParaRPr lang="ko-KR" altLang="en-US"/>
           </a:p>
@@ -1828,7 +1829,7 @@
           <p:cNvPr id="8" name="바닥글 개체 틀 7">
             <a:extLst>
               <a:ext uri="{FF2B5EF4-FFF2-40B4-BE49-F238E27FC236}">
-                <a16:creationId xmlns="" xmlns:a16="http://schemas.microsoft.com/office/drawing/2014/main" id="{3198D3F6-3FAF-F6F6-CD58-C3EDB5594E03}"/>
+                <a16:creationId xmlns:a16="http://schemas.microsoft.com/office/drawing/2014/main" xmlns="" id="{3198D3F6-3FAF-F6F6-CD58-C3EDB5594E03}"/>
               </a:ext>
             </a:extLst>
           </p:cNvPr>
@@ -1853,7 +1854,7 @@
           <p:cNvPr id="9" name="슬라이드 번호 개체 틀 8">
             <a:extLst>
               <a:ext uri="{FF2B5EF4-FFF2-40B4-BE49-F238E27FC236}">
-                <a16:creationId xmlns="" xmlns:a16="http://schemas.microsoft.com/office/drawing/2014/main" id="{864C2091-4172-467B-FD82-D456CF54B887}"/>
+                <a16:creationId xmlns:a16="http://schemas.microsoft.com/office/drawing/2014/main" xmlns="" id="{864C2091-4172-467B-FD82-D456CF54B887}"/>
               </a:ext>
             </a:extLst>
           </p:cNvPr>
@@ -1912,7 +1913,7 @@
           <p:cNvPr id="2" name="제목 1">
             <a:extLst>
               <a:ext uri="{FF2B5EF4-FFF2-40B4-BE49-F238E27FC236}">
-                <a16:creationId xmlns="" xmlns:a16="http://schemas.microsoft.com/office/drawing/2014/main" id="{4D89B6B3-9B9E-4619-2DA7-4BED1C5ABE42}"/>
+                <a16:creationId xmlns:a16="http://schemas.microsoft.com/office/drawing/2014/main" xmlns="" id="{4D89B6B3-9B9E-4619-2DA7-4BED1C5ABE42}"/>
               </a:ext>
             </a:extLst>
           </p:cNvPr>
@@ -1940,7 +1941,7 @@
           <p:cNvPr id="3" name="날짜 개체 틀 2">
             <a:extLst>
               <a:ext uri="{FF2B5EF4-FFF2-40B4-BE49-F238E27FC236}">
-                <a16:creationId xmlns="" xmlns:a16="http://schemas.microsoft.com/office/drawing/2014/main" id="{9AF481D9-47AD-582E-E07A-2B5BBC1F9E90}"/>
+                <a16:creationId xmlns:a16="http://schemas.microsoft.com/office/drawing/2014/main" xmlns="" id="{9AF481D9-47AD-582E-E07A-2B5BBC1F9E90}"/>
               </a:ext>
             </a:extLst>
           </p:cNvPr>
@@ -1958,7 +1959,7 @@
           <a:p>
             <a:fld id="{DE1A4F41-A76E-4852-8F55-2746E7B52609}" type="datetimeFigureOut">
               <a:rPr lang="ko-KR" altLang="en-US" smtClean="0"/>
-              <a:t>2022-12-10</a:t>
+              <a:t>2022-12-11</a:t>
             </a:fld>
             <a:endParaRPr lang="ko-KR" altLang="en-US"/>
           </a:p>
@@ -1969,7 +1970,7 @@
           <p:cNvPr id="4" name="바닥글 개체 틀 3">
             <a:extLst>
               <a:ext uri="{FF2B5EF4-FFF2-40B4-BE49-F238E27FC236}">
-                <a16:creationId xmlns="" xmlns:a16="http://schemas.microsoft.com/office/drawing/2014/main" id="{FC6850E4-5315-D71D-16F3-9CAD912C4CA3}"/>
+                <a16:creationId xmlns:a16="http://schemas.microsoft.com/office/drawing/2014/main" xmlns="" id="{FC6850E4-5315-D71D-16F3-9CAD912C4CA3}"/>
               </a:ext>
             </a:extLst>
           </p:cNvPr>
@@ -1994,7 +1995,7 @@
           <p:cNvPr id="5" name="슬라이드 번호 개체 틀 4">
             <a:extLst>
               <a:ext uri="{FF2B5EF4-FFF2-40B4-BE49-F238E27FC236}">
-                <a16:creationId xmlns="" xmlns:a16="http://schemas.microsoft.com/office/drawing/2014/main" id="{0AC696C9-0B85-9376-FF07-69C6A745F8B9}"/>
+                <a16:creationId xmlns:a16="http://schemas.microsoft.com/office/drawing/2014/main" xmlns="" id="{0AC696C9-0B85-9376-FF07-69C6A745F8B9}"/>
               </a:ext>
             </a:extLst>
           </p:cNvPr>
@@ -2053,7 +2054,7 @@
           <p:cNvPr id="2" name="날짜 개체 틀 1">
             <a:extLst>
               <a:ext uri="{FF2B5EF4-FFF2-40B4-BE49-F238E27FC236}">
-                <a16:creationId xmlns="" xmlns:a16="http://schemas.microsoft.com/office/drawing/2014/main" id="{5E5C0E46-B042-D235-D5AE-306492D51C17}"/>
+                <a16:creationId xmlns:a16="http://schemas.microsoft.com/office/drawing/2014/main" xmlns="" id="{5E5C0E46-B042-D235-D5AE-306492D51C17}"/>
               </a:ext>
             </a:extLst>
           </p:cNvPr>
@@ -2071,7 +2072,7 @@
           <a:p>
             <a:fld id="{DE1A4F41-A76E-4852-8F55-2746E7B52609}" type="datetimeFigureOut">
               <a:rPr lang="ko-KR" altLang="en-US" smtClean="0"/>
-              <a:t>2022-12-10</a:t>
+              <a:t>2022-12-11</a:t>
             </a:fld>
             <a:endParaRPr lang="ko-KR" altLang="en-US"/>
           </a:p>
@@ -2082,7 +2083,7 @@
           <p:cNvPr id="3" name="바닥글 개체 틀 2">
             <a:extLst>
               <a:ext uri="{FF2B5EF4-FFF2-40B4-BE49-F238E27FC236}">
-                <a16:creationId xmlns="" xmlns:a16="http://schemas.microsoft.com/office/drawing/2014/main" id="{2DA7D486-C092-E8AA-84BC-9A92526A1A50}"/>
+                <a16:creationId xmlns:a16="http://schemas.microsoft.com/office/drawing/2014/main" xmlns="" id="{2DA7D486-C092-E8AA-84BC-9A92526A1A50}"/>
               </a:ext>
             </a:extLst>
           </p:cNvPr>
@@ -2107,7 +2108,7 @@
           <p:cNvPr id="4" name="슬라이드 번호 개체 틀 3">
             <a:extLst>
               <a:ext uri="{FF2B5EF4-FFF2-40B4-BE49-F238E27FC236}">
-                <a16:creationId xmlns="" xmlns:a16="http://schemas.microsoft.com/office/drawing/2014/main" id="{1572FB4D-D203-35A9-9424-70F0DD654224}"/>
+                <a16:creationId xmlns:a16="http://schemas.microsoft.com/office/drawing/2014/main" xmlns="" id="{1572FB4D-D203-35A9-9424-70F0DD654224}"/>
               </a:ext>
             </a:extLst>
           </p:cNvPr>
@@ -2166,7 +2167,7 @@
           <p:cNvPr id="2" name="제목 1">
             <a:extLst>
               <a:ext uri="{FF2B5EF4-FFF2-40B4-BE49-F238E27FC236}">
-                <a16:creationId xmlns="" xmlns:a16="http://schemas.microsoft.com/office/drawing/2014/main" id="{E5CA5939-54EE-2351-1822-6804497C9AAE}"/>
+                <a16:creationId xmlns:a16="http://schemas.microsoft.com/office/drawing/2014/main" xmlns="" id="{E5CA5939-54EE-2351-1822-6804497C9AAE}"/>
               </a:ext>
             </a:extLst>
           </p:cNvPr>
@@ -2203,7 +2204,7 @@
           <p:cNvPr id="3" name="내용 개체 틀 2">
             <a:extLst>
               <a:ext uri="{FF2B5EF4-FFF2-40B4-BE49-F238E27FC236}">
-                <a16:creationId xmlns="" xmlns:a16="http://schemas.microsoft.com/office/drawing/2014/main" id="{E7A666E1-6718-6509-8605-FFEFC7079726}"/>
+                <a16:creationId xmlns:a16="http://schemas.microsoft.com/office/drawing/2014/main" xmlns="" id="{E7A666E1-6718-6509-8605-FFEFC7079726}"/>
               </a:ext>
             </a:extLst>
           </p:cNvPr>
@@ -2293,7 +2294,7 @@
           <p:cNvPr id="4" name="텍스트 개체 틀 3">
             <a:extLst>
               <a:ext uri="{FF2B5EF4-FFF2-40B4-BE49-F238E27FC236}">
-                <a16:creationId xmlns="" xmlns:a16="http://schemas.microsoft.com/office/drawing/2014/main" id="{593A06D6-EF69-CCF7-5559-AB04FBD9B38D}"/>
+                <a16:creationId xmlns:a16="http://schemas.microsoft.com/office/drawing/2014/main" xmlns="" id="{593A06D6-EF69-CCF7-5559-AB04FBD9B38D}"/>
               </a:ext>
             </a:extLst>
           </p:cNvPr>
@@ -2364,7 +2365,7 @@
           <p:cNvPr id="5" name="날짜 개체 틀 4">
             <a:extLst>
               <a:ext uri="{FF2B5EF4-FFF2-40B4-BE49-F238E27FC236}">
-                <a16:creationId xmlns="" xmlns:a16="http://schemas.microsoft.com/office/drawing/2014/main" id="{65F4A30C-2DAD-90B2-A9FE-2AEFF0B3EC0A}"/>
+                <a16:creationId xmlns:a16="http://schemas.microsoft.com/office/drawing/2014/main" xmlns="" id="{65F4A30C-2DAD-90B2-A9FE-2AEFF0B3EC0A}"/>
               </a:ext>
             </a:extLst>
           </p:cNvPr>
@@ -2382,7 +2383,7 @@
           <a:p>
             <a:fld id="{DE1A4F41-A76E-4852-8F55-2746E7B52609}" type="datetimeFigureOut">
               <a:rPr lang="ko-KR" altLang="en-US" smtClean="0"/>
-              <a:t>2022-12-10</a:t>
+              <a:t>2022-12-11</a:t>
             </a:fld>
             <a:endParaRPr lang="ko-KR" altLang="en-US"/>
           </a:p>
@@ -2393,7 +2394,7 @@
           <p:cNvPr id="6" name="바닥글 개체 틀 5">
             <a:extLst>
               <a:ext uri="{FF2B5EF4-FFF2-40B4-BE49-F238E27FC236}">
-                <a16:creationId xmlns="" xmlns:a16="http://schemas.microsoft.com/office/drawing/2014/main" id="{8F557E01-8198-954D-B0E7-13954D66D131}"/>
+                <a16:creationId xmlns:a16="http://schemas.microsoft.com/office/drawing/2014/main" xmlns="" id="{8F557E01-8198-954D-B0E7-13954D66D131}"/>
               </a:ext>
             </a:extLst>
           </p:cNvPr>
@@ -2418,7 +2419,7 @@
           <p:cNvPr id="7" name="슬라이드 번호 개체 틀 6">
             <a:extLst>
               <a:ext uri="{FF2B5EF4-FFF2-40B4-BE49-F238E27FC236}">
-                <a16:creationId xmlns="" xmlns:a16="http://schemas.microsoft.com/office/drawing/2014/main" id="{167B4A83-C034-D112-444B-B11282B445C3}"/>
+                <a16:creationId xmlns:a16="http://schemas.microsoft.com/office/drawing/2014/main" xmlns="" id="{167B4A83-C034-D112-444B-B11282B445C3}"/>
               </a:ext>
             </a:extLst>
           </p:cNvPr>
@@ -2477,7 +2478,7 @@
           <p:cNvPr id="2" name="제목 1">
             <a:extLst>
               <a:ext uri="{FF2B5EF4-FFF2-40B4-BE49-F238E27FC236}">
-                <a16:creationId xmlns="" xmlns:a16="http://schemas.microsoft.com/office/drawing/2014/main" id="{D532A6E7-329E-8C6E-AFDB-591B9DA3A024}"/>
+                <a16:creationId xmlns:a16="http://schemas.microsoft.com/office/drawing/2014/main" xmlns="" id="{D532A6E7-329E-8C6E-AFDB-591B9DA3A024}"/>
               </a:ext>
             </a:extLst>
           </p:cNvPr>
@@ -2514,7 +2515,7 @@
           <p:cNvPr id="3" name="그림 개체 틀 2">
             <a:extLst>
               <a:ext uri="{FF2B5EF4-FFF2-40B4-BE49-F238E27FC236}">
-                <a16:creationId xmlns="" xmlns:a16="http://schemas.microsoft.com/office/drawing/2014/main" id="{39F957C3-8976-6187-23AD-77ACBDF03DFA}"/>
+                <a16:creationId xmlns:a16="http://schemas.microsoft.com/office/drawing/2014/main" xmlns="" id="{39F957C3-8976-6187-23AD-77ACBDF03DFA}"/>
               </a:ext>
             </a:extLst>
           </p:cNvPr>
@@ -2581,7 +2582,7 @@
           <p:cNvPr id="4" name="텍스트 개체 틀 3">
             <a:extLst>
               <a:ext uri="{FF2B5EF4-FFF2-40B4-BE49-F238E27FC236}">
-                <a16:creationId xmlns="" xmlns:a16="http://schemas.microsoft.com/office/drawing/2014/main" id="{64D682BF-155B-92D9-2EA2-27EF8A1B7A96}"/>
+                <a16:creationId xmlns:a16="http://schemas.microsoft.com/office/drawing/2014/main" xmlns="" id="{64D682BF-155B-92D9-2EA2-27EF8A1B7A96}"/>
               </a:ext>
             </a:extLst>
           </p:cNvPr>
@@ -2652,7 +2653,7 @@
           <p:cNvPr id="5" name="날짜 개체 틀 4">
             <a:extLst>
               <a:ext uri="{FF2B5EF4-FFF2-40B4-BE49-F238E27FC236}">
-                <a16:creationId xmlns="" xmlns:a16="http://schemas.microsoft.com/office/drawing/2014/main" id="{EDAA8E7E-A032-8DEA-9270-3B0053A6C808}"/>
+                <a16:creationId xmlns:a16="http://schemas.microsoft.com/office/drawing/2014/main" xmlns="" id="{EDAA8E7E-A032-8DEA-9270-3B0053A6C808}"/>
               </a:ext>
             </a:extLst>
           </p:cNvPr>
@@ -2670,7 +2671,7 @@
           <a:p>
             <a:fld id="{DE1A4F41-A76E-4852-8F55-2746E7B52609}" type="datetimeFigureOut">
               <a:rPr lang="ko-KR" altLang="en-US" smtClean="0"/>
-              <a:t>2022-12-10</a:t>
+              <a:t>2022-12-11</a:t>
             </a:fld>
             <a:endParaRPr lang="ko-KR" altLang="en-US"/>
           </a:p>
@@ -2681,7 +2682,7 @@
           <p:cNvPr id="6" name="바닥글 개체 틀 5">
             <a:extLst>
               <a:ext uri="{FF2B5EF4-FFF2-40B4-BE49-F238E27FC236}">
-                <a16:creationId xmlns="" xmlns:a16="http://schemas.microsoft.com/office/drawing/2014/main" id="{63CC3B22-58FB-F9A5-B458-9DF305DECB7B}"/>
+                <a16:creationId xmlns:a16="http://schemas.microsoft.com/office/drawing/2014/main" xmlns="" id="{63CC3B22-58FB-F9A5-B458-9DF305DECB7B}"/>
               </a:ext>
             </a:extLst>
           </p:cNvPr>
@@ -2706,7 +2707,7 @@
           <p:cNvPr id="7" name="슬라이드 번호 개체 틀 6">
             <a:extLst>
               <a:ext uri="{FF2B5EF4-FFF2-40B4-BE49-F238E27FC236}">
-                <a16:creationId xmlns="" xmlns:a16="http://schemas.microsoft.com/office/drawing/2014/main" id="{89280F5D-47D9-BF49-1936-F08F5676BB81}"/>
+                <a16:creationId xmlns:a16="http://schemas.microsoft.com/office/drawing/2014/main" xmlns="" id="{89280F5D-47D9-BF49-1936-F08F5676BB81}"/>
               </a:ext>
             </a:extLst>
           </p:cNvPr>
@@ -2770,7 +2771,7 @@
           <p:cNvPr id="2" name="제목 개체 틀 1">
             <a:extLst>
               <a:ext uri="{FF2B5EF4-FFF2-40B4-BE49-F238E27FC236}">
-                <a16:creationId xmlns="" xmlns:a16="http://schemas.microsoft.com/office/drawing/2014/main" id="{87900882-C5C2-B7CB-55AA-73751D230126}"/>
+                <a16:creationId xmlns:a16="http://schemas.microsoft.com/office/drawing/2014/main" xmlns="" id="{87900882-C5C2-B7CB-55AA-73751D230126}"/>
               </a:ext>
             </a:extLst>
           </p:cNvPr>
@@ -2808,7 +2809,7 @@
           <p:cNvPr id="3" name="텍스트 개체 틀 2">
             <a:extLst>
               <a:ext uri="{FF2B5EF4-FFF2-40B4-BE49-F238E27FC236}">
-                <a16:creationId xmlns="" xmlns:a16="http://schemas.microsoft.com/office/drawing/2014/main" id="{7EB48F54-5935-C556-2618-767F14911812}"/>
+                <a16:creationId xmlns:a16="http://schemas.microsoft.com/office/drawing/2014/main" xmlns="" id="{7EB48F54-5935-C556-2618-767F14911812}"/>
               </a:ext>
             </a:extLst>
           </p:cNvPr>
@@ -2875,7 +2876,7 @@
           <p:cNvPr id="4" name="날짜 개체 틀 3">
             <a:extLst>
               <a:ext uri="{FF2B5EF4-FFF2-40B4-BE49-F238E27FC236}">
-                <a16:creationId xmlns="" xmlns:a16="http://schemas.microsoft.com/office/drawing/2014/main" id="{8A18E11C-F843-9EF9-848F-EF6CF70589CF}"/>
+                <a16:creationId xmlns:a16="http://schemas.microsoft.com/office/drawing/2014/main" xmlns="" id="{8A18E11C-F843-9EF9-848F-EF6CF70589CF}"/>
               </a:ext>
             </a:extLst>
           </p:cNvPr>
@@ -2911,7 +2912,7 @@
           <a:p>
             <a:fld id="{DE1A4F41-A76E-4852-8F55-2746E7B52609}" type="datetimeFigureOut">
               <a:rPr lang="ko-KR" altLang="en-US" smtClean="0"/>
-              <a:t>2022-12-10</a:t>
+              <a:t>2022-12-11</a:t>
             </a:fld>
             <a:endParaRPr lang="ko-KR" altLang="en-US"/>
           </a:p>
@@ -2922,7 +2923,7 @@
           <p:cNvPr id="5" name="바닥글 개체 틀 4">
             <a:extLst>
               <a:ext uri="{FF2B5EF4-FFF2-40B4-BE49-F238E27FC236}">
-                <a16:creationId xmlns="" xmlns:a16="http://schemas.microsoft.com/office/drawing/2014/main" id="{F8E4107D-7741-17B8-F71E-BCC0265E58B8}"/>
+                <a16:creationId xmlns:a16="http://schemas.microsoft.com/office/drawing/2014/main" xmlns="" id="{F8E4107D-7741-17B8-F71E-BCC0265E58B8}"/>
               </a:ext>
             </a:extLst>
           </p:cNvPr>
@@ -2965,7 +2966,7 @@
           <p:cNvPr id="6" name="슬라이드 번호 개체 틀 5">
             <a:extLst>
               <a:ext uri="{FF2B5EF4-FFF2-40B4-BE49-F238E27FC236}">
-                <a16:creationId xmlns="" xmlns:a16="http://schemas.microsoft.com/office/drawing/2014/main" id="{22938146-0069-F2A5-89D8-A2B85293C062}"/>
+                <a16:creationId xmlns:a16="http://schemas.microsoft.com/office/drawing/2014/main" xmlns="" id="{22938146-0069-F2A5-89D8-A2B85293C062}"/>
               </a:ext>
             </a:extLst>
           </p:cNvPr>
@@ -3333,7 +3334,7 @@
           <p:cNvPr id="20" name="TextBox 19">
             <a:extLst>
               <a:ext uri="{FF2B5EF4-FFF2-40B4-BE49-F238E27FC236}">
-                <a16:creationId xmlns="" xmlns:a16="http://schemas.microsoft.com/office/drawing/2014/main" id="{A9AFB107-57BE-3FF3-7AFF-962C2368E148}"/>
+                <a16:creationId xmlns:a16="http://schemas.microsoft.com/office/drawing/2014/main" xmlns="" id="{A9AFB107-57BE-3FF3-7AFF-962C2368E148}"/>
               </a:ext>
             </a:extLst>
           </p:cNvPr>
@@ -3342,7 +3343,7 @@
         </p:nvSpPr>
         <p:spPr>
           <a:xfrm>
-            <a:off x="440181" y="2438400"/>
+            <a:off x="97278" y="2334490"/>
             <a:ext cx="7456043" cy="2541103"/>
           </a:xfrm>
           <a:prstGeom prst="rect">
@@ -3375,7 +3376,7 @@
           <p:cNvPr id="17" name="TextBox 16">
             <a:extLst>
               <a:ext uri="{FF2B5EF4-FFF2-40B4-BE49-F238E27FC236}">
-                <a16:creationId xmlns="" xmlns:a16="http://schemas.microsoft.com/office/drawing/2014/main" id="{A9AFB107-57BE-3FF3-7AFF-962C2368E148}"/>
+                <a16:creationId xmlns:a16="http://schemas.microsoft.com/office/drawing/2014/main" xmlns="" id="{A9AFB107-57BE-3FF3-7AFF-962C2368E148}"/>
               </a:ext>
             </a:extLst>
           </p:cNvPr>
@@ -3384,7 +3385,7 @@
         </p:nvSpPr>
         <p:spPr>
           <a:xfrm>
-            <a:off x="4038601" y="2526888"/>
+            <a:off x="3695698" y="2422978"/>
             <a:ext cx="3753677" cy="261610"/>
           </a:xfrm>
           <a:prstGeom prst="rect">
@@ -3417,7 +3418,7 @@
           <p:cNvPr id="35" name="TextBox 34">
             <a:extLst>
               <a:ext uri="{FF2B5EF4-FFF2-40B4-BE49-F238E27FC236}">
-                <a16:creationId xmlns="" xmlns:a16="http://schemas.microsoft.com/office/drawing/2014/main" id="{A9AFB107-57BE-3FF3-7AFF-962C2368E148}"/>
+                <a16:creationId xmlns:a16="http://schemas.microsoft.com/office/drawing/2014/main" xmlns="" id="{A9AFB107-57BE-3FF3-7AFF-962C2368E148}"/>
               </a:ext>
             </a:extLst>
           </p:cNvPr>
@@ -3426,7 +3427,7 @@
         </p:nvSpPr>
         <p:spPr>
           <a:xfrm>
-            <a:off x="4038600" y="2788498"/>
+            <a:off x="3695697" y="2684588"/>
             <a:ext cx="3753678" cy="1028128"/>
           </a:xfrm>
           <a:prstGeom prst="rect">
@@ -3451,7 +3452,6 @@
               <a:rPr lang="en-US" altLang="ko-KR" sz="1100" dirty="0" smtClean="0"/>
               <a:t> </a:t>
             </a:r>
-            <a:endParaRPr lang="en-US" altLang="ko-KR" sz="1100" dirty="0" smtClean="0"/>
           </a:p>
         </p:txBody>
       </p:sp>
@@ -3460,7 +3460,7 @@
           <p:cNvPr id="21" name="TextBox 20">
             <a:extLst>
               <a:ext uri="{FF2B5EF4-FFF2-40B4-BE49-F238E27FC236}">
-                <a16:creationId xmlns="" xmlns:a16="http://schemas.microsoft.com/office/drawing/2014/main" id="{A9AFB107-57BE-3FF3-7AFF-962C2368E148}"/>
+                <a16:creationId xmlns:a16="http://schemas.microsoft.com/office/drawing/2014/main" xmlns="" id="{A9AFB107-57BE-3FF3-7AFF-962C2368E148}"/>
               </a:ext>
             </a:extLst>
           </p:cNvPr>
@@ -3469,7 +3469,7 @@
         </p:nvSpPr>
         <p:spPr>
           <a:xfrm>
-            <a:off x="440180" y="2200275"/>
+            <a:off x="97277" y="2096365"/>
             <a:ext cx="7456043" cy="238126"/>
           </a:xfrm>
           <a:prstGeom prst="rect">
@@ -3514,7 +3514,7 @@
           <p:cNvPr id="2" name="TextBox 1">
             <a:extLst>
               <a:ext uri="{FF2B5EF4-FFF2-40B4-BE49-F238E27FC236}">
-                <a16:creationId xmlns="" xmlns:a16="http://schemas.microsoft.com/office/drawing/2014/main" id="{C4AF561A-3B7B-158D-BC4D-3C39551F8D95}"/>
+                <a16:creationId xmlns:a16="http://schemas.microsoft.com/office/drawing/2014/main" xmlns="" id="{C4AF561A-3B7B-158D-BC4D-3C39551F8D95}"/>
               </a:ext>
             </a:extLst>
           </p:cNvPr>
@@ -3554,7 +3554,7 @@
           <p:cNvPr id="3" name="직선 연결선 2">
             <a:extLst>
               <a:ext uri="{FF2B5EF4-FFF2-40B4-BE49-F238E27FC236}">
-                <a16:creationId xmlns="" xmlns:a16="http://schemas.microsoft.com/office/drawing/2014/main" id="{648A685F-2664-99D3-FAE0-D046BBDCCF84}"/>
+                <a16:creationId xmlns:a16="http://schemas.microsoft.com/office/drawing/2014/main" xmlns="" id="{648A685F-2664-99D3-FAE0-D046BBDCCF84}"/>
               </a:ext>
             </a:extLst>
           </p:cNvPr>
@@ -3590,7 +3590,7 @@
           <p:cNvPr id="6" name="TextBox 5">
             <a:extLst>
               <a:ext uri="{FF2B5EF4-FFF2-40B4-BE49-F238E27FC236}">
-                <a16:creationId xmlns="" xmlns:a16="http://schemas.microsoft.com/office/drawing/2014/main" id="{A9AFB107-57BE-3FF3-7AFF-962C2368E148}"/>
+                <a16:creationId xmlns:a16="http://schemas.microsoft.com/office/drawing/2014/main" xmlns="" id="{A9AFB107-57BE-3FF3-7AFF-962C2368E148}"/>
               </a:ext>
             </a:extLst>
           </p:cNvPr>
@@ -3599,7 +3599,7 @@
         </p:nvSpPr>
         <p:spPr>
           <a:xfrm>
-            <a:off x="640207" y="3289869"/>
+            <a:off x="297304" y="3185959"/>
             <a:ext cx="3265043" cy="430886"/>
           </a:xfrm>
           <a:prstGeom prst="rect">
@@ -3637,7 +3637,7 @@
           <p:cNvPr id="7" name="TextBox 6">
             <a:extLst>
               <a:ext uri="{FF2B5EF4-FFF2-40B4-BE49-F238E27FC236}">
-                <a16:creationId xmlns="" xmlns:a16="http://schemas.microsoft.com/office/drawing/2014/main" id="{A9AFB107-57BE-3FF3-7AFF-962C2368E148}"/>
+                <a16:creationId xmlns:a16="http://schemas.microsoft.com/office/drawing/2014/main" xmlns="" id="{A9AFB107-57BE-3FF3-7AFF-962C2368E148}"/>
               </a:ext>
             </a:extLst>
           </p:cNvPr>
@@ -3646,7 +3646,7 @@
         </p:nvSpPr>
         <p:spPr>
           <a:xfrm>
-            <a:off x="640207" y="2862485"/>
+            <a:off x="297304" y="2758575"/>
             <a:ext cx="3265043" cy="430887"/>
           </a:xfrm>
           <a:prstGeom prst="rect">
@@ -3705,7 +3705,7 @@
         </p:nvGrpSpPr>
         <p:grpSpPr>
           <a:xfrm>
-            <a:off x="4171950" y="523121"/>
+            <a:off x="3829047" y="419211"/>
             <a:ext cx="2921732" cy="692497"/>
             <a:chOff x="4171950" y="523121"/>
             <a:chExt cx="2921732" cy="692497"/>
@@ -3722,7 +3722,7 @@
             <p:cNvPr id="5" name="TextBox 4">
               <a:extLst>
                 <a:ext uri="{FF2B5EF4-FFF2-40B4-BE49-F238E27FC236}">
-                  <a16:creationId xmlns="" xmlns:a16="http://schemas.microsoft.com/office/drawing/2014/main" id="{A9AFB107-57BE-3FF3-7AFF-962C2368E148}"/>
+                  <a16:creationId xmlns:a16="http://schemas.microsoft.com/office/drawing/2014/main" xmlns="" id="{A9AFB107-57BE-3FF3-7AFF-962C2368E148}"/>
                 </a:ext>
               </a:extLst>
             </p:cNvPr>
@@ -3778,7 +3778,7 @@
             <p:cNvPr id="11" name="TextBox 10">
               <a:extLst>
                 <a:ext uri="{FF2B5EF4-FFF2-40B4-BE49-F238E27FC236}">
-                  <a16:creationId xmlns="" xmlns:a16="http://schemas.microsoft.com/office/drawing/2014/main" id="{A9AFB107-57BE-3FF3-7AFF-962C2368E148}"/>
+                  <a16:creationId xmlns:a16="http://schemas.microsoft.com/office/drawing/2014/main" xmlns="" id="{A9AFB107-57BE-3FF3-7AFF-962C2368E148}"/>
                 </a:ext>
               </a:extLst>
             </p:cNvPr>
@@ -3828,7 +3828,7 @@
           <p:cNvPr id="13" name="TextBox 12">
             <a:extLst>
               <a:ext uri="{FF2B5EF4-FFF2-40B4-BE49-F238E27FC236}">
-                <a16:creationId xmlns="" xmlns:a16="http://schemas.microsoft.com/office/drawing/2014/main" id="{A9AFB107-57BE-3FF3-7AFF-962C2368E148}"/>
+                <a16:creationId xmlns:a16="http://schemas.microsoft.com/office/drawing/2014/main" xmlns="" id="{A9AFB107-57BE-3FF3-7AFF-962C2368E148}"/>
               </a:ext>
             </a:extLst>
           </p:cNvPr>
@@ -3837,7 +3837,7 @@
         </p:nvSpPr>
         <p:spPr>
           <a:xfrm>
-            <a:off x="4078358" y="2863313"/>
+            <a:off x="3735455" y="2759403"/>
             <a:ext cx="3664224" cy="430887"/>
           </a:xfrm>
           <a:prstGeom prst="rect">
@@ -3876,7 +3876,7 @@
           <p:cNvPr id="14" name="TextBox 13">
             <a:extLst>
               <a:ext uri="{FF2B5EF4-FFF2-40B4-BE49-F238E27FC236}">
-                <a16:creationId xmlns="" xmlns:a16="http://schemas.microsoft.com/office/drawing/2014/main" id="{A9AFB107-57BE-3FF3-7AFF-962C2368E148}"/>
+                <a16:creationId xmlns:a16="http://schemas.microsoft.com/office/drawing/2014/main" xmlns="" id="{A9AFB107-57BE-3FF3-7AFF-962C2368E148}"/>
               </a:ext>
             </a:extLst>
           </p:cNvPr>
@@ -3885,7 +3885,7 @@
         </p:nvSpPr>
         <p:spPr>
           <a:xfrm>
-            <a:off x="4078358" y="3287457"/>
+            <a:off x="3735455" y="3183547"/>
             <a:ext cx="3664224" cy="430887"/>
           </a:xfrm>
           <a:prstGeom prst="rect">
@@ -3936,7 +3936,7 @@
         </p:nvGrpSpPr>
         <p:grpSpPr>
           <a:xfrm>
-            <a:off x="440182" y="503327"/>
+            <a:off x="97279" y="399417"/>
             <a:ext cx="3283682" cy="1363572"/>
             <a:chOff x="440182" y="503327"/>
             <a:chExt cx="3283682" cy="1363572"/>
@@ -3947,7 +3947,7 @@
             <p:cNvPr id="34" name="TextBox 33">
               <a:extLst>
                 <a:ext uri="{FF2B5EF4-FFF2-40B4-BE49-F238E27FC236}">
-                  <a16:creationId xmlns="" xmlns:a16="http://schemas.microsoft.com/office/drawing/2014/main" id="{A9AFB107-57BE-3FF3-7AFF-962C2368E148}"/>
+                  <a16:creationId xmlns:a16="http://schemas.microsoft.com/office/drawing/2014/main" xmlns="" id="{A9AFB107-57BE-3FF3-7AFF-962C2368E148}"/>
                 </a:ext>
               </a:extLst>
             </p:cNvPr>
@@ -3992,7 +3992,7 @@
             <p:cNvPr id="4" name="TextBox 3">
               <a:extLst>
                 <a:ext uri="{FF2B5EF4-FFF2-40B4-BE49-F238E27FC236}">
-                  <a16:creationId xmlns="" xmlns:a16="http://schemas.microsoft.com/office/drawing/2014/main" id="{A9AFB107-57BE-3FF3-7AFF-962C2368E148}"/>
+                  <a16:creationId xmlns:a16="http://schemas.microsoft.com/office/drawing/2014/main" xmlns="" id="{A9AFB107-57BE-3FF3-7AFF-962C2368E148}"/>
                 </a:ext>
               </a:extLst>
             </p:cNvPr>
@@ -4035,7 +4035,7 @@
             <p:cNvPr id="10" name="TextBox 9">
               <a:extLst>
                 <a:ext uri="{FF2B5EF4-FFF2-40B4-BE49-F238E27FC236}">
-                  <a16:creationId xmlns="" xmlns:a16="http://schemas.microsoft.com/office/drawing/2014/main" id="{A9AFB107-57BE-3FF3-7AFF-962C2368E148}"/>
+                  <a16:creationId xmlns:a16="http://schemas.microsoft.com/office/drawing/2014/main" xmlns="" id="{A9AFB107-57BE-3FF3-7AFF-962C2368E148}"/>
                 </a:ext>
               </a:extLst>
             </p:cNvPr>
@@ -4088,7 +4088,7 @@
             <p:cNvPr id="25" name="TextBox 24">
               <a:extLst>
                 <a:ext uri="{FF2B5EF4-FFF2-40B4-BE49-F238E27FC236}">
-                  <a16:creationId xmlns="" xmlns:a16="http://schemas.microsoft.com/office/drawing/2014/main" id="{A9AFB107-57BE-3FF3-7AFF-962C2368E148}"/>
+                  <a16:creationId xmlns:a16="http://schemas.microsoft.com/office/drawing/2014/main" xmlns="" id="{A9AFB107-57BE-3FF3-7AFF-962C2368E148}"/>
                 </a:ext>
               </a:extLst>
             </p:cNvPr>
@@ -4151,7 +4151,7 @@
         </p:nvCxnSpPr>
         <p:spPr>
           <a:xfrm rot="10800000" flipV="1">
-            <a:off x="3562348" y="1000175"/>
+            <a:off x="3219445" y="896265"/>
             <a:ext cx="609602" cy="440392"/>
           </a:xfrm>
           <a:prstGeom prst="bentConnector3">
@@ -4187,7 +4187,7 @@
         </p:nvCxnSpPr>
         <p:spPr>
           <a:xfrm rot="16200000" flipH="1">
-            <a:off x="2882987" y="915060"/>
+            <a:off x="2540084" y="811150"/>
             <a:ext cx="459626" cy="2110803"/>
           </a:xfrm>
           <a:prstGeom prst="bentConnector3">
@@ -4223,7 +4223,7 @@
         </p:nvCxnSpPr>
         <p:spPr>
           <a:xfrm rot="16200000" flipH="1">
-            <a:off x="5118493" y="1729941"/>
+            <a:off x="4775590" y="1626031"/>
             <a:ext cx="1311270" cy="282624"/>
           </a:xfrm>
           <a:prstGeom prst="bentConnector3">
@@ -4256,7 +4256,7 @@
         </p:nvGrpSpPr>
         <p:grpSpPr>
           <a:xfrm>
-            <a:off x="640207" y="3980676"/>
+            <a:off x="297304" y="3876766"/>
             <a:ext cx="3265043" cy="849741"/>
             <a:chOff x="640207" y="3602994"/>
             <a:chExt cx="3283682" cy="849741"/>
@@ -4267,7 +4267,7 @@
             <p:cNvPr id="39" name="TextBox 38">
               <a:extLst>
                 <a:ext uri="{FF2B5EF4-FFF2-40B4-BE49-F238E27FC236}">
-                  <a16:creationId xmlns="" xmlns:a16="http://schemas.microsoft.com/office/drawing/2014/main" id="{A9AFB107-57BE-3FF3-7AFF-962C2368E148}"/>
+                  <a16:creationId xmlns:a16="http://schemas.microsoft.com/office/drawing/2014/main" xmlns="" id="{A9AFB107-57BE-3FF3-7AFF-962C2368E148}"/>
                 </a:ext>
               </a:extLst>
             </p:cNvPr>
@@ -4312,7 +4312,7 @@
             <p:cNvPr id="40" name="TextBox 39">
               <a:extLst>
                 <a:ext uri="{FF2B5EF4-FFF2-40B4-BE49-F238E27FC236}">
-                  <a16:creationId xmlns="" xmlns:a16="http://schemas.microsoft.com/office/drawing/2014/main" id="{A9AFB107-57BE-3FF3-7AFF-962C2368E148}"/>
+                  <a16:creationId xmlns:a16="http://schemas.microsoft.com/office/drawing/2014/main" xmlns="" id="{A9AFB107-57BE-3FF3-7AFF-962C2368E148}"/>
                 </a:ext>
               </a:extLst>
             </p:cNvPr>
@@ -4365,7 +4365,7 @@
             <p:cNvPr id="41" name="TextBox 40">
               <a:extLst>
                 <a:ext uri="{FF2B5EF4-FFF2-40B4-BE49-F238E27FC236}">
-                  <a16:creationId xmlns="" xmlns:a16="http://schemas.microsoft.com/office/drawing/2014/main" id="{A9AFB107-57BE-3FF3-7AFF-962C2368E148}"/>
+                  <a16:creationId xmlns:a16="http://schemas.microsoft.com/office/drawing/2014/main" xmlns="" id="{A9AFB107-57BE-3FF3-7AFF-962C2368E148}"/>
                 </a:ext>
               </a:extLst>
             </p:cNvPr>
@@ -4421,7 +4421,7 @@
         </p:nvCxnSpPr>
         <p:spPr>
           <a:xfrm rot="5400000" flipH="1" flipV="1">
-            <a:off x="2142769" y="3850716"/>
+            <a:off x="1799866" y="3746806"/>
             <a:ext cx="259921" cy="12700"/>
           </a:xfrm>
           <a:prstGeom prst="bentConnector3">
@@ -4456,7 +4456,7 @@
         </p:nvSpPr>
         <p:spPr>
           <a:xfrm>
-            <a:off x="8563927" y="585766"/>
+            <a:off x="8252199" y="309774"/>
             <a:ext cx="3145133" cy="2492990"/>
           </a:xfrm>
           <a:prstGeom prst="rect">
@@ -4565,6 +4565,225 @@
           </a:p>
         </p:txBody>
       </p:sp>
+      <p:grpSp>
+        <p:nvGrpSpPr>
+          <p:cNvPr id="29" name="그룹 28"/>
+          <p:cNvGrpSpPr/>
+          <p:nvPr/>
+        </p:nvGrpSpPr>
+        <p:grpSpPr>
+          <a:xfrm>
+            <a:off x="7898908" y="3285040"/>
+            <a:ext cx="3283682" cy="1406599"/>
+            <a:chOff x="440182" y="503327"/>
+            <a:chExt cx="3283682" cy="1406599"/>
+          </a:xfrm>
+        </p:grpSpPr>
+        <p:sp>
+          <p:nvSpPr>
+            <p:cNvPr id="30" name="TextBox 29">
+              <a:extLst>
+                <a:ext uri="{FF2B5EF4-FFF2-40B4-BE49-F238E27FC236}">
+                  <a16:creationId xmlns:a16="http://schemas.microsoft.com/office/drawing/2014/main" xmlns="" id="{A9AFB107-57BE-3FF3-7AFF-962C2368E148}"/>
+                </a:ext>
+              </a:extLst>
+            </p:cNvPr>
+            <p:cNvSpPr txBox="1"/>
+            <p:nvPr/>
+          </p:nvSpPr>
+          <p:spPr>
+            <a:xfrm>
+              <a:off x="440182" y="765680"/>
+              <a:ext cx="3283682" cy="1101219"/>
+            </a:xfrm>
+            <a:prstGeom prst="rect">
+              <a:avLst/>
+            </a:prstGeom>
+            <a:solidFill>
+              <a:schemeClr val="bg1">
+                <a:lumMod val="85000"/>
+              </a:schemeClr>
+            </a:solidFill>
+            <a:ln>
+              <a:solidFill>
+                <a:schemeClr val="accent1"/>
+              </a:solidFill>
+            </a:ln>
+          </p:spPr>
+          <p:txBody>
+            <a:bodyPr wrap="square">
+              <a:noAutofit/>
+            </a:bodyPr>
+            <a:lstStyle/>
+            <a:p>
+              <a:endParaRPr lang="en-US" altLang="ko-KR" sz="1100" dirty="0">
+                <a:solidFill>
+                  <a:srgbClr val="FF0000"/>
+                </a:solidFill>
+              </a:endParaRPr>
+            </a:p>
+          </p:txBody>
+        </p:sp>
+        <p:sp>
+          <p:nvSpPr>
+            <p:cNvPr id="31" name="TextBox 30">
+              <a:extLst>
+                <a:ext uri="{FF2B5EF4-FFF2-40B4-BE49-F238E27FC236}">
+                  <a16:creationId xmlns:a16="http://schemas.microsoft.com/office/drawing/2014/main" xmlns="" id="{A9AFB107-57BE-3FF3-7AFF-962C2368E148}"/>
+                </a:ext>
+              </a:extLst>
+            </p:cNvPr>
+            <p:cNvSpPr txBox="1"/>
+            <p:nvPr/>
+          </p:nvSpPr>
+          <p:spPr>
+            <a:xfrm>
+              <a:off x="552452" y="831250"/>
+              <a:ext cx="3009898" cy="261610"/>
+            </a:xfrm>
+            <a:prstGeom prst="rect">
+              <a:avLst/>
+            </a:prstGeom>
+            <a:solidFill>
+              <a:schemeClr val="bg1"/>
+            </a:solidFill>
+            <a:ln>
+              <a:solidFill>
+                <a:schemeClr val="accent1"/>
+              </a:solidFill>
+            </a:ln>
+          </p:spPr>
+          <p:txBody>
+            <a:bodyPr wrap="square">
+              <a:spAutoFit/>
+            </a:bodyPr>
+            <a:lstStyle/>
+            <a:p>
+              <a:r>
+                <a:rPr lang="en-US" altLang="ko-KR" sz="1100" b="1" dirty="0" smtClean="0"/>
+                <a:t>ProxyProvider</a:t>
+              </a:r>
+              <a:endParaRPr lang="en-US" altLang="ko-KR" sz="1100" dirty="0"/>
+            </a:p>
+          </p:txBody>
+        </p:sp>
+        <p:sp>
+          <p:nvSpPr>
+            <p:cNvPr id="32" name="TextBox 31">
+              <a:extLst>
+                <a:ext uri="{FF2B5EF4-FFF2-40B4-BE49-F238E27FC236}">
+                  <a16:creationId xmlns:a16="http://schemas.microsoft.com/office/drawing/2014/main" xmlns="" id="{A9AFB107-57BE-3FF3-7AFF-962C2368E148}"/>
+                </a:ext>
+              </a:extLst>
+            </p:cNvPr>
+            <p:cNvSpPr txBox="1"/>
+            <p:nvPr/>
+          </p:nvSpPr>
+          <p:spPr>
+            <a:xfrm>
+              <a:off x="440182" y="503327"/>
+              <a:ext cx="3283682" cy="261610"/>
+            </a:xfrm>
+            <a:prstGeom prst="rect">
+              <a:avLst/>
+            </a:prstGeom>
+            <a:solidFill>
+              <a:schemeClr val="bg1">
+                <a:lumMod val="85000"/>
+              </a:schemeClr>
+            </a:solidFill>
+            <a:ln>
+              <a:solidFill>
+                <a:schemeClr val="accent1"/>
+              </a:solidFill>
+            </a:ln>
+          </p:spPr>
+          <p:txBody>
+            <a:bodyPr wrap="square">
+              <a:noAutofit/>
+            </a:bodyPr>
+            <a:lstStyle/>
+            <a:p>
+              <a:r>
+                <a:rPr lang="en-US" altLang="ko-KR" sz="1100" dirty="0" smtClean="0">
+                  <a:solidFill>
+                    <a:srgbClr val="FF0000"/>
+                  </a:solidFill>
+                </a:rPr>
+                <a:t>Definition</a:t>
+              </a:r>
+              <a:endParaRPr lang="en-US" altLang="ko-KR" sz="1100" dirty="0">
+                <a:solidFill>
+                  <a:srgbClr val="FF0000"/>
+                </a:solidFill>
+              </a:endParaRPr>
+            </a:p>
+          </p:txBody>
+        </p:sp>
+        <p:sp>
+          <p:nvSpPr>
+            <p:cNvPr id="33" name="TextBox 32">
+              <a:extLst>
+                <a:ext uri="{FF2B5EF4-FFF2-40B4-BE49-F238E27FC236}">
+                  <a16:creationId xmlns:a16="http://schemas.microsoft.com/office/drawing/2014/main" xmlns="" id="{A9AFB107-57BE-3FF3-7AFF-962C2368E148}"/>
+                </a:ext>
+              </a:extLst>
+            </p:cNvPr>
+            <p:cNvSpPr txBox="1"/>
+            <p:nvPr/>
+          </p:nvSpPr>
+          <p:spPr>
+            <a:xfrm>
+              <a:off x="552450" y="1140485"/>
+              <a:ext cx="3009898" cy="769441"/>
+            </a:xfrm>
+            <a:prstGeom prst="rect">
+              <a:avLst/>
+            </a:prstGeom>
+            <a:solidFill>
+              <a:schemeClr val="bg1"/>
+            </a:solidFill>
+            <a:ln>
+              <a:solidFill>
+                <a:schemeClr val="accent1"/>
+              </a:solidFill>
+            </a:ln>
+          </p:spPr>
+          <p:txBody>
+            <a:bodyPr wrap="square">
+              <a:spAutoFit/>
+            </a:bodyPr>
+            <a:lstStyle/>
+            <a:p>
+              <a:r>
+                <a:rPr lang="en-US" altLang="ko-KR" sz="1100" b="1" dirty="0" smtClean="0"/>
+                <a:t>ProxyProvider</a:t>
+              </a:r>
+            </a:p>
+            <a:p>
+              <a:r>
+                <a:rPr lang="en-US" altLang="ko-KR" sz="1100" b="1" dirty="0" smtClean="0"/>
+                <a:t>ProxyProvider0</a:t>
+              </a:r>
+              <a:endParaRPr lang="en-US" altLang="ko-KR" sz="1100" b="1" dirty="0"/>
+            </a:p>
+            <a:p>
+              <a:r>
+                <a:rPr lang="en-US" altLang="ko-KR" sz="1100" b="1" dirty="0" smtClean="0"/>
+                <a:t>ChangeNotifierProxyProvider</a:t>
+              </a:r>
+              <a:endParaRPr lang="en-US" altLang="ko-KR" sz="1100" dirty="0"/>
+            </a:p>
+            <a:p>
+              <a:r>
+                <a:rPr lang="en-US" altLang="ko-KR" sz="1100" b="1" dirty="0" smtClean="0"/>
+                <a:t>..</a:t>
+              </a:r>
+              <a:endParaRPr lang="en-US" altLang="ko-KR" sz="1100" dirty="0"/>
+            </a:p>
+          </p:txBody>
+        </p:sp>
+      </p:grpSp>
     </p:spTree>
     <p:extLst>
       <p:ext uri="{BB962C8B-B14F-4D97-AF65-F5344CB8AC3E}">
@@ -4604,191 +4823,10 @@
       </p:grpSpPr>
       <p:sp>
         <p:nvSpPr>
-          <p:cNvPr id="20" name="TextBox 19">
-            <a:extLst>
-              <a:ext uri="{FF2B5EF4-FFF2-40B4-BE49-F238E27FC236}">
-                <a16:creationId xmlns="" xmlns:a16="http://schemas.microsoft.com/office/drawing/2014/main" id="{A9AFB107-57BE-3FF3-7AFF-962C2368E148}"/>
-              </a:ext>
-            </a:extLst>
-          </p:cNvPr>
-          <p:cNvSpPr txBox="1"/>
-          <p:nvPr/>
-        </p:nvSpPr>
-        <p:spPr>
-          <a:xfrm>
-            <a:off x="440181" y="2438400"/>
-            <a:ext cx="7456043" cy="2541103"/>
-          </a:xfrm>
-          <a:prstGeom prst="rect">
-            <a:avLst/>
-          </a:prstGeom>
-          <a:solidFill>
-            <a:schemeClr val="accent6">
-              <a:lumMod val="20000"/>
-              <a:lumOff val="80000"/>
-            </a:schemeClr>
-          </a:solidFill>
-          <a:ln>
-            <a:solidFill>
-              <a:schemeClr val="accent1"/>
-            </a:solidFill>
-          </a:ln>
-        </p:spPr>
-        <p:txBody>
-          <a:bodyPr wrap="square" anchor="ctr">
-            <a:noAutofit/>
-          </a:bodyPr>
-          <a:lstStyle/>
-          <a:p>
-            <a:endParaRPr lang="en-US" altLang="ko-KR" sz="1100" dirty="0"/>
-          </a:p>
-        </p:txBody>
-      </p:sp>
-      <p:sp>
-        <p:nvSpPr>
-          <p:cNvPr id="17" name="TextBox 16">
-            <a:extLst>
-              <a:ext uri="{FF2B5EF4-FFF2-40B4-BE49-F238E27FC236}">
-                <a16:creationId xmlns="" xmlns:a16="http://schemas.microsoft.com/office/drawing/2014/main" id="{A9AFB107-57BE-3FF3-7AFF-962C2368E148}"/>
-              </a:ext>
-            </a:extLst>
-          </p:cNvPr>
-          <p:cNvSpPr txBox="1"/>
-          <p:nvPr/>
-        </p:nvSpPr>
-        <p:spPr>
-          <a:xfrm>
-            <a:off x="4038601" y="2526888"/>
-            <a:ext cx="3753677" cy="261610"/>
-          </a:xfrm>
-          <a:prstGeom prst="rect">
-            <a:avLst/>
-          </a:prstGeom>
-          <a:solidFill>
-            <a:schemeClr val="bg1"/>
-          </a:solidFill>
-          <a:ln>
-            <a:solidFill>
-              <a:schemeClr val="accent1"/>
-            </a:solidFill>
-          </a:ln>
-        </p:spPr>
-        <p:txBody>
-          <a:bodyPr wrap="square">
-            <a:spAutoFit/>
-          </a:bodyPr>
-          <a:lstStyle/>
-          <a:p>
-            <a:r>
-              <a:rPr lang="en-US" altLang="ko-KR" sz="1100" dirty="0" smtClean="0"/>
-              <a:t>Observer, Listener</a:t>
-            </a:r>
-          </a:p>
-        </p:txBody>
-      </p:sp>
-      <p:sp>
-        <p:nvSpPr>
-          <p:cNvPr id="35" name="TextBox 34">
-            <a:extLst>
-              <a:ext uri="{FF2B5EF4-FFF2-40B4-BE49-F238E27FC236}">
-                <a16:creationId xmlns="" xmlns:a16="http://schemas.microsoft.com/office/drawing/2014/main" id="{A9AFB107-57BE-3FF3-7AFF-962C2368E148}"/>
-              </a:ext>
-            </a:extLst>
-          </p:cNvPr>
-          <p:cNvSpPr txBox="1"/>
-          <p:nvPr/>
-        </p:nvSpPr>
-        <p:spPr>
-          <a:xfrm>
-            <a:off x="4038600" y="2788498"/>
-            <a:ext cx="3753678" cy="1028128"/>
-          </a:xfrm>
-          <a:prstGeom prst="rect">
-            <a:avLst/>
-          </a:prstGeom>
-          <a:solidFill>
-            <a:schemeClr val="bg1"/>
-          </a:solidFill>
-          <a:ln>
-            <a:solidFill>
-              <a:schemeClr val="accent1"/>
-            </a:solidFill>
-          </a:ln>
-        </p:spPr>
-        <p:txBody>
-          <a:bodyPr wrap="square">
-            <a:noAutofit/>
-          </a:bodyPr>
-          <a:lstStyle/>
-          <a:p>
-            <a:r>
-              <a:rPr lang="en-US" altLang="ko-KR" sz="1100" dirty="0" smtClean="0"/>
-              <a:t> </a:t>
-            </a:r>
-            <a:endParaRPr lang="en-US" altLang="ko-KR" sz="1100" dirty="0" smtClean="0"/>
-          </a:p>
-        </p:txBody>
-      </p:sp>
-      <p:sp>
-        <p:nvSpPr>
-          <p:cNvPr id="21" name="TextBox 20">
-            <a:extLst>
-              <a:ext uri="{FF2B5EF4-FFF2-40B4-BE49-F238E27FC236}">
-                <a16:creationId xmlns="" xmlns:a16="http://schemas.microsoft.com/office/drawing/2014/main" id="{A9AFB107-57BE-3FF3-7AFF-962C2368E148}"/>
-              </a:ext>
-            </a:extLst>
-          </p:cNvPr>
-          <p:cNvSpPr txBox="1"/>
-          <p:nvPr/>
-        </p:nvSpPr>
-        <p:spPr>
-          <a:xfrm>
-            <a:off x="440180" y="2200275"/>
-            <a:ext cx="7456043" cy="238126"/>
-          </a:xfrm>
-          <a:prstGeom prst="rect">
-            <a:avLst/>
-          </a:prstGeom>
-          <a:solidFill>
-            <a:schemeClr val="accent6">
-              <a:lumMod val="20000"/>
-              <a:lumOff val="80000"/>
-            </a:schemeClr>
-          </a:solidFill>
-          <a:ln>
-            <a:solidFill>
-              <a:schemeClr val="accent1"/>
-            </a:solidFill>
-          </a:ln>
-        </p:spPr>
-        <p:txBody>
-          <a:bodyPr wrap="square" anchor="ctr">
-            <a:noAutofit/>
-          </a:bodyPr>
-          <a:lstStyle/>
-          <a:p>
-            <a:r>
-              <a:rPr lang="en-US" altLang="ko-KR" sz="1100" dirty="0" smtClean="0">
-                <a:solidFill>
-                  <a:srgbClr val="FF0000"/>
-                </a:solidFill>
-              </a:rPr>
-              <a:t>Use</a:t>
-            </a:r>
-            <a:endParaRPr lang="en-US" altLang="ko-KR" sz="1100" dirty="0">
-              <a:solidFill>
-                <a:srgbClr val="FF0000"/>
-              </a:solidFill>
-            </a:endParaRPr>
-          </a:p>
-        </p:txBody>
-      </p:sp>
-      <p:sp>
-        <p:nvSpPr>
           <p:cNvPr id="2" name="TextBox 1">
             <a:extLst>
               <a:ext uri="{FF2B5EF4-FFF2-40B4-BE49-F238E27FC236}">
-                <a16:creationId xmlns="" xmlns:a16="http://schemas.microsoft.com/office/drawing/2014/main" id="{C4AF561A-3B7B-158D-BC4D-3C39551F8D95}"/>
+                <a16:creationId xmlns:a16="http://schemas.microsoft.com/office/drawing/2014/main" xmlns="" id="{C4AF561A-3B7B-158D-BC4D-3C39551F8D95}"/>
               </a:ext>
             </a:extLst>
           </p:cNvPr>
@@ -4828,7 +4866,7 @@
           <p:cNvPr id="3" name="직선 연결선 2">
             <a:extLst>
               <a:ext uri="{FF2B5EF4-FFF2-40B4-BE49-F238E27FC236}">
-                <a16:creationId xmlns="" xmlns:a16="http://schemas.microsoft.com/office/drawing/2014/main" id="{648A685F-2664-99D3-FAE0-D046BBDCCF84}"/>
+                <a16:creationId xmlns:a16="http://schemas.microsoft.com/office/drawing/2014/main" xmlns="" id="{648A685F-2664-99D3-FAE0-D046BBDCCF84}"/>
               </a:ext>
             </a:extLst>
           </p:cNvPr>
@@ -4859,12 +4897,1758 @@
           </a:fontRef>
         </p:style>
       </p:cxnSp>
+      <p:grpSp>
+        <p:nvGrpSpPr>
+          <p:cNvPr id="16" name="그룹 15"/>
+          <p:cNvGrpSpPr/>
+          <p:nvPr/>
+        </p:nvGrpSpPr>
+        <p:grpSpPr>
+          <a:xfrm>
+            <a:off x="5700761" y="501110"/>
+            <a:ext cx="1698917" cy="692497"/>
+            <a:chOff x="4171950" y="523121"/>
+            <a:chExt cx="2921732" cy="692497"/>
+          </a:xfrm>
+          <a:solidFill>
+            <a:schemeClr val="accent2">
+              <a:lumMod val="20000"/>
+              <a:lumOff val="80000"/>
+            </a:schemeClr>
+          </a:solidFill>
+        </p:grpSpPr>
+        <p:sp>
+          <p:nvSpPr>
+            <p:cNvPr id="5" name="TextBox 4">
+              <a:extLst>
+                <a:ext uri="{FF2B5EF4-FFF2-40B4-BE49-F238E27FC236}">
+                  <a16:creationId xmlns:a16="http://schemas.microsoft.com/office/drawing/2014/main" xmlns="" id="{A9AFB107-57BE-3FF3-7AFF-962C2368E148}"/>
+                </a:ext>
+              </a:extLst>
+            </p:cNvPr>
+            <p:cNvSpPr txBox="1"/>
+            <p:nvPr/>
+          </p:nvSpPr>
+          <p:spPr>
+            <a:xfrm>
+              <a:off x="4171950" y="784731"/>
+              <a:ext cx="2921732" cy="430887"/>
+            </a:xfrm>
+            <a:prstGeom prst="rect">
+              <a:avLst/>
+            </a:prstGeom>
+            <a:grpFill/>
+            <a:ln>
+              <a:solidFill>
+                <a:schemeClr val="accent1"/>
+              </a:solidFill>
+            </a:ln>
+          </p:spPr>
+          <p:txBody>
+            <a:bodyPr wrap="square">
+              <a:spAutoFit/>
+            </a:bodyPr>
+            <a:lstStyle/>
+            <a:p>
+              <a:r>
+                <a:rPr lang="en-US" altLang="ko-KR" sz="1100" b="1" dirty="0" smtClean="0"/>
+                <a:t>ChangeNotifier</a:t>
+              </a:r>
+              <a:endParaRPr lang="en-US" altLang="ko-KR" sz="1100" dirty="0"/>
+            </a:p>
+            <a:p>
+              <a:r>
+                <a:rPr lang="en-US" altLang="ko-KR" sz="1100" dirty="0" smtClean="0"/>
+                <a:t>  </a:t>
+              </a:r>
+              <a:r>
+                <a:rPr lang="en-US" altLang="ko-KR" sz="1100" smtClean="0"/>
+                <a:t>- </a:t>
+              </a:r>
+              <a:r>
+                <a:rPr lang="en-US" altLang="ko-KR" sz="1100" smtClean="0"/>
+                <a:t>notifyListeners( )</a:t>
+              </a:r>
+              <a:endParaRPr lang="en-US" altLang="ko-KR" sz="1100" dirty="0"/>
+            </a:p>
+          </p:txBody>
+        </p:sp>
+        <p:sp>
+          <p:nvSpPr>
+            <p:cNvPr id="11" name="TextBox 10">
+              <a:extLst>
+                <a:ext uri="{FF2B5EF4-FFF2-40B4-BE49-F238E27FC236}">
+                  <a16:creationId xmlns:a16="http://schemas.microsoft.com/office/drawing/2014/main" xmlns="" id="{A9AFB107-57BE-3FF3-7AFF-962C2368E148}"/>
+                </a:ext>
+              </a:extLst>
+            </p:cNvPr>
+            <p:cNvSpPr txBox="1"/>
+            <p:nvPr/>
+          </p:nvSpPr>
+          <p:spPr>
+            <a:xfrm>
+              <a:off x="4171950" y="523121"/>
+              <a:ext cx="2921732" cy="261610"/>
+            </a:xfrm>
+            <a:prstGeom prst="rect">
+              <a:avLst/>
+            </a:prstGeom>
+            <a:grpFill/>
+            <a:ln>
+              <a:solidFill>
+                <a:schemeClr val="accent1"/>
+              </a:solidFill>
+            </a:ln>
+          </p:spPr>
+          <p:txBody>
+            <a:bodyPr wrap="square">
+              <a:spAutoFit/>
+            </a:bodyPr>
+            <a:lstStyle/>
+            <a:p>
+              <a:r>
+                <a:rPr lang="en-US" altLang="ko-KR" sz="1100" dirty="0" smtClean="0">
+                  <a:solidFill>
+                    <a:srgbClr val="FF0000"/>
+                  </a:solidFill>
+                </a:rPr>
+                <a:t>Notifier (Model)</a:t>
+              </a:r>
+              <a:endParaRPr lang="en-US" altLang="ko-KR" sz="1100" dirty="0">
+                <a:solidFill>
+                  <a:srgbClr val="FF0000"/>
+                </a:solidFill>
+              </a:endParaRPr>
+            </a:p>
+          </p:txBody>
+        </p:sp>
+      </p:grpSp>
+      <p:cxnSp>
+        <p:nvCxnSpPr>
+          <p:cNvPr id="9" name="꺾인 연결선 8"/>
+          <p:cNvCxnSpPr>
+            <a:stCxn id="5" idx="1"/>
+            <a:endCxn id="46" idx="3"/>
+          </p:cNvCxnSpPr>
+          <p:nvPr/>
+        </p:nvCxnSpPr>
+        <p:spPr>
+          <a:xfrm rot="10800000" flipV="1">
+            <a:off x="4956463" y="978164"/>
+            <a:ext cx="744298" cy="410082"/>
+          </a:xfrm>
+          <a:prstGeom prst="bentConnector3">
+            <a:avLst/>
+          </a:prstGeom>
+          <a:ln>
+            <a:tailEnd type="arrow"/>
+          </a:ln>
+        </p:spPr>
+        <p:style>
+          <a:lnRef idx="1">
+            <a:schemeClr val="accent1"/>
+          </a:lnRef>
+          <a:fillRef idx="0">
+            <a:schemeClr val="accent1"/>
+          </a:fillRef>
+          <a:effectRef idx="0">
+            <a:schemeClr val="accent1"/>
+          </a:effectRef>
+          <a:fontRef idx="minor">
+            <a:schemeClr val="tx1"/>
+          </a:fontRef>
+        </p:style>
+      </p:cxnSp>
+      <p:cxnSp>
+        <p:nvCxnSpPr>
+          <p:cNvPr id="26" name="꺾인 연결선 25"/>
+          <p:cNvCxnSpPr>
+            <a:stCxn id="46" idx="2"/>
+            <a:endCxn id="21" idx="0"/>
+          </p:cNvCxnSpPr>
+          <p:nvPr/>
+        </p:nvCxnSpPr>
+        <p:spPr>
+          <a:xfrm rot="16200000" flipH="1">
+            <a:off x="3636260" y="945664"/>
+            <a:ext cx="619078" cy="2842546"/>
+          </a:xfrm>
+          <a:prstGeom prst="bentConnector3">
+            <a:avLst/>
+          </a:prstGeom>
+          <a:ln>
+            <a:tailEnd type="arrow"/>
+          </a:ln>
+        </p:spPr>
+        <p:style>
+          <a:lnRef idx="1">
+            <a:schemeClr val="accent1"/>
+          </a:lnRef>
+          <a:fillRef idx="0">
+            <a:schemeClr val="accent1"/>
+          </a:fillRef>
+          <a:effectRef idx="0">
+            <a:schemeClr val="accent1"/>
+          </a:effectRef>
+          <a:fontRef idx="minor">
+            <a:schemeClr val="tx1"/>
+          </a:fontRef>
+        </p:style>
+      </p:cxnSp>
+      <p:grpSp>
+        <p:nvGrpSpPr>
+          <p:cNvPr id="43" name="그룹 42"/>
+          <p:cNvGrpSpPr/>
+          <p:nvPr/>
+        </p:nvGrpSpPr>
+        <p:grpSpPr>
+          <a:xfrm>
+            <a:off x="92589" y="2676476"/>
+            <a:ext cx="2879212" cy="849741"/>
+            <a:chOff x="640208" y="3602994"/>
+            <a:chExt cx="2895648" cy="849741"/>
+          </a:xfrm>
+        </p:grpSpPr>
+        <p:sp>
+          <p:nvSpPr>
+            <p:cNvPr id="39" name="TextBox 38">
+              <a:extLst>
+                <a:ext uri="{FF2B5EF4-FFF2-40B4-BE49-F238E27FC236}">
+                  <a16:creationId xmlns:a16="http://schemas.microsoft.com/office/drawing/2014/main" xmlns="" id="{A9AFB107-57BE-3FF3-7AFF-962C2368E148}"/>
+                </a:ext>
+              </a:extLst>
+            </p:cNvPr>
+            <p:cNvSpPr txBox="1"/>
+            <p:nvPr/>
+          </p:nvSpPr>
+          <p:spPr>
+            <a:xfrm>
+              <a:off x="640208" y="3865347"/>
+              <a:ext cx="2895648" cy="587388"/>
+            </a:xfrm>
+            <a:prstGeom prst="rect">
+              <a:avLst/>
+            </a:prstGeom>
+            <a:solidFill>
+              <a:schemeClr val="bg1">
+                <a:lumMod val="85000"/>
+              </a:schemeClr>
+            </a:solidFill>
+            <a:ln>
+              <a:solidFill>
+                <a:schemeClr val="accent1"/>
+              </a:solidFill>
+            </a:ln>
+          </p:spPr>
+          <p:txBody>
+            <a:bodyPr wrap="square">
+              <a:noAutofit/>
+            </a:bodyPr>
+            <a:lstStyle/>
+            <a:p>
+              <a:endParaRPr lang="en-US" altLang="ko-KR" sz="1100" dirty="0">
+                <a:solidFill>
+                  <a:srgbClr val="FF0000"/>
+                </a:solidFill>
+              </a:endParaRPr>
+            </a:p>
+          </p:txBody>
+        </p:sp>
+        <p:sp>
+          <p:nvSpPr>
+            <p:cNvPr id="40" name="TextBox 39">
+              <a:extLst>
+                <a:ext uri="{FF2B5EF4-FFF2-40B4-BE49-F238E27FC236}">
+                  <a16:creationId xmlns:a16="http://schemas.microsoft.com/office/drawing/2014/main" xmlns="" id="{A9AFB107-57BE-3FF3-7AFF-962C2368E148}"/>
+                </a:ext>
+              </a:extLst>
+            </p:cNvPr>
+            <p:cNvSpPr txBox="1"/>
+            <p:nvPr/>
+          </p:nvSpPr>
+          <p:spPr>
+            <a:xfrm>
+              <a:off x="640208" y="3602994"/>
+              <a:ext cx="2895648" cy="261610"/>
+            </a:xfrm>
+            <a:prstGeom prst="rect">
+              <a:avLst/>
+            </a:prstGeom>
+            <a:solidFill>
+              <a:schemeClr val="bg1">
+                <a:lumMod val="85000"/>
+              </a:schemeClr>
+            </a:solidFill>
+            <a:ln>
+              <a:solidFill>
+                <a:schemeClr val="accent1"/>
+              </a:solidFill>
+            </a:ln>
+          </p:spPr>
+          <p:txBody>
+            <a:bodyPr wrap="square">
+              <a:noAutofit/>
+            </a:bodyPr>
+            <a:lstStyle/>
+            <a:p>
+              <a:r>
+                <a:rPr lang="en-US" altLang="ko-KR" sz="1100" dirty="0" smtClean="0">
+                  <a:solidFill>
+                    <a:srgbClr val="FF0000"/>
+                  </a:solidFill>
+                </a:rPr>
+                <a:t>Definition &amp; Use</a:t>
+              </a:r>
+              <a:endParaRPr lang="en-US" altLang="ko-KR" sz="1100" dirty="0">
+                <a:solidFill>
+                  <a:srgbClr val="FF0000"/>
+                </a:solidFill>
+              </a:endParaRPr>
+            </a:p>
+          </p:txBody>
+        </p:sp>
+        <p:sp>
+          <p:nvSpPr>
+            <p:cNvPr id="41" name="TextBox 40">
+              <a:extLst>
+                <a:ext uri="{FF2B5EF4-FFF2-40B4-BE49-F238E27FC236}">
+                  <a16:creationId xmlns:a16="http://schemas.microsoft.com/office/drawing/2014/main" xmlns="" id="{A9AFB107-57BE-3FF3-7AFF-962C2368E148}"/>
+                </a:ext>
+              </a:extLst>
+            </p:cNvPr>
+            <p:cNvSpPr txBox="1"/>
+            <p:nvPr/>
+          </p:nvSpPr>
+          <p:spPr>
+            <a:xfrm>
+              <a:off x="752476" y="3932043"/>
+              <a:ext cx="1229418" cy="430887"/>
+            </a:xfrm>
+            <a:prstGeom prst="rect">
+              <a:avLst/>
+            </a:prstGeom>
+            <a:solidFill>
+              <a:schemeClr val="bg1"/>
+            </a:solidFill>
+            <a:ln>
+              <a:solidFill>
+                <a:schemeClr val="accent1"/>
+              </a:solidFill>
+            </a:ln>
+          </p:spPr>
+          <p:txBody>
+            <a:bodyPr wrap="square">
+              <a:spAutoFit/>
+            </a:bodyPr>
+            <a:lstStyle/>
+            <a:p>
+              <a:r>
+                <a:rPr lang="en-US" altLang="ko-KR" sz="1100" b="1" dirty="0" smtClean="0"/>
+                <a:t>Consumer</a:t>
+              </a:r>
+            </a:p>
+            <a:p>
+              <a:r>
+                <a:rPr lang="en-US" altLang="ko-KR" sz="1100" b="1" dirty="0" smtClean="0"/>
+                <a:t>Selector</a:t>
+              </a:r>
+              <a:endParaRPr lang="en-US" altLang="ko-KR" sz="1100" dirty="0"/>
+            </a:p>
+          </p:txBody>
+        </p:sp>
+        <p:sp>
+          <p:nvSpPr>
+            <p:cNvPr id="54" name="TextBox 53">
+              <a:extLst>
+                <a:ext uri="{FF2B5EF4-FFF2-40B4-BE49-F238E27FC236}">
+                  <a16:creationId xmlns:a16="http://schemas.microsoft.com/office/drawing/2014/main" xmlns="" id="{A9AFB107-57BE-3FF3-7AFF-962C2368E148}"/>
+                </a:ext>
+              </a:extLst>
+            </p:cNvPr>
+            <p:cNvSpPr txBox="1"/>
+            <p:nvPr/>
+          </p:nvSpPr>
+          <p:spPr>
+            <a:xfrm>
+              <a:off x="2205055" y="3943597"/>
+              <a:ext cx="1229418" cy="261610"/>
+            </a:xfrm>
+            <a:prstGeom prst="rect">
+              <a:avLst/>
+            </a:prstGeom>
+            <a:solidFill>
+              <a:schemeClr val="bg1"/>
+            </a:solidFill>
+            <a:ln>
+              <a:solidFill>
+                <a:schemeClr val="accent1"/>
+              </a:solidFill>
+            </a:ln>
+          </p:spPr>
+          <p:txBody>
+            <a:bodyPr wrap="square">
+              <a:spAutoFit/>
+            </a:bodyPr>
+            <a:lstStyle/>
+            <a:p>
+              <a:r>
+                <a:rPr lang="en-US" altLang="ko-KR" sz="1100" b="1" dirty="0" smtClean="0"/>
+                <a:t>Instance.</a:t>
+              </a:r>
+              <a:r>
+                <a:rPr lang="ko-KR" altLang="en-US" sz="1100" b="1" dirty="0" smtClean="0"/>
+                <a:t>속성</a:t>
+              </a:r>
+              <a:endParaRPr lang="en-US" altLang="ko-KR" sz="1100" dirty="0"/>
+            </a:p>
+          </p:txBody>
+        </p:sp>
+      </p:grpSp>
+      <p:sp>
+        <p:nvSpPr>
+          <p:cNvPr id="47" name="TextBox 46"/>
+          <p:cNvSpPr txBox="1"/>
+          <p:nvPr/>
+        </p:nvSpPr>
+        <p:spPr>
+          <a:xfrm>
+            <a:off x="8252199" y="309774"/>
+            <a:ext cx="3145133" cy="2492990"/>
+          </a:xfrm>
+          <a:prstGeom prst="rect">
+            <a:avLst/>
+          </a:prstGeom>
+          <a:noFill/>
+        </p:spPr>
+        <p:txBody>
+          <a:bodyPr wrap="square" rtlCol="0">
+            <a:spAutoFit/>
+          </a:bodyPr>
+          <a:lstStyle/>
+          <a:p>
+            <a:r>
+              <a:rPr lang="en-US" altLang="ko-KR" sz="1200" dirty="0"/>
+              <a:t>Navigator.push(</a:t>
+            </a:r>
+          </a:p>
+          <a:p>
+            <a:r>
+              <a:rPr lang="en-US" altLang="ko-KR" sz="1200" dirty="0"/>
+              <a:t>      context,</a:t>
+            </a:r>
+          </a:p>
+          <a:p>
+            <a:r>
+              <a:rPr lang="ko-KR" altLang="en-US" sz="1200" dirty="0"/>
+              <a:t>      </a:t>
+            </a:r>
+            <a:r>
+              <a:rPr lang="en-US" altLang="ko-KR" sz="1200" dirty="0"/>
+              <a:t>// _ </a:t>
+            </a:r>
+            <a:r>
+              <a:rPr lang="ko-KR" altLang="en-US" sz="1200" dirty="0"/>
+              <a:t>대신 </a:t>
+            </a:r>
+            <a:r>
+              <a:rPr lang="en-US" altLang="ko-KR" sz="1200" dirty="0"/>
+              <a:t>counterContext</a:t>
+            </a:r>
+            <a:r>
+              <a:rPr lang="ko-KR" altLang="en-US" sz="1200" dirty="0"/>
+              <a:t>로 해도 된다</a:t>
+            </a:r>
+            <a:r>
+              <a:rPr lang="en-US" altLang="ko-KR" sz="1200" dirty="0"/>
+              <a:t>.</a:t>
+            </a:r>
+            <a:endParaRPr lang="ko-KR" altLang="en-US" sz="1200" dirty="0"/>
+          </a:p>
+          <a:p>
+            <a:r>
+              <a:rPr lang="ko-KR" altLang="en-US" sz="1200" dirty="0"/>
+              <a:t>      </a:t>
+            </a:r>
+            <a:r>
+              <a:rPr lang="en-US" altLang="ko-KR" sz="1200" dirty="0"/>
+              <a:t>//MaterialPageRoute(builder: (context) {</a:t>
+            </a:r>
+          </a:p>
+          <a:p>
+            <a:r>
+              <a:rPr lang="en-US" altLang="ko-KR" sz="1200" dirty="0"/>
+              <a:t>      MaterialPageRoute(builder: (_) {</a:t>
+            </a:r>
+          </a:p>
+          <a:p>
+            <a:r>
+              <a:rPr lang="en-US" altLang="ko-KR" sz="1200" dirty="0"/>
+              <a:t>        return ChangeNotifierProvider.value(</a:t>
+            </a:r>
+          </a:p>
+          <a:p>
+            <a:r>
+              <a:rPr lang="en-US" altLang="ko-KR" sz="1200" dirty="0"/>
+              <a:t>          value: context.read&lt;Counter&gt;(),</a:t>
+            </a:r>
+          </a:p>
+          <a:p>
+            <a:r>
+              <a:rPr lang="en-US" altLang="ko-KR" sz="1200" dirty="0"/>
+              <a:t>          child: const ShowMeCounter(),</a:t>
+            </a:r>
+          </a:p>
+          <a:p>
+            <a:r>
+              <a:rPr lang="en-US" altLang="ko-KR" sz="1200" dirty="0"/>
+              <a:t>        );</a:t>
+            </a:r>
+          </a:p>
+          <a:p>
+            <a:r>
+              <a:rPr lang="en-US" altLang="ko-KR" sz="1200" dirty="0"/>
+              <a:t>      }),</a:t>
+            </a:r>
+          </a:p>
+          <a:p>
+            <a:r>
+              <a:rPr lang="en-US" altLang="ko-KR" sz="1200" dirty="0"/>
+              <a:t>    );</a:t>
+            </a:r>
+          </a:p>
+          <a:p>
+            <a:endParaRPr lang="ko-KR" altLang="en-US" sz="1200" dirty="0"/>
+          </a:p>
+        </p:txBody>
+      </p:sp>
+      <p:grpSp>
+        <p:nvGrpSpPr>
+          <p:cNvPr id="36" name="그룹 35"/>
+          <p:cNvGrpSpPr/>
+          <p:nvPr/>
+        </p:nvGrpSpPr>
+        <p:grpSpPr>
+          <a:xfrm>
+            <a:off x="92588" y="480337"/>
+            <a:ext cx="4863875" cy="1577061"/>
+            <a:chOff x="165325" y="708939"/>
+            <a:chExt cx="4863875" cy="1577061"/>
+          </a:xfrm>
+        </p:grpSpPr>
+        <p:grpSp>
+          <p:nvGrpSpPr>
+            <p:cNvPr id="24" name="그룹 23"/>
+            <p:cNvGrpSpPr/>
+            <p:nvPr/>
+          </p:nvGrpSpPr>
+          <p:grpSpPr>
+            <a:xfrm>
+              <a:off x="165325" y="708939"/>
+              <a:ext cx="4863875" cy="1577061"/>
+              <a:chOff x="165325" y="708939"/>
+              <a:chExt cx="5040520" cy="1732925"/>
+            </a:xfrm>
+          </p:grpSpPr>
+          <p:sp>
+            <p:nvSpPr>
+              <p:cNvPr id="46" name="TextBox 45">
+                <a:extLst>
+                  <a:ext uri="{FF2B5EF4-FFF2-40B4-BE49-F238E27FC236}">
+                    <a16:creationId xmlns:a16="http://schemas.microsoft.com/office/drawing/2014/main" xmlns="" id="{A9AFB107-57BE-3FF3-7AFF-962C2368E148}"/>
+                  </a:ext>
+                </a:extLst>
+              </p:cNvPr>
+              <p:cNvSpPr txBox="1"/>
+              <p:nvPr/>
+            </p:nvSpPr>
+            <p:spPr>
+              <a:xfrm>
+                <a:off x="165325" y="971292"/>
+                <a:ext cx="5040520" cy="1470572"/>
+              </a:xfrm>
+              <a:prstGeom prst="rect">
+                <a:avLst/>
+              </a:prstGeom>
+              <a:solidFill>
+                <a:schemeClr val="bg1">
+                  <a:lumMod val="85000"/>
+                </a:schemeClr>
+              </a:solidFill>
+              <a:ln>
+                <a:solidFill>
+                  <a:schemeClr val="accent1"/>
+                </a:solidFill>
+              </a:ln>
+            </p:spPr>
+            <p:txBody>
+              <a:bodyPr wrap="square">
+                <a:noAutofit/>
+              </a:bodyPr>
+              <a:lstStyle/>
+              <a:p>
+                <a:endParaRPr lang="en-US" altLang="ko-KR" sz="1100" dirty="0">
+                  <a:solidFill>
+                    <a:srgbClr val="FF0000"/>
+                  </a:solidFill>
+                </a:endParaRPr>
+              </a:p>
+            </p:txBody>
+          </p:sp>
+          <p:sp>
+            <p:nvSpPr>
+              <p:cNvPr id="48" name="TextBox 47">
+                <a:extLst>
+                  <a:ext uri="{FF2B5EF4-FFF2-40B4-BE49-F238E27FC236}">
+                    <a16:creationId xmlns:a16="http://schemas.microsoft.com/office/drawing/2014/main" xmlns="" id="{A9AFB107-57BE-3FF3-7AFF-962C2368E148}"/>
+                  </a:ext>
+                </a:extLst>
+              </p:cNvPr>
+              <p:cNvSpPr txBox="1"/>
+              <p:nvPr/>
+            </p:nvSpPr>
+            <p:spPr>
+              <a:xfrm>
+                <a:off x="165325" y="708939"/>
+                <a:ext cx="5040520" cy="261610"/>
+              </a:xfrm>
+              <a:prstGeom prst="rect">
+                <a:avLst/>
+              </a:prstGeom>
+              <a:solidFill>
+                <a:schemeClr val="bg1">
+                  <a:lumMod val="85000"/>
+                </a:schemeClr>
+              </a:solidFill>
+              <a:ln>
+                <a:solidFill>
+                  <a:schemeClr val="accent1"/>
+                </a:solidFill>
+              </a:ln>
+            </p:spPr>
+            <p:txBody>
+              <a:bodyPr wrap="square">
+                <a:noAutofit/>
+              </a:bodyPr>
+              <a:lstStyle/>
+              <a:p>
+                <a:r>
+                  <a:rPr lang="en-US" altLang="ko-KR" sz="1100" dirty="0" smtClean="0">
+                    <a:solidFill>
+                      <a:srgbClr val="FF0000"/>
+                    </a:solidFill>
+                  </a:rPr>
+                  <a:t>Definition</a:t>
+                </a:r>
+                <a:endParaRPr lang="en-US" altLang="ko-KR" sz="1100" dirty="0">
+                  <a:solidFill>
+                    <a:srgbClr val="FF0000"/>
+                  </a:solidFill>
+                </a:endParaRPr>
+              </a:p>
+            </p:txBody>
+          </p:sp>
+        </p:grpSp>
+        <p:grpSp>
+          <p:nvGrpSpPr>
+            <p:cNvPr id="42" name="그룹 41"/>
+            <p:cNvGrpSpPr/>
+            <p:nvPr/>
+          </p:nvGrpSpPr>
+          <p:grpSpPr>
+            <a:xfrm>
+              <a:off x="263539" y="1059267"/>
+              <a:ext cx="2084808" cy="1101219"/>
+              <a:chOff x="440182" y="765680"/>
+              <a:chExt cx="2084808" cy="1101219"/>
+            </a:xfrm>
+            <a:solidFill>
+              <a:schemeClr val="bg1"/>
+            </a:solidFill>
+          </p:grpSpPr>
+          <p:sp>
+            <p:nvSpPr>
+              <p:cNvPr id="34" name="TextBox 33">
+                <a:extLst>
+                  <a:ext uri="{FF2B5EF4-FFF2-40B4-BE49-F238E27FC236}">
+                    <a16:creationId xmlns:a16="http://schemas.microsoft.com/office/drawing/2014/main" xmlns="" id="{A9AFB107-57BE-3FF3-7AFF-962C2368E148}"/>
+                  </a:ext>
+                </a:extLst>
+              </p:cNvPr>
+              <p:cNvSpPr txBox="1"/>
+              <p:nvPr/>
+            </p:nvSpPr>
+            <p:spPr>
+              <a:xfrm>
+                <a:off x="440182" y="765680"/>
+                <a:ext cx="2084808" cy="1101219"/>
+              </a:xfrm>
+              <a:prstGeom prst="rect">
+                <a:avLst/>
+              </a:prstGeom>
+              <a:grpFill/>
+              <a:ln>
+                <a:solidFill>
+                  <a:schemeClr val="accent1"/>
+                </a:solidFill>
+              </a:ln>
+            </p:spPr>
+            <p:txBody>
+              <a:bodyPr wrap="square">
+                <a:noAutofit/>
+              </a:bodyPr>
+              <a:lstStyle/>
+              <a:p>
+                <a:endParaRPr lang="en-US" altLang="ko-KR" sz="1100" dirty="0">
+                  <a:solidFill>
+                    <a:srgbClr val="FF0000"/>
+                  </a:solidFill>
+                </a:endParaRPr>
+              </a:p>
+            </p:txBody>
+          </p:sp>
+          <p:sp>
+            <p:nvSpPr>
+              <p:cNvPr id="4" name="TextBox 3">
+                <a:extLst>
+                  <a:ext uri="{FF2B5EF4-FFF2-40B4-BE49-F238E27FC236}">
+                    <a16:creationId xmlns:a16="http://schemas.microsoft.com/office/drawing/2014/main" xmlns="" id="{A9AFB107-57BE-3FF3-7AFF-962C2368E148}"/>
+                  </a:ext>
+                </a:extLst>
+              </p:cNvPr>
+              <p:cNvSpPr txBox="1"/>
+              <p:nvPr/>
+            </p:nvSpPr>
+            <p:spPr>
+              <a:xfrm>
+                <a:off x="552452" y="831250"/>
+                <a:ext cx="1847849" cy="261610"/>
+              </a:xfrm>
+              <a:prstGeom prst="rect">
+                <a:avLst/>
+              </a:prstGeom>
+              <a:grpFill/>
+              <a:ln>
+                <a:solidFill>
+                  <a:schemeClr val="accent1"/>
+                </a:solidFill>
+              </a:ln>
+            </p:spPr>
+            <p:txBody>
+              <a:bodyPr wrap="square">
+                <a:spAutoFit/>
+              </a:bodyPr>
+              <a:lstStyle/>
+              <a:p>
+                <a:r>
+                  <a:rPr lang="en-US" altLang="ko-KR" sz="1100" b="1" dirty="0" smtClean="0"/>
+                  <a:t>Provider</a:t>
+                </a:r>
+                <a:endParaRPr lang="en-US" altLang="ko-KR" sz="1100" dirty="0"/>
+              </a:p>
+            </p:txBody>
+          </p:sp>
+          <p:sp>
+            <p:nvSpPr>
+              <p:cNvPr id="25" name="TextBox 24">
+                <a:extLst>
+                  <a:ext uri="{FF2B5EF4-FFF2-40B4-BE49-F238E27FC236}">
+                    <a16:creationId xmlns:a16="http://schemas.microsoft.com/office/drawing/2014/main" xmlns="" id="{A9AFB107-57BE-3FF3-7AFF-962C2368E148}"/>
+                  </a:ext>
+                </a:extLst>
+              </p:cNvPr>
+              <p:cNvSpPr txBox="1"/>
+              <p:nvPr/>
+            </p:nvSpPr>
+            <p:spPr>
+              <a:xfrm>
+                <a:off x="552450" y="1140485"/>
+                <a:ext cx="1847849" cy="600164"/>
+              </a:xfrm>
+              <a:prstGeom prst="rect">
+                <a:avLst/>
+              </a:prstGeom>
+              <a:grpFill/>
+              <a:ln>
+                <a:solidFill>
+                  <a:schemeClr val="accent1"/>
+                </a:solidFill>
+              </a:ln>
+            </p:spPr>
+            <p:txBody>
+              <a:bodyPr wrap="square">
+                <a:spAutoFit/>
+              </a:bodyPr>
+              <a:lstStyle/>
+              <a:p>
+                <a:r>
+                  <a:rPr lang="en-US" altLang="ko-KR" sz="1100" b="1" dirty="0" smtClean="0"/>
+                  <a:t>ChangeNotifierProvider</a:t>
+                </a:r>
+                <a:endParaRPr lang="en-US" altLang="ko-KR" sz="1100" dirty="0"/>
+              </a:p>
+              <a:p>
+                <a:r>
+                  <a:rPr lang="en-US" altLang="ko-KR" sz="1100" b="1" dirty="0" smtClean="0"/>
+                  <a:t>FutureProvider</a:t>
+                </a:r>
+              </a:p>
+              <a:p>
+                <a:r>
+                  <a:rPr lang="en-US" altLang="ko-KR" sz="1100" b="1" dirty="0" smtClean="0"/>
+                  <a:t>StreamProvider</a:t>
+                </a:r>
+                <a:endParaRPr lang="en-US" altLang="ko-KR" sz="1100" dirty="0"/>
+              </a:p>
+            </p:txBody>
+          </p:sp>
+        </p:grpSp>
+        <p:grpSp>
+          <p:nvGrpSpPr>
+            <p:cNvPr id="29" name="그룹 28"/>
+            <p:cNvGrpSpPr/>
+            <p:nvPr/>
+          </p:nvGrpSpPr>
+          <p:grpSpPr>
+            <a:xfrm>
+              <a:off x="2482601" y="1059267"/>
+              <a:ext cx="2450437" cy="1101219"/>
+              <a:chOff x="440182" y="765680"/>
+              <a:chExt cx="2450437" cy="1101219"/>
+            </a:xfrm>
+            <a:solidFill>
+              <a:schemeClr val="bg1"/>
+            </a:solidFill>
+          </p:grpSpPr>
+          <p:sp>
+            <p:nvSpPr>
+              <p:cNvPr id="30" name="TextBox 29">
+                <a:extLst>
+                  <a:ext uri="{FF2B5EF4-FFF2-40B4-BE49-F238E27FC236}">
+                    <a16:creationId xmlns:a16="http://schemas.microsoft.com/office/drawing/2014/main" xmlns="" id="{A9AFB107-57BE-3FF3-7AFF-962C2368E148}"/>
+                  </a:ext>
+                </a:extLst>
+              </p:cNvPr>
+              <p:cNvSpPr txBox="1"/>
+              <p:nvPr/>
+            </p:nvSpPr>
+            <p:spPr>
+              <a:xfrm>
+                <a:off x="440182" y="765680"/>
+                <a:ext cx="2450437" cy="1101219"/>
+              </a:xfrm>
+              <a:prstGeom prst="rect">
+                <a:avLst/>
+              </a:prstGeom>
+              <a:grpFill/>
+              <a:ln>
+                <a:solidFill>
+                  <a:schemeClr val="accent1"/>
+                </a:solidFill>
+              </a:ln>
+            </p:spPr>
+            <p:txBody>
+              <a:bodyPr wrap="square">
+                <a:noAutofit/>
+              </a:bodyPr>
+              <a:lstStyle/>
+              <a:p>
+                <a:endParaRPr lang="en-US" altLang="ko-KR" sz="1100" dirty="0">
+                  <a:solidFill>
+                    <a:srgbClr val="FF0000"/>
+                  </a:solidFill>
+                </a:endParaRPr>
+              </a:p>
+            </p:txBody>
+          </p:sp>
+          <p:sp>
+            <p:nvSpPr>
+              <p:cNvPr id="33" name="TextBox 32">
+                <a:extLst>
+                  <a:ext uri="{FF2B5EF4-FFF2-40B4-BE49-F238E27FC236}">
+                    <a16:creationId xmlns:a16="http://schemas.microsoft.com/office/drawing/2014/main" xmlns="" id="{A9AFB107-57BE-3FF3-7AFF-962C2368E148}"/>
+                  </a:ext>
+                </a:extLst>
+              </p:cNvPr>
+              <p:cNvSpPr txBox="1"/>
+              <p:nvPr/>
+            </p:nvSpPr>
+            <p:spPr>
+              <a:xfrm>
+                <a:off x="552450" y="859928"/>
+                <a:ext cx="2255042" cy="600164"/>
+              </a:xfrm>
+              <a:prstGeom prst="rect">
+                <a:avLst/>
+              </a:prstGeom>
+              <a:grpFill/>
+              <a:ln>
+                <a:solidFill>
+                  <a:schemeClr val="accent1"/>
+                </a:solidFill>
+              </a:ln>
+            </p:spPr>
+            <p:txBody>
+              <a:bodyPr wrap="square">
+                <a:spAutoFit/>
+              </a:bodyPr>
+              <a:lstStyle/>
+              <a:p>
+                <a:r>
+                  <a:rPr lang="en-US" altLang="ko-KR" sz="1100" b="1" dirty="0" smtClean="0"/>
+                  <a:t>ProxyProvider</a:t>
+                </a:r>
+              </a:p>
+              <a:p>
+                <a:r>
+                  <a:rPr lang="en-US" altLang="ko-KR" sz="1100" b="1" dirty="0" smtClean="0"/>
+                  <a:t>ProxyProvider0~N</a:t>
+                </a:r>
+                <a:endParaRPr lang="en-US" altLang="ko-KR" sz="1100" b="1" dirty="0"/>
+              </a:p>
+              <a:p>
+                <a:r>
+                  <a:rPr lang="en-US" altLang="ko-KR" sz="1100" b="1" dirty="0" smtClean="0"/>
+                  <a:t>ChangeNotifierProxyProvider</a:t>
+                </a:r>
+                <a:endParaRPr lang="en-US" altLang="ko-KR" sz="1100" dirty="0"/>
+              </a:p>
+            </p:txBody>
+          </p:sp>
+        </p:grpSp>
+      </p:grpSp>
+      <p:cxnSp>
+        <p:nvCxnSpPr>
+          <p:cNvPr id="55" name="꺾인 연결선 54"/>
+          <p:cNvCxnSpPr>
+            <a:stCxn id="41" idx="3"/>
+            <a:endCxn id="54" idx="1"/>
+          </p:cNvCxnSpPr>
+          <p:nvPr/>
+        </p:nvCxnSpPr>
+        <p:spPr>
+          <a:xfrm flipV="1">
+            <a:off x="1426660" y="3147884"/>
+            <a:ext cx="221894" cy="73085"/>
+          </a:xfrm>
+          <a:prstGeom prst="bentConnector3">
+            <a:avLst>
+              <a:gd name="adj1" fmla="val 50000"/>
+            </a:avLst>
+          </a:prstGeom>
+          <a:ln>
+            <a:tailEnd type="arrow"/>
+          </a:ln>
+        </p:spPr>
+        <p:style>
+          <a:lnRef idx="1">
+            <a:schemeClr val="accent1"/>
+          </a:lnRef>
+          <a:fillRef idx="0">
+            <a:schemeClr val="accent1"/>
+          </a:fillRef>
+          <a:effectRef idx="0">
+            <a:schemeClr val="accent1"/>
+          </a:effectRef>
+          <a:fontRef idx="minor">
+            <a:schemeClr val="tx1"/>
+          </a:fontRef>
+        </p:style>
+      </p:cxnSp>
+      <p:grpSp>
+        <p:nvGrpSpPr>
+          <p:cNvPr id="63" name="그룹 62"/>
+          <p:cNvGrpSpPr/>
+          <p:nvPr/>
+        </p:nvGrpSpPr>
+        <p:grpSpPr>
+          <a:xfrm>
+            <a:off x="3409796" y="2676476"/>
+            <a:ext cx="3914552" cy="2555109"/>
+            <a:chOff x="75557" y="3150863"/>
+            <a:chExt cx="3914552" cy="2555109"/>
+          </a:xfrm>
+        </p:grpSpPr>
+        <p:grpSp>
+          <p:nvGrpSpPr>
+            <p:cNvPr id="37" name="그룹 36"/>
+            <p:cNvGrpSpPr/>
+            <p:nvPr/>
+          </p:nvGrpSpPr>
+          <p:grpSpPr>
+            <a:xfrm>
+              <a:off x="75557" y="3150863"/>
+              <a:ext cx="3914552" cy="2555109"/>
+              <a:chOff x="97276" y="2556906"/>
+              <a:chExt cx="3996914" cy="2555109"/>
+            </a:xfrm>
+          </p:grpSpPr>
+          <p:sp>
+            <p:nvSpPr>
+              <p:cNvPr id="20" name="TextBox 19">
+                <a:extLst>
+                  <a:ext uri="{FF2B5EF4-FFF2-40B4-BE49-F238E27FC236}">
+                    <a16:creationId xmlns:a16="http://schemas.microsoft.com/office/drawing/2014/main" xmlns="" id="{A9AFB107-57BE-3FF3-7AFF-962C2368E148}"/>
+                  </a:ext>
+                </a:extLst>
+              </p:cNvPr>
+              <p:cNvSpPr txBox="1"/>
+              <p:nvPr/>
+            </p:nvSpPr>
+            <p:spPr>
+              <a:xfrm>
+                <a:off x="97277" y="2795031"/>
+                <a:ext cx="3996913" cy="2316984"/>
+              </a:xfrm>
+              <a:prstGeom prst="rect">
+                <a:avLst/>
+              </a:prstGeom>
+              <a:solidFill>
+                <a:schemeClr val="accent6">
+                  <a:lumMod val="20000"/>
+                  <a:lumOff val="80000"/>
+                </a:schemeClr>
+              </a:solidFill>
+              <a:ln>
+                <a:solidFill>
+                  <a:schemeClr val="accent1"/>
+                </a:solidFill>
+              </a:ln>
+            </p:spPr>
+            <p:txBody>
+              <a:bodyPr wrap="square" anchor="ctr">
+                <a:noAutofit/>
+              </a:bodyPr>
+              <a:lstStyle/>
+              <a:p>
+                <a:endParaRPr lang="en-US" altLang="ko-KR" sz="1100" dirty="0"/>
+              </a:p>
+            </p:txBody>
+          </p:sp>
+          <p:sp>
+            <p:nvSpPr>
+              <p:cNvPr id="21" name="TextBox 20">
+                <a:extLst>
+                  <a:ext uri="{FF2B5EF4-FFF2-40B4-BE49-F238E27FC236}">
+                    <a16:creationId xmlns:a16="http://schemas.microsoft.com/office/drawing/2014/main" xmlns="" id="{A9AFB107-57BE-3FF3-7AFF-962C2368E148}"/>
+                  </a:ext>
+                </a:extLst>
+              </p:cNvPr>
+              <p:cNvSpPr txBox="1"/>
+              <p:nvPr/>
+            </p:nvSpPr>
+            <p:spPr>
+              <a:xfrm>
+                <a:off x="97276" y="2556906"/>
+                <a:ext cx="3996913" cy="238126"/>
+              </a:xfrm>
+              <a:prstGeom prst="rect">
+                <a:avLst/>
+              </a:prstGeom>
+              <a:solidFill>
+                <a:schemeClr val="accent6">
+                  <a:lumMod val="20000"/>
+                  <a:lumOff val="80000"/>
+                </a:schemeClr>
+              </a:solidFill>
+              <a:ln>
+                <a:solidFill>
+                  <a:schemeClr val="accent1"/>
+                </a:solidFill>
+              </a:ln>
+            </p:spPr>
+            <p:txBody>
+              <a:bodyPr wrap="square" anchor="ctr">
+                <a:noAutofit/>
+              </a:bodyPr>
+              <a:lstStyle/>
+              <a:p>
+                <a:r>
+                  <a:rPr lang="en-US" altLang="ko-KR" sz="1100" dirty="0" smtClean="0">
+                    <a:solidFill>
+                      <a:srgbClr val="FF0000"/>
+                    </a:solidFill>
+                  </a:rPr>
+                  <a:t>Use (</a:t>
+                </a:r>
+                <a:r>
+                  <a:rPr lang="ko-KR" altLang="en-US" sz="1100" dirty="0" smtClean="0">
+                    <a:solidFill>
+                      <a:srgbClr val="FF0000"/>
+                    </a:solidFill>
+                  </a:rPr>
+                  <a:t>하위 </a:t>
+                </a:r>
+                <a:r>
+                  <a:rPr lang="en-US" altLang="ko-KR" sz="1100" dirty="0" smtClean="0">
+                    <a:solidFill>
+                      <a:srgbClr val="FF0000"/>
+                    </a:solidFill>
+                  </a:rPr>
+                  <a:t>WidgetClass)</a:t>
+                </a:r>
+                <a:endParaRPr lang="en-US" altLang="ko-KR" sz="1100" dirty="0">
+                  <a:solidFill>
+                    <a:srgbClr val="FF0000"/>
+                  </a:solidFill>
+                </a:endParaRPr>
+              </a:p>
+            </p:txBody>
+          </p:sp>
+        </p:grpSp>
+        <p:sp>
+          <p:nvSpPr>
+            <p:cNvPr id="6" name="TextBox 5">
+              <a:extLst>
+                <a:ext uri="{FF2B5EF4-FFF2-40B4-BE49-F238E27FC236}">
+                  <a16:creationId xmlns:a16="http://schemas.microsoft.com/office/drawing/2014/main" xmlns="" id="{A9AFB107-57BE-3FF3-7AFF-962C2368E148}"/>
+                </a:ext>
+              </a:extLst>
+            </p:cNvPr>
+            <p:cNvSpPr txBox="1"/>
+            <p:nvPr/>
+          </p:nvSpPr>
+          <p:spPr>
+            <a:xfrm>
+              <a:off x="161283" y="3897554"/>
+              <a:ext cx="3265043" cy="430886"/>
+            </a:xfrm>
+            <a:prstGeom prst="rect">
+              <a:avLst/>
+            </a:prstGeom>
+            <a:solidFill>
+              <a:schemeClr val="bg1"/>
+            </a:solidFill>
+            <a:ln>
+              <a:solidFill>
+                <a:schemeClr val="accent1"/>
+              </a:solidFill>
+            </a:ln>
+          </p:spPr>
+          <p:txBody>
+            <a:bodyPr wrap="square" anchor="ctr">
+              <a:noAutofit/>
+            </a:bodyPr>
+            <a:lstStyle/>
+            <a:p>
+              <a:r>
+                <a:rPr lang="en-US" altLang="ko-KR" sz="1100" dirty="0"/>
+                <a:t>context.read&lt;Dog&gt;().</a:t>
+              </a:r>
+              <a:r>
+                <a:rPr lang="en-US" altLang="ko-KR" sz="1100" dirty="0" smtClean="0"/>
+                <a:t>name</a:t>
+              </a:r>
+              <a:endParaRPr lang="en-US" altLang="ko-KR" sz="1100" dirty="0"/>
+            </a:p>
+          </p:txBody>
+        </p:sp>
+        <p:sp>
+          <p:nvSpPr>
+            <p:cNvPr id="7" name="TextBox 6">
+              <a:extLst>
+                <a:ext uri="{FF2B5EF4-FFF2-40B4-BE49-F238E27FC236}">
+                  <a16:creationId xmlns:a16="http://schemas.microsoft.com/office/drawing/2014/main" xmlns="" id="{A9AFB107-57BE-3FF3-7AFF-962C2368E148}"/>
+                </a:ext>
+              </a:extLst>
+            </p:cNvPr>
+            <p:cNvSpPr txBox="1"/>
+            <p:nvPr/>
+          </p:nvSpPr>
+          <p:spPr>
+            <a:xfrm>
+              <a:off x="161283" y="3470170"/>
+              <a:ext cx="3265043" cy="430887"/>
+            </a:xfrm>
+            <a:prstGeom prst="rect">
+              <a:avLst/>
+            </a:prstGeom>
+            <a:solidFill>
+              <a:schemeClr val="bg1"/>
+            </a:solidFill>
+            <a:ln>
+              <a:solidFill>
+                <a:schemeClr val="accent1"/>
+              </a:solidFill>
+            </a:ln>
+          </p:spPr>
+          <p:txBody>
+            <a:bodyPr wrap="square">
+              <a:spAutoFit/>
+            </a:bodyPr>
+            <a:lstStyle/>
+            <a:p>
+              <a:r>
+                <a:rPr lang="en-US" altLang="ko-KR" sz="1100" dirty="0" smtClean="0"/>
+                <a:t>Provider.of&lt;Dog</a:t>
+              </a:r>
+              <a:r>
+                <a:rPr lang="en-US" altLang="ko-KR" sz="1100" dirty="0"/>
+                <a:t>&gt;(context, listen: false).</a:t>
+              </a:r>
+              <a:r>
+                <a:rPr lang="en-US" altLang="ko-KR" sz="1100" dirty="0" smtClean="0"/>
+                <a:t>name</a:t>
+              </a:r>
+            </a:p>
+            <a:p>
+              <a:r>
+                <a:rPr lang="en-US" altLang="ko-KR" sz="1100" dirty="0" smtClean="0"/>
+                <a:t>Provider.of&lt;Dog</a:t>
+              </a:r>
+              <a:r>
+                <a:rPr lang="en-US" altLang="ko-KR" sz="1100" dirty="0"/>
+                <a:t>&gt;(context, listen: false).grow</a:t>
+              </a:r>
+              <a:r>
+                <a:rPr lang="en-US" altLang="ko-KR" sz="1100" dirty="0" smtClean="0"/>
+                <a:t>()</a:t>
+              </a:r>
+              <a:endParaRPr lang="en-US" altLang="ko-KR" sz="1100" dirty="0"/>
+            </a:p>
+          </p:txBody>
+        </p:sp>
+        <p:grpSp>
+          <p:nvGrpSpPr>
+            <p:cNvPr id="61" name="그룹 60"/>
+            <p:cNvGrpSpPr/>
+            <p:nvPr/>
+          </p:nvGrpSpPr>
+          <p:grpSpPr>
+            <a:xfrm>
+              <a:off x="161283" y="4448357"/>
+              <a:ext cx="3664225" cy="1117469"/>
+              <a:chOff x="3599434" y="3208560"/>
+              <a:chExt cx="3664225" cy="1117469"/>
+            </a:xfrm>
+          </p:grpSpPr>
+          <p:sp>
+            <p:nvSpPr>
+              <p:cNvPr id="13" name="TextBox 12">
+                <a:extLst>
+                  <a:ext uri="{FF2B5EF4-FFF2-40B4-BE49-F238E27FC236}">
+                    <a16:creationId xmlns:a16="http://schemas.microsoft.com/office/drawing/2014/main" xmlns="" id="{A9AFB107-57BE-3FF3-7AFF-962C2368E148}"/>
+                  </a:ext>
+                </a:extLst>
+              </p:cNvPr>
+              <p:cNvSpPr txBox="1"/>
+              <p:nvPr/>
+            </p:nvSpPr>
+            <p:spPr>
+              <a:xfrm>
+                <a:off x="3599434" y="3470998"/>
+                <a:ext cx="3664224" cy="430887"/>
+              </a:xfrm>
+              <a:prstGeom prst="rect">
+                <a:avLst/>
+              </a:prstGeom>
+              <a:solidFill>
+                <a:schemeClr val="bg1"/>
+              </a:solidFill>
+              <a:ln>
+                <a:solidFill>
+                  <a:schemeClr val="accent1"/>
+                </a:solidFill>
+              </a:ln>
+            </p:spPr>
+            <p:txBody>
+              <a:bodyPr wrap="square">
+                <a:spAutoFit/>
+              </a:bodyPr>
+              <a:lstStyle/>
+              <a:p>
+                <a:r>
+                  <a:rPr lang="en-US" altLang="ko-KR" sz="1100" dirty="0" smtClean="0"/>
+                  <a:t>Provider.of&lt;Dog&gt;(context).name</a:t>
+                </a:r>
+              </a:p>
+              <a:p>
+                <a:r>
+                  <a:rPr lang="en-US" altLang="ko-KR" sz="1100" dirty="0" smtClean="0"/>
+                  <a:t>Provider.of&lt;Dog&gt;(context).age</a:t>
+                </a:r>
+              </a:p>
+            </p:txBody>
+          </p:sp>
+          <p:sp>
+            <p:nvSpPr>
+              <p:cNvPr id="14" name="TextBox 13">
+                <a:extLst>
+                  <a:ext uri="{FF2B5EF4-FFF2-40B4-BE49-F238E27FC236}">
+                    <a16:creationId xmlns:a16="http://schemas.microsoft.com/office/drawing/2014/main" xmlns="" id="{A9AFB107-57BE-3FF3-7AFF-962C2368E148}"/>
+                  </a:ext>
+                </a:extLst>
+              </p:cNvPr>
+              <p:cNvSpPr txBox="1"/>
+              <p:nvPr/>
+            </p:nvSpPr>
+            <p:spPr>
+              <a:xfrm>
+                <a:off x="3599434" y="3895142"/>
+                <a:ext cx="3664224" cy="430887"/>
+              </a:xfrm>
+              <a:prstGeom prst="rect">
+                <a:avLst/>
+              </a:prstGeom>
+              <a:solidFill>
+                <a:schemeClr val="bg1"/>
+              </a:solidFill>
+              <a:ln>
+                <a:solidFill>
+                  <a:schemeClr val="accent1"/>
+                </a:solidFill>
+              </a:ln>
+            </p:spPr>
+            <p:txBody>
+              <a:bodyPr wrap="square">
+                <a:spAutoFit/>
+              </a:bodyPr>
+              <a:lstStyle/>
+              <a:p>
+                <a:r>
+                  <a:rPr lang="en-US" altLang="ko-KR" sz="1100" dirty="0" smtClean="0"/>
+                  <a:t>context.watch&lt;Dog</a:t>
+                </a:r>
+                <a:r>
+                  <a:rPr lang="en-US" altLang="ko-KR" sz="1100" dirty="0"/>
+                  <a:t>&gt;().age</a:t>
+                </a:r>
+              </a:p>
+              <a:p>
+                <a:r>
+                  <a:rPr lang="en-US" altLang="ko-KR" sz="1100" dirty="0"/>
+                  <a:t>context.select&lt;Dog, String&gt;((Dog dog) =&gt; dog.breed</a:t>
+                </a:r>
+                <a:r>
+                  <a:rPr lang="en-US" altLang="ko-KR" sz="1100" dirty="0" smtClean="0"/>
+                  <a:t>)</a:t>
+                </a:r>
+                <a:endParaRPr lang="en-US" altLang="ko-KR" sz="1100" dirty="0"/>
+              </a:p>
+            </p:txBody>
+          </p:sp>
+          <p:sp>
+            <p:nvSpPr>
+              <p:cNvPr id="17" name="TextBox 16">
+                <a:extLst>
+                  <a:ext uri="{FF2B5EF4-FFF2-40B4-BE49-F238E27FC236}">
+                    <a16:creationId xmlns:a16="http://schemas.microsoft.com/office/drawing/2014/main" xmlns="" id="{A9AFB107-57BE-3FF3-7AFF-962C2368E148}"/>
+                  </a:ext>
+                </a:extLst>
+              </p:cNvPr>
+              <p:cNvSpPr txBox="1"/>
+              <p:nvPr/>
+            </p:nvSpPr>
+            <p:spPr>
+              <a:xfrm>
+                <a:off x="3599435" y="3208560"/>
+                <a:ext cx="3664224" cy="261610"/>
+              </a:xfrm>
+              <a:prstGeom prst="rect">
+                <a:avLst/>
+              </a:prstGeom>
+              <a:solidFill>
+                <a:schemeClr val="accent5">
+                  <a:lumMod val="20000"/>
+                  <a:lumOff val="80000"/>
+                </a:schemeClr>
+              </a:solidFill>
+              <a:ln>
+                <a:solidFill>
+                  <a:schemeClr val="accent1"/>
+                </a:solidFill>
+              </a:ln>
+            </p:spPr>
+            <p:txBody>
+              <a:bodyPr wrap="square">
+                <a:spAutoFit/>
+              </a:bodyPr>
+              <a:lstStyle/>
+              <a:p>
+                <a:r>
+                  <a:rPr lang="en-US" altLang="ko-KR" sz="1100" dirty="0" smtClean="0"/>
+                  <a:t>Observer, Listener</a:t>
+                </a:r>
+              </a:p>
+            </p:txBody>
+          </p:sp>
+        </p:grpSp>
+      </p:grpSp>
+      <p:cxnSp>
+        <p:nvCxnSpPr>
+          <p:cNvPr id="28" name="꺾인 연결선 27"/>
+          <p:cNvCxnSpPr>
+            <a:stCxn id="5" idx="2"/>
+            <a:endCxn id="17" idx="3"/>
+          </p:cNvCxnSpPr>
+          <p:nvPr/>
+        </p:nvCxnSpPr>
+        <p:spPr>
+          <a:xfrm rot="16200000" flipH="1">
+            <a:off x="5399399" y="2344427"/>
+            <a:ext cx="2911168" cy="609527"/>
+          </a:xfrm>
+          <a:prstGeom prst="bentConnector4">
+            <a:avLst>
+              <a:gd name="adj1" fmla="val 47753"/>
+              <a:gd name="adj2" fmla="val 176868"/>
+            </a:avLst>
+          </a:prstGeom>
+          <a:ln>
+            <a:tailEnd type="arrow"/>
+          </a:ln>
+        </p:spPr>
+        <p:style>
+          <a:lnRef idx="1">
+            <a:schemeClr val="accent1"/>
+          </a:lnRef>
+          <a:fillRef idx="0">
+            <a:schemeClr val="accent1"/>
+          </a:fillRef>
+          <a:effectRef idx="0">
+            <a:schemeClr val="accent1"/>
+          </a:effectRef>
+          <a:fontRef idx="minor">
+            <a:schemeClr val="tx1"/>
+          </a:fontRef>
+        </p:style>
+      </p:cxnSp>
+      <p:cxnSp>
+        <p:nvCxnSpPr>
+          <p:cNvPr id="65" name="꺾인 연결선 64"/>
+          <p:cNvCxnSpPr>
+            <a:stCxn id="40" idx="0"/>
+            <a:endCxn id="21" idx="0"/>
+          </p:cNvCxnSpPr>
+          <p:nvPr/>
+        </p:nvCxnSpPr>
+        <p:spPr>
+          <a:xfrm rot="5400000" flipH="1" flipV="1">
+            <a:off x="3449633" y="759038"/>
+            <a:ext cx="12700" cy="3834877"/>
+          </a:xfrm>
+          <a:prstGeom prst="bentConnector3">
+            <a:avLst>
+              <a:gd name="adj1" fmla="val 1800000"/>
+            </a:avLst>
+          </a:prstGeom>
+          <a:ln>
+            <a:tailEnd type="arrow"/>
+          </a:ln>
+        </p:spPr>
+        <p:style>
+          <a:lnRef idx="1">
+            <a:schemeClr val="accent1"/>
+          </a:lnRef>
+          <a:fillRef idx="0">
+            <a:schemeClr val="accent1"/>
+          </a:fillRef>
+          <a:effectRef idx="0">
+            <a:schemeClr val="accent1"/>
+          </a:effectRef>
+          <a:fontRef idx="minor">
+            <a:schemeClr val="tx1"/>
+          </a:fontRef>
+        </p:style>
+      </p:cxnSp>
+    </p:spTree>
+    <p:extLst>
+      <p:ext uri="{BB962C8B-B14F-4D97-AF65-F5344CB8AC3E}">
+        <p14:creationId xmlns:p14="http://schemas.microsoft.com/office/powerpoint/2010/main" val="3757659606"/>
+      </p:ext>
+    </p:extLst>
+  </p:cSld>
+  <p:clrMapOvr>
+    <a:masterClrMapping/>
+  </p:clrMapOvr>
+  <p:timing>
+    <p:tnLst>
+      <p:par>
+        <p:cTn id="1" dur="indefinite" restart="never" nodeType="tmRoot"/>
+      </p:par>
+    </p:tnLst>
+  </p:timing>
+</p:sld>
+</file>
+
+<file path=ppt/slides/slide3.xml><?xml version="1.0" encoding="utf-8"?>
+<p:sld xmlns:a="http://schemas.openxmlformats.org/drawingml/2006/main" xmlns:r="http://schemas.openxmlformats.org/officeDocument/2006/relationships" xmlns:p="http://schemas.openxmlformats.org/presentationml/2006/main">
+  <p:cSld>
+    <p:spTree>
+      <p:nvGrpSpPr>
+        <p:cNvPr id="1" name=""/>
+        <p:cNvGrpSpPr/>
+        <p:nvPr/>
+      </p:nvGrpSpPr>
+      <p:grpSpPr>
+        <a:xfrm>
+          <a:off x="0" y="0"/>
+          <a:ext cx="0" cy="0"/>
+          <a:chOff x="0" y="0"/>
+          <a:chExt cx="0" cy="0"/>
+        </a:xfrm>
+      </p:grpSpPr>
+      <p:sp>
+        <p:nvSpPr>
+          <p:cNvPr id="20" name="TextBox 19">
+            <a:extLst>
+              <a:ext uri="{FF2B5EF4-FFF2-40B4-BE49-F238E27FC236}">
+                <a16:creationId xmlns:a16="http://schemas.microsoft.com/office/drawing/2014/main" xmlns="" id="{A9AFB107-57BE-3FF3-7AFF-962C2368E148}"/>
+              </a:ext>
+            </a:extLst>
+          </p:cNvPr>
+          <p:cNvSpPr txBox="1"/>
+          <p:nvPr/>
+        </p:nvSpPr>
+        <p:spPr>
+          <a:xfrm>
+            <a:off x="440181" y="2438400"/>
+            <a:ext cx="7456043" cy="2541103"/>
+          </a:xfrm>
+          <a:prstGeom prst="rect">
+            <a:avLst/>
+          </a:prstGeom>
+          <a:solidFill>
+            <a:schemeClr val="accent6">
+              <a:lumMod val="20000"/>
+              <a:lumOff val="80000"/>
+            </a:schemeClr>
+          </a:solidFill>
+          <a:ln>
+            <a:solidFill>
+              <a:schemeClr val="accent1"/>
+            </a:solidFill>
+          </a:ln>
+        </p:spPr>
+        <p:txBody>
+          <a:bodyPr wrap="square" anchor="ctr">
+            <a:noAutofit/>
+          </a:bodyPr>
+          <a:lstStyle/>
+          <a:p>
+            <a:endParaRPr lang="en-US" altLang="ko-KR" sz="1100" dirty="0"/>
+          </a:p>
+        </p:txBody>
+      </p:sp>
+      <p:sp>
+        <p:nvSpPr>
+          <p:cNvPr id="17" name="TextBox 16">
+            <a:extLst>
+              <a:ext uri="{FF2B5EF4-FFF2-40B4-BE49-F238E27FC236}">
+                <a16:creationId xmlns:a16="http://schemas.microsoft.com/office/drawing/2014/main" xmlns="" id="{A9AFB107-57BE-3FF3-7AFF-962C2368E148}"/>
+              </a:ext>
+            </a:extLst>
+          </p:cNvPr>
+          <p:cNvSpPr txBox="1"/>
+          <p:nvPr/>
+        </p:nvSpPr>
+        <p:spPr>
+          <a:xfrm>
+            <a:off x="4038601" y="2526888"/>
+            <a:ext cx="3753677" cy="261610"/>
+          </a:xfrm>
+          <a:prstGeom prst="rect">
+            <a:avLst/>
+          </a:prstGeom>
+          <a:solidFill>
+            <a:schemeClr val="bg1"/>
+          </a:solidFill>
+          <a:ln>
+            <a:solidFill>
+              <a:schemeClr val="accent1"/>
+            </a:solidFill>
+          </a:ln>
+        </p:spPr>
+        <p:txBody>
+          <a:bodyPr wrap="square">
+            <a:spAutoFit/>
+          </a:bodyPr>
+          <a:lstStyle/>
+          <a:p>
+            <a:r>
+              <a:rPr lang="en-US" altLang="ko-KR" sz="1100" dirty="0" smtClean="0"/>
+              <a:t>Observer, Listener</a:t>
+            </a:r>
+          </a:p>
+        </p:txBody>
+      </p:sp>
+      <p:sp>
+        <p:nvSpPr>
+          <p:cNvPr id="35" name="TextBox 34">
+            <a:extLst>
+              <a:ext uri="{FF2B5EF4-FFF2-40B4-BE49-F238E27FC236}">
+                <a16:creationId xmlns:a16="http://schemas.microsoft.com/office/drawing/2014/main" xmlns="" id="{A9AFB107-57BE-3FF3-7AFF-962C2368E148}"/>
+              </a:ext>
+            </a:extLst>
+          </p:cNvPr>
+          <p:cNvSpPr txBox="1"/>
+          <p:nvPr/>
+        </p:nvSpPr>
+        <p:spPr>
+          <a:xfrm>
+            <a:off x="4038600" y="2788498"/>
+            <a:ext cx="3753678" cy="1028128"/>
+          </a:xfrm>
+          <a:prstGeom prst="rect">
+            <a:avLst/>
+          </a:prstGeom>
+          <a:solidFill>
+            <a:schemeClr val="bg1"/>
+          </a:solidFill>
+          <a:ln>
+            <a:solidFill>
+              <a:schemeClr val="accent1"/>
+            </a:solidFill>
+          </a:ln>
+        </p:spPr>
+        <p:txBody>
+          <a:bodyPr wrap="square">
+            <a:noAutofit/>
+          </a:bodyPr>
+          <a:lstStyle/>
+          <a:p>
+            <a:r>
+              <a:rPr lang="en-US" altLang="ko-KR" sz="1100" dirty="0" smtClean="0"/>
+              <a:t> </a:t>
+            </a:r>
+          </a:p>
+        </p:txBody>
+      </p:sp>
+      <p:sp>
+        <p:nvSpPr>
+          <p:cNvPr id="21" name="TextBox 20">
+            <a:extLst>
+              <a:ext uri="{FF2B5EF4-FFF2-40B4-BE49-F238E27FC236}">
+                <a16:creationId xmlns:a16="http://schemas.microsoft.com/office/drawing/2014/main" xmlns="" id="{A9AFB107-57BE-3FF3-7AFF-962C2368E148}"/>
+              </a:ext>
+            </a:extLst>
+          </p:cNvPr>
+          <p:cNvSpPr txBox="1"/>
+          <p:nvPr/>
+        </p:nvSpPr>
+        <p:spPr>
+          <a:xfrm>
+            <a:off x="440180" y="2200275"/>
+            <a:ext cx="7456043" cy="238126"/>
+          </a:xfrm>
+          <a:prstGeom prst="rect">
+            <a:avLst/>
+          </a:prstGeom>
+          <a:solidFill>
+            <a:schemeClr val="accent6">
+              <a:lumMod val="20000"/>
+              <a:lumOff val="80000"/>
+            </a:schemeClr>
+          </a:solidFill>
+          <a:ln>
+            <a:solidFill>
+              <a:schemeClr val="accent1"/>
+            </a:solidFill>
+          </a:ln>
+        </p:spPr>
+        <p:txBody>
+          <a:bodyPr wrap="square" anchor="ctr">
+            <a:noAutofit/>
+          </a:bodyPr>
+          <a:lstStyle/>
+          <a:p>
+            <a:r>
+              <a:rPr lang="en-US" altLang="ko-KR" sz="1100" dirty="0" smtClean="0">
+                <a:solidFill>
+                  <a:srgbClr val="FF0000"/>
+                </a:solidFill>
+              </a:rPr>
+              <a:t>Use</a:t>
+            </a:r>
+            <a:endParaRPr lang="en-US" altLang="ko-KR" sz="1100" dirty="0">
+              <a:solidFill>
+                <a:srgbClr val="FF0000"/>
+              </a:solidFill>
+            </a:endParaRPr>
+          </a:p>
+        </p:txBody>
+      </p:sp>
+      <p:sp>
+        <p:nvSpPr>
+          <p:cNvPr id="2" name="TextBox 1">
+            <a:extLst>
+              <a:ext uri="{FF2B5EF4-FFF2-40B4-BE49-F238E27FC236}">
+                <a16:creationId xmlns:a16="http://schemas.microsoft.com/office/drawing/2014/main" xmlns="" id="{C4AF561A-3B7B-158D-BC4D-3C39551F8D95}"/>
+              </a:ext>
+            </a:extLst>
+          </p:cNvPr>
+          <p:cNvSpPr txBox="1"/>
+          <p:nvPr/>
+        </p:nvSpPr>
+        <p:spPr>
+          <a:xfrm>
+            <a:off x="10160" y="13454"/>
+            <a:ext cx="6096000" cy="276999"/>
+          </a:xfrm>
+          <a:prstGeom prst="rect">
+            <a:avLst/>
+          </a:prstGeom>
+          <a:noFill/>
+        </p:spPr>
+        <p:txBody>
+          <a:bodyPr wrap="square">
+            <a:spAutoFit/>
+          </a:bodyPr>
+          <a:lstStyle/>
+          <a:p>
+            <a:r>
+              <a:rPr lang="en-US" altLang="ko-KR" sz="1200" dirty="0" smtClean="0"/>
+              <a:t>Provider </a:t>
+            </a:r>
+            <a:r>
+              <a:rPr lang="ko-KR" altLang="en-US" sz="1200" dirty="0" smtClean="0"/>
+              <a:t>구성도</a:t>
+            </a:r>
+            <a:endParaRPr lang="ko-KR" altLang="en-US" sz="1200" dirty="0"/>
+          </a:p>
+        </p:txBody>
+      </p:sp>
+      <p:cxnSp>
+        <p:nvCxnSpPr>
+          <p:cNvPr id="3" name="직선 연결선 2">
+            <a:extLst>
+              <a:ext uri="{FF2B5EF4-FFF2-40B4-BE49-F238E27FC236}">
+                <a16:creationId xmlns:a16="http://schemas.microsoft.com/office/drawing/2014/main" xmlns="" id="{648A685F-2664-99D3-FAE0-D046BBDCCF84}"/>
+              </a:ext>
+            </a:extLst>
+          </p:cNvPr>
+          <p:cNvCxnSpPr/>
+          <p:nvPr/>
+        </p:nvCxnSpPr>
+        <p:spPr>
+          <a:xfrm>
+            <a:off x="0" y="290453"/>
+            <a:ext cx="12192000" cy="0"/>
+          </a:xfrm>
+          <a:prstGeom prst="line">
+            <a:avLst/>
+          </a:prstGeom>
+        </p:spPr>
+        <p:style>
+          <a:lnRef idx="1">
+            <a:schemeClr val="accent1"/>
+          </a:lnRef>
+          <a:fillRef idx="0">
+            <a:schemeClr val="accent1"/>
+          </a:fillRef>
+          <a:effectRef idx="0">
+            <a:schemeClr val="accent1"/>
+          </a:effectRef>
+          <a:fontRef idx="minor">
+            <a:schemeClr val="tx1"/>
+          </a:fontRef>
+        </p:style>
+      </p:cxnSp>
       <p:sp>
         <p:nvSpPr>
           <p:cNvPr id="6" name="TextBox 5">
             <a:extLst>
               <a:ext uri="{FF2B5EF4-FFF2-40B4-BE49-F238E27FC236}">
-                <a16:creationId xmlns="" xmlns:a16="http://schemas.microsoft.com/office/drawing/2014/main" id="{A9AFB107-57BE-3FF3-7AFF-962C2368E148}"/>
+                <a16:creationId xmlns:a16="http://schemas.microsoft.com/office/drawing/2014/main" xmlns="" id="{A9AFB107-57BE-3FF3-7AFF-962C2368E148}"/>
               </a:ext>
             </a:extLst>
           </p:cNvPr>
@@ -4911,7 +6695,7 @@
           <p:cNvPr id="7" name="TextBox 6">
             <a:extLst>
               <a:ext uri="{FF2B5EF4-FFF2-40B4-BE49-F238E27FC236}">
-                <a16:creationId xmlns="" xmlns:a16="http://schemas.microsoft.com/office/drawing/2014/main" id="{A9AFB107-57BE-3FF3-7AFF-962C2368E148}"/>
+                <a16:creationId xmlns:a16="http://schemas.microsoft.com/office/drawing/2014/main" xmlns="" id="{A9AFB107-57BE-3FF3-7AFF-962C2368E148}"/>
               </a:ext>
             </a:extLst>
           </p:cNvPr>
@@ -4996,7 +6780,7 @@
             <p:cNvPr id="5" name="TextBox 4">
               <a:extLst>
                 <a:ext uri="{FF2B5EF4-FFF2-40B4-BE49-F238E27FC236}">
-                  <a16:creationId xmlns="" xmlns:a16="http://schemas.microsoft.com/office/drawing/2014/main" id="{A9AFB107-57BE-3FF3-7AFF-962C2368E148}"/>
+                  <a16:creationId xmlns:a16="http://schemas.microsoft.com/office/drawing/2014/main" xmlns="" id="{A9AFB107-57BE-3FF3-7AFF-962C2368E148}"/>
                 </a:ext>
               </a:extLst>
             </p:cNvPr>
@@ -5052,7 +6836,7 @@
             <p:cNvPr id="11" name="TextBox 10">
               <a:extLst>
                 <a:ext uri="{FF2B5EF4-FFF2-40B4-BE49-F238E27FC236}">
-                  <a16:creationId xmlns="" xmlns:a16="http://schemas.microsoft.com/office/drawing/2014/main" id="{A9AFB107-57BE-3FF3-7AFF-962C2368E148}"/>
+                  <a16:creationId xmlns:a16="http://schemas.microsoft.com/office/drawing/2014/main" xmlns="" id="{A9AFB107-57BE-3FF3-7AFF-962C2368E148}"/>
                 </a:ext>
               </a:extLst>
             </p:cNvPr>
@@ -5102,7 +6886,7 @@
           <p:cNvPr id="13" name="TextBox 12">
             <a:extLst>
               <a:ext uri="{FF2B5EF4-FFF2-40B4-BE49-F238E27FC236}">
-                <a16:creationId xmlns="" xmlns:a16="http://schemas.microsoft.com/office/drawing/2014/main" id="{A9AFB107-57BE-3FF3-7AFF-962C2368E148}"/>
+                <a16:creationId xmlns:a16="http://schemas.microsoft.com/office/drawing/2014/main" xmlns="" id="{A9AFB107-57BE-3FF3-7AFF-962C2368E148}"/>
               </a:ext>
             </a:extLst>
           </p:cNvPr>
@@ -5150,7 +6934,7 @@
           <p:cNvPr id="14" name="TextBox 13">
             <a:extLst>
               <a:ext uri="{FF2B5EF4-FFF2-40B4-BE49-F238E27FC236}">
-                <a16:creationId xmlns="" xmlns:a16="http://schemas.microsoft.com/office/drawing/2014/main" id="{A9AFB107-57BE-3FF3-7AFF-962C2368E148}"/>
+                <a16:creationId xmlns:a16="http://schemas.microsoft.com/office/drawing/2014/main" xmlns="" id="{A9AFB107-57BE-3FF3-7AFF-962C2368E148}"/>
               </a:ext>
             </a:extLst>
           </p:cNvPr>
@@ -5221,7 +7005,7 @@
             <p:cNvPr id="34" name="TextBox 33">
               <a:extLst>
                 <a:ext uri="{FF2B5EF4-FFF2-40B4-BE49-F238E27FC236}">
-                  <a16:creationId xmlns="" xmlns:a16="http://schemas.microsoft.com/office/drawing/2014/main" id="{A9AFB107-57BE-3FF3-7AFF-962C2368E148}"/>
+                  <a16:creationId xmlns:a16="http://schemas.microsoft.com/office/drawing/2014/main" xmlns="" id="{A9AFB107-57BE-3FF3-7AFF-962C2368E148}"/>
                 </a:ext>
               </a:extLst>
             </p:cNvPr>
@@ -5266,7 +7050,7 @@
             <p:cNvPr id="4" name="TextBox 3">
               <a:extLst>
                 <a:ext uri="{FF2B5EF4-FFF2-40B4-BE49-F238E27FC236}">
-                  <a16:creationId xmlns="" xmlns:a16="http://schemas.microsoft.com/office/drawing/2014/main" id="{A9AFB107-57BE-3FF3-7AFF-962C2368E148}"/>
+                  <a16:creationId xmlns:a16="http://schemas.microsoft.com/office/drawing/2014/main" xmlns="" id="{A9AFB107-57BE-3FF3-7AFF-962C2368E148}"/>
                 </a:ext>
               </a:extLst>
             </p:cNvPr>
@@ -5309,7 +7093,7 @@
             <p:cNvPr id="10" name="TextBox 9">
               <a:extLst>
                 <a:ext uri="{FF2B5EF4-FFF2-40B4-BE49-F238E27FC236}">
-                  <a16:creationId xmlns="" xmlns:a16="http://schemas.microsoft.com/office/drawing/2014/main" id="{A9AFB107-57BE-3FF3-7AFF-962C2368E148}"/>
+                  <a16:creationId xmlns:a16="http://schemas.microsoft.com/office/drawing/2014/main" xmlns="" id="{A9AFB107-57BE-3FF3-7AFF-962C2368E148}"/>
                 </a:ext>
               </a:extLst>
             </p:cNvPr>
@@ -5362,7 +7146,7 @@
             <p:cNvPr id="25" name="TextBox 24">
               <a:extLst>
                 <a:ext uri="{FF2B5EF4-FFF2-40B4-BE49-F238E27FC236}">
-                  <a16:creationId xmlns="" xmlns:a16="http://schemas.microsoft.com/office/drawing/2014/main" id="{A9AFB107-57BE-3FF3-7AFF-962C2368E148}"/>
+                  <a16:creationId xmlns:a16="http://schemas.microsoft.com/office/drawing/2014/main" xmlns="" id="{A9AFB107-57BE-3FF3-7AFF-962C2368E148}"/>
                 </a:ext>
               </a:extLst>
             </p:cNvPr>
@@ -5535,7 +7319,7 @@
             <p:cNvPr id="39" name="TextBox 38">
               <a:extLst>
                 <a:ext uri="{FF2B5EF4-FFF2-40B4-BE49-F238E27FC236}">
-                  <a16:creationId xmlns="" xmlns:a16="http://schemas.microsoft.com/office/drawing/2014/main" id="{A9AFB107-57BE-3FF3-7AFF-962C2368E148}"/>
+                  <a16:creationId xmlns:a16="http://schemas.microsoft.com/office/drawing/2014/main" xmlns="" id="{A9AFB107-57BE-3FF3-7AFF-962C2368E148}"/>
                 </a:ext>
               </a:extLst>
             </p:cNvPr>
@@ -5580,7 +7364,7 @@
             <p:cNvPr id="40" name="TextBox 39">
               <a:extLst>
                 <a:ext uri="{FF2B5EF4-FFF2-40B4-BE49-F238E27FC236}">
-                  <a16:creationId xmlns="" xmlns:a16="http://schemas.microsoft.com/office/drawing/2014/main" id="{A9AFB107-57BE-3FF3-7AFF-962C2368E148}"/>
+                  <a16:creationId xmlns:a16="http://schemas.microsoft.com/office/drawing/2014/main" xmlns="" id="{A9AFB107-57BE-3FF3-7AFF-962C2368E148}"/>
                 </a:ext>
               </a:extLst>
             </p:cNvPr>
@@ -5633,7 +7417,7 @@
             <p:cNvPr id="41" name="TextBox 40">
               <a:extLst>
                 <a:ext uri="{FF2B5EF4-FFF2-40B4-BE49-F238E27FC236}">
-                  <a16:creationId xmlns="" xmlns:a16="http://schemas.microsoft.com/office/drawing/2014/main" id="{A9AFB107-57BE-3FF3-7AFF-962C2368E148}"/>
+                  <a16:creationId xmlns:a16="http://schemas.microsoft.com/office/drawing/2014/main" xmlns="" id="{A9AFB107-57BE-3FF3-7AFF-962C2368E148}"/>
                 </a:ext>
               </a:extLst>
             </p:cNvPr>
@@ -5736,7 +7520,7 @@
 </p:sld>
 </file>
 
-<file path=ppt/slides/slide3.xml><?xml version="1.0" encoding="utf-8"?>
+<file path=ppt/slides/slide4.xml><?xml version="1.0" encoding="utf-8"?>
 <p:sld xmlns:a="http://schemas.openxmlformats.org/drawingml/2006/main" xmlns:r="http://schemas.openxmlformats.org/officeDocument/2006/relationships" xmlns:p="http://schemas.openxmlformats.org/presentationml/2006/main">
   <p:cSld>
     <p:spTree>
@@ -5758,7 +7542,7 @@
           <p:cNvPr id="2" name="TextBox 1">
             <a:extLst>
               <a:ext uri="{FF2B5EF4-FFF2-40B4-BE49-F238E27FC236}">
-                <a16:creationId xmlns="" xmlns:a16="http://schemas.microsoft.com/office/drawing/2014/main" id="{C4AF561A-3B7B-158D-BC4D-3C39551F8D95}"/>
+                <a16:creationId xmlns:a16="http://schemas.microsoft.com/office/drawing/2014/main" xmlns="" id="{C4AF561A-3B7B-158D-BC4D-3C39551F8D95}"/>
               </a:ext>
             </a:extLst>
           </p:cNvPr>
@@ -5794,7 +7578,7 @@
           <p:cNvPr id="3" name="직선 연결선 2">
             <a:extLst>
               <a:ext uri="{FF2B5EF4-FFF2-40B4-BE49-F238E27FC236}">
-                <a16:creationId xmlns="" xmlns:a16="http://schemas.microsoft.com/office/drawing/2014/main" id="{648A685F-2664-99D3-FAE0-D046BBDCCF84}"/>
+                <a16:creationId xmlns:a16="http://schemas.microsoft.com/office/drawing/2014/main" xmlns="" id="{648A685F-2664-99D3-FAE0-D046BBDCCF84}"/>
               </a:ext>
             </a:extLst>
           </p:cNvPr>
@@ -6134,7 +7918,7 @@
   <a:extraClrSchemeLst/>
   <a:extLst>
     <a:ext uri="{05A4C25C-085E-4340-85A3-A5531E510DB2}">
-      <thm15:themeFamily xmlns="" xmlns:thm15="http://schemas.microsoft.com/office/thememl/2012/main" name="Office Theme" id="{62F939B6-93AF-4DB8-9C6B-D6C7DFDC589F}" vid="{4A3C46E8-61CC-4603-A589-7422A47A8E4A}"/>
+      <thm15:themeFamily xmlns:thm15="http://schemas.microsoft.com/office/thememl/2012/main" xmlns="" name="Office Theme" id="{62F939B6-93AF-4DB8-9C6B-D6C7DFDC589F}" vid="{4A3C46E8-61CC-4603-A589-7422A47A8E4A}"/>
     </a:ext>
   </a:extLst>
 </a:theme>

--- a/README_Provider 통합.pptx
+++ b/README_Provider 통합.pptx
@@ -5,10 +5,10 @@
     <p:sldMasterId id="2147483648" r:id="rId1"/>
   </p:sldMasterIdLst>
   <p:sldIdLst>
-    <p:sldId id="260" r:id="rId2"/>
-    <p:sldId id="262" r:id="rId3"/>
-    <p:sldId id="261" r:id="rId4"/>
-    <p:sldId id="257" r:id="rId5"/>
+    <p:sldId id="262" r:id="rId2"/>
+    <p:sldId id="257" r:id="rId3"/>
+    <p:sldId id="260" r:id="rId4"/>
+    <p:sldId id="261" r:id="rId5"/>
   </p:sldIdLst>
   <p:sldSz cx="12192000" cy="6858000"/>
   <p:notesSz cx="6858000" cy="9144000"/>
@@ -3329,186 +3329,446 @@
           <a:chExt cx="0" cy="0"/>
         </a:xfrm>
       </p:grpSpPr>
-      <p:sp>
-        <p:nvSpPr>
-          <p:cNvPr id="20" name="TextBox 19">
-            <a:extLst>
-              <a:ext uri="{FF2B5EF4-FFF2-40B4-BE49-F238E27FC236}">
-                <a16:creationId xmlns:a16="http://schemas.microsoft.com/office/drawing/2014/main" xmlns="" id="{A9AFB107-57BE-3FF3-7AFF-962C2368E148}"/>
-              </a:ext>
-            </a:extLst>
-          </p:cNvPr>
-          <p:cNvSpPr txBox="1"/>
+      <p:grpSp>
+        <p:nvGrpSpPr>
+          <p:cNvPr id="99" name="그룹 98"/>
+          <p:cNvGrpSpPr/>
           <p:nvPr/>
-        </p:nvSpPr>
-        <p:spPr>
+        </p:nvGrpSpPr>
+        <p:grpSpPr>
           <a:xfrm>
-            <a:off x="97278" y="2334490"/>
-            <a:ext cx="7456043" cy="2541103"/>
+            <a:off x="2590565" y="592743"/>
+            <a:ext cx="4863875" cy="1577061"/>
+            <a:chOff x="2590565" y="592743"/>
+            <a:chExt cx="4863875" cy="1577061"/>
           </a:xfrm>
-          <a:prstGeom prst="rect">
-            <a:avLst/>
-          </a:prstGeom>
-          <a:solidFill>
-            <a:schemeClr val="accent6">
-              <a:lumMod val="20000"/>
-              <a:lumOff val="80000"/>
-            </a:schemeClr>
-          </a:solidFill>
-          <a:ln>
-            <a:solidFill>
-              <a:schemeClr val="accent1"/>
-            </a:solidFill>
-          </a:ln>
-        </p:spPr>
-        <p:txBody>
-          <a:bodyPr wrap="square" anchor="ctr">
-            <a:noAutofit/>
-          </a:bodyPr>
-          <a:lstStyle/>
-          <a:p>
-            <a:endParaRPr lang="en-US" altLang="ko-KR" sz="1100" dirty="0"/>
-          </a:p>
-        </p:txBody>
-      </p:sp>
-      <p:sp>
-        <p:nvSpPr>
-          <p:cNvPr id="17" name="TextBox 16">
-            <a:extLst>
-              <a:ext uri="{FF2B5EF4-FFF2-40B4-BE49-F238E27FC236}">
-                <a16:creationId xmlns:a16="http://schemas.microsoft.com/office/drawing/2014/main" xmlns="" id="{A9AFB107-57BE-3FF3-7AFF-962C2368E148}"/>
-              </a:ext>
-            </a:extLst>
-          </p:cNvPr>
-          <p:cNvSpPr txBox="1"/>
-          <p:nvPr/>
-        </p:nvSpPr>
-        <p:spPr>
-          <a:xfrm>
-            <a:off x="3695698" y="2422978"/>
-            <a:ext cx="3753677" cy="261610"/>
-          </a:xfrm>
-          <a:prstGeom prst="rect">
-            <a:avLst/>
-          </a:prstGeom>
-          <a:solidFill>
-            <a:schemeClr val="bg1"/>
-          </a:solidFill>
-          <a:ln>
-            <a:solidFill>
-              <a:schemeClr val="accent1"/>
-            </a:solidFill>
-          </a:ln>
-        </p:spPr>
-        <p:txBody>
-          <a:bodyPr wrap="square">
-            <a:spAutoFit/>
-          </a:bodyPr>
-          <a:lstStyle/>
-          <a:p>
-            <a:r>
-              <a:rPr lang="en-US" altLang="ko-KR" sz="1100" dirty="0" smtClean="0"/>
-              <a:t>Observer, Listener</a:t>
-            </a:r>
-          </a:p>
-        </p:txBody>
-      </p:sp>
-      <p:sp>
-        <p:nvSpPr>
-          <p:cNvPr id="35" name="TextBox 34">
-            <a:extLst>
-              <a:ext uri="{FF2B5EF4-FFF2-40B4-BE49-F238E27FC236}">
-                <a16:creationId xmlns:a16="http://schemas.microsoft.com/office/drawing/2014/main" xmlns="" id="{A9AFB107-57BE-3FF3-7AFF-962C2368E148}"/>
-              </a:ext>
-            </a:extLst>
-          </p:cNvPr>
-          <p:cNvSpPr txBox="1"/>
-          <p:nvPr/>
-        </p:nvSpPr>
-        <p:spPr>
-          <a:xfrm>
-            <a:off x="3695697" y="2684588"/>
-            <a:ext cx="3753678" cy="1028128"/>
-          </a:xfrm>
-          <a:prstGeom prst="rect">
-            <a:avLst/>
-          </a:prstGeom>
-          <a:solidFill>
-            <a:schemeClr val="bg1"/>
-          </a:solidFill>
-          <a:ln>
-            <a:solidFill>
-              <a:schemeClr val="accent1"/>
-            </a:solidFill>
-          </a:ln>
-        </p:spPr>
-        <p:txBody>
-          <a:bodyPr wrap="square">
-            <a:noAutofit/>
-          </a:bodyPr>
-          <a:lstStyle/>
-          <a:p>
-            <a:r>
-              <a:rPr lang="en-US" altLang="ko-KR" sz="1100" dirty="0" smtClean="0"/>
-              <a:t> </a:t>
-            </a:r>
-          </a:p>
-        </p:txBody>
-      </p:sp>
-      <p:sp>
-        <p:nvSpPr>
-          <p:cNvPr id="21" name="TextBox 20">
-            <a:extLst>
-              <a:ext uri="{FF2B5EF4-FFF2-40B4-BE49-F238E27FC236}">
-                <a16:creationId xmlns:a16="http://schemas.microsoft.com/office/drawing/2014/main" xmlns="" id="{A9AFB107-57BE-3FF3-7AFF-962C2368E148}"/>
-              </a:ext>
-            </a:extLst>
-          </p:cNvPr>
-          <p:cNvSpPr txBox="1"/>
-          <p:nvPr/>
-        </p:nvSpPr>
-        <p:spPr>
-          <a:xfrm>
-            <a:off x="97277" y="2096365"/>
-            <a:ext cx="7456043" cy="238126"/>
-          </a:xfrm>
-          <a:prstGeom prst="rect">
-            <a:avLst/>
-          </a:prstGeom>
-          <a:solidFill>
-            <a:schemeClr val="accent6">
-              <a:lumMod val="20000"/>
-              <a:lumOff val="80000"/>
-            </a:schemeClr>
-          </a:solidFill>
-          <a:ln>
-            <a:solidFill>
-              <a:schemeClr val="accent1"/>
-            </a:solidFill>
-          </a:ln>
-        </p:spPr>
-        <p:txBody>
-          <a:bodyPr wrap="square" anchor="ctr">
-            <a:noAutofit/>
-          </a:bodyPr>
-          <a:lstStyle/>
-          <a:p>
-            <a:r>
-              <a:rPr lang="en-US" altLang="ko-KR" sz="1100" dirty="0" smtClean="0">
+        </p:grpSpPr>
+        <p:grpSp>
+          <p:nvGrpSpPr>
+            <p:cNvPr id="36" name="그룹 35"/>
+            <p:cNvGrpSpPr/>
+            <p:nvPr/>
+          </p:nvGrpSpPr>
+          <p:grpSpPr>
+            <a:xfrm>
+              <a:off x="2590565" y="592743"/>
+              <a:ext cx="4863875" cy="1577061"/>
+              <a:chOff x="165325" y="708939"/>
+              <a:chExt cx="4863875" cy="1577061"/>
+            </a:xfrm>
+          </p:grpSpPr>
+          <p:grpSp>
+            <p:nvGrpSpPr>
+              <p:cNvPr id="24" name="그룹 23"/>
+              <p:cNvGrpSpPr/>
+              <p:nvPr/>
+            </p:nvGrpSpPr>
+            <p:grpSpPr>
+              <a:xfrm>
+                <a:off x="165325" y="708939"/>
+                <a:ext cx="4863875" cy="1577061"/>
+                <a:chOff x="165325" y="708939"/>
+                <a:chExt cx="5040520" cy="1732925"/>
+              </a:xfrm>
+            </p:grpSpPr>
+            <p:sp>
+              <p:nvSpPr>
+                <p:cNvPr id="46" name="TextBox 45">
+                  <a:extLst>
+                    <a:ext uri="{FF2B5EF4-FFF2-40B4-BE49-F238E27FC236}">
+                      <a16:creationId xmlns:a16="http://schemas.microsoft.com/office/drawing/2014/main" xmlns="" id="{A9AFB107-57BE-3FF3-7AFF-962C2368E148}"/>
+                    </a:ext>
+                  </a:extLst>
+                </p:cNvPr>
+                <p:cNvSpPr txBox="1"/>
+                <p:nvPr/>
+              </p:nvSpPr>
+              <p:spPr>
+                <a:xfrm>
+                  <a:off x="165325" y="971292"/>
+                  <a:ext cx="5040520" cy="1470572"/>
+                </a:xfrm>
+                <a:prstGeom prst="rect">
+                  <a:avLst/>
+                </a:prstGeom>
                 <a:solidFill>
-                  <a:srgbClr val="FF0000"/>
+                  <a:schemeClr val="bg1">
+                    <a:lumMod val="85000"/>
+                  </a:schemeClr>
                 </a:solidFill>
-              </a:rPr>
-              <a:t>Use</a:t>
-            </a:r>
-            <a:endParaRPr lang="en-US" altLang="ko-KR" sz="1100" dirty="0">
+                <a:ln>
+                  <a:solidFill>
+                    <a:schemeClr val="accent1"/>
+                  </a:solidFill>
+                </a:ln>
+              </p:spPr>
+              <p:txBody>
+                <a:bodyPr wrap="square">
+                  <a:noAutofit/>
+                </a:bodyPr>
+                <a:lstStyle/>
+                <a:p>
+                  <a:endParaRPr lang="en-US" altLang="ko-KR" sz="1100" dirty="0">
+                    <a:solidFill>
+                      <a:srgbClr val="FF0000"/>
+                    </a:solidFill>
+                  </a:endParaRPr>
+                </a:p>
+              </p:txBody>
+            </p:sp>
+            <p:sp>
+              <p:nvSpPr>
+                <p:cNvPr id="48" name="TextBox 47">
+                  <a:extLst>
+                    <a:ext uri="{FF2B5EF4-FFF2-40B4-BE49-F238E27FC236}">
+                      <a16:creationId xmlns:a16="http://schemas.microsoft.com/office/drawing/2014/main" xmlns="" id="{A9AFB107-57BE-3FF3-7AFF-962C2368E148}"/>
+                    </a:ext>
+                  </a:extLst>
+                </p:cNvPr>
+                <p:cNvSpPr txBox="1"/>
+                <p:nvPr/>
+              </p:nvSpPr>
+              <p:spPr>
+                <a:xfrm>
+                  <a:off x="165325" y="708939"/>
+                  <a:ext cx="5040520" cy="261610"/>
+                </a:xfrm>
+                <a:prstGeom prst="rect">
+                  <a:avLst/>
+                </a:prstGeom>
+                <a:solidFill>
+                  <a:schemeClr val="bg1">
+                    <a:lumMod val="85000"/>
+                  </a:schemeClr>
+                </a:solidFill>
+                <a:ln>
+                  <a:solidFill>
+                    <a:schemeClr val="accent1"/>
+                  </a:solidFill>
+                </a:ln>
+              </p:spPr>
+              <p:txBody>
+                <a:bodyPr wrap="square">
+                  <a:noAutofit/>
+                </a:bodyPr>
+                <a:lstStyle/>
+                <a:p>
+                  <a:r>
+                    <a:rPr lang="en-US" altLang="ko-KR" sz="1100" dirty="0" smtClean="0">
+                      <a:solidFill>
+                        <a:srgbClr val="FF0000"/>
+                      </a:solidFill>
+                    </a:rPr>
+                    <a:t>Definition</a:t>
+                  </a:r>
+                  <a:endParaRPr lang="en-US" altLang="ko-KR" sz="1100" dirty="0">
+                    <a:solidFill>
+                      <a:srgbClr val="FF0000"/>
+                    </a:solidFill>
+                  </a:endParaRPr>
+                </a:p>
+              </p:txBody>
+            </p:sp>
+          </p:grpSp>
+          <p:grpSp>
+            <p:nvGrpSpPr>
+              <p:cNvPr id="42" name="그룹 41"/>
+              <p:cNvGrpSpPr/>
+              <p:nvPr/>
+            </p:nvGrpSpPr>
+            <p:grpSpPr>
+              <a:xfrm>
+                <a:off x="263539" y="1059267"/>
+                <a:ext cx="2084808" cy="1101219"/>
+                <a:chOff x="440182" y="765680"/>
+                <a:chExt cx="2084808" cy="1101219"/>
+              </a:xfrm>
               <a:solidFill>
-                <a:srgbClr val="FF0000"/>
+                <a:schemeClr val="bg1"/>
               </a:solidFill>
-            </a:endParaRPr>
-          </a:p>
-        </p:txBody>
-      </p:sp>
+            </p:grpSpPr>
+            <p:sp>
+              <p:nvSpPr>
+                <p:cNvPr id="34" name="TextBox 33">
+                  <a:extLst>
+                    <a:ext uri="{FF2B5EF4-FFF2-40B4-BE49-F238E27FC236}">
+                      <a16:creationId xmlns:a16="http://schemas.microsoft.com/office/drawing/2014/main" xmlns="" id="{A9AFB107-57BE-3FF3-7AFF-962C2368E148}"/>
+                    </a:ext>
+                  </a:extLst>
+                </p:cNvPr>
+                <p:cNvSpPr txBox="1"/>
+                <p:nvPr/>
+              </p:nvSpPr>
+              <p:spPr>
+                <a:xfrm>
+                  <a:off x="440182" y="765680"/>
+                  <a:ext cx="2084808" cy="1101219"/>
+                </a:xfrm>
+                <a:prstGeom prst="rect">
+                  <a:avLst/>
+                </a:prstGeom>
+                <a:grpFill/>
+                <a:ln>
+                  <a:solidFill>
+                    <a:schemeClr val="accent1"/>
+                  </a:solidFill>
+                </a:ln>
+              </p:spPr>
+              <p:txBody>
+                <a:bodyPr wrap="square">
+                  <a:noAutofit/>
+                </a:bodyPr>
+                <a:lstStyle/>
+                <a:p>
+                  <a:endParaRPr lang="en-US" altLang="ko-KR" sz="1100" dirty="0">
+                    <a:solidFill>
+                      <a:srgbClr val="FF0000"/>
+                    </a:solidFill>
+                  </a:endParaRPr>
+                </a:p>
+              </p:txBody>
+            </p:sp>
+            <p:sp>
+              <p:nvSpPr>
+                <p:cNvPr id="4" name="TextBox 3">
+                  <a:extLst>
+                    <a:ext uri="{FF2B5EF4-FFF2-40B4-BE49-F238E27FC236}">
+                      <a16:creationId xmlns:a16="http://schemas.microsoft.com/office/drawing/2014/main" xmlns="" id="{A9AFB107-57BE-3FF3-7AFF-962C2368E148}"/>
+                    </a:ext>
+                  </a:extLst>
+                </p:cNvPr>
+                <p:cNvSpPr txBox="1"/>
+                <p:nvPr/>
+              </p:nvSpPr>
+              <p:spPr>
+                <a:xfrm>
+                  <a:off x="552452" y="831250"/>
+                  <a:ext cx="1847849" cy="261610"/>
+                </a:xfrm>
+                <a:prstGeom prst="rect">
+                  <a:avLst/>
+                </a:prstGeom>
+                <a:grpFill/>
+                <a:ln>
+                  <a:solidFill>
+                    <a:schemeClr val="accent1"/>
+                  </a:solidFill>
+                </a:ln>
+              </p:spPr>
+              <p:txBody>
+                <a:bodyPr wrap="square">
+                  <a:spAutoFit/>
+                </a:bodyPr>
+                <a:lstStyle/>
+                <a:p>
+                  <a:r>
+                    <a:rPr lang="en-US" altLang="ko-KR" sz="1100" b="1" dirty="0" smtClean="0"/>
+                    <a:t>Provider</a:t>
+                  </a:r>
+                  <a:endParaRPr lang="en-US" altLang="ko-KR" sz="1100" dirty="0"/>
+                </a:p>
+              </p:txBody>
+            </p:sp>
+            <p:sp>
+              <p:nvSpPr>
+                <p:cNvPr id="25" name="TextBox 24">
+                  <a:extLst>
+                    <a:ext uri="{FF2B5EF4-FFF2-40B4-BE49-F238E27FC236}">
+                      <a16:creationId xmlns:a16="http://schemas.microsoft.com/office/drawing/2014/main" xmlns="" id="{A9AFB107-57BE-3FF3-7AFF-962C2368E148}"/>
+                    </a:ext>
+                  </a:extLst>
+                </p:cNvPr>
+                <p:cNvSpPr txBox="1"/>
+                <p:nvPr/>
+              </p:nvSpPr>
+              <p:spPr>
+                <a:xfrm>
+                  <a:off x="552450" y="1140485"/>
+                  <a:ext cx="1847849" cy="600164"/>
+                </a:xfrm>
+                <a:prstGeom prst="rect">
+                  <a:avLst/>
+                </a:prstGeom>
+                <a:grpFill/>
+                <a:ln>
+                  <a:solidFill>
+                    <a:schemeClr val="accent1"/>
+                  </a:solidFill>
+                </a:ln>
+              </p:spPr>
+              <p:txBody>
+                <a:bodyPr wrap="square">
+                  <a:spAutoFit/>
+                </a:bodyPr>
+                <a:lstStyle/>
+                <a:p>
+                  <a:r>
+                    <a:rPr lang="en-US" altLang="ko-KR" sz="1100" b="1" dirty="0" smtClean="0"/>
+                    <a:t>ChangeNotifierProvider</a:t>
+                  </a:r>
+                  <a:endParaRPr lang="en-US" altLang="ko-KR" sz="1100" dirty="0"/>
+                </a:p>
+                <a:p>
+                  <a:r>
+                    <a:rPr lang="en-US" altLang="ko-KR" sz="1100" b="1" dirty="0" smtClean="0"/>
+                    <a:t>FutureProvider</a:t>
+                  </a:r>
+                </a:p>
+                <a:p>
+                  <a:r>
+                    <a:rPr lang="en-US" altLang="ko-KR" sz="1100" b="1" dirty="0" smtClean="0"/>
+                    <a:t>StreamProvider</a:t>
+                  </a:r>
+                  <a:endParaRPr lang="en-US" altLang="ko-KR" sz="1100" dirty="0"/>
+                </a:p>
+              </p:txBody>
+            </p:sp>
+          </p:grpSp>
+          <p:grpSp>
+            <p:nvGrpSpPr>
+              <p:cNvPr id="29" name="그룹 28"/>
+              <p:cNvGrpSpPr/>
+              <p:nvPr/>
+            </p:nvGrpSpPr>
+            <p:grpSpPr>
+              <a:xfrm>
+                <a:off x="2482601" y="1059267"/>
+                <a:ext cx="2450437" cy="1101219"/>
+                <a:chOff x="440182" y="765680"/>
+                <a:chExt cx="2450437" cy="1101219"/>
+              </a:xfrm>
+              <a:solidFill>
+                <a:schemeClr val="bg1"/>
+              </a:solidFill>
+            </p:grpSpPr>
+            <p:sp>
+              <p:nvSpPr>
+                <p:cNvPr id="30" name="TextBox 29">
+                  <a:extLst>
+                    <a:ext uri="{FF2B5EF4-FFF2-40B4-BE49-F238E27FC236}">
+                      <a16:creationId xmlns:a16="http://schemas.microsoft.com/office/drawing/2014/main" xmlns="" id="{A9AFB107-57BE-3FF3-7AFF-962C2368E148}"/>
+                    </a:ext>
+                  </a:extLst>
+                </p:cNvPr>
+                <p:cNvSpPr txBox="1"/>
+                <p:nvPr/>
+              </p:nvSpPr>
+              <p:spPr>
+                <a:xfrm>
+                  <a:off x="440182" y="765680"/>
+                  <a:ext cx="2450437" cy="1101219"/>
+                </a:xfrm>
+                <a:prstGeom prst="rect">
+                  <a:avLst/>
+                </a:prstGeom>
+                <a:grpFill/>
+                <a:ln>
+                  <a:solidFill>
+                    <a:schemeClr val="accent1"/>
+                  </a:solidFill>
+                </a:ln>
+              </p:spPr>
+              <p:txBody>
+                <a:bodyPr wrap="square">
+                  <a:noAutofit/>
+                </a:bodyPr>
+                <a:lstStyle/>
+                <a:p>
+                  <a:endParaRPr lang="en-US" altLang="ko-KR" sz="1100" dirty="0">
+                    <a:solidFill>
+                      <a:srgbClr val="FF0000"/>
+                    </a:solidFill>
+                  </a:endParaRPr>
+                </a:p>
+              </p:txBody>
+            </p:sp>
+            <p:sp>
+              <p:nvSpPr>
+                <p:cNvPr id="33" name="TextBox 32">
+                  <a:extLst>
+                    <a:ext uri="{FF2B5EF4-FFF2-40B4-BE49-F238E27FC236}">
+                      <a16:creationId xmlns:a16="http://schemas.microsoft.com/office/drawing/2014/main" xmlns="" id="{A9AFB107-57BE-3FF3-7AFF-962C2368E148}"/>
+                    </a:ext>
+                  </a:extLst>
+                </p:cNvPr>
+                <p:cNvSpPr txBox="1"/>
+                <p:nvPr/>
+              </p:nvSpPr>
+              <p:spPr>
+                <a:xfrm>
+                  <a:off x="552450" y="859928"/>
+                  <a:ext cx="2255042" cy="600164"/>
+                </a:xfrm>
+                <a:prstGeom prst="rect">
+                  <a:avLst/>
+                </a:prstGeom>
+                <a:grpFill/>
+                <a:ln>
+                  <a:solidFill>
+                    <a:schemeClr val="accent1"/>
+                  </a:solidFill>
+                </a:ln>
+              </p:spPr>
+              <p:txBody>
+                <a:bodyPr wrap="square">
+                  <a:spAutoFit/>
+                </a:bodyPr>
+                <a:lstStyle/>
+                <a:p>
+                  <a:r>
+                    <a:rPr lang="en-US" altLang="ko-KR" sz="1100" b="1" dirty="0" smtClean="0"/>
+                    <a:t>ProxyProvider</a:t>
+                  </a:r>
+                </a:p>
+                <a:p>
+                  <a:r>
+                    <a:rPr lang="en-US" altLang="ko-KR" sz="1100" b="1" dirty="0" smtClean="0"/>
+                    <a:t>ProxyProvider0~N</a:t>
+                  </a:r>
+                  <a:endParaRPr lang="en-US" altLang="ko-KR" sz="1100" b="1" dirty="0"/>
+                </a:p>
+                <a:p>
+                  <a:r>
+                    <a:rPr lang="en-US" altLang="ko-KR" sz="1100" b="1" dirty="0" smtClean="0"/>
+                    <a:t>ChangeNotifierProxyProvider</a:t>
+                  </a:r>
+                  <a:endParaRPr lang="en-US" altLang="ko-KR" sz="1100" dirty="0"/>
+                </a:p>
+              </p:txBody>
+            </p:sp>
+          </p:grpSp>
+        </p:grpSp>
+        <p:sp>
+          <p:nvSpPr>
+            <p:cNvPr id="97" name="TextBox 96"/>
+            <p:cNvSpPr txBox="1"/>
+            <p:nvPr/>
+          </p:nvSpPr>
+          <p:spPr>
+            <a:xfrm>
+              <a:off x="4371793" y="1660378"/>
+              <a:ext cx="274434" cy="246221"/>
+            </a:xfrm>
+            <a:prstGeom prst="rect">
+              <a:avLst/>
+            </a:prstGeom>
+            <a:noFill/>
+          </p:spPr>
+          <p:txBody>
+            <a:bodyPr wrap="none" rtlCol="0">
+              <a:spAutoFit/>
+            </a:bodyPr>
+            <a:lstStyle/>
+            <a:p>
+              <a:r>
+                <a:rPr lang="en-US" altLang="ko-KR" sz="1000" dirty="0" smtClean="0"/>
+                <a:t>  </a:t>
+              </a:r>
+              <a:endParaRPr lang="ko-KR" altLang="en-US" sz="1000" dirty="0"/>
+            </a:p>
+          </p:txBody>
+        </p:sp>
+      </p:grpSp>
       <p:sp>
         <p:nvSpPr>
           <p:cNvPr id="2" name="TextBox 1">
@@ -3585,118 +3845,6 @@
           </a:fontRef>
         </p:style>
       </p:cxnSp>
-      <p:sp>
-        <p:nvSpPr>
-          <p:cNvPr id="6" name="TextBox 5">
-            <a:extLst>
-              <a:ext uri="{FF2B5EF4-FFF2-40B4-BE49-F238E27FC236}">
-                <a16:creationId xmlns:a16="http://schemas.microsoft.com/office/drawing/2014/main" xmlns="" id="{A9AFB107-57BE-3FF3-7AFF-962C2368E148}"/>
-              </a:ext>
-            </a:extLst>
-          </p:cNvPr>
-          <p:cNvSpPr txBox="1"/>
-          <p:nvPr/>
-        </p:nvSpPr>
-        <p:spPr>
-          <a:xfrm>
-            <a:off x="297304" y="3185959"/>
-            <a:ext cx="3265043" cy="430886"/>
-          </a:xfrm>
-          <a:prstGeom prst="rect">
-            <a:avLst/>
-          </a:prstGeom>
-          <a:solidFill>
-            <a:schemeClr val="bg1"/>
-          </a:solidFill>
-          <a:ln>
-            <a:solidFill>
-              <a:schemeClr val="accent1"/>
-            </a:solidFill>
-          </a:ln>
-        </p:spPr>
-        <p:txBody>
-          <a:bodyPr wrap="square" anchor="ctr">
-            <a:noAutofit/>
-          </a:bodyPr>
-          <a:lstStyle/>
-          <a:p>
-            <a:r>
-              <a:rPr lang="en-US" altLang="ko-KR" sz="1100" dirty="0"/>
-              <a:t>context.read&lt;Dog&gt;().</a:t>
-            </a:r>
-            <a:r>
-              <a:rPr lang="en-US" altLang="ko-KR" sz="1100" dirty="0" smtClean="0"/>
-              <a:t>name</a:t>
-            </a:r>
-            <a:endParaRPr lang="en-US" altLang="ko-KR" sz="1100" dirty="0"/>
-          </a:p>
-        </p:txBody>
-      </p:sp>
-      <p:sp>
-        <p:nvSpPr>
-          <p:cNvPr id="7" name="TextBox 6">
-            <a:extLst>
-              <a:ext uri="{FF2B5EF4-FFF2-40B4-BE49-F238E27FC236}">
-                <a16:creationId xmlns:a16="http://schemas.microsoft.com/office/drawing/2014/main" xmlns="" id="{A9AFB107-57BE-3FF3-7AFF-962C2368E148}"/>
-              </a:ext>
-            </a:extLst>
-          </p:cNvPr>
-          <p:cNvSpPr txBox="1"/>
-          <p:nvPr/>
-        </p:nvSpPr>
-        <p:spPr>
-          <a:xfrm>
-            <a:off x="297304" y="2758575"/>
-            <a:ext cx="3265043" cy="430887"/>
-          </a:xfrm>
-          <a:prstGeom prst="rect">
-            <a:avLst/>
-          </a:prstGeom>
-          <a:solidFill>
-            <a:schemeClr val="bg1"/>
-          </a:solidFill>
-          <a:ln>
-            <a:solidFill>
-              <a:schemeClr val="accent1"/>
-            </a:solidFill>
-          </a:ln>
-        </p:spPr>
-        <p:txBody>
-          <a:bodyPr wrap="square">
-            <a:spAutoFit/>
-          </a:bodyPr>
-          <a:lstStyle/>
-          <a:p>
-            <a:r>
-              <a:rPr lang="en-US" altLang="ko-KR" sz="1100" dirty="0" smtClean="0"/>
-              <a:t>Provider.of&lt;Dog</a:t>
-            </a:r>
-            <a:r>
-              <a:rPr lang="en-US" altLang="ko-KR" sz="1100" dirty="0"/>
-              <a:t>&gt;(context, listen: false).</a:t>
-            </a:r>
-            <a:r>
-              <a:rPr lang="en-US" altLang="ko-KR" sz="1100" dirty="0" smtClean="0"/>
-              <a:t>name</a:t>
-            </a:r>
-          </a:p>
-          <a:p>
-            <a:r>
-              <a:rPr lang="en-US" altLang="ko-KR" sz="1100" dirty="0" smtClean="0"/>
-              <a:t>Provider.of&lt;Dog</a:t>
-            </a:r>
-            <a:r>
-              <a:rPr lang="en-US" altLang="ko-KR" sz="1100" dirty="0"/>
-              <a:t>&gt;(context, listen: false).grow</a:t>
-            </a:r>
-            <a:r>
-              <a:rPr lang="en-US" altLang="ko-KR" sz="1100" dirty="0" smtClean="0"/>
-              <a:t>()</a:t>
-            </a:r>
-            <a:endParaRPr lang="en-US" altLang="ko-KR" sz="1100" dirty="0"/>
-          </a:p>
-        </p:txBody>
-      </p:sp>
       <p:grpSp>
         <p:nvGrpSpPr>
           <p:cNvPr id="16" name="그룹 15"/>
@@ -3705,8 +3853,8 @@
         </p:nvGrpSpPr>
         <p:grpSpPr>
           <a:xfrm>
-            <a:off x="3829047" y="419211"/>
-            <a:ext cx="2921732" cy="692497"/>
+            <a:off x="7990918" y="1018765"/>
+            <a:ext cx="1698917" cy="692497"/>
             <a:chOff x="4171950" y="523121"/>
             <a:chExt cx="2921732" cy="692497"/>
           </a:xfrm>
@@ -3762,1211 +3910,7 @@
                 <a:t>  - </a:t>
               </a:r>
               <a:r>
-                <a:rPr lang="en-US" altLang="ko-KR" sz="1100" dirty="0"/>
-                <a:t>notifyListeners</a:t>
-              </a:r>
-              <a:r>
                 <a:rPr lang="en-US" altLang="ko-KR" sz="1100" dirty="0" smtClean="0"/>
-                <a:t>()</a:t>
-              </a:r>
-              <a:endParaRPr lang="en-US" altLang="ko-KR" sz="1100" dirty="0"/>
-            </a:p>
-          </p:txBody>
-        </p:sp>
-        <p:sp>
-          <p:nvSpPr>
-            <p:cNvPr id="11" name="TextBox 10">
-              <a:extLst>
-                <a:ext uri="{FF2B5EF4-FFF2-40B4-BE49-F238E27FC236}">
-                  <a16:creationId xmlns:a16="http://schemas.microsoft.com/office/drawing/2014/main" xmlns="" id="{A9AFB107-57BE-3FF3-7AFF-962C2368E148}"/>
-                </a:ext>
-              </a:extLst>
-            </p:cNvPr>
-            <p:cNvSpPr txBox="1"/>
-            <p:nvPr/>
-          </p:nvSpPr>
-          <p:spPr>
-            <a:xfrm>
-              <a:off x="4171950" y="523121"/>
-              <a:ext cx="2921732" cy="261610"/>
-            </a:xfrm>
-            <a:prstGeom prst="rect">
-              <a:avLst/>
-            </a:prstGeom>
-            <a:grpFill/>
-            <a:ln>
-              <a:solidFill>
-                <a:schemeClr val="accent1"/>
-              </a:solidFill>
-            </a:ln>
-          </p:spPr>
-          <p:txBody>
-            <a:bodyPr wrap="square">
-              <a:spAutoFit/>
-            </a:bodyPr>
-            <a:lstStyle/>
-            <a:p>
-              <a:r>
-                <a:rPr lang="en-US" altLang="ko-KR" sz="1100" dirty="0" smtClean="0">
-                  <a:solidFill>
-                    <a:srgbClr val="FF0000"/>
-                  </a:solidFill>
-                </a:rPr>
-                <a:t>Notifier (Model)</a:t>
-              </a:r>
-              <a:endParaRPr lang="en-US" altLang="ko-KR" sz="1100" dirty="0">
-                <a:solidFill>
-                  <a:srgbClr val="FF0000"/>
-                </a:solidFill>
-              </a:endParaRPr>
-            </a:p>
-          </p:txBody>
-        </p:sp>
-      </p:grpSp>
-      <p:sp>
-        <p:nvSpPr>
-          <p:cNvPr id="13" name="TextBox 12">
-            <a:extLst>
-              <a:ext uri="{FF2B5EF4-FFF2-40B4-BE49-F238E27FC236}">
-                <a16:creationId xmlns:a16="http://schemas.microsoft.com/office/drawing/2014/main" xmlns="" id="{A9AFB107-57BE-3FF3-7AFF-962C2368E148}"/>
-              </a:ext>
-            </a:extLst>
-          </p:cNvPr>
-          <p:cNvSpPr txBox="1"/>
-          <p:nvPr/>
-        </p:nvSpPr>
-        <p:spPr>
-          <a:xfrm>
-            <a:off x="3735455" y="2759403"/>
-            <a:ext cx="3664224" cy="430887"/>
-          </a:xfrm>
-          <a:prstGeom prst="rect">
-            <a:avLst/>
-          </a:prstGeom>
-          <a:solidFill>
-            <a:schemeClr val="bg1"/>
-          </a:solidFill>
-          <a:ln>
-            <a:solidFill>
-              <a:schemeClr val="accent1"/>
-            </a:solidFill>
-          </a:ln>
-        </p:spPr>
-        <p:txBody>
-          <a:bodyPr wrap="square">
-            <a:spAutoFit/>
-          </a:bodyPr>
-          <a:lstStyle/>
-          <a:p>
-            <a:r>
-              <a:rPr lang="en-US" altLang="ko-KR" sz="1100" dirty="0" smtClean="0"/>
-              <a:t>Provider.of&lt;Dog&gt;(context).name</a:t>
-            </a:r>
-          </a:p>
-          <a:p>
-            <a:r>
-              <a:rPr lang="en-US" altLang="ko-KR" sz="1100" dirty="0" smtClean="0"/>
-              <a:t>Provider.of&lt;Dog&gt;(context).age</a:t>
-            </a:r>
-          </a:p>
-        </p:txBody>
-      </p:sp>
-      <p:sp>
-        <p:nvSpPr>
-          <p:cNvPr id="14" name="TextBox 13">
-            <a:extLst>
-              <a:ext uri="{FF2B5EF4-FFF2-40B4-BE49-F238E27FC236}">
-                <a16:creationId xmlns:a16="http://schemas.microsoft.com/office/drawing/2014/main" xmlns="" id="{A9AFB107-57BE-3FF3-7AFF-962C2368E148}"/>
-              </a:ext>
-            </a:extLst>
-          </p:cNvPr>
-          <p:cNvSpPr txBox="1"/>
-          <p:nvPr/>
-        </p:nvSpPr>
-        <p:spPr>
-          <a:xfrm>
-            <a:off x="3735455" y="3183547"/>
-            <a:ext cx="3664224" cy="430887"/>
-          </a:xfrm>
-          <a:prstGeom prst="rect">
-            <a:avLst/>
-          </a:prstGeom>
-          <a:solidFill>
-            <a:schemeClr val="bg1"/>
-          </a:solidFill>
-          <a:ln>
-            <a:solidFill>
-              <a:schemeClr val="accent1"/>
-            </a:solidFill>
-          </a:ln>
-        </p:spPr>
-        <p:txBody>
-          <a:bodyPr wrap="square">
-            <a:spAutoFit/>
-          </a:bodyPr>
-          <a:lstStyle/>
-          <a:p>
-            <a:r>
-              <a:rPr lang="en-US" altLang="ko-KR" sz="1100" dirty="0" smtClean="0"/>
-              <a:t>context.watch&lt;Dog</a:t>
-            </a:r>
-            <a:r>
-              <a:rPr lang="en-US" altLang="ko-KR" sz="1100" dirty="0"/>
-              <a:t>&gt;().age</a:t>
-            </a:r>
-          </a:p>
-          <a:p>
-            <a:r>
-              <a:rPr lang="en-US" altLang="ko-KR" sz="1100" dirty="0"/>
-              <a:t>context.select&lt;Dog, String&gt;((Dog dog) =&gt; dog.breed</a:t>
-            </a:r>
-            <a:r>
-              <a:rPr lang="en-US" altLang="ko-KR" sz="1100" dirty="0" smtClean="0"/>
-              <a:t>)</a:t>
-            </a:r>
-            <a:endParaRPr lang="en-US" altLang="ko-KR" sz="1100" dirty="0"/>
-          </a:p>
-        </p:txBody>
-      </p:sp>
-      <p:grpSp>
-        <p:nvGrpSpPr>
-          <p:cNvPr id="42" name="그룹 41"/>
-          <p:cNvGrpSpPr/>
-          <p:nvPr/>
-        </p:nvGrpSpPr>
-        <p:grpSpPr>
-          <a:xfrm>
-            <a:off x="97279" y="399417"/>
-            <a:ext cx="3283682" cy="1363572"/>
-            <a:chOff x="440182" y="503327"/>
-            <a:chExt cx="3283682" cy="1363572"/>
-          </a:xfrm>
-        </p:grpSpPr>
-        <p:sp>
-          <p:nvSpPr>
-            <p:cNvPr id="34" name="TextBox 33">
-              <a:extLst>
-                <a:ext uri="{FF2B5EF4-FFF2-40B4-BE49-F238E27FC236}">
-                  <a16:creationId xmlns:a16="http://schemas.microsoft.com/office/drawing/2014/main" xmlns="" id="{A9AFB107-57BE-3FF3-7AFF-962C2368E148}"/>
-                </a:ext>
-              </a:extLst>
-            </p:cNvPr>
-            <p:cNvSpPr txBox="1"/>
-            <p:nvPr/>
-          </p:nvSpPr>
-          <p:spPr>
-            <a:xfrm>
-              <a:off x="440182" y="765680"/>
-              <a:ext cx="3283682" cy="1101219"/>
-            </a:xfrm>
-            <a:prstGeom prst="rect">
-              <a:avLst/>
-            </a:prstGeom>
-            <a:solidFill>
-              <a:schemeClr val="bg1">
-                <a:lumMod val="85000"/>
-              </a:schemeClr>
-            </a:solidFill>
-            <a:ln>
-              <a:solidFill>
-                <a:schemeClr val="accent1"/>
-              </a:solidFill>
-            </a:ln>
-          </p:spPr>
-          <p:txBody>
-            <a:bodyPr wrap="square">
-              <a:noAutofit/>
-            </a:bodyPr>
-            <a:lstStyle/>
-            <a:p>
-              <a:endParaRPr lang="en-US" altLang="ko-KR" sz="1100" dirty="0">
-                <a:solidFill>
-                  <a:srgbClr val="FF0000"/>
-                </a:solidFill>
-              </a:endParaRPr>
-            </a:p>
-          </p:txBody>
-        </p:sp>
-        <p:sp>
-          <p:nvSpPr>
-            <p:cNvPr id="4" name="TextBox 3">
-              <a:extLst>
-                <a:ext uri="{FF2B5EF4-FFF2-40B4-BE49-F238E27FC236}">
-                  <a16:creationId xmlns:a16="http://schemas.microsoft.com/office/drawing/2014/main" xmlns="" id="{A9AFB107-57BE-3FF3-7AFF-962C2368E148}"/>
-                </a:ext>
-              </a:extLst>
-            </p:cNvPr>
-            <p:cNvSpPr txBox="1"/>
-            <p:nvPr/>
-          </p:nvSpPr>
-          <p:spPr>
-            <a:xfrm>
-              <a:off x="552452" y="831250"/>
-              <a:ext cx="3009898" cy="261610"/>
-            </a:xfrm>
-            <a:prstGeom prst="rect">
-              <a:avLst/>
-            </a:prstGeom>
-            <a:solidFill>
-              <a:schemeClr val="bg1"/>
-            </a:solidFill>
-            <a:ln>
-              <a:solidFill>
-                <a:schemeClr val="accent1"/>
-              </a:solidFill>
-            </a:ln>
-          </p:spPr>
-          <p:txBody>
-            <a:bodyPr wrap="square">
-              <a:spAutoFit/>
-            </a:bodyPr>
-            <a:lstStyle/>
-            <a:p>
-              <a:r>
-                <a:rPr lang="en-US" altLang="ko-KR" sz="1100" b="1" dirty="0" smtClean="0"/>
-                <a:t>Provider</a:t>
-              </a:r>
-              <a:endParaRPr lang="en-US" altLang="ko-KR" sz="1100" dirty="0"/>
-            </a:p>
-          </p:txBody>
-        </p:sp>
-        <p:sp>
-          <p:nvSpPr>
-            <p:cNvPr id="10" name="TextBox 9">
-              <a:extLst>
-                <a:ext uri="{FF2B5EF4-FFF2-40B4-BE49-F238E27FC236}">
-                  <a16:creationId xmlns:a16="http://schemas.microsoft.com/office/drawing/2014/main" xmlns="" id="{A9AFB107-57BE-3FF3-7AFF-962C2368E148}"/>
-                </a:ext>
-              </a:extLst>
-            </p:cNvPr>
-            <p:cNvSpPr txBox="1"/>
-            <p:nvPr/>
-          </p:nvSpPr>
-          <p:spPr>
-            <a:xfrm>
-              <a:off x="440182" y="503327"/>
-              <a:ext cx="3283682" cy="261610"/>
-            </a:xfrm>
-            <a:prstGeom prst="rect">
-              <a:avLst/>
-            </a:prstGeom>
-            <a:solidFill>
-              <a:schemeClr val="bg1">
-                <a:lumMod val="85000"/>
-              </a:schemeClr>
-            </a:solidFill>
-            <a:ln>
-              <a:solidFill>
-                <a:schemeClr val="accent1"/>
-              </a:solidFill>
-            </a:ln>
-          </p:spPr>
-          <p:txBody>
-            <a:bodyPr wrap="square">
-              <a:noAutofit/>
-            </a:bodyPr>
-            <a:lstStyle/>
-            <a:p>
-              <a:r>
-                <a:rPr lang="en-US" altLang="ko-KR" sz="1100" dirty="0" smtClean="0">
-                  <a:solidFill>
-                    <a:srgbClr val="FF0000"/>
-                  </a:solidFill>
-                </a:rPr>
-                <a:t>Definition</a:t>
-              </a:r>
-              <a:endParaRPr lang="en-US" altLang="ko-KR" sz="1100" dirty="0">
-                <a:solidFill>
-                  <a:srgbClr val="FF0000"/>
-                </a:solidFill>
-              </a:endParaRPr>
-            </a:p>
-          </p:txBody>
-        </p:sp>
-        <p:sp>
-          <p:nvSpPr>
-            <p:cNvPr id="25" name="TextBox 24">
-              <a:extLst>
-                <a:ext uri="{FF2B5EF4-FFF2-40B4-BE49-F238E27FC236}">
-                  <a16:creationId xmlns:a16="http://schemas.microsoft.com/office/drawing/2014/main" xmlns="" id="{A9AFB107-57BE-3FF3-7AFF-962C2368E148}"/>
-                </a:ext>
-              </a:extLst>
-            </p:cNvPr>
-            <p:cNvSpPr txBox="1"/>
-            <p:nvPr/>
-          </p:nvSpPr>
-          <p:spPr>
-            <a:xfrm>
-              <a:off x="552450" y="1140485"/>
-              <a:ext cx="3009898" cy="600164"/>
-            </a:xfrm>
-            <a:prstGeom prst="rect">
-              <a:avLst/>
-            </a:prstGeom>
-            <a:solidFill>
-              <a:schemeClr val="bg1"/>
-            </a:solidFill>
-            <a:ln>
-              <a:solidFill>
-                <a:schemeClr val="accent1"/>
-              </a:solidFill>
-            </a:ln>
-          </p:spPr>
-          <p:txBody>
-            <a:bodyPr wrap="square">
-              <a:spAutoFit/>
-            </a:bodyPr>
-            <a:lstStyle/>
-            <a:p>
-              <a:r>
-                <a:rPr lang="en-US" altLang="ko-KR" sz="1100" b="1" dirty="0" smtClean="0"/>
-                <a:t>ChangeNotifierProvider</a:t>
-              </a:r>
-              <a:endParaRPr lang="en-US" altLang="ko-KR" sz="1100" dirty="0"/>
-            </a:p>
-            <a:p>
-              <a:r>
-                <a:rPr lang="en-US" altLang="ko-KR" sz="1100" b="1" dirty="0" smtClean="0"/>
-                <a:t>FutureProvider</a:t>
-              </a:r>
-            </a:p>
-            <a:p>
-              <a:r>
-                <a:rPr lang="en-US" altLang="ko-KR" sz="1100" b="1" dirty="0" smtClean="0"/>
-                <a:t>StreamProvider</a:t>
-              </a:r>
-              <a:endParaRPr lang="en-US" altLang="ko-KR" sz="1100" dirty="0"/>
-            </a:p>
-          </p:txBody>
-        </p:sp>
-      </p:grpSp>
-      <p:cxnSp>
-        <p:nvCxnSpPr>
-          <p:cNvPr id="9" name="꺾인 연결선 8"/>
-          <p:cNvCxnSpPr>
-            <a:stCxn id="5" idx="1"/>
-            <a:endCxn id="25" idx="3"/>
-          </p:cNvCxnSpPr>
-          <p:nvPr/>
-        </p:nvCxnSpPr>
-        <p:spPr>
-          <a:xfrm rot="10800000" flipV="1">
-            <a:off x="3219445" y="896265"/>
-            <a:ext cx="609602" cy="440392"/>
-          </a:xfrm>
-          <a:prstGeom prst="bentConnector3">
-            <a:avLst/>
-          </a:prstGeom>
-          <a:ln>
-            <a:tailEnd type="arrow"/>
-          </a:ln>
-        </p:spPr>
-        <p:style>
-          <a:lnRef idx="1">
-            <a:schemeClr val="accent1"/>
-          </a:lnRef>
-          <a:fillRef idx="0">
-            <a:schemeClr val="accent1"/>
-          </a:fillRef>
-          <a:effectRef idx="0">
-            <a:schemeClr val="accent1"/>
-          </a:effectRef>
-          <a:fontRef idx="minor">
-            <a:schemeClr val="tx1"/>
-          </a:fontRef>
-        </p:style>
-      </p:cxnSp>
-      <p:cxnSp>
-        <p:nvCxnSpPr>
-          <p:cNvPr id="26" name="꺾인 연결선 25"/>
-          <p:cNvCxnSpPr>
-            <a:stCxn id="25" idx="2"/>
-            <a:endCxn id="21" idx="0"/>
-          </p:cNvCxnSpPr>
-          <p:nvPr/>
-        </p:nvCxnSpPr>
-        <p:spPr>
-          <a:xfrm rot="16200000" flipH="1">
-            <a:off x="2540084" y="811150"/>
-            <a:ext cx="459626" cy="2110803"/>
-          </a:xfrm>
-          <a:prstGeom prst="bentConnector3">
-            <a:avLst/>
-          </a:prstGeom>
-          <a:ln>
-            <a:tailEnd type="arrow"/>
-          </a:ln>
-        </p:spPr>
-        <p:style>
-          <a:lnRef idx="1">
-            <a:schemeClr val="accent1"/>
-          </a:lnRef>
-          <a:fillRef idx="0">
-            <a:schemeClr val="accent1"/>
-          </a:fillRef>
-          <a:effectRef idx="0">
-            <a:schemeClr val="accent1"/>
-          </a:effectRef>
-          <a:fontRef idx="minor">
-            <a:schemeClr val="tx1"/>
-          </a:fontRef>
-        </p:style>
-      </p:cxnSp>
-      <p:cxnSp>
-        <p:nvCxnSpPr>
-          <p:cNvPr id="28" name="꺾인 연결선 27"/>
-          <p:cNvCxnSpPr>
-            <a:stCxn id="5" idx="2"/>
-            <a:endCxn id="17" idx="0"/>
-          </p:cNvCxnSpPr>
-          <p:nvPr/>
-        </p:nvCxnSpPr>
-        <p:spPr>
-          <a:xfrm rot="16200000" flipH="1">
-            <a:off x="4775590" y="1626031"/>
-            <a:ext cx="1311270" cy="282624"/>
-          </a:xfrm>
-          <a:prstGeom prst="bentConnector3">
-            <a:avLst/>
-          </a:prstGeom>
-          <a:ln>
-            <a:tailEnd type="arrow"/>
-          </a:ln>
-        </p:spPr>
-        <p:style>
-          <a:lnRef idx="1">
-            <a:schemeClr val="accent1"/>
-          </a:lnRef>
-          <a:fillRef idx="0">
-            <a:schemeClr val="accent1"/>
-          </a:fillRef>
-          <a:effectRef idx="0">
-            <a:schemeClr val="accent1"/>
-          </a:effectRef>
-          <a:fontRef idx="minor">
-            <a:schemeClr val="tx1"/>
-          </a:fontRef>
-        </p:style>
-      </p:cxnSp>
-      <p:grpSp>
-        <p:nvGrpSpPr>
-          <p:cNvPr id="43" name="그룹 42"/>
-          <p:cNvGrpSpPr/>
-          <p:nvPr/>
-        </p:nvGrpSpPr>
-        <p:grpSpPr>
-          <a:xfrm>
-            <a:off x="297304" y="3876766"/>
-            <a:ext cx="3265043" cy="849741"/>
-            <a:chOff x="640207" y="3602994"/>
-            <a:chExt cx="3283682" cy="849741"/>
-          </a:xfrm>
-        </p:grpSpPr>
-        <p:sp>
-          <p:nvSpPr>
-            <p:cNvPr id="39" name="TextBox 38">
-              <a:extLst>
-                <a:ext uri="{FF2B5EF4-FFF2-40B4-BE49-F238E27FC236}">
-                  <a16:creationId xmlns:a16="http://schemas.microsoft.com/office/drawing/2014/main" xmlns="" id="{A9AFB107-57BE-3FF3-7AFF-962C2368E148}"/>
-                </a:ext>
-              </a:extLst>
-            </p:cNvPr>
-            <p:cNvSpPr txBox="1"/>
-            <p:nvPr/>
-          </p:nvSpPr>
-          <p:spPr>
-            <a:xfrm>
-              <a:off x="640207" y="3865347"/>
-              <a:ext cx="3283682" cy="587388"/>
-            </a:xfrm>
-            <a:prstGeom prst="rect">
-              <a:avLst/>
-            </a:prstGeom>
-            <a:solidFill>
-              <a:schemeClr val="bg1">
-                <a:lumMod val="85000"/>
-              </a:schemeClr>
-            </a:solidFill>
-            <a:ln>
-              <a:solidFill>
-                <a:schemeClr val="accent1"/>
-              </a:solidFill>
-            </a:ln>
-          </p:spPr>
-          <p:txBody>
-            <a:bodyPr wrap="square">
-              <a:noAutofit/>
-            </a:bodyPr>
-            <a:lstStyle/>
-            <a:p>
-              <a:endParaRPr lang="en-US" altLang="ko-KR" sz="1100" dirty="0">
-                <a:solidFill>
-                  <a:srgbClr val="FF0000"/>
-                </a:solidFill>
-              </a:endParaRPr>
-            </a:p>
-          </p:txBody>
-        </p:sp>
-        <p:sp>
-          <p:nvSpPr>
-            <p:cNvPr id="40" name="TextBox 39">
-              <a:extLst>
-                <a:ext uri="{FF2B5EF4-FFF2-40B4-BE49-F238E27FC236}">
-                  <a16:creationId xmlns:a16="http://schemas.microsoft.com/office/drawing/2014/main" xmlns="" id="{A9AFB107-57BE-3FF3-7AFF-962C2368E148}"/>
-                </a:ext>
-              </a:extLst>
-            </p:cNvPr>
-            <p:cNvSpPr txBox="1"/>
-            <p:nvPr/>
-          </p:nvSpPr>
-          <p:spPr>
-            <a:xfrm>
-              <a:off x="640207" y="3602994"/>
-              <a:ext cx="3283682" cy="261610"/>
-            </a:xfrm>
-            <a:prstGeom prst="rect">
-              <a:avLst/>
-            </a:prstGeom>
-            <a:solidFill>
-              <a:schemeClr val="bg1">
-                <a:lumMod val="85000"/>
-              </a:schemeClr>
-            </a:solidFill>
-            <a:ln>
-              <a:solidFill>
-                <a:schemeClr val="accent1"/>
-              </a:solidFill>
-            </a:ln>
-          </p:spPr>
-          <p:txBody>
-            <a:bodyPr wrap="square">
-              <a:noAutofit/>
-            </a:bodyPr>
-            <a:lstStyle/>
-            <a:p>
-              <a:r>
-                <a:rPr lang="en-US" altLang="ko-KR" sz="1100" dirty="0" smtClean="0">
-                  <a:solidFill>
-                    <a:srgbClr val="FF0000"/>
-                  </a:solidFill>
-                </a:rPr>
-                <a:t>Definition &amp; Use</a:t>
-              </a:r>
-              <a:endParaRPr lang="en-US" altLang="ko-KR" sz="1100" dirty="0">
-                <a:solidFill>
-                  <a:srgbClr val="FF0000"/>
-                </a:solidFill>
-              </a:endParaRPr>
-            </a:p>
-          </p:txBody>
-        </p:sp>
-        <p:sp>
-          <p:nvSpPr>
-            <p:cNvPr id="41" name="TextBox 40">
-              <a:extLst>
-                <a:ext uri="{FF2B5EF4-FFF2-40B4-BE49-F238E27FC236}">
-                  <a16:creationId xmlns:a16="http://schemas.microsoft.com/office/drawing/2014/main" xmlns="" id="{A9AFB107-57BE-3FF3-7AFF-962C2368E148}"/>
-                </a:ext>
-              </a:extLst>
-            </p:cNvPr>
-            <p:cNvSpPr txBox="1"/>
-            <p:nvPr/>
-          </p:nvSpPr>
-          <p:spPr>
-            <a:xfrm>
-              <a:off x="752475" y="3932043"/>
-              <a:ext cx="3009898" cy="430887"/>
-            </a:xfrm>
-            <a:prstGeom prst="rect">
-              <a:avLst/>
-            </a:prstGeom>
-            <a:solidFill>
-              <a:schemeClr val="bg1"/>
-            </a:solidFill>
-            <a:ln>
-              <a:solidFill>
-                <a:schemeClr val="accent1"/>
-              </a:solidFill>
-            </a:ln>
-          </p:spPr>
-          <p:txBody>
-            <a:bodyPr wrap="square">
-              <a:spAutoFit/>
-            </a:bodyPr>
-            <a:lstStyle/>
-            <a:p>
-              <a:r>
-                <a:rPr lang="en-US" altLang="ko-KR" sz="1100" b="1" dirty="0" smtClean="0"/>
-                <a:t>Consumer</a:t>
-              </a:r>
-            </a:p>
-            <a:p>
-              <a:r>
-                <a:rPr lang="en-US" altLang="ko-KR" sz="1100" b="1" dirty="0" smtClean="0"/>
-                <a:t>Selector</a:t>
-              </a:r>
-              <a:endParaRPr lang="en-US" altLang="ko-KR" sz="1100" dirty="0"/>
-            </a:p>
-          </p:txBody>
-        </p:sp>
-      </p:grpSp>
-      <p:cxnSp>
-        <p:nvCxnSpPr>
-          <p:cNvPr id="44" name="꺾인 연결선 43"/>
-          <p:cNvCxnSpPr>
-            <a:stCxn id="40" idx="0"/>
-            <a:endCxn id="6" idx="2"/>
-          </p:cNvCxnSpPr>
-          <p:nvPr/>
-        </p:nvCxnSpPr>
-        <p:spPr>
-          <a:xfrm rot="5400000" flipH="1" flipV="1">
-            <a:off x="1799866" y="3746806"/>
-            <a:ext cx="259921" cy="12700"/>
-          </a:xfrm>
-          <a:prstGeom prst="bentConnector3">
-            <a:avLst>
-              <a:gd name="adj1" fmla="val 50000"/>
-            </a:avLst>
-          </a:prstGeom>
-          <a:ln>
-            <a:tailEnd type="arrow"/>
-          </a:ln>
-        </p:spPr>
-        <p:style>
-          <a:lnRef idx="1">
-            <a:schemeClr val="accent1"/>
-          </a:lnRef>
-          <a:fillRef idx="0">
-            <a:schemeClr val="accent1"/>
-          </a:fillRef>
-          <a:effectRef idx="0">
-            <a:schemeClr val="accent1"/>
-          </a:effectRef>
-          <a:fontRef idx="minor">
-            <a:schemeClr val="tx1"/>
-          </a:fontRef>
-        </p:style>
-      </p:cxnSp>
-      <p:sp>
-        <p:nvSpPr>
-          <p:cNvPr id="47" name="TextBox 46"/>
-          <p:cNvSpPr txBox="1"/>
-          <p:nvPr/>
-        </p:nvSpPr>
-        <p:spPr>
-          <a:xfrm>
-            <a:off x="8252199" y="309774"/>
-            <a:ext cx="3145133" cy="2492990"/>
-          </a:xfrm>
-          <a:prstGeom prst="rect">
-            <a:avLst/>
-          </a:prstGeom>
-          <a:noFill/>
-        </p:spPr>
-        <p:txBody>
-          <a:bodyPr wrap="square" rtlCol="0">
-            <a:spAutoFit/>
-          </a:bodyPr>
-          <a:lstStyle/>
-          <a:p>
-            <a:r>
-              <a:rPr lang="en-US" altLang="ko-KR" sz="1200" dirty="0"/>
-              <a:t>Navigator.push(</a:t>
-            </a:r>
-          </a:p>
-          <a:p>
-            <a:r>
-              <a:rPr lang="en-US" altLang="ko-KR" sz="1200" dirty="0"/>
-              <a:t>      context,</a:t>
-            </a:r>
-          </a:p>
-          <a:p>
-            <a:r>
-              <a:rPr lang="ko-KR" altLang="en-US" sz="1200" dirty="0"/>
-              <a:t>      </a:t>
-            </a:r>
-            <a:r>
-              <a:rPr lang="en-US" altLang="ko-KR" sz="1200" dirty="0"/>
-              <a:t>// _ </a:t>
-            </a:r>
-            <a:r>
-              <a:rPr lang="ko-KR" altLang="en-US" sz="1200" dirty="0"/>
-              <a:t>대신 </a:t>
-            </a:r>
-            <a:r>
-              <a:rPr lang="en-US" altLang="ko-KR" sz="1200" dirty="0"/>
-              <a:t>counterContext</a:t>
-            </a:r>
-            <a:r>
-              <a:rPr lang="ko-KR" altLang="en-US" sz="1200" dirty="0"/>
-              <a:t>로 해도 된다</a:t>
-            </a:r>
-            <a:r>
-              <a:rPr lang="en-US" altLang="ko-KR" sz="1200" dirty="0"/>
-              <a:t>.</a:t>
-            </a:r>
-            <a:endParaRPr lang="ko-KR" altLang="en-US" sz="1200" dirty="0"/>
-          </a:p>
-          <a:p>
-            <a:r>
-              <a:rPr lang="ko-KR" altLang="en-US" sz="1200" dirty="0"/>
-              <a:t>      </a:t>
-            </a:r>
-            <a:r>
-              <a:rPr lang="en-US" altLang="ko-KR" sz="1200" dirty="0"/>
-              <a:t>//MaterialPageRoute(builder: (context) {</a:t>
-            </a:r>
-          </a:p>
-          <a:p>
-            <a:r>
-              <a:rPr lang="en-US" altLang="ko-KR" sz="1200" dirty="0"/>
-              <a:t>      MaterialPageRoute(builder: (_) {</a:t>
-            </a:r>
-          </a:p>
-          <a:p>
-            <a:r>
-              <a:rPr lang="en-US" altLang="ko-KR" sz="1200" dirty="0"/>
-              <a:t>        return ChangeNotifierProvider.value(</a:t>
-            </a:r>
-          </a:p>
-          <a:p>
-            <a:r>
-              <a:rPr lang="en-US" altLang="ko-KR" sz="1200" dirty="0"/>
-              <a:t>          value: context.read&lt;Counter&gt;(),</a:t>
-            </a:r>
-          </a:p>
-          <a:p>
-            <a:r>
-              <a:rPr lang="en-US" altLang="ko-KR" sz="1200" dirty="0"/>
-              <a:t>          child: const ShowMeCounter(),</a:t>
-            </a:r>
-          </a:p>
-          <a:p>
-            <a:r>
-              <a:rPr lang="en-US" altLang="ko-KR" sz="1200" dirty="0"/>
-              <a:t>        );</a:t>
-            </a:r>
-          </a:p>
-          <a:p>
-            <a:r>
-              <a:rPr lang="en-US" altLang="ko-KR" sz="1200" dirty="0"/>
-              <a:t>      }),</a:t>
-            </a:r>
-          </a:p>
-          <a:p>
-            <a:r>
-              <a:rPr lang="en-US" altLang="ko-KR" sz="1200" dirty="0"/>
-              <a:t>    );</a:t>
-            </a:r>
-          </a:p>
-          <a:p>
-            <a:endParaRPr lang="ko-KR" altLang="en-US" sz="1200" dirty="0"/>
-          </a:p>
-        </p:txBody>
-      </p:sp>
-      <p:grpSp>
-        <p:nvGrpSpPr>
-          <p:cNvPr id="29" name="그룹 28"/>
-          <p:cNvGrpSpPr/>
-          <p:nvPr/>
-        </p:nvGrpSpPr>
-        <p:grpSpPr>
-          <a:xfrm>
-            <a:off x="7898908" y="3285040"/>
-            <a:ext cx="3283682" cy="1406599"/>
-            <a:chOff x="440182" y="503327"/>
-            <a:chExt cx="3283682" cy="1406599"/>
-          </a:xfrm>
-        </p:grpSpPr>
-        <p:sp>
-          <p:nvSpPr>
-            <p:cNvPr id="30" name="TextBox 29">
-              <a:extLst>
-                <a:ext uri="{FF2B5EF4-FFF2-40B4-BE49-F238E27FC236}">
-                  <a16:creationId xmlns:a16="http://schemas.microsoft.com/office/drawing/2014/main" xmlns="" id="{A9AFB107-57BE-3FF3-7AFF-962C2368E148}"/>
-                </a:ext>
-              </a:extLst>
-            </p:cNvPr>
-            <p:cNvSpPr txBox="1"/>
-            <p:nvPr/>
-          </p:nvSpPr>
-          <p:spPr>
-            <a:xfrm>
-              <a:off x="440182" y="765680"/>
-              <a:ext cx="3283682" cy="1101219"/>
-            </a:xfrm>
-            <a:prstGeom prst="rect">
-              <a:avLst/>
-            </a:prstGeom>
-            <a:solidFill>
-              <a:schemeClr val="bg1">
-                <a:lumMod val="85000"/>
-              </a:schemeClr>
-            </a:solidFill>
-            <a:ln>
-              <a:solidFill>
-                <a:schemeClr val="accent1"/>
-              </a:solidFill>
-            </a:ln>
-          </p:spPr>
-          <p:txBody>
-            <a:bodyPr wrap="square">
-              <a:noAutofit/>
-            </a:bodyPr>
-            <a:lstStyle/>
-            <a:p>
-              <a:endParaRPr lang="en-US" altLang="ko-KR" sz="1100" dirty="0">
-                <a:solidFill>
-                  <a:srgbClr val="FF0000"/>
-                </a:solidFill>
-              </a:endParaRPr>
-            </a:p>
-          </p:txBody>
-        </p:sp>
-        <p:sp>
-          <p:nvSpPr>
-            <p:cNvPr id="31" name="TextBox 30">
-              <a:extLst>
-                <a:ext uri="{FF2B5EF4-FFF2-40B4-BE49-F238E27FC236}">
-                  <a16:creationId xmlns:a16="http://schemas.microsoft.com/office/drawing/2014/main" xmlns="" id="{A9AFB107-57BE-3FF3-7AFF-962C2368E148}"/>
-                </a:ext>
-              </a:extLst>
-            </p:cNvPr>
-            <p:cNvSpPr txBox="1"/>
-            <p:nvPr/>
-          </p:nvSpPr>
-          <p:spPr>
-            <a:xfrm>
-              <a:off x="552452" y="831250"/>
-              <a:ext cx="3009898" cy="261610"/>
-            </a:xfrm>
-            <a:prstGeom prst="rect">
-              <a:avLst/>
-            </a:prstGeom>
-            <a:solidFill>
-              <a:schemeClr val="bg1"/>
-            </a:solidFill>
-            <a:ln>
-              <a:solidFill>
-                <a:schemeClr val="accent1"/>
-              </a:solidFill>
-            </a:ln>
-          </p:spPr>
-          <p:txBody>
-            <a:bodyPr wrap="square">
-              <a:spAutoFit/>
-            </a:bodyPr>
-            <a:lstStyle/>
-            <a:p>
-              <a:r>
-                <a:rPr lang="en-US" altLang="ko-KR" sz="1100" b="1" dirty="0" smtClean="0"/>
-                <a:t>ProxyProvider</a:t>
-              </a:r>
-              <a:endParaRPr lang="en-US" altLang="ko-KR" sz="1100" dirty="0"/>
-            </a:p>
-          </p:txBody>
-        </p:sp>
-        <p:sp>
-          <p:nvSpPr>
-            <p:cNvPr id="32" name="TextBox 31">
-              <a:extLst>
-                <a:ext uri="{FF2B5EF4-FFF2-40B4-BE49-F238E27FC236}">
-                  <a16:creationId xmlns:a16="http://schemas.microsoft.com/office/drawing/2014/main" xmlns="" id="{A9AFB107-57BE-3FF3-7AFF-962C2368E148}"/>
-                </a:ext>
-              </a:extLst>
-            </p:cNvPr>
-            <p:cNvSpPr txBox="1"/>
-            <p:nvPr/>
-          </p:nvSpPr>
-          <p:spPr>
-            <a:xfrm>
-              <a:off x="440182" y="503327"/>
-              <a:ext cx="3283682" cy="261610"/>
-            </a:xfrm>
-            <a:prstGeom prst="rect">
-              <a:avLst/>
-            </a:prstGeom>
-            <a:solidFill>
-              <a:schemeClr val="bg1">
-                <a:lumMod val="85000"/>
-              </a:schemeClr>
-            </a:solidFill>
-            <a:ln>
-              <a:solidFill>
-                <a:schemeClr val="accent1"/>
-              </a:solidFill>
-            </a:ln>
-          </p:spPr>
-          <p:txBody>
-            <a:bodyPr wrap="square">
-              <a:noAutofit/>
-            </a:bodyPr>
-            <a:lstStyle/>
-            <a:p>
-              <a:r>
-                <a:rPr lang="en-US" altLang="ko-KR" sz="1100" dirty="0" smtClean="0">
-                  <a:solidFill>
-                    <a:srgbClr val="FF0000"/>
-                  </a:solidFill>
-                </a:rPr>
-                <a:t>Definition</a:t>
-              </a:r>
-              <a:endParaRPr lang="en-US" altLang="ko-KR" sz="1100" dirty="0">
-                <a:solidFill>
-                  <a:srgbClr val="FF0000"/>
-                </a:solidFill>
-              </a:endParaRPr>
-            </a:p>
-          </p:txBody>
-        </p:sp>
-        <p:sp>
-          <p:nvSpPr>
-            <p:cNvPr id="33" name="TextBox 32">
-              <a:extLst>
-                <a:ext uri="{FF2B5EF4-FFF2-40B4-BE49-F238E27FC236}">
-                  <a16:creationId xmlns:a16="http://schemas.microsoft.com/office/drawing/2014/main" xmlns="" id="{A9AFB107-57BE-3FF3-7AFF-962C2368E148}"/>
-                </a:ext>
-              </a:extLst>
-            </p:cNvPr>
-            <p:cNvSpPr txBox="1"/>
-            <p:nvPr/>
-          </p:nvSpPr>
-          <p:spPr>
-            <a:xfrm>
-              <a:off x="552450" y="1140485"/>
-              <a:ext cx="3009898" cy="769441"/>
-            </a:xfrm>
-            <a:prstGeom prst="rect">
-              <a:avLst/>
-            </a:prstGeom>
-            <a:solidFill>
-              <a:schemeClr val="bg1"/>
-            </a:solidFill>
-            <a:ln>
-              <a:solidFill>
-                <a:schemeClr val="accent1"/>
-              </a:solidFill>
-            </a:ln>
-          </p:spPr>
-          <p:txBody>
-            <a:bodyPr wrap="square">
-              <a:spAutoFit/>
-            </a:bodyPr>
-            <a:lstStyle/>
-            <a:p>
-              <a:r>
-                <a:rPr lang="en-US" altLang="ko-KR" sz="1100" b="1" dirty="0" smtClean="0"/>
-                <a:t>ProxyProvider</a:t>
-              </a:r>
-            </a:p>
-            <a:p>
-              <a:r>
-                <a:rPr lang="en-US" altLang="ko-KR" sz="1100" b="1" dirty="0" smtClean="0"/>
-                <a:t>ProxyProvider0</a:t>
-              </a:r>
-              <a:endParaRPr lang="en-US" altLang="ko-KR" sz="1100" b="1" dirty="0"/>
-            </a:p>
-            <a:p>
-              <a:r>
-                <a:rPr lang="en-US" altLang="ko-KR" sz="1100" b="1" dirty="0" smtClean="0"/>
-                <a:t>ChangeNotifierProxyProvider</a:t>
-              </a:r>
-              <a:endParaRPr lang="en-US" altLang="ko-KR" sz="1100" dirty="0"/>
-            </a:p>
-            <a:p>
-              <a:r>
-                <a:rPr lang="en-US" altLang="ko-KR" sz="1100" b="1" dirty="0" smtClean="0"/>
-                <a:t>..</a:t>
-              </a:r>
-              <a:endParaRPr lang="en-US" altLang="ko-KR" sz="1100" dirty="0"/>
-            </a:p>
-          </p:txBody>
-        </p:sp>
-      </p:grpSp>
-    </p:spTree>
-    <p:extLst>
-      <p:ext uri="{BB962C8B-B14F-4D97-AF65-F5344CB8AC3E}">
-        <p14:creationId xmlns:p14="http://schemas.microsoft.com/office/powerpoint/2010/main" val="191607366"/>
-      </p:ext>
-    </p:extLst>
-  </p:cSld>
-  <p:clrMapOvr>
-    <a:masterClrMapping/>
-  </p:clrMapOvr>
-  <p:timing>
-    <p:tnLst>
-      <p:par>
-        <p:cTn id="1" dur="indefinite" restart="never" nodeType="tmRoot"/>
-      </p:par>
-    </p:tnLst>
-  </p:timing>
-</p:sld>
-</file>
-
-<file path=ppt/slides/slide2.xml><?xml version="1.0" encoding="utf-8"?>
-<p:sld xmlns:a="http://schemas.openxmlformats.org/drawingml/2006/main" xmlns:r="http://schemas.openxmlformats.org/officeDocument/2006/relationships" xmlns:p="http://schemas.openxmlformats.org/presentationml/2006/main">
-  <p:cSld>
-    <p:spTree>
-      <p:nvGrpSpPr>
-        <p:cNvPr id="1" name=""/>
-        <p:cNvGrpSpPr/>
-        <p:nvPr/>
-      </p:nvGrpSpPr>
-      <p:grpSpPr>
-        <a:xfrm>
-          <a:off x="0" y="0"/>
-          <a:ext cx="0" cy="0"/>
-          <a:chOff x="0" y="0"/>
-          <a:chExt cx="0" cy="0"/>
-        </a:xfrm>
-      </p:grpSpPr>
-      <p:sp>
-        <p:nvSpPr>
-          <p:cNvPr id="2" name="TextBox 1">
-            <a:extLst>
-              <a:ext uri="{FF2B5EF4-FFF2-40B4-BE49-F238E27FC236}">
-                <a16:creationId xmlns:a16="http://schemas.microsoft.com/office/drawing/2014/main" xmlns="" id="{C4AF561A-3B7B-158D-BC4D-3C39551F8D95}"/>
-              </a:ext>
-            </a:extLst>
-          </p:cNvPr>
-          <p:cNvSpPr txBox="1"/>
-          <p:nvPr/>
-        </p:nvSpPr>
-        <p:spPr>
-          <a:xfrm>
-            <a:off x="10160" y="13454"/>
-            <a:ext cx="6096000" cy="276999"/>
-          </a:xfrm>
-          <a:prstGeom prst="rect">
-            <a:avLst/>
-          </a:prstGeom>
-          <a:noFill/>
-        </p:spPr>
-        <p:txBody>
-          <a:bodyPr wrap="square">
-            <a:spAutoFit/>
-          </a:bodyPr>
-          <a:lstStyle/>
-          <a:p>
-            <a:r>
-              <a:rPr lang="en-US" altLang="ko-KR" sz="1200" dirty="0" smtClean="0"/>
-              <a:t>Provider </a:t>
-            </a:r>
-            <a:r>
-              <a:rPr lang="ko-KR" altLang="en-US" sz="1200" dirty="0" smtClean="0"/>
-              <a:t>구성도</a:t>
-            </a:r>
-            <a:endParaRPr lang="ko-KR" altLang="en-US" sz="1200" dirty="0"/>
-          </a:p>
-        </p:txBody>
-      </p:sp>
-      <p:cxnSp>
-        <p:nvCxnSpPr>
-          <p:cNvPr id="3" name="직선 연결선 2">
-            <a:extLst>
-              <a:ext uri="{FF2B5EF4-FFF2-40B4-BE49-F238E27FC236}">
-                <a16:creationId xmlns:a16="http://schemas.microsoft.com/office/drawing/2014/main" xmlns="" id="{648A685F-2664-99D3-FAE0-D046BBDCCF84}"/>
-              </a:ext>
-            </a:extLst>
-          </p:cNvPr>
-          <p:cNvCxnSpPr/>
-          <p:nvPr/>
-        </p:nvCxnSpPr>
-        <p:spPr>
-          <a:xfrm>
-            <a:off x="0" y="290453"/>
-            <a:ext cx="12192000" cy="0"/>
-          </a:xfrm>
-          <a:prstGeom prst="line">
-            <a:avLst/>
-          </a:prstGeom>
-        </p:spPr>
-        <p:style>
-          <a:lnRef idx="1">
-            <a:schemeClr val="accent1"/>
-          </a:lnRef>
-          <a:fillRef idx="0">
-            <a:schemeClr val="accent1"/>
-          </a:fillRef>
-          <a:effectRef idx="0">
-            <a:schemeClr val="accent1"/>
-          </a:effectRef>
-          <a:fontRef idx="minor">
-            <a:schemeClr val="tx1"/>
-          </a:fontRef>
-        </p:style>
-      </p:cxnSp>
-      <p:grpSp>
-        <p:nvGrpSpPr>
-          <p:cNvPr id="16" name="그룹 15"/>
-          <p:cNvGrpSpPr/>
-          <p:nvPr/>
-        </p:nvGrpSpPr>
-        <p:grpSpPr>
-          <a:xfrm>
-            <a:off x="5700761" y="501110"/>
-            <a:ext cx="1698917" cy="692497"/>
-            <a:chOff x="4171950" y="523121"/>
-            <a:chExt cx="2921732" cy="692497"/>
-          </a:xfrm>
-          <a:solidFill>
-            <a:schemeClr val="accent2">
-              <a:lumMod val="20000"/>
-              <a:lumOff val="80000"/>
-            </a:schemeClr>
-          </a:solidFill>
-        </p:grpSpPr>
-        <p:sp>
-          <p:nvSpPr>
-            <p:cNvPr id="5" name="TextBox 4">
-              <a:extLst>
-                <a:ext uri="{FF2B5EF4-FFF2-40B4-BE49-F238E27FC236}">
-                  <a16:creationId xmlns:a16="http://schemas.microsoft.com/office/drawing/2014/main" xmlns="" id="{A9AFB107-57BE-3FF3-7AFF-962C2368E148}"/>
-                </a:ext>
-              </a:extLst>
-            </p:cNvPr>
-            <p:cNvSpPr txBox="1"/>
-            <p:nvPr/>
-          </p:nvSpPr>
-          <p:spPr>
-            <a:xfrm>
-              <a:off x="4171950" y="784731"/>
-              <a:ext cx="2921732" cy="430887"/>
-            </a:xfrm>
-            <a:prstGeom prst="rect">
-              <a:avLst/>
-            </a:prstGeom>
-            <a:grpFill/>
-            <a:ln>
-              <a:solidFill>
-                <a:schemeClr val="accent1"/>
-              </a:solidFill>
-            </a:ln>
-          </p:spPr>
-          <p:txBody>
-            <a:bodyPr wrap="square">
-              <a:spAutoFit/>
-            </a:bodyPr>
-            <a:lstStyle/>
-            <a:p>
-              <a:r>
-                <a:rPr lang="en-US" altLang="ko-KR" sz="1100" b="1" dirty="0" smtClean="0"/>
-                <a:t>ChangeNotifier</a:t>
-              </a:r>
-              <a:endParaRPr lang="en-US" altLang="ko-KR" sz="1100" dirty="0"/>
-            </a:p>
-            <a:p>
-              <a:r>
-                <a:rPr lang="en-US" altLang="ko-KR" sz="1100" dirty="0" smtClean="0"/>
-                <a:t>  </a:t>
-              </a:r>
-              <a:r>
-                <a:rPr lang="en-US" altLang="ko-KR" sz="1100" smtClean="0"/>
-                <a:t>- </a:t>
-              </a:r>
-              <a:r>
-                <a:rPr lang="en-US" altLang="ko-KR" sz="1100" smtClean="0"/>
                 <a:t>notifyListeners( )</a:t>
               </a:r>
               <a:endParaRPr lang="en-US" altLang="ko-KR" sz="1100" dirty="0"/>
@@ -5025,42 +3969,6 @@
       </p:grpSp>
       <p:cxnSp>
         <p:nvCxnSpPr>
-          <p:cNvPr id="9" name="꺾인 연결선 8"/>
-          <p:cNvCxnSpPr>
-            <a:stCxn id="5" idx="1"/>
-            <a:endCxn id="46" idx="3"/>
-          </p:cNvCxnSpPr>
-          <p:nvPr/>
-        </p:nvCxnSpPr>
-        <p:spPr>
-          <a:xfrm rot="10800000" flipV="1">
-            <a:off x="4956463" y="978164"/>
-            <a:ext cx="744298" cy="410082"/>
-          </a:xfrm>
-          <a:prstGeom prst="bentConnector3">
-            <a:avLst/>
-          </a:prstGeom>
-          <a:ln>
-            <a:tailEnd type="arrow"/>
-          </a:ln>
-        </p:spPr>
-        <p:style>
-          <a:lnRef idx="1">
-            <a:schemeClr val="accent1"/>
-          </a:lnRef>
-          <a:fillRef idx="0">
-            <a:schemeClr val="accent1"/>
-          </a:fillRef>
-          <a:effectRef idx="0">
-            <a:schemeClr val="accent1"/>
-          </a:effectRef>
-          <a:fontRef idx="minor">
-            <a:schemeClr val="tx1"/>
-          </a:fontRef>
-        </p:style>
-      </p:cxnSp>
-      <p:cxnSp>
-        <p:nvCxnSpPr>
           <p:cNvPr id="26" name="꺾인 연결선 25"/>
           <p:cNvCxnSpPr>
             <a:stCxn id="46" idx="2"/>
@@ -5069,9 +3977,9 @@
           <p:nvPr/>
         </p:nvCxnSpPr>
         <p:spPr>
-          <a:xfrm rot="16200000" flipH="1">
-            <a:off x="3636260" y="945664"/>
-            <a:ext cx="619078" cy="2842546"/>
+          <a:xfrm rot="5400000">
+            <a:off x="4301788" y="2883453"/>
+            <a:ext cx="1434365" cy="7066"/>
           </a:xfrm>
           <a:prstGeom prst="bentConnector3">
             <a:avLst/>
@@ -5103,10 +4011,10 @@
         </p:nvGrpSpPr>
         <p:grpSpPr>
           <a:xfrm>
-            <a:off x="92589" y="2676476"/>
-            <a:ext cx="2879212" cy="849741"/>
-            <a:chOff x="640208" y="3602994"/>
-            <a:chExt cx="2895648" cy="849741"/>
+            <a:off x="1641537" y="2462116"/>
+            <a:ext cx="2879212" cy="839350"/>
+            <a:chOff x="640208" y="3613385"/>
+            <a:chExt cx="2895648" cy="839350"/>
           </a:xfrm>
         </p:grpSpPr>
         <p:sp>
@@ -5168,7 +4076,7 @@
           </p:nvSpPr>
           <p:spPr>
             <a:xfrm>
-              <a:off x="640208" y="3602994"/>
+              <a:off x="640208" y="3613385"/>
               <a:ext cx="2895648" cy="261610"/>
             </a:xfrm>
             <a:prstGeom prst="rect">
@@ -5304,518 +4212,6 @@
           </p:txBody>
         </p:sp>
       </p:grpSp>
-      <p:sp>
-        <p:nvSpPr>
-          <p:cNvPr id="47" name="TextBox 46"/>
-          <p:cNvSpPr txBox="1"/>
-          <p:nvPr/>
-        </p:nvSpPr>
-        <p:spPr>
-          <a:xfrm>
-            <a:off x="8252199" y="309774"/>
-            <a:ext cx="3145133" cy="2492990"/>
-          </a:xfrm>
-          <a:prstGeom prst="rect">
-            <a:avLst/>
-          </a:prstGeom>
-          <a:noFill/>
-        </p:spPr>
-        <p:txBody>
-          <a:bodyPr wrap="square" rtlCol="0">
-            <a:spAutoFit/>
-          </a:bodyPr>
-          <a:lstStyle/>
-          <a:p>
-            <a:r>
-              <a:rPr lang="en-US" altLang="ko-KR" sz="1200" dirty="0"/>
-              <a:t>Navigator.push(</a:t>
-            </a:r>
-          </a:p>
-          <a:p>
-            <a:r>
-              <a:rPr lang="en-US" altLang="ko-KR" sz="1200" dirty="0"/>
-              <a:t>      context,</a:t>
-            </a:r>
-          </a:p>
-          <a:p>
-            <a:r>
-              <a:rPr lang="ko-KR" altLang="en-US" sz="1200" dirty="0"/>
-              <a:t>      </a:t>
-            </a:r>
-            <a:r>
-              <a:rPr lang="en-US" altLang="ko-KR" sz="1200" dirty="0"/>
-              <a:t>// _ </a:t>
-            </a:r>
-            <a:r>
-              <a:rPr lang="ko-KR" altLang="en-US" sz="1200" dirty="0"/>
-              <a:t>대신 </a:t>
-            </a:r>
-            <a:r>
-              <a:rPr lang="en-US" altLang="ko-KR" sz="1200" dirty="0"/>
-              <a:t>counterContext</a:t>
-            </a:r>
-            <a:r>
-              <a:rPr lang="ko-KR" altLang="en-US" sz="1200" dirty="0"/>
-              <a:t>로 해도 된다</a:t>
-            </a:r>
-            <a:r>
-              <a:rPr lang="en-US" altLang="ko-KR" sz="1200" dirty="0"/>
-              <a:t>.</a:t>
-            </a:r>
-            <a:endParaRPr lang="ko-KR" altLang="en-US" sz="1200" dirty="0"/>
-          </a:p>
-          <a:p>
-            <a:r>
-              <a:rPr lang="ko-KR" altLang="en-US" sz="1200" dirty="0"/>
-              <a:t>      </a:t>
-            </a:r>
-            <a:r>
-              <a:rPr lang="en-US" altLang="ko-KR" sz="1200" dirty="0"/>
-              <a:t>//MaterialPageRoute(builder: (context) {</a:t>
-            </a:r>
-          </a:p>
-          <a:p>
-            <a:r>
-              <a:rPr lang="en-US" altLang="ko-KR" sz="1200" dirty="0"/>
-              <a:t>      MaterialPageRoute(builder: (_) {</a:t>
-            </a:r>
-          </a:p>
-          <a:p>
-            <a:r>
-              <a:rPr lang="en-US" altLang="ko-KR" sz="1200" dirty="0"/>
-              <a:t>        return ChangeNotifierProvider.value(</a:t>
-            </a:r>
-          </a:p>
-          <a:p>
-            <a:r>
-              <a:rPr lang="en-US" altLang="ko-KR" sz="1200" dirty="0"/>
-              <a:t>          value: context.read&lt;Counter&gt;(),</a:t>
-            </a:r>
-          </a:p>
-          <a:p>
-            <a:r>
-              <a:rPr lang="en-US" altLang="ko-KR" sz="1200" dirty="0"/>
-              <a:t>          child: const ShowMeCounter(),</a:t>
-            </a:r>
-          </a:p>
-          <a:p>
-            <a:r>
-              <a:rPr lang="en-US" altLang="ko-KR" sz="1200" dirty="0"/>
-              <a:t>        );</a:t>
-            </a:r>
-          </a:p>
-          <a:p>
-            <a:r>
-              <a:rPr lang="en-US" altLang="ko-KR" sz="1200" dirty="0"/>
-              <a:t>      }),</a:t>
-            </a:r>
-          </a:p>
-          <a:p>
-            <a:r>
-              <a:rPr lang="en-US" altLang="ko-KR" sz="1200" dirty="0"/>
-              <a:t>    );</a:t>
-            </a:r>
-          </a:p>
-          <a:p>
-            <a:endParaRPr lang="ko-KR" altLang="en-US" sz="1200" dirty="0"/>
-          </a:p>
-        </p:txBody>
-      </p:sp>
-      <p:grpSp>
-        <p:nvGrpSpPr>
-          <p:cNvPr id="36" name="그룹 35"/>
-          <p:cNvGrpSpPr/>
-          <p:nvPr/>
-        </p:nvGrpSpPr>
-        <p:grpSpPr>
-          <a:xfrm>
-            <a:off x="92588" y="480337"/>
-            <a:ext cx="4863875" cy="1577061"/>
-            <a:chOff x="165325" y="708939"/>
-            <a:chExt cx="4863875" cy="1577061"/>
-          </a:xfrm>
-        </p:grpSpPr>
-        <p:grpSp>
-          <p:nvGrpSpPr>
-            <p:cNvPr id="24" name="그룹 23"/>
-            <p:cNvGrpSpPr/>
-            <p:nvPr/>
-          </p:nvGrpSpPr>
-          <p:grpSpPr>
-            <a:xfrm>
-              <a:off x="165325" y="708939"/>
-              <a:ext cx="4863875" cy="1577061"/>
-              <a:chOff x="165325" y="708939"/>
-              <a:chExt cx="5040520" cy="1732925"/>
-            </a:xfrm>
-          </p:grpSpPr>
-          <p:sp>
-            <p:nvSpPr>
-              <p:cNvPr id="46" name="TextBox 45">
-                <a:extLst>
-                  <a:ext uri="{FF2B5EF4-FFF2-40B4-BE49-F238E27FC236}">
-                    <a16:creationId xmlns:a16="http://schemas.microsoft.com/office/drawing/2014/main" xmlns="" id="{A9AFB107-57BE-3FF3-7AFF-962C2368E148}"/>
-                  </a:ext>
-                </a:extLst>
-              </p:cNvPr>
-              <p:cNvSpPr txBox="1"/>
-              <p:nvPr/>
-            </p:nvSpPr>
-            <p:spPr>
-              <a:xfrm>
-                <a:off x="165325" y="971292"/>
-                <a:ext cx="5040520" cy="1470572"/>
-              </a:xfrm>
-              <a:prstGeom prst="rect">
-                <a:avLst/>
-              </a:prstGeom>
-              <a:solidFill>
-                <a:schemeClr val="bg1">
-                  <a:lumMod val="85000"/>
-                </a:schemeClr>
-              </a:solidFill>
-              <a:ln>
-                <a:solidFill>
-                  <a:schemeClr val="accent1"/>
-                </a:solidFill>
-              </a:ln>
-            </p:spPr>
-            <p:txBody>
-              <a:bodyPr wrap="square">
-                <a:noAutofit/>
-              </a:bodyPr>
-              <a:lstStyle/>
-              <a:p>
-                <a:endParaRPr lang="en-US" altLang="ko-KR" sz="1100" dirty="0">
-                  <a:solidFill>
-                    <a:srgbClr val="FF0000"/>
-                  </a:solidFill>
-                </a:endParaRPr>
-              </a:p>
-            </p:txBody>
-          </p:sp>
-          <p:sp>
-            <p:nvSpPr>
-              <p:cNvPr id="48" name="TextBox 47">
-                <a:extLst>
-                  <a:ext uri="{FF2B5EF4-FFF2-40B4-BE49-F238E27FC236}">
-                    <a16:creationId xmlns:a16="http://schemas.microsoft.com/office/drawing/2014/main" xmlns="" id="{A9AFB107-57BE-3FF3-7AFF-962C2368E148}"/>
-                  </a:ext>
-                </a:extLst>
-              </p:cNvPr>
-              <p:cNvSpPr txBox="1"/>
-              <p:nvPr/>
-            </p:nvSpPr>
-            <p:spPr>
-              <a:xfrm>
-                <a:off x="165325" y="708939"/>
-                <a:ext cx="5040520" cy="261610"/>
-              </a:xfrm>
-              <a:prstGeom prst="rect">
-                <a:avLst/>
-              </a:prstGeom>
-              <a:solidFill>
-                <a:schemeClr val="bg1">
-                  <a:lumMod val="85000"/>
-                </a:schemeClr>
-              </a:solidFill>
-              <a:ln>
-                <a:solidFill>
-                  <a:schemeClr val="accent1"/>
-                </a:solidFill>
-              </a:ln>
-            </p:spPr>
-            <p:txBody>
-              <a:bodyPr wrap="square">
-                <a:noAutofit/>
-              </a:bodyPr>
-              <a:lstStyle/>
-              <a:p>
-                <a:r>
-                  <a:rPr lang="en-US" altLang="ko-KR" sz="1100" dirty="0" smtClean="0">
-                    <a:solidFill>
-                      <a:srgbClr val="FF0000"/>
-                    </a:solidFill>
-                  </a:rPr>
-                  <a:t>Definition</a:t>
-                </a:r>
-                <a:endParaRPr lang="en-US" altLang="ko-KR" sz="1100" dirty="0">
-                  <a:solidFill>
-                    <a:srgbClr val="FF0000"/>
-                  </a:solidFill>
-                </a:endParaRPr>
-              </a:p>
-            </p:txBody>
-          </p:sp>
-        </p:grpSp>
-        <p:grpSp>
-          <p:nvGrpSpPr>
-            <p:cNvPr id="42" name="그룹 41"/>
-            <p:cNvGrpSpPr/>
-            <p:nvPr/>
-          </p:nvGrpSpPr>
-          <p:grpSpPr>
-            <a:xfrm>
-              <a:off x="263539" y="1059267"/>
-              <a:ext cx="2084808" cy="1101219"/>
-              <a:chOff x="440182" y="765680"/>
-              <a:chExt cx="2084808" cy="1101219"/>
-            </a:xfrm>
-            <a:solidFill>
-              <a:schemeClr val="bg1"/>
-            </a:solidFill>
-          </p:grpSpPr>
-          <p:sp>
-            <p:nvSpPr>
-              <p:cNvPr id="34" name="TextBox 33">
-                <a:extLst>
-                  <a:ext uri="{FF2B5EF4-FFF2-40B4-BE49-F238E27FC236}">
-                    <a16:creationId xmlns:a16="http://schemas.microsoft.com/office/drawing/2014/main" xmlns="" id="{A9AFB107-57BE-3FF3-7AFF-962C2368E148}"/>
-                  </a:ext>
-                </a:extLst>
-              </p:cNvPr>
-              <p:cNvSpPr txBox="1"/>
-              <p:nvPr/>
-            </p:nvSpPr>
-            <p:spPr>
-              <a:xfrm>
-                <a:off x="440182" y="765680"/>
-                <a:ext cx="2084808" cy="1101219"/>
-              </a:xfrm>
-              <a:prstGeom prst="rect">
-                <a:avLst/>
-              </a:prstGeom>
-              <a:grpFill/>
-              <a:ln>
-                <a:solidFill>
-                  <a:schemeClr val="accent1"/>
-                </a:solidFill>
-              </a:ln>
-            </p:spPr>
-            <p:txBody>
-              <a:bodyPr wrap="square">
-                <a:noAutofit/>
-              </a:bodyPr>
-              <a:lstStyle/>
-              <a:p>
-                <a:endParaRPr lang="en-US" altLang="ko-KR" sz="1100" dirty="0">
-                  <a:solidFill>
-                    <a:srgbClr val="FF0000"/>
-                  </a:solidFill>
-                </a:endParaRPr>
-              </a:p>
-            </p:txBody>
-          </p:sp>
-          <p:sp>
-            <p:nvSpPr>
-              <p:cNvPr id="4" name="TextBox 3">
-                <a:extLst>
-                  <a:ext uri="{FF2B5EF4-FFF2-40B4-BE49-F238E27FC236}">
-                    <a16:creationId xmlns:a16="http://schemas.microsoft.com/office/drawing/2014/main" xmlns="" id="{A9AFB107-57BE-3FF3-7AFF-962C2368E148}"/>
-                  </a:ext>
-                </a:extLst>
-              </p:cNvPr>
-              <p:cNvSpPr txBox="1"/>
-              <p:nvPr/>
-            </p:nvSpPr>
-            <p:spPr>
-              <a:xfrm>
-                <a:off x="552452" y="831250"/>
-                <a:ext cx="1847849" cy="261610"/>
-              </a:xfrm>
-              <a:prstGeom prst="rect">
-                <a:avLst/>
-              </a:prstGeom>
-              <a:grpFill/>
-              <a:ln>
-                <a:solidFill>
-                  <a:schemeClr val="accent1"/>
-                </a:solidFill>
-              </a:ln>
-            </p:spPr>
-            <p:txBody>
-              <a:bodyPr wrap="square">
-                <a:spAutoFit/>
-              </a:bodyPr>
-              <a:lstStyle/>
-              <a:p>
-                <a:r>
-                  <a:rPr lang="en-US" altLang="ko-KR" sz="1100" b="1" dirty="0" smtClean="0"/>
-                  <a:t>Provider</a:t>
-                </a:r>
-                <a:endParaRPr lang="en-US" altLang="ko-KR" sz="1100" dirty="0"/>
-              </a:p>
-            </p:txBody>
-          </p:sp>
-          <p:sp>
-            <p:nvSpPr>
-              <p:cNvPr id="25" name="TextBox 24">
-                <a:extLst>
-                  <a:ext uri="{FF2B5EF4-FFF2-40B4-BE49-F238E27FC236}">
-                    <a16:creationId xmlns:a16="http://schemas.microsoft.com/office/drawing/2014/main" xmlns="" id="{A9AFB107-57BE-3FF3-7AFF-962C2368E148}"/>
-                  </a:ext>
-                </a:extLst>
-              </p:cNvPr>
-              <p:cNvSpPr txBox="1"/>
-              <p:nvPr/>
-            </p:nvSpPr>
-            <p:spPr>
-              <a:xfrm>
-                <a:off x="552450" y="1140485"/>
-                <a:ext cx="1847849" cy="600164"/>
-              </a:xfrm>
-              <a:prstGeom prst="rect">
-                <a:avLst/>
-              </a:prstGeom>
-              <a:grpFill/>
-              <a:ln>
-                <a:solidFill>
-                  <a:schemeClr val="accent1"/>
-                </a:solidFill>
-              </a:ln>
-            </p:spPr>
-            <p:txBody>
-              <a:bodyPr wrap="square">
-                <a:spAutoFit/>
-              </a:bodyPr>
-              <a:lstStyle/>
-              <a:p>
-                <a:r>
-                  <a:rPr lang="en-US" altLang="ko-KR" sz="1100" b="1" dirty="0" smtClean="0"/>
-                  <a:t>ChangeNotifierProvider</a:t>
-                </a:r>
-                <a:endParaRPr lang="en-US" altLang="ko-KR" sz="1100" dirty="0"/>
-              </a:p>
-              <a:p>
-                <a:r>
-                  <a:rPr lang="en-US" altLang="ko-KR" sz="1100" b="1" dirty="0" smtClean="0"/>
-                  <a:t>FutureProvider</a:t>
-                </a:r>
-              </a:p>
-              <a:p>
-                <a:r>
-                  <a:rPr lang="en-US" altLang="ko-KR" sz="1100" b="1" dirty="0" smtClean="0"/>
-                  <a:t>StreamProvider</a:t>
-                </a:r>
-                <a:endParaRPr lang="en-US" altLang="ko-KR" sz="1100" dirty="0"/>
-              </a:p>
-            </p:txBody>
-          </p:sp>
-        </p:grpSp>
-        <p:grpSp>
-          <p:nvGrpSpPr>
-            <p:cNvPr id="29" name="그룹 28"/>
-            <p:cNvGrpSpPr/>
-            <p:nvPr/>
-          </p:nvGrpSpPr>
-          <p:grpSpPr>
-            <a:xfrm>
-              <a:off x="2482601" y="1059267"/>
-              <a:ext cx="2450437" cy="1101219"/>
-              <a:chOff x="440182" y="765680"/>
-              <a:chExt cx="2450437" cy="1101219"/>
-            </a:xfrm>
-            <a:solidFill>
-              <a:schemeClr val="bg1"/>
-            </a:solidFill>
-          </p:grpSpPr>
-          <p:sp>
-            <p:nvSpPr>
-              <p:cNvPr id="30" name="TextBox 29">
-                <a:extLst>
-                  <a:ext uri="{FF2B5EF4-FFF2-40B4-BE49-F238E27FC236}">
-                    <a16:creationId xmlns:a16="http://schemas.microsoft.com/office/drawing/2014/main" xmlns="" id="{A9AFB107-57BE-3FF3-7AFF-962C2368E148}"/>
-                  </a:ext>
-                </a:extLst>
-              </p:cNvPr>
-              <p:cNvSpPr txBox="1"/>
-              <p:nvPr/>
-            </p:nvSpPr>
-            <p:spPr>
-              <a:xfrm>
-                <a:off x="440182" y="765680"/>
-                <a:ext cx="2450437" cy="1101219"/>
-              </a:xfrm>
-              <a:prstGeom prst="rect">
-                <a:avLst/>
-              </a:prstGeom>
-              <a:grpFill/>
-              <a:ln>
-                <a:solidFill>
-                  <a:schemeClr val="accent1"/>
-                </a:solidFill>
-              </a:ln>
-            </p:spPr>
-            <p:txBody>
-              <a:bodyPr wrap="square">
-                <a:noAutofit/>
-              </a:bodyPr>
-              <a:lstStyle/>
-              <a:p>
-                <a:endParaRPr lang="en-US" altLang="ko-KR" sz="1100" dirty="0">
-                  <a:solidFill>
-                    <a:srgbClr val="FF0000"/>
-                  </a:solidFill>
-                </a:endParaRPr>
-              </a:p>
-            </p:txBody>
-          </p:sp>
-          <p:sp>
-            <p:nvSpPr>
-              <p:cNvPr id="33" name="TextBox 32">
-                <a:extLst>
-                  <a:ext uri="{FF2B5EF4-FFF2-40B4-BE49-F238E27FC236}">
-                    <a16:creationId xmlns:a16="http://schemas.microsoft.com/office/drawing/2014/main" xmlns="" id="{A9AFB107-57BE-3FF3-7AFF-962C2368E148}"/>
-                  </a:ext>
-                </a:extLst>
-              </p:cNvPr>
-              <p:cNvSpPr txBox="1"/>
-              <p:nvPr/>
-            </p:nvSpPr>
-            <p:spPr>
-              <a:xfrm>
-                <a:off x="552450" y="859928"/>
-                <a:ext cx="2255042" cy="600164"/>
-              </a:xfrm>
-              <a:prstGeom prst="rect">
-                <a:avLst/>
-              </a:prstGeom>
-              <a:grpFill/>
-              <a:ln>
-                <a:solidFill>
-                  <a:schemeClr val="accent1"/>
-                </a:solidFill>
-              </a:ln>
-            </p:spPr>
-            <p:txBody>
-              <a:bodyPr wrap="square">
-                <a:spAutoFit/>
-              </a:bodyPr>
-              <a:lstStyle/>
-              <a:p>
-                <a:r>
-                  <a:rPr lang="en-US" altLang="ko-KR" sz="1100" b="1" dirty="0" smtClean="0"/>
-                  <a:t>ProxyProvider</a:t>
-                </a:r>
-              </a:p>
-              <a:p>
-                <a:r>
-                  <a:rPr lang="en-US" altLang="ko-KR" sz="1100" b="1" dirty="0" smtClean="0"/>
-                  <a:t>ProxyProvider0~N</a:t>
-                </a:r>
-                <a:endParaRPr lang="en-US" altLang="ko-KR" sz="1100" b="1" dirty="0"/>
-              </a:p>
-              <a:p>
-                <a:r>
-                  <a:rPr lang="en-US" altLang="ko-KR" sz="1100" b="1" dirty="0" smtClean="0"/>
-                  <a:t>ChangeNotifierProxyProvider</a:t>
-                </a:r>
-                <a:endParaRPr lang="en-US" altLang="ko-KR" sz="1100" dirty="0"/>
-              </a:p>
-            </p:txBody>
-          </p:sp>
-        </p:grpSp>
-      </p:grpSp>
       <p:cxnSp>
         <p:nvCxnSpPr>
           <p:cNvPr id="55" name="꺾인 연결선 54"/>
@@ -5827,7 +4223,7 @@
         </p:nvCxnSpPr>
         <p:spPr>
           <a:xfrm flipV="1">
-            <a:off x="1426660" y="3147884"/>
+            <a:off x="2975608" y="2923133"/>
             <a:ext cx="221894" cy="73085"/>
           </a:xfrm>
           <a:prstGeom prst="bentConnector3">
@@ -5862,7 +4258,7 @@
         </p:nvGrpSpPr>
         <p:grpSpPr>
           <a:xfrm>
-            <a:off x="3409796" y="2676476"/>
+            <a:off x="3058161" y="3604169"/>
             <a:ext cx="3914552" cy="2555109"/>
             <a:chOff x="75557" y="3150863"/>
             <a:chExt cx="3914552" cy="2555109"/>
@@ -5984,7 +4380,7 @@
                       <a:srgbClr val="FF0000"/>
                     </a:solidFill>
                   </a:rPr>
-                  <a:t>WidgetClass)</a:t>
+                  <a:t>Widget, Class)</a:t>
                 </a:r>
                 <a:endParaRPr lang="en-US" altLang="ko-KR" sz="1100" dirty="0">
                   <a:solidFill>
@@ -6283,15 +4679,12 @@
           <p:nvPr/>
         </p:nvCxnSpPr>
         <p:spPr>
-          <a:xfrm rot="16200000" flipH="1">
-            <a:off x="5399399" y="2344427"/>
-            <a:ext cx="2911168" cy="609527"/>
+          <a:xfrm rot="5400000">
+            <a:off x="6163642" y="2355733"/>
+            <a:ext cx="3321206" cy="2032265"/>
           </a:xfrm>
-          <a:prstGeom prst="bentConnector4">
-            <a:avLst>
-              <a:gd name="adj1" fmla="val 47753"/>
-              <a:gd name="adj2" fmla="val 176868"/>
-            </a:avLst>
+          <a:prstGeom prst="bentConnector2">
+            <a:avLst/>
           </a:prstGeom>
           <a:ln>
             <a:tailEnd type="arrow"/>
@@ -6316,20 +4709,18 @@
         <p:nvCxnSpPr>
           <p:cNvPr id="65" name="꺾인 연결선 64"/>
           <p:cNvCxnSpPr>
-            <a:stCxn id="40" idx="0"/>
+            <a:stCxn id="39" idx="3"/>
             <a:endCxn id="21" idx="0"/>
           </p:cNvCxnSpPr>
           <p:nvPr/>
         </p:nvCxnSpPr>
         <p:spPr>
-          <a:xfrm rot="5400000" flipH="1" flipV="1">
-            <a:off x="3449633" y="759038"/>
-            <a:ext cx="12700" cy="3834877"/>
+          <a:xfrm>
+            <a:off x="4520749" y="3007772"/>
+            <a:ext cx="494688" cy="596397"/>
           </a:xfrm>
-          <a:prstGeom prst="bentConnector3">
-            <a:avLst>
-              <a:gd name="adj1" fmla="val 1800000"/>
-            </a:avLst>
+          <a:prstGeom prst="bentConnector2">
+            <a:avLst/>
           </a:prstGeom>
           <a:ln>
             <a:tailEnd type="arrow"/>
@@ -6350,6 +4741,349 @@
           </a:fontRef>
         </p:style>
       </p:cxnSp>
+      <p:grpSp>
+        <p:nvGrpSpPr>
+          <p:cNvPr id="81" name="그룹 80"/>
+          <p:cNvGrpSpPr/>
+          <p:nvPr/>
+        </p:nvGrpSpPr>
+        <p:grpSpPr>
+          <a:xfrm>
+            <a:off x="5506559" y="2312413"/>
+            <a:ext cx="2266148" cy="1152041"/>
+            <a:chOff x="8613136" y="5117872"/>
+            <a:chExt cx="2266148" cy="1152041"/>
+          </a:xfrm>
+        </p:grpSpPr>
+        <p:grpSp>
+          <p:nvGrpSpPr>
+            <p:cNvPr id="72" name="그룹 71"/>
+            <p:cNvGrpSpPr/>
+            <p:nvPr/>
+          </p:nvGrpSpPr>
+          <p:grpSpPr>
+            <a:xfrm>
+              <a:off x="8613136" y="5117872"/>
+              <a:ext cx="2266148" cy="1152041"/>
+              <a:chOff x="97276" y="2556906"/>
+              <a:chExt cx="3996914" cy="1152041"/>
+            </a:xfrm>
+          </p:grpSpPr>
+          <p:sp>
+            <p:nvSpPr>
+              <p:cNvPr id="79" name="TextBox 78">
+                <a:extLst>
+                  <a:ext uri="{FF2B5EF4-FFF2-40B4-BE49-F238E27FC236}">
+                    <a16:creationId xmlns:a16="http://schemas.microsoft.com/office/drawing/2014/main" xmlns="" id="{A9AFB107-57BE-3FF3-7AFF-962C2368E148}"/>
+                  </a:ext>
+                </a:extLst>
+              </p:cNvPr>
+              <p:cNvSpPr txBox="1"/>
+              <p:nvPr/>
+            </p:nvSpPr>
+            <p:spPr>
+              <a:xfrm>
+                <a:off x="97278" y="2795031"/>
+                <a:ext cx="3996912" cy="913916"/>
+              </a:xfrm>
+              <a:prstGeom prst="rect">
+                <a:avLst/>
+              </a:prstGeom>
+              <a:solidFill>
+                <a:schemeClr val="bg1">
+                  <a:lumMod val="85000"/>
+                </a:schemeClr>
+              </a:solidFill>
+              <a:ln>
+                <a:solidFill>
+                  <a:schemeClr val="accent1"/>
+                </a:solidFill>
+              </a:ln>
+            </p:spPr>
+            <p:txBody>
+              <a:bodyPr wrap="square" anchor="ctr">
+                <a:noAutofit/>
+              </a:bodyPr>
+              <a:lstStyle/>
+              <a:p>
+                <a:endParaRPr lang="en-US" altLang="ko-KR" sz="1100" dirty="0"/>
+              </a:p>
+            </p:txBody>
+          </p:sp>
+          <p:sp>
+            <p:nvSpPr>
+              <p:cNvPr id="80" name="TextBox 79">
+                <a:extLst>
+                  <a:ext uri="{FF2B5EF4-FFF2-40B4-BE49-F238E27FC236}">
+                    <a16:creationId xmlns:a16="http://schemas.microsoft.com/office/drawing/2014/main" xmlns="" id="{A9AFB107-57BE-3FF3-7AFF-962C2368E148}"/>
+                  </a:ext>
+                </a:extLst>
+              </p:cNvPr>
+              <p:cNvSpPr txBox="1"/>
+              <p:nvPr/>
+            </p:nvSpPr>
+            <p:spPr>
+              <a:xfrm>
+                <a:off x="97276" y="2556906"/>
+                <a:ext cx="3996913" cy="238126"/>
+              </a:xfrm>
+              <a:prstGeom prst="rect">
+                <a:avLst/>
+              </a:prstGeom>
+              <a:solidFill>
+                <a:schemeClr val="bg1">
+                  <a:lumMod val="85000"/>
+                </a:schemeClr>
+              </a:solidFill>
+              <a:ln>
+                <a:solidFill>
+                  <a:schemeClr val="accent1"/>
+                </a:solidFill>
+              </a:ln>
+            </p:spPr>
+            <p:txBody>
+              <a:bodyPr wrap="square" anchor="ctr">
+                <a:noAutofit/>
+              </a:bodyPr>
+              <a:lstStyle/>
+              <a:p>
+                <a:r>
+                  <a:rPr lang="en-US" altLang="ko-KR" sz="1100" dirty="0" smtClean="0">
+                    <a:solidFill>
+                      <a:srgbClr val="FF0000"/>
+                    </a:solidFill>
+                  </a:rPr>
+                  <a:t>Provider - Route Access</a:t>
+                </a:r>
+                <a:endParaRPr lang="en-US" altLang="ko-KR" sz="1100" dirty="0">
+                  <a:solidFill>
+                    <a:srgbClr val="FF0000"/>
+                  </a:solidFill>
+                </a:endParaRPr>
+              </a:p>
+            </p:txBody>
+          </p:sp>
+        </p:grpSp>
+        <p:sp>
+          <p:nvSpPr>
+            <p:cNvPr id="74" name="TextBox 73">
+              <a:extLst>
+                <a:ext uri="{FF2B5EF4-FFF2-40B4-BE49-F238E27FC236}">
+                  <a16:creationId xmlns:a16="http://schemas.microsoft.com/office/drawing/2014/main" xmlns="" id="{A9AFB107-57BE-3FF3-7AFF-962C2368E148}"/>
+                </a:ext>
+              </a:extLst>
+            </p:cNvPr>
+            <p:cNvSpPr txBox="1"/>
+            <p:nvPr/>
+          </p:nvSpPr>
+          <p:spPr>
+            <a:xfrm>
+              <a:off x="8698861" y="5437179"/>
+              <a:ext cx="2086903" cy="769441"/>
+            </a:xfrm>
+            <a:prstGeom prst="rect">
+              <a:avLst/>
+            </a:prstGeom>
+            <a:solidFill>
+              <a:schemeClr val="bg1"/>
+            </a:solidFill>
+            <a:ln>
+              <a:solidFill>
+                <a:schemeClr val="accent1"/>
+              </a:solidFill>
+            </a:ln>
+          </p:spPr>
+          <p:txBody>
+            <a:bodyPr wrap="square">
+              <a:spAutoFit/>
+            </a:bodyPr>
+            <a:lstStyle/>
+            <a:p>
+              <a:r>
+                <a:rPr lang="en-US" altLang="ko-KR" sz="1100" dirty="0"/>
+                <a:t>Anonymous Route </a:t>
+              </a:r>
+              <a:r>
+                <a:rPr lang="en-US" altLang="ko-KR" sz="1100" dirty="0" smtClean="0"/>
+                <a:t>Access</a:t>
+              </a:r>
+            </a:p>
+            <a:p>
+              <a:r>
+                <a:rPr lang="en-US" altLang="ko-KR" sz="1100" dirty="0" smtClean="0"/>
+                <a:t>Named </a:t>
+              </a:r>
+              <a:r>
+                <a:rPr lang="en-US" altLang="ko-KR" sz="1100" dirty="0"/>
+                <a:t>Route Access</a:t>
+              </a:r>
+            </a:p>
+            <a:p>
+              <a:r>
+                <a:rPr lang="en-US" altLang="ko-KR" sz="1100" dirty="0" smtClean="0"/>
+                <a:t>Generated </a:t>
+              </a:r>
+              <a:r>
+                <a:rPr lang="en-US" altLang="ko-KR" sz="1100" dirty="0"/>
+                <a:t>Route Access</a:t>
+              </a:r>
+            </a:p>
+            <a:p>
+              <a:r>
+                <a:rPr lang="en-US" altLang="ko-KR" sz="1100" dirty="0" smtClean="0"/>
+                <a:t>Global </a:t>
+              </a:r>
+              <a:r>
+                <a:rPr lang="en-US" altLang="ko-KR" sz="1100" strike="sngStrike" dirty="0"/>
+                <a:t>Route</a:t>
+              </a:r>
+              <a:r>
+                <a:rPr lang="en-US" altLang="ko-KR" sz="1100" dirty="0"/>
+                <a:t> Access</a:t>
+              </a:r>
+              <a:endParaRPr lang="en-US" altLang="ko-KR" sz="1100" dirty="0"/>
+            </a:p>
+          </p:txBody>
+        </p:sp>
+      </p:grpSp>
+      <p:cxnSp>
+        <p:nvCxnSpPr>
+          <p:cNvPr id="82" name="꺾인 연결선 81"/>
+          <p:cNvCxnSpPr>
+            <a:stCxn id="79" idx="1"/>
+            <a:endCxn id="21" idx="0"/>
+          </p:cNvCxnSpPr>
+          <p:nvPr/>
+        </p:nvCxnSpPr>
+        <p:spPr>
+          <a:xfrm rot="10800000" flipV="1">
+            <a:off x="5015438" y="3007495"/>
+            <a:ext cx="491123" cy="596673"/>
+          </a:xfrm>
+          <a:prstGeom prst="bentConnector2">
+            <a:avLst/>
+          </a:prstGeom>
+          <a:ln>
+            <a:tailEnd type="arrow"/>
+          </a:ln>
+        </p:spPr>
+        <p:style>
+          <a:lnRef idx="1">
+            <a:schemeClr val="accent1"/>
+          </a:lnRef>
+          <a:fillRef idx="0">
+            <a:schemeClr val="accent1"/>
+          </a:fillRef>
+          <a:effectRef idx="0">
+            <a:schemeClr val="accent1"/>
+          </a:effectRef>
+          <a:fontRef idx="minor">
+            <a:schemeClr val="tx1"/>
+          </a:fontRef>
+        </p:style>
+      </p:cxnSp>
+      <p:cxnSp>
+        <p:nvCxnSpPr>
+          <p:cNvPr id="89" name="꺾인 연결선 88"/>
+          <p:cNvCxnSpPr>
+            <a:stCxn id="94" idx="2"/>
+            <a:endCxn id="97" idx="3"/>
+          </p:cNvCxnSpPr>
+          <p:nvPr/>
+        </p:nvCxnSpPr>
+        <p:spPr>
+          <a:xfrm rot="5400000">
+            <a:off x="6367238" y="-14278"/>
+            <a:ext cx="76756" cy="3518778"/>
+          </a:xfrm>
+          <a:prstGeom prst="bentConnector2">
+            <a:avLst/>
+          </a:prstGeom>
+          <a:ln>
+            <a:tailEnd type="arrow"/>
+          </a:ln>
+        </p:spPr>
+        <p:style>
+          <a:lnRef idx="1">
+            <a:schemeClr val="accent1"/>
+          </a:lnRef>
+          <a:fillRef idx="0">
+            <a:schemeClr val="accent1"/>
+          </a:fillRef>
+          <a:effectRef idx="0">
+            <a:schemeClr val="accent1"/>
+          </a:effectRef>
+          <a:fontRef idx="minor">
+            <a:schemeClr val="tx1"/>
+          </a:fontRef>
+        </p:style>
+      </p:cxnSp>
+      <p:cxnSp>
+        <p:nvCxnSpPr>
+          <p:cNvPr id="9" name="꺾인 연결선 8"/>
+          <p:cNvCxnSpPr>
+            <a:stCxn id="5" idx="1"/>
+            <a:endCxn id="33" idx="3"/>
+          </p:cNvCxnSpPr>
+          <p:nvPr/>
+        </p:nvCxnSpPr>
+        <p:spPr>
+          <a:xfrm rot="10800000">
+            <a:off x="7275152" y="1337401"/>
+            <a:ext cx="715767" cy="158418"/>
+          </a:xfrm>
+          <a:prstGeom prst="bentConnector3">
+            <a:avLst/>
+          </a:prstGeom>
+          <a:ln>
+            <a:tailEnd type="arrow"/>
+          </a:ln>
+        </p:spPr>
+        <p:style>
+          <a:lnRef idx="1">
+            <a:schemeClr val="accent1"/>
+          </a:lnRef>
+          <a:fillRef idx="0">
+            <a:schemeClr val="accent1"/>
+          </a:fillRef>
+          <a:effectRef idx="0">
+            <a:schemeClr val="accent1"/>
+          </a:effectRef>
+          <a:fontRef idx="minor">
+            <a:schemeClr val="tx1"/>
+          </a:fontRef>
+        </p:style>
+      </p:cxnSp>
+      <p:sp>
+        <p:nvSpPr>
+          <p:cNvPr id="94" name="TextBox 93"/>
+          <p:cNvSpPr txBox="1"/>
+          <p:nvPr/>
+        </p:nvSpPr>
+        <p:spPr>
+          <a:xfrm>
+            <a:off x="7990919" y="1337401"/>
+            <a:ext cx="348172" cy="369332"/>
+          </a:xfrm>
+          <a:prstGeom prst="rect">
+            <a:avLst/>
+          </a:prstGeom>
+          <a:noFill/>
+        </p:spPr>
+        <p:txBody>
+          <a:bodyPr wrap="none" rtlCol="0">
+            <a:spAutoFit/>
+          </a:bodyPr>
+          <a:lstStyle/>
+          <a:p>
+            <a:r>
+              <a:rPr lang="en-US" altLang="ko-KR" dirty="0" smtClean="0"/>
+              <a:t>  </a:t>
+            </a:r>
+            <a:endParaRPr lang="ko-KR" altLang="en-US" dirty="0"/>
+          </a:p>
+        </p:txBody>
+      </p:sp>
     </p:spTree>
     <p:extLst>
       <p:ext uri="{BB962C8B-B14F-4D97-AF65-F5344CB8AC3E}">
@@ -6370,7 +5104,229 @@
 </p:sld>
 </file>
 
+<file path=ppt/slides/slide2.xml><?xml version="1.0" encoding="utf-8"?>
+<p:sld xmlns:a="http://schemas.openxmlformats.org/drawingml/2006/main" xmlns:r="http://schemas.openxmlformats.org/officeDocument/2006/relationships" xmlns:p="http://schemas.openxmlformats.org/presentationml/2006/main">
+  <p:cSld>
+    <p:spTree>
+      <p:nvGrpSpPr>
+        <p:cNvPr id="1" name=""/>
+        <p:cNvGrpSpPr/>
+        <p:nvPr/>
+      </p:nvGrpSpPr>
+      <p:grpSpPr>
+        <a:xfrm>
+          <a:off x="0" y="0"/>
+          <a:ext cx="0" cy="0"/>
+          <a:chOff x="0" y="0"/>
+          <a:chExt cx="0" cy="0"/>
+        </a:xfrm>
+      </p:grpSpPr>
+      <p:sp>
+        <p:nvSpPr>
+          <p:cNvPr id="17" name="TextBox 16">
+            <a:extLst>
+              <a:ext uri="{FF2B5EF4-FFF2-40B4-BE49-F238E27FC236}">
+                <a16:creationId xmlns:a16="http://schemas.microsoft.com/office/drawing/2014/main" xmlns="" id="{C4AF561A-3B7B-158D-BC4D-3C39551F8D95}"/>
+              </a:ext>
+            </a:extLst>
+          </p:cNvPr>
+          <p:cNvSpPr txBox="1"/>
+          <p:nvPr/>
+        </p:nvSpPr>
+        <p:spPr>
+          <a:xfrm>
+            <a:off x="10160" y="13454"/>
+            <a:ext cx="6096000" cy="276999"/>
+          </a:xfrm>
+          <a:prstGeom prst="rect">
+            <a:avLst/>
+          </a:prstGeom>
+          <a:noFill/>
+        </p:spPr>
+        <p:txBody>
+          <a:bodyPr wrap="square">
+            <a:spAutoFit/>
+          </a:bodyPr>
+          <a:lstStyle/>
+          <a:p>
+            <a:r>
+              <a:rPr lang="en-US" altLang="ko-KR" sz="1200" dirty="0" smtClean="0"/>
+              <a:t>Provider </a:t>
+            </a:r>
+            <a:r>
+              <a:rPr lang="ko-KR" altLang="en-US" sz="1200" dirty="0" smtClean="0"/>
+              <a:t>구성도</a:t>
+            </a:r>
+            <a:endParaRPr lang="ko-KR" altLang="en-US" sz="1200" dirty="0"/>
+          </a:p>
+        </p:txBody>
+      </p:sp>
+      <p:cxnSp>
+        <p:nvCxnSpPr>
+          <p:cNvPr id="18" name="직선 연결선 17">
+            <a:extLst>
+              <a:ext uri="{FF2B5EF4-FFF2-40B4-BE49-F238E27FC236}">
+                <a16:creationId xmlns:a16="http://schemas.microsoft.com/office/drawing/2014/main" xmlns="" id="{648A685F-2664-99D3-FAE0-D046BBDCCF84}"/>
+              </a:ext>
+            </a:extLst>
+          </p:cNvPr>
+          <p:cNvCxnSpPr/>
+          <p:nvPr/>
+        </p:nvCxnSpPr>
+        <p:spPr>
+          <a:xfrm>
+            <a:off x="0" y="290453"/>
+            <a:ext cx="12192000" cy="0"/>
+          </a:xfrm>
+          <a:prstGeom prst="line">
+            <a:avLst/>
+          </a:prstGeom>
+        </p:spPr>
+        <p:style>
+          <a:lnRef idx="1">
+            <a:schemeClr val="accent1"/>
+          </a:lnRef>
+          <a:fillRef idx="0">
+            <a:schemeClr val="accent1"/>
+          </a:fillRef>
+          <a:effectRef idx="0">
+            <a:schemeClr val="accent1"/>
+          </a:effectRef>
+          <a:fontRef idx="minor">
+            <a:schemeClr val="tx1"/>
+          </a:fontRef>
+        </p:style>
+      </p:cxnSp>
+    </p:spTree>
+    <p:extLst>
+      <p:ext uri="{BB962C8B-B14F-4D97-AF65-F5344CB8AC3E}">
+        <p14:creationId xmlns:p14="http://schemas.microsoft.com/office/powerpoint/2010/main" val="1362349775"/>
+      </p:ext>
+    </p:extLst>
+  </p:cSld>
+  <p:clrMapOvr>
+    <a:masterClrMapping/>
+  </p:clrMapOvr>
+  <p:timing>
+    <p:tnLst>
+      <p:par>
+        <p:cTn id="1" dur="indefinite" restart="never" nodeType="tmRoot"/>
+      </p:par>
+    </p:tnLst>
+  </p:timing>
+</p:sld>
+</file>
+
 <file path=ppt/slides/slide3.xml><?xml version="1.0" encoding="utf-8"?>
+<p:sld xmlns:a="http://schemas.openxmlformats.org/drawingml/2006/main" xmlns:r="http://schemas.openxmlformats.org/officeDocument/2006/relationships" xmlns:p="http://schemas.openxmlformats.org/presentationml/2006/main">
+  <p:cSld>
+    <p:spTree>
+      <p:nvGrpSpPr>
+        <p:cNvPr id="1" name=""/>
+        <p:cNvGrpSpPr/>
+        <p:nvPr/>
+      </p:nvGrpSpPr>
+      <p:grpSpPr>
+        <a:xfrm>
+          <a:off x="0" y="0"/>
+          <a:ext cx="0" cy="0"/>
+          <a:chOff x="0" y="0"/>
+          <a:chExt cx="0" cy="0"/>
+        </a:xfrm>
+      </p:grpSpPr>
+      <p:sp>
+        <p:nvSpPr>
+          <p:cNvPr id="2" name="TextBox 1">
+            <a:extLst>
+              <a:ext uri="{FF2B5EF4-FFF2-40B4-BE49-F238E27FC236}">
+                <a16:creationId xmlns:a16="http://schemas.microsoft.com/office/drawing/2014/main" xmlns="" id="{C4AF561A-3B7B-158D-BC4D-3C39551F8D95}"/>
+              </a:ext>
+            </a:extLst>
+          </p:cNvPr>
+          <p:cNvSpPr txBox="1"/>
+          <p:nvPr/>
+        </p:nvSpPr>
+        <p:spPr>
+          <a:xfrm>
+            <a:off x="10160" y="13454"/>
+            <a:ext cx="6096000" cy="276999"/>
+          </a:xfrm>
+          <a:prstGeom prst="rect">
+            <a:avLst/>
+          </a:prstGeom>
+          <a:noFill/>
+        </p:spPr>
+        <p:txBody>
+          <a:bodyPr wrap="square">
+            <a:spAutoFit/>
+          </a:bodyPr>
+          <a:lstStyle/>
+          <a:p>
+            <a:r>
+              <a:rPr lang="en-US" altLang="ko-KR" sz="1200" dirty="0" smtClean="0"/>
+              <a:t>aaaaaaaaaa</a:t>
+            </a:r>
+            <a:endParaRPr lang="ko-KR" altLang="en-US" sz="1200" dirty="0"/>
+          </a:p>
+        </p:txBody>
+      </p:sp>
+      <p:cxnSp>
+        <p:nvCxnSpPr>
+          <p:cNvPr id="3" name="직선 연결선 2">
+            <a:extLst>
+              <a:ext uri="{FF2B5EF4-FFF2-40B4-BE49-F238E27FC236}">
+                <a16:creationId xmlns:a16="http://schemas.microsoft.com/office/drawing/2014/main" xmlns="" id="{648A685F-2664-99D3-FAE0-D046BBDCCF84}"/>
+              </a:ext>
+            </a:extLst>
+          </p:cNvPr>
+          <p:cNvCxnSpPr/>
+          <p:nvPr/>
+        </p:nvCxnSpPr>
+        <p:spPr>
+          <a:xfrm>
+            <a:off x="0" y="290453"/>
+            <a:ext cx="12192000" cy="0"/>
+          </a:xfrm>
+          <a:prstGeom prst="line">
+            <a:avLst/>
+          </a:prstGeom>
+        </p:spPr>
+        <p:style>
+          <a:lnRef idx="1">
+            <a:schemeClr val="accent1"/>
+          </a:lnRef>
+          <a:fillRef idx="0">
+            <a:schemeClr val="accent1"/>
+          </a:fillRef>
+          <a:effectRef idx="0">
+            <a:schemeClr val="accent1"/>
+          </a:effectRef>
+          <a:fontRef idx="minor">
+            <a:schemeClr val="tx1"/>
+          </a:fontRef>
+        </p:style>
+      </p:cxnSp>
+    </p:spTree>
+    <p:extLst>
+      <p:ext uri="{BB962C8B-B14F-4D97-AF65-F5344CB8AC3E}">
+        <p14:creationId xmlns:p14="http://schemas.microsoft.com/office/powerpoint/2010/main" val="191607366"/>
+      </p:ext>
+    </p:extLst>
+  </p:cSld>
+  <p:clrMapOvr>
+    <a:masterClrMapping/>
+  </p:clrMapOvr>
+  <p:timing>
+    <p:tnLst>
+      <p:par>
+        <p:cTn id="1" dur="indefinite" restart="never" nodeType="tmRoot"/>
+      </p:par>
+    </p:tnLst>
+  </p:timing>
+</p:sld>
+</file>
+
+<file path=ppt/slides/slide4.xml><?xml version="1.0" encoding="utf-8"?>
 <p:sld xmlns:a="http://schemas.openxmlformats.org/drawingml/2006/main" xmlns:r="http://schemas.openxmlformats.org/officeDocument/2006/relationships" xmlns:p="http://schemas.openxmlformats.org/presentationml/2006/main">
   <p:cSld>
     <p:spTree>
@@ -7520,115 +6476,6 @@
 </p:sld>
 </file>
 
-<file path=ppt/slides/slide4.xml><?xml version="1.0" encoding="utf-8"?>
-<p:sld xmlns:a="http://schemas.openxmlformats.org/drawingml/2006/main" xmlns:r="http://schemas.openxmlformats.org/officeDocument/2006/relationships" xmlns:p="http://schemas.openxmlformats.org/presentationml/2006/main">
-  <p:cSld>
-    <p:spTree>
-      <p:nvGrpSpPr>
-        <p:cNvPr id="1" name=""/>
-        <p:cNvGrpSpPr/>
-        <p:nvPr/>
-      </p:nvGrpSpPr>
-      <p:grpSpPr>
-        <a:xfrm>
-          <a:off x="0" y="0"/>
-          <a:ext cx="0" cy="0"/>
-          <a:chOff x="0" y="0"/>
-          <a:chExt cx="0" cy="0"/>
-        </a:xfrm>
-      </p:grpSpPr>
-      <p:sp>
-        <p:nvSpPr>
-          <p:cNvPr id="2" name="TextBox 1">
-            <a:extLst>
-              <a:ext uri="{FF2B5EF4-FFF2-40B4-BE49-F238E27FC236}">
-                <a16:creationId xmlns:a16="http://schemas.microsoft.com/office/drawing/2014/main" xmlns="" id="{C4AF561A-3B7B-158D-BC4D-3C39551F8D95}"/>
-              </a:ext>
-            </a:extLst>
-          </p:cNvPr>
-          <p:cNvSpPr txBox="1"/>
-          <p:nvPr/>
-        </p:nvSpPr>
-        <p:spPr>
-          <a:xfrm>
-            <a:off x="10160" y="13454"/>
-            <a:ext cx="6096000" cy="276999"/>
-          </a:xfrm>
-          <a:prstGeom prst="rect">
-            <a:avLst/>
-          </a:prstGeom>
-          <a:noFill/>
-        </p:spPr>
-        <p:txBody>
-          <a:bodyPr wrap="square">
-            <a:spAutoFit/>
-          </a:bodyPr>
-          <a:lstStyle/>
-          <a:p>
-            <a:r>
-              <a:rPr lang="en-US" altLang="ko-KR" sz="1200" dirty="0" smtClean="0"/>
-              <a:t>aaaaaaaaaa</a:t>
-            </a:r>
-            <a:endParaRPr lang="ko-KR" altLang="en-US" sz="1200" dirty="0"/>
-          </a:p>
-        </p:txBody>
-      </p:sp>
-      <p:cxnSp>
-        <p:nvCxnSpPr>
-          <p:cNvPr id="3" name="직선 연결선 2">
-            <a:extLst>
-              <a:ext uri="{FF2B5EF4-FFF2-40B4-BE49-F238E27FC236}">
-                <a16:creationId xmlns:a16="http://schemas.microsoft.com/office/drawing/2014/main" xmlns="" id="{648A685F-2664-99D3-FAE0-D046BBDCCF84}"/>
-              </a:ext>
-            </a:extLst>
-          </p:cNvPr>
-          <p:cNvCxnSpPr/>
-          <p:nvPr/>
-        </p:nvCxnSpPr>
-        <p:spPr>
-          <a:xfrm>
-            <a:off x="0" y="290453"/>
-            <a:ext cx="12192000" cy="0"/>
-          </a:xfrm>
-          <a:prstGeom prst="line">
-            <a:avLst/>
-          </a:prstGeom>
-        </p:spPr>
-        <p:style>
-          <a:lnRef idx="1">
-            <a:schemeClr val="accent1"/>
-          </a:lnRef>
-          <a:fillRef idx="0">
-            <a:schemeClr val="accent1"/>
-          </a:fillRef>
-          <a:effectRef idx="0">
-            <a:schemeClr val="accent1"/>
-          </a:effectRef>
-          <a:fontRef idx="minor">
-            <a:schemeClr val="tx1"/>
-          </a:fontRef>
-        </p:style>
-      </p:cxnSp>
-    </p:spTree>
-    <p:extLst>
-      <p:ext uri="{BB962C8B-B14F-4D97-AF65-F5344CB8AC3E}">
-        <p14:creationId xmlns:p14="http://schemas.microsoft.com/office/powerpoint/2010/main" val="1362349775"/>
-      </p:ext>
-    </p:extLst>
-  </p:cSld>
-  <p:clrMapOvr>
-    <a:masterClrMapping/>
-  </p:clrMapOvr>
-  <p:timing>
-    <p:tnLst>
-      <p:par>
-        <p:cTn id="1" dur="indefinite" restart="never" nodeType="tmRoot"/>
-      </p:par>
-    </p:tnLst>
-  </p:timing>
-</p:sld>
-</file>
-
 <file path=ppt/theme/theme1.xml><?xml version="1.0" encoding="utf-8"?>
 <a:theme xmlns:a="http://schemas.openxmlformats.org/drawingml/2006/main" name="Office 테마">
   <a:themeElements>

--- a/README_Provider 통합.pptx
+++ b/README_Provider 통합.pptx
@@ -3331,444 +3331,388 @@
       </p:grpSpPr>
       <p:grpSp>
         <p:nvGrpSpPr>
-          <p:cNvPr id="99" name="그룹 98"/>
+          <p:cNvPr id="24" name="그룹 23"/>
           <p:cNvGrpSpPr/>
           <p:nvPr/>
         </p:nvGrpSpPr>
         <p:grpSpPr>
           <a:xfrm>
             <a:off x="2590565" y="592743"/>
-            <a:ext cx="4863875" cy="1577061"/>
-            <a:chOff x="2590565" y="592743"/>
-            <a:chExt cx="4863875" cy="1577061"/>
+            <a:ext cx="4863875" cy="1911466"/>
+            <a:chOff x="165325" y="708939"/>
+            <a:chExt cx="5040520" cy="2100380"/>
           </a:xfrm>
         </p:grpSpPr>
-        <p:grpSp>
-          <p:nvGrpSpPr>
-            <p:cNvPr id="36" name="그룹 35"/>
-            <p:cNvGrpSpPr/>
-            <p:nvPr/>
-          </p:nvGrpSpPr>
-          <p:grpSpPr>
-            <a:xfrm>
-              <a:off x="2590565" y="592743"/>
-              <a:ext cx="4863875" cy="1577061"/>
-              <a:chOff x="165325" y="708939"/>
-              <a:chExt cx="4863875" cy="1577061"/>
-            </a:xfrm>
-          </p:grpSpPr>
-          <p:grpSp>
-            <p:nvGrpSpPr>
-              <p:cNvPr id="24" name="그룹 23"/>
-              <p:cNvGrpSpPr/>
-              <p:nvPr/>
-            </p:nvGrpSpPr>
-            <p:grpSpPr>
-              <a:xfrm>
-                <a:off x="165325" y="708939"/>
-                <a:ext cx="4863875" cy="1577061"/>
-                <a:chOff x="165325" y="708939"/>
-                <a:chExt cx="5040520" cy="1732925"/>
-              </a:xfrm>
-            </p:grpSpPr>
-            <p:sp>
-              <p:nvSpPr>
-                <p:cNvPr id="46" name="TextBox 45">
-                  <a:extLst>
-                    <a:ext uri="{FF2B5EF4-FFF2-40B4-BE49-F238E27FC236}">
-                      <a16:creationId xmlns:a16="http://schemas.microsoft.com/office/drawing/2014/main" xmlns="" id="{A9AFB107-57BE-3FF3-7AFF-962C2368E148}"/>
-                    </a:ext>
-                  </a:extLst>
-                </p:cNvPr>
-                <p:cNvSpPr txBox="1"/>
-                <p:nvPr/>
-              </p:nvSpPr>
-              <p:spPr>
-                <a:xfrm>
-                  <a:off x="165325" y="971292"/>
-                  <a:ext cx="5040520" cy="1470572"/>
-                </a:xfrm>
-                <a:prstGeom prst="rect">
-                  <a:avLst/>
-                </a:prstGeom>
-                <a:solidFill>
-                  <a:schemeClr val="bg1">
-                    <a:lumMod val="85000"/>
-                  </a:schemeClr>
-                </a:solidFill>
-                <a:ln>
-                  <a:solidFill>
-                    <a:schemeClr val="accent1"/>
-                  </a:solidFill>
-                </a:ln>
-              </p:spPr>
-              <p:txBody>
-                <a:bodyPr wrap="square">
-                  <a:noAutofit/>
-                </a:bodyPr>
-                <a:lstStyle/>
-                <a:p>
-                  <a:endParaRPr lang="en-US" altLang="ko-KR" sz="1100" dirty="0">
-                    <a:solidFill>
-                      <a:srgbClr val="FF0000"/>
-                    </a:solidFill>
-                  </a:endParaRPr>
-                </a:p>
-              </p:txBody>
-            </p:sp>
-            <p:sp>
-              <p:nvSpPr>
-                <p:cNvPr id="48" name="TextBox 47">
-                  <a:extLst>
-                    <a:ext uri="{FF2B5EF4-FFF2-40B4-BE49-F238E27FC236}">
-                      <a16:creationId xmlns:a16="http://schemas.microsoft.com/office/drawing/2014/main" xmlns="" id="{A9AFB107-57BE-3FF3-7AFF-962C2368E148}"/>
-                    </a:ext>
-                  </a:extLst>
-                </p:cNvPr>
-                <p:cNvSpPr txBox="1"/>
-                <p:nvPr/>
-              </p:nvSpPr>
-              <p:spPr>
-                <a:xfrm>
-                  <a:off x="165325" y="708939"/>
-                  <a:ext cx="5040520" cy="261610"/>
-                </a:xfrm>
-                <a:prstGeom prst="rect">
-                  <a:avLst/>
-                </a:prstGeom>
-                <a:solidFill>
-                  <a:schemeClr val="bg1">
-                    <a:lumMod val="85000"/>
-                  </a:schemeClr>
-                </a:solidFill>
-                <a:ln>
-                  <a:solidFill>
-                    <a:schemeClr val="accent1"/>
-                  </a:solidFill>
-                </a:ln>
-              </p:spPr>
-              <p:txBody>
-                <a:bodyPr wrap="square">
-                  <a:noAutofit/>
-                </a:bodyPr>
-                <a:lstStyle/>
-                <a:p>
-                  <a:r>
-                    <a:rPr lang="en-US" altLang="ko-KR" sz="1100" dirty="0" smtClean="0">
-                      <a:solidFill>
-                        <a:srgbClr val="FF0000"/>
-                      </a:solidFill>
-                    </a:rPr>
-                    <a:t>Definition</a:t>
-                  </a:r>
-                  <a:endParaRPr lang="en-US" altLang="ko-KR" sz="1100" dirty="0">
-                    <a:solidFill>
-                      <a:srgbClr val="FF0000"/>
-                    </a:solidFill>
-                  </a:endParaRPr>
-                </a:p>
-              </p:txBody>
-            </p:sp>
-          </p:grpSp>
-          <p:grpSp>
-            <p:nvGrpSpPr>
-              <p:cNvPr id="42" name="그룹 41"/>
-              <p:cNvGrpSpPr/>
-              <p:nvPr/>
-            </p:nvGrpSpPr>
-            <p:grpSpPr>
-              <a:xfrm>
-                <a:off x="263539" y="1059267"/>
-                <a:ext cx="2084808" cy="1101219"/>
-                <a:chOff x="440182" y="765680"/>
-                <a:chExt cx="2084808" cy="1101219"/>
-              </a:xfrm>
-              <a:solidFill>
-                <a:schemeClr val="bg1"/>
-              </a:solidFill>
-            </p:grpSpPr>
-            <p:sp>
-              <p:nvSpPr>
-                <p:cNvPr id="34" name="TextBox 33">
-                  <a:extLst>
-                    <a:ext uri="{FF2B5EF4-FFF2-40B4-BE49-F238E27FC236}">
-                      <a16:creationId xmlns:a16="http://schemas.microsoft.com/office/drawing/2014/main" xmlns="" id="{A9AFB107-57BE-3FF3-7AFF-962C2368E148}"/>
-                    </a:ext>
-                  </a:extLst>
-                </p:cNvPr>
-                <p:cNvSpPr txBox="1"/>
-                <p:nvPr/>
-              </p:nvSpPr>
-              <p:spPr>
-                <a:xfrm>
-                  <a:off x="440182" y="765680"/>
-                  <a:ext cx="2084808" cy="1101219"/>
-                </a:xfrm>
-                <a:prstGeom prst="rect">
-                  <a:avLst/>
-                </a:prstGeom>
-                <a:grpFill/>
-                <a:ln>
-                  <a:solidFill>
-                    <a:schemeClr val="accent1"/>
-                  </a:solidFill>
-                </a:ln>
-              </p:spPr>
-              <p:txBody>
-                <a:bodyPr wrap="square">
-                  <a:noAutofit/>
-                </a:bodyPr>
-                <a:lstStyle/>
-                <a:p>
-                  <a:endParaRPr lang="en-US" altLang="ko-KR" sz="1100" dirty="0">
-                    <a:solidFill>
-                      <a:srgbClr val="FF0000"/>
-                    </a:solidFill>
-                  </a:endParaRPr>
-                </a:p>
-              </p:txBody>
-            </p:sp>
-            <p:sp>
-              <p:nvSpPr>
-                <p:cNvPr id="4" name="TextBox 3">
-                  <a:extLst>
-                    <a:ext uri="{FF2B5EF4-FFF2-40B4-BE49-F238E27FC236}">
-                      <a16:creationId xmlns:a16="http://schemas.microsoft.com/office/drawing/2014/main" xmlns="" id="{A9AFB107-57BE-3FF3-7AFF-962C2368E148}"/>
-                    </a:ext>
-                  </a:extLst>
-                </p:cNvPr>
-                <p:cNvSpPr txBox="1"/>
-                <p:nvPr/>
-              </p:nvSpPr>
-              <p:spPr>
-                <a:xfrm>
-                  <a:off x="552452" y="831250"/>
-                  <a:ext cx="1847849" cy="261610"/>
-                </a:xfrm>
-                <a:prstGeom prst="rect">
-                  <a:avLst/>
-                </a:prstGeom>
-                <a:grpFill/>
-                <a:ln>
-                  <a:solidFill>
-                    <a:schemeClr val="accent1"/>
-                  </a:solidFill>
-                </a:ln>
-              </p:spPr>
-              <p:txBody>
-                <a:bodyPr wrap="square">
-                  <a:spAutoFit/>
-                </a:bodyPr>
-                <a:lstStyle/>
-                <a:p>
-                  <a:r>
-                    <a:rPr lang="en-US" altLang="ko-KR" sz="1100" b="1" dirty="0" smtClean="0"/>
-                    <a:t>Provider</a:t>
-                  </a:r>
-                  <a:endParaRPr lang="en-US" altLang="ko-KR" sz="1100" dirty="0"/>
-                </a:p>
-              </p:txBody>
-            </p:sp>
-            <p:sp>
-              <p:nvSpPr>
-                <p:cNvPr id="25" name="TextBox 24">
-                  <a:extLst>
-                    <a:ext uri="{FF2B5EF4-FFF2-40B4-BE49-F238E27FC236}">
-                      <a16:creationId xmlns:a16="http://schemas.microsoft.com/office/drawing/2014/main" xmlns="" id="{A9AFB107-57BE-3FF3-7AFF-962C2368E148}"/>
-                    </a:ext>
-                  </a:extLst>
-                </p:cNvPr>
-                <p:cNvSpPr txBox="1"/>
-                <p:nvPr/>
-              </p:nvSpPr>
-              <p:spPr>
-                <a:xfrm>
-                  <a:off x="552450" y="1140485"/>
-                  <a:ext cx="1847849" cy="600164"/>
-                </a:xfrm>
-                <a:prstGeom prst="rect">
-                  <a:avLst/>
-                </a:prstGeom>
-                <a:grpFill/>
-                <a:ln>
-                  <a:solidFill>
-                    <a:schemeClr val="accent1"/>
-                  </a:solidFill>
-                </a:ln>
-              </p:spPr>
-              <p:txBody>
-                <a:bodyPr wrap="square">
-                  <a:spAutoFit/>
-                </a:bodyPr>
-                <a:lstStyle/>
-                <a:p>
-                  <a:r>
-                    <a:rPr lang="en-US" altLang="ko-KR" sz="1100" b="1" dirty="0" smtClean="0"/>
-                    <a:t>ChangeNotifierProvider</a:t>
-                  </a:r>
-                  <a:endParaRPr lang="en-US" altLang="ko-KR" sz="1100" dirty="0"/>
-                </a:p>
-                <a:p>
-                  <a:r>
-                    <a:rPr lang="en-US" altLang="ko-KR" sz="1100" b="1" dirty="0" smtClean="0"/>
-                    <a:t>FutureProvider</a:t>
-                  </a:r>
-                </a:p>
-                <a:p>
-                  <a:r>
-                    <a:rPr lang="en-US" altLang="ko-KR" sz="1100" b="1" dirty="0" smtClean="0"/>
-                    <a:t>StreamProvider</a:t>
-                  </a:r>
-                  <a:endParaRPr lang="en-US" altLang="ko-KR" sz="1100" dirty="0"/>
-                </a:p>
-              </p:txBody>
-            </p:sp>
-          </p:grpSp>
-          <p:grpSp>
-            <p:nvGrpSpPr>
-              <p:cNvPr id="29" name="그룹 28"/>
-              <p:cNvGrpSpPr/>
-              <p:nvPr/>
-            </p:nvGrpSpPr>
-            <p:grpSpPr>
-              <a:xfrm>
-                <a:off x="2482601" y="1059267"/>
-                <a:ext cx="2450437" cy="1101219"/>
-                <a:chOff x="440182" y="765680"/>
-                <a:chExt cx="2450437" cy="1101219"/>
-              </a:xfrm>
-              <a:solidFill>
-                <a:schemeClr val="bg1"/>
-              </a:solidFill>
-            </p:grpSpPr>
-            <p:sp>
-              <p:nvSpPr>
-                <p:cNvPr id="30" name="TextBox 29">
-                  <a:extLst>
-                    <a:ext uri="{FF2B5EF4-FFF2-40B4-BE49-F238E27FC236}">
-                      <a16:creationId xmlns:a16="http://schemas.microsoft.com/office/drawing/2014/main" xmlns="" id="{A9AFB107-57BE-3FF3-7AFF-962C2368E148}"/>
-                    </a:ext>
-                  </a:extLst>
-                </p:cNvPr>
-                <p:cNvSpPr txBox="1"/>
-                <p:nvPr/>
-              </p:nvSpPr>
-              <p:spPr>
-                <a:xfrm>
-                  <a:off x="440182" y="765680"/>
-                  <a:ext cx="2450437" cy="1101219"/>
-                </a:xfrm>
-                <a:prstGeom prst="rect">
-                  <a:avLst/>
-                </a:prstGeom>
-                <a:grpFill/>
-                <a:ln>
-                  <a:solidFill>
-                    <a:schemeClr val="accent1"/>
-                  </a:solidFill>
-                </a:ln>
-              </p:spPr>
-              <p:txBody>
-                <a:bodyPr wrap="square">
-                  <a:noAutofit/>
-                </a:bodyPr>
-                <a:lstStyle/>
-                <a:p>
-                  <a:endParaRPr lang="en-US" altLang="ko-KR" sz="1100" dirty="0">
-                    <a:solidFill>
-                      <a:srgbClr val="FF0000"/>
-                    </a:solidFill>
-                  </a:endParaRPr>
-                </a:p>
-              </p:txBody>
-            </p:sp>
-            <p:sp>
-              <p:nvSpPr>
-                <p:cNvPr id="33" name="TextBox 32">
-                  <a:extLst>
-                    <a:ext uri="{FF2B5EF4-FFF2-40B4-BE49-F238E27FC236}">
-                      <a16:creationId xmlns:a16="http://schemas.microsoft.com/office/drawing/2014/main" xmlns="" id="{A9AFB107-57BE-3FF3-7AFF-962C2368E148}"/>
-                    </a:ext>
-                  </a:extLst>
-                </p:cNvPr>
-                <p:cNvSpPr txBox="1"/>
-                <p:nvPr/>
-              </p:nvSpPr>
-              <p:spPr>
-                <a:xfrm>
-                  <a:off x="552450" y="859928"/>
-                  <a:ext cx="2255042" cy="600164"/>
-                </a:xfrm>
-                <a:prstGeom prst="rect">
-                  <a:avLst/>
-                </a:prstGeom>
-                <a:grpFill/>
-                <a:ln>
-                  <a:solidFill>
-                    <a:schemeClr val="accent1"/>
-                  </a:solidFill>
-                </a:ln>
-              </p:spPr>
-              <p:txBody>
-                <a:bodyPr wrap="square">
-                  <a:spAutoFit/>
-                </a:bodyPr>
-                <a:lstStyle/>
-                <a:p>
-                  <a:r>
-                    <a:rPr lang="en-US" altLang="ko-KR" sz="1100" b="1" dirty="0" smtClean="0"/>
-                    <a:t>ProxyProvider</a:t>
-                  </a:r>
-                </a:p>
-                <a:p>
-                  <a:r>
-                    <a:rPr lang="en-US" altLang="ko-KR" sz="1100" b="1" dirty="0" smtClean="0"/>
-                    <a:t>ProxyProvider0~N</a:t>
-                  </a:r>
-                  <a:endParaRPr lang="en-US" altLang="ko-KR" sz="1100" b="1" dirty="0"/>
-                </a:p>
-                <a:p>
-                  <a:r>
-                    <a:rPr lang="en-US" altLang="ko-KR" sz="1100" b="1" dirty="0" smtClean="0"/>
-                    <a:t>ChangeNotifierProxyProvider</a:t>
-                  </a:r>
-                  <a:endParaRPr lang="en-US" altLang="ko-KR" sz="1100" dirty="0"/>
-                </a:p>
-              </p:txBody>
-            </p:sp>
-          </p:grpSp>
-        </p:grpSp>
         <p:sp>
           <p:nvSpPr>
-            <p:cNvPr id="97" name="TextBox 96"/>
+            <p:cNvPr id="46" name="TextBox 45">
+              <a:extLst>
+                <a:ext uri="{FF2B5EF4-FFF2-40B4-BE49-F238E27FC236}">
+                  <a16:creationId xmlns:a16="http://schemas.microsoft.com/office/drawing/2014/main" xmlns="" id="{A9AFB107-57BE-3FF3-7AFF-962C2368E148}"/>
+                </a:ext>
+              </a:extLst>
+            </p:cNvPr>
             <p:cNvSpPr txBox="1"/>
             <p:nvPr/>
           </p:nvSpPr>
           <p:spPr>
             <a:xfrm>
-              <a:off x="4371793" y="1660378"/>
-              <a:ext cx="274434" cy="246221"/>
+              <a:off x="165325" y="971292"/>
+              <a:ext cx="5040520" cy="1838027"/>
             </a:xfrm>
             <a:prstGeom prst="rect">
               <a:avLst/>
             </a:prstGeom>
-            <a:noFill/>
+            <a:solidFill>
+              <a:schemeClr val="bg1">
+                <a:lumMod val="85000"/>
+              </a:schemeClr>
+            </a:solidFill>
+            <a:ln>
+              <a:solidFill>
+                <a:schemeClr val="accent1"/>
+              </a:solidFill>
+            </a:ln>
           </p:spPr>
           <p:txBody>
-            <a:bodyPr wrap="none" rtlCol="0">
-              <a:spAutoFit/>
+            <a:bodyPr wrap="square">
+              <a:noAutofit/>
+            </a:bodyPr>
+            <a:lstStyle/>
+            <a:p>
+              <a:endParaRPr lang="en-US" altLang="ko-KR" sz="1100" dirty="0">
+                <a:solidFill>
+                  <a:srgbClr val="FF0000"/>
+                </a:solidFill>
+              </a:endParaRPr>
+            </a:p>
+          </p:txBody>
+        </p:sp>
+        <p:sp>
+          <p:nvSpPr>
+            <p:cNvPr id="48" name="TextBox 47">
+              <a:extLst>
+                <a:ext uri="{FF2B5EF4-FFF2-40B4-BE49-F238E27FC236}">
+                  <a16:creationId xmlns:a16="http://schemas.microsoft.com/office/drawing/2014/main" xmlns="" id="{A9AFB107-57BE-3FF3-7AFF-962C2368E148}"/>
+                </a:ext>
+              </a:extLst>
+            </p:cNvPr>
+            <p:cNvSpPr txBox="1"/>
+            <p:nvPr/>
+          </p:nvSpPr>
+          <p:spPr>
+            <a:xfrm>
+              <a:off x="165325" y="708939"/>
+              <a:ext cx="5040520" cy="261610"/>
+            </a:xfrm>
+            <a:prstGeom prst="rect">
+              <a:avLst/>
+            </a:prstGeom>
+            <a:solidFill>
+              <a:schemeClr val="bg1">
+                <a:lumMod val="85000"/>
+              </a:schemeClr>
+            </a:solidFill>
+            <a:ln>
+              <a:solidFill>
+                <a:schemeClr val="accent1"/>
+              </a:solidFill>
+            </a:ln>
+          </p:spPr>
+          <p:txBody>
+            <a:bodyPr wrap="square">
+              <a:noAutofit/>
             </a:bodyPr>
             <a:lstStyle/>
             <a:p>
               <a:r>
-                <a:rPr lang="en-US" altLang="ko-KR" sz="1000" dirty="0" smtClean="0"/>
-                <a:t>  </a:t>
+                <a:rPr lang="en-US" altLang="ko-KR" sz="1100" dirty="0" smtClean="0">
+                  <a:solidFill>
+                    <a:srgbClr val="FF0000"/>
+                  </a:solidFill>
+                </a:rPr>
+                <a:t>Definition</a:t>
               </a:r>
-              <a:endParaRPr lang="ko-KR" altLang="en-US" sz="1000" dirty="0"/>
+              <a:endParaRPr lang="en-US" altLang="ko-KR" sz="1100" dirty="0">
+                <a:solidFill>
+                  <a:srgbClr val="FF0000"/>
+                </a:solidFill>
+              </a:endParaRPr>
             </a:p>
           </p:txBody>
         </p:sp>
       </p:grpSp>
+      <p:sp>
+        <p:nvSpPr>
+          <p:cNvPr id="34" name="TextBox 33">
+            <a:extLst>
+              <a:ext uri="{FF2B5EF4-FFF2-40B4-BE49-F238E27FC236}">
+                <a16:creationId xmlns:a16="http://schemas.microsoft.com/office/drawing/2014/main" xmlns="" id="{A9AFB107-57BE-3FF3-7AFF-962C2368E148}"/>
+              </a:ext>
+            </a:extLst>
+          </p:cNvPr>
+          <p:cNvSpPr txBox="1"/>
+          <p:nvPr/>
+        </p:nvSpPr>
+        <p:spPr>
+          <a:xfrm>
+            <a:off x="2688779" y="924791"/>
+            <a:ext cx="2084808" cy="1327319"/>
+          </a:xfrm>
+          <a:prstGeom prst="rect">
+            <a:avLst/>
+          </a:prstGeom>
+          <a:solidFill>
+            <a:schemeClr val="bg1"/>
+          </a:solidFill>
+          <a:ln>
+            <a:solidFill>
+              <a:schemeClr val="accent1"/>
+            </a:solidFill>
+          </a:ln>
+        </p:spPr>
+        <p:txBody>
+          <a:bodyPr wrap="square">
+            <a:noAutofit/>
+          </a:bodyPr>
+          <a:lstStyle/>
+          <a:p>
+            <a:endParaRPr lang="en-US" altLang="ko-KR" sz="1100" dirty="0">
+              <a:solidFill>
+                <a:srgbClr val="FF0000"/>
+              </a:solidFill>
+            </a:endParaRPr>
+          </a:p>
+        </p:txBody>
+      </p:sp>
+      <p:sp>
+        <p:nvSpPr>
+          <p:cNvPr id="4" name="TextBox 3">
+            <a:extLst>
+              <a:ext uri="{FF2B5EF4-FFF2-40B4-BE49-F238E27FC236}">
+                <a16:creationId xmlns:a16="http://schemas.microsoft.com/office/drawing/2014/main" xmlns="" id="{A9AFB107-57BE-3FF3-7AFF-962C2368E148}"/>
+              </a:ext>
+            </a:extLst>
+          </p:cNvPr>
+          <p:cNvSpPr txBox="1"/>
+          <p:nvPr/>
+        </p:nvSpPr>
+        <p:spPr>
+          <a:xfrm>
+            <a:off x="2801049" y="1225986"/>
+            <a:ext cx="1847849" cy="261610"/>
+          </a:xfrm>
+          <a:prstGeom prst="rect">
+            <a:avLst/>
+          </a:prstGeom>
+          <a:solidFill>
+            <a:schemeClr val="bg1"/>
+          </a:solidFill>
+          <a:ln>
+            <a:solidFill>
+              <a:schemeClr val="accent1"/>
+            </a:solidFill>
+          </a:ln>
+        </p:spPr>
+        <p:txBody>
+          <a:bodyPr wrap="square">
+            <a:spAutoFit/>
+          </a:bodyPr>
+          <a:lstStyle/>
+          <a:p>
+            <a:r>
+              <a:rPr lang="en-US" altLang="ko-KR" sz="1100" b="1" dirty="0" smtClean="0"/>
+              <a:t>Provider</a:t>
+            </a:r>
+            <a:endParaRPr lang="en-US" altLang="ko-KR" sz="1100" dirty="0"/>
+          </a:p>
+        </p:txBody>
+      </p:sp>
+      <p:sp>
+        <p:nvSpPr>
+          <p:cNvPr id="25" name="TextBox 24">
+            <a:extLst>
+              <a:ext uri="{FF2B5EF4-FFF2-40B4-BE49-F238E27FC236}">
+                <a16:creationId xmlns:a16="http://schemas.microsoft.com/office/drawing/2014/main" xmlns="" id="{A9AFB107-57BE-3FF3-7AFF-962C2368E148}"/>
+              </a:ext>
+            </a:extLst>
+          </p:cNvPr>
+          <p:cNvSpPr txBox="1"/>
+          <p:nvPr/>
+        </p:nvSpPr>
+        <p:spPr>
+          <a:xfrm>
+            <a:off x="2801047" y="1487596"/>
+            <a:ext cx="1847849" cy="600164"/>
+          </a:xfrm>
+          <a:prstGeom prst="rect">
+            <a:avLst/>
+          </a:prstGeom>
+          <a:solidFill>
+            <a:schemeClr val="bg1"/>
+          </a:solidFill>
+          <a:ln>
+            <a:solidFill>
+              <a:schemeClr val="accent1"/>
+            </a:solidFill>
+          </a:ln>
+        </p:spPr>
+        <p:txBody>
+          <a:bodyPr wrap="square">
+            <a:spAutoFit/>
+          </a:bodyPr>
+          <a:lstStyle/>
+          <a:p>
+            <a:r>
+              <a:rPr lang="en-US" altLang="ko-KR" sz="1100" b="1" dirty="0" smtClean="0"/>
+              <a:t>ChangeNotifierProvider</a:t>
+            </a:r>
+            <a:endParaRPr lang="en-US" altLang="ko-KR" sz="1100" dirty="0"/>
+          </a:p>
+          <a:p>
+            <a:r>
+              <a:rPr lang="en-US" altLang="ko-KR" sz="1100" b="1" dirty="0" smtClean="0"/>
+              <a:t>FutureProvider</a:t>
+            </a:r>
+          </a:p>
+          <a:p>
+            <a:r>
+              <a:rPr lang="en-US" altLang="ko-KR" sz="1100" b="1" dirty="0" smtClean="0"/>
+              <a:t>StreamProvider</a:t>
+            </a:r>
+            <a:endParaRPr lang="en-US" altLang="ko-KR" sz="1100" dirty="0"/>
+          </a:p>
+        </p:txBody>
+      </p:sp>
+      <p:sp>
+        <p:nvSpPr>
+          <p:cNvPr id="30" name="TextBox 29">
+            <a:extLst>
+              <a:ext uri="{FF2B5EF4-FFF2-40B4-BE49-F238E27FC236}">
+                <a16:creationId xmlns:a16="http://schemas.microsoft.com/office/drawing/2014/main" xmlns="" id="{A9AFB107-57BE-3FF3-7AFF-962C2368E148}"/>
+              </a:ext>
+            </a:extLst>
+          </p:cNvPr>
+          <p:cNvSpPr txBox="1"/>
+          <p:nvPr/>
+        </p:nvSpPr>
+        <p:spPr>
+          <a:xfrm>
+            <a:off x="4907841" y="924791"/>
+            <a:ext cx="2450437" cy="1327319"/>
+          </a:xfrm>
+          <a:prstGeom prst="rect">
+            <a:avLst/>
+          </a:prstGeom>
+          <a:solidFill>
+            <a:schemeClr val="bg1"/>
+          </a:solidFill>
+          <a:ln>
+            <a:solidFill>
+              <a:schemeClr val="accent1"/>
+            </a:solidFill>
+          </a:ln>
+        </p:spPr>
+        <p:txBody>
+          <a:bodyPr wrap="square">
+            <a:noAutofit/>
+          </a:bodyPr>
+          <a:lstStyle/>
+          <a:p>
+            <a:endParaRPr lang="en-US" altLang="ko-KR" sz="1100" dirty="0">
+              <a:solidFill>
+                <a:srgbClr val="FF0000"/>
+              </a:solidFill>
+            </a:endParaRPr>
+          </a:p>
+        </p:txBody>
+      </p:sp>
+      <p:sp>
+        <p:nvSpPr>
+          <p:cNvPr id="33" name="TextBox 32">
+            <a:extLst>
+              <a:ext uri="{FF2B5EF4-FFF2-40B4-BE49-F238E27FC236}">
+                <a16:creationId xmlns:a16="http://schemas.microsoft.com/office/drawing/2014/main" xmlns="" id="{A9AFB107-57BE-3FF3-7AFF-962C2368E148}"/>
+              </a:ext>
+            </a:extLst>
+          </p:cNvPr>
+          <p:cNvSpPr txBox="1"/>
+          <p:nvPr/>
+        </p:nvSpPr>
+        <p:spPr>
+          <a:xfrm>
+            <a:off x="5020109" y="1221270"/>
+            <a:ext cx="2255044" cy="600164"/>
+          </a:xfrm>
+          <a:prstGeom prst="rect">
+            <a:avLst/>
+          </a:prstGeom>
+          <a:solidFill>
+            <a:schemeClr val="bg1"/>
+          </a:solidFill>
+          <a:ln>
+            <a:solidFill>
+              <a:schemeClr val="accent1"/>
+            </a:solidFill>
+          </a:ln>
+        </p:spPr>
+        <p:txBody>
+          <a:bodyPr wrap="square">
+            <a:spAutoFit/>
+          </a:bodyPr>
+          <a:lstStyle/>
+          <a:p>
+            <a:r>
+              <a:rPr lang="en-US" altLang="ko-KR" sz="1100" b="1" dirty="0" smtClean="0"/>
+              <a:t>ProxyProvider</a:t>
+            </a:r>
+          </a:p>
+          <a:p>
+            <a:r>
+              <a:rPr lang="en-US" altLang="ko-KR" sz="1100" b="1" dirty="0" smtClean="0"/>
+              <a:t>ProxyProvider0~N</a:t>
+            </a:r>
+            <a:endParaRPr lang="en-US" altLang="ko-KR" sz="1100" b="1" dirty="0"/>
+          </a:p>
+          <a:p>
+            <a:r>
+              <a:rPr lang="en-US" altLang="ko-KR" sz="1100" b="1" dirty="0" smtClean="0"/>
+              <a:t>ChangeNotifierProxyProvider</a:t>
+            </a:r>
+            <a:endParaRPr lang="en-US" altLang="ko-KR" sz="1100" dirty="0"/>
+          </a:p>
+        </p:txBody>
+      </p:sp>
+      <p:sp>
+        <p:nvSpPr>
+          <p:cNvPr id="97" name="TextBox 96"/>
+          <p:cNvSpPr txBox="1"/>
+          <p:nvPr/>
+        </p:nvSpPr>
+        <p:spPr>
+          <a:xfrm>
+            <a:off x="4371793" y="1868198"/>
+            <a:ext cx="274434" cy="246221"/>
+          </a:xfrm>
+          <a:prstGeom prst="rect">
+            <a:avLst/>
+          </a:prstGeom>
+          <a:noFill/>
+        </p:spPr>
+        <p:txBody>
+          <a:bodyPr wrap="none" rtlCol="0">
+            <a:spAutoFit/>
+          </a:bodyPr>
+          <a:lstStyle/>
+          <a:p>
+            <a:r>
+              <a:rPr lang="en-US" altLang="ko-KR" sz="1000" dirty="0" smtClean="0"/>
+              <a:t>  </a:t>
+            </a:r>
+            <a:endParaRPr lang="ko-KR" altLang="en-US" sz="1000" dirty="0"/>
+          </a:p>
+        </p:txBody>
+      </p:sp>
       <p:sp>
         <p:nvSpPr>
           <p:cNvPr id="2" name="TextBox 1">
@@ -3978,8 +3922,8 @@
         </p:nvCxnSpPr>
         <p:spPr>
           <a:xfrm rot="5400000">
-            <a:off x="4301788" y="2883453"/>
-            <a:ext cx="1434365" cy="7066"/>
+            <a:off x="4214411" y="3305235"/>
+            <a:ext cx="1609119" cy="7066"/>
           </a:xfrm>
           <a:prstGeom prst="bentConnector3">
             <a:avLst/>
@@ -4011,7 +3955,7 @@
         </p:nvGrpSpPr>
         <p:grpSpPr>
           <a:xfrm>
-            <a:off x="1641537" y="2462116"/>
+            <a:off x="1641537" y="2981666"/>
             <a:ext cx="2879212" cy="839350"/>
             <a:chOff x="640208" y="3613385"/>
             <a:chExt cx="2895648" cy="839350"/>
@@ -4223,7 +4167,7 @@
         </p:nvCxnSpPr>
         <p:spPr>
           <a:xfrm flipV="1">
-            <a:off x="2975608" y="2923133"/>
+            <a:off x="2975608" y="3442683"/>
             <a:ext cx="221894" cy="73085"/>
           </a:xfrm>
           <a:prstGeom prst="bentConnector3">
@@ -4258,7 +4202,7 @@
         </p:nvGrpSpPr>
         <p:grpSpPr>
           <a:xfrm>
-            <a:off x="3058161" y="3604169"/>
+            <a:off x="3058161" y="4113328"/>
             <a:ext cx="3914552" cy="2555109"/>
             <a:chOff x="75557" y="3150863"/>
             <a:chExt cx="3914552" cy="2555109"/>
@@ -4680,8 +4624,8 @@
         </p:nvCxnSpPr>
         <p:spPr>
           <a:xfrm rot="5400000">
-            <a:off x="6163642" y="2355733"/>
-            <a:ext cx="3321206" cy="2032265"/>
+            <a:off x="5909063" y="2610312"/>
+            <a:ext cx="3830365" cy="2032265"/>
           </a:xfrm>
           <a:prstGeom prst="bentConnector2">
             <a:avLst/>
@@ -4710,13 +4654,12 @@
           <p:cNvPr id="65" name="꺾인 연결선 64"/>
           <p:cNvCxnSpPr>
             <a:stCxn id="39" idx="3"/>
-            <a:endCxn id="21" idx="0"/>
           </p:cNvCxnSpPr>
           <p:nvPr/>
         </p:nvCxnSpPr>
         <p:spPr>
           <a:xfrm>
-            <a:off x="4520749" y="3007772"/>
+            <a:off x="4520749" y="3527322"/>
             <a:ext cx="494688" cy="596397"/>
           </a:xfrm>
           <a:prstGeom prst="bentConnector2">
@@ -4749,7 +4692,7 @@
         </p:nvGrpSpPr>
         <p:grpSpPr>
           <a:xfrm>
-            <a:off x="5506559" y="2312413"/>
+            <a:off x="5506559" y="2831963"/>
             <a:ext cx="2266148" cy="1152041"/>
             <a:chOff x="8613136" y="5117872"/>
             <a:chExt cx="2266148" cy="1152041"/>
@@ -4957,8 +4900,8 @@
         </p:nvCxnSpPr>
         <p:spPr>
           <a:xfrm rot="10800000" flipV="1">
-            <a:off x="5015438" y="3007495"/>
-            <a:ext cx="491123" cy="596673"/>
+            <a:off x="5015438" y="3527046"/>
+            <a:ext cx="491123" cy="586282"/>
           </a:xfrm>
           <a:prstGeom prst="bentConnector2">
             <a:avLst/>
@@ -4993,8 +4936,8 @@
         </p:nvCxnSpPr>
         <p:spPr>
           <a:xfrm rot="5400000">
-            <a:off x="6367238" y="-14278"/>
-            <a:ext cx="76756" cy="3518778"/>
+            <a:off x="6263328" y="89632"/>
+            <a:ext cx="284576" cy="3518778"/>
           </a:xfrm>
           <a:prstGeom prst="bentConnector2">
             <a:avLst/>
@@ -5028,9 +4971,9 @@
           <p:nvPr/>
         </p:nvCxnSpPr>
         <p:spPr>
-          <a:xfrm rot="10800000">
-            <a:off x="7275152" y="1337401"/>
-            <a:ext cx="715767" cy="158418"/>
+          <a:xfrm rot="10800000" flipV="1">
+            <a:off x="7275154" y="1495818"/>
+            <a:ext cx="715765" cy="25533"/>
           </a:xfrm>
           <a:prstGeom prst="bentConnector3">
             <a:avLst/>
@@ -5081,6 +5024,141 @@
               <a:t>  </a:t>
             </a:r>
             <a:endParaRPr lang="ko-KR" altLang="en-US" dirty="0"/>
+          </a:p>
+        </p:txBody>
+      </p:sp>
+      <p:sp>
+        <p:nvSpPr>
+          <p:cNvPr id="100" name="TextBox 99">
+            <a:extLst>
+              <a:ext uri="{FF2B5EF4-FFF2-40B4-BE49-F238E27FC236}">
+                <a16:creationId xmlns:a16="http://schemas.microsoft.com/office/drawing/2014/main" xmlns="" id="{A9AFB107-57BE-3FF3-7AFF-962C2368E148}"/>
+              </a:ext>
+            </a:extLst>
+          </p:cNvPr>
+          <p:cNvSpPr txBox="1"/>
+          <p:nvPr/>
+        </p:nvSpPr>
+        <p:spPr>
+          <a:xfrm>
+            <a:off x="5022504" y="1824865"/>
+            <a:ext cx="2252648" cy="261610"/>
+          </a:xfrm>
+          <a:prstGeom prst="rect">
+            <a:avLst/>
+          </a:prstGeom>
+          <a:solidFill>
+            <a:schemeClr val="bg1"/>
+          </a:solidFill>
+          <a:ln>
+            <a:solidFill>
+              <a:schemeClr val="accent1"/>
+            </a:solidFill>
+          </a:ln>
+        </p:spPr>
+        <p:txBody>
+          <a:bodyPr wrap="square">
+            <a:spAutoFit/>
+          </a:bodyPr>
+          <a:lstStyle/>
+          <a:p>
+            <a:r>
+              <a:rPr lang="en-US" altLang="ko-KR" sz="1100" dirty="0" smtClean="0"/>
+              <a:t>StateNofifierProvider</a:t>
+            </a:r>
+            <a:endParaRPr lang="en-US" altLang="ko-KR" sz="1100" dirty="0"/>
+          </a:p>
+        </p:txBody>
+      </p:sp>
+      <p:sp>
+        <p:nvSpPr>
+          <p:cNvPr id="113" name="TextBox 112">
+            <a:extLst>
+              <a:ext uri="{FF2B5EF4-FFF2-40B4-BE49-F238E27FC236}">
+                <a16:creationId xmlns:a16="http://schemas.microsoft.com/office/drawing/2014/main" xmlns="" id="{A9AFB107-57BE-3FF3-7AFF-962C2368E148}"/>
+              </a:ext>
+            </a:extLst>
+          </p:cNvPr>
+          <p:cNvSpPr txBox="1"/>
+          <p:nvPr/>
+        </p:nvSpPr>
+        <p:spPr>
+          <a:xfrm>
+            <a:off x="2801047" y="972618"/>
+            <a:ext cx="1847851" cy="261610"/>
+          </a:xfrm>
+          <a:prstGeom prst="rect">
+            <a:avLst/>
+          </a:prstGeom>
+          <a:solidFill>
+            <a:schemeClr val="accent5">
+              <a:lumMod val="20000"/>
+              <a:lumOff val="80000"/>
+            </a:schemeClr>
+          </a:solidFill>
+          <a:ln>
+            <a:solidFill>
+              <a:schemeClr val="accent1"/>
+            </a:solidFill>
+          </a:ln>
+        </p:spPr>
+        <p:txBody>
+          <a:bodyPr wrap="square">
+            <a:spAutoFit/>
+          </a:bodyPr>
+          <a:lstStyle/>
+          <a:p>
+            <a:r>
+              <a:rPr lang="en-US" altLang="ko-KR" sz="1100" dirty="0" smtClean="0"/>
+              <a:t>Independent States</a:t>
+            </a:r>
+            <a:endParaRPr lang="en-US" altLang="ko-KR" sz="1100" dirty="0" smtClean="0"/>
+          </a:p>
+        </p:txBody>
+      </p:sp>
+      <p:sp>
+        <p:nvSpPr>
+          <p:cNvPr id="114" name="TextBox 113">
+            <a:extLst>
+              <a:ext uri="{FF2B5EF4-FFF2-40B4-BE49-F238E27FC236}">
+                <a16:creationId xmlns:a16="http://schemas.microsoft.com/office/drawing/2014/main" xmlns="" id="{A9AFB107-57BE-3FF3-7AFF-962C2368E148}"/>
+              </a:ext>
+            </a:extLst>
+          </p:cNvPr>
+          <p:cNvSpPr txBox="1"/>
+          <p:nvPr/>
+        </p:nvSpPr>
+        <p:spPr>
+          <a:xfrm>
+            <a:off x="5018970" y="959660"/>
+            <a:ext cx="2256184" cy="261610"/>
+          </a:xfrm>
+          <a:prstGeom prst="rect">
+            <a:avLst/>
+          </a:prstGeom>
+          <a:solidFill>
+            <a:schemeClr val="accent5">
+              <a:lumMod val="20000"/>
+              <a:lumOff val="80000"/>
+            </a:schemeClr>
+          </a:solidFill>
+          <a:ln>
+            <a:solidFill>
+              <a:schemeClr val="accent1"/>
+            </a:solidFill>
+          </a:ln>
+        </p:spPr>
+        <p:txBody>
+          <a:bodyPr wrap="square">
+            <a:spAutoFit/>
+          </a:bodyPr>
+          <a:lstStyle/>
+          <a:p>
+            <a:r>
+              <a:rPr lang="en-US" altLang="ko-KR" sz="1100" dirty="0" smtClean="0"/>
+              <a:t>Computed States</a:t>
+            </a:r>
+            <a:endParaRPr lang="en-US" altLang="ko-KR" sz="1100" dirty="0" smtClean="0"/>
           </a:p>
         </p:txBody>
       </p:sp>

--- a/README_Provider 통합.pptx
+++ b/README_Provider 통합.pptx
@@ -109,7 +109,18 @@
   </p:defaultTextStyle>
   <p:extLst>
     <p:ext uri="{EFAFB233-063F-42B5-8137-9DF3F51BA10A}">
-      <p15:sldGuideLst xmlns:p15="http://schemas.microsoft.com/office/powerpoint/2012/main" xmlns=""/>
+      <p15:sldGuideLst xmlns:p15="http://schemas.microsoft.com/office/powerpoint/2012/main">
+        <p15:guide id="1" orient="horz" pos="2160">
+          <p15:clr>
+            <a:srgbClr val="A4A3A4"/>
+          </p15:clr>
+        </p15:guide>
+        <p15:guide id="2" pos="3840">
+          <p15:clr>
+            <a:srgbClr val="A4A3A4"/>
+          </p15:clr>
+        </p15:guide>
+      </p15:sldGuideLst>
     </p:ext>
   </p:extLst>
 </p:presentation>
@@ -137,7 +148,7 @@
           <p:cNvPr id="2" name="제목 1">
             <a:extLst>
               <a:ext uri="{FF2B5EF4-FFF2-40B4-BE49-F238E27FC236}">
-                <a16:creationId xmlns:a16="http://schemas.microsoft.com/office/drawing/2014/main" xmlns="" id="{49F40279-CD25-8B7A-3975-12664637434F}"/>
+                <a16:creationId xmlns:a16="http://schemas.microsoft.com/office/drawing/2014/main" id="{49F40279-CD25-8B7A-3975-12664637434F}"/>
               </a:ext>
             </a:extLst>
           </p:cNvPr>
@@ -174,7 +185,7 @@
           <p:cNvPr id="3" name="부제목 2">
             <a:extLst>
               <a:ext uri="{FF2B5EF4-FFF2-40B4-BE49-F238E27FC236}">
-                <a16:creationId xmlns:a16="http://schemas.microsoft.com/office/drawing/2014/main" xmlns="" id="{0CBD974B-C55E-F38B-99CE-864D2D01E33C}"/>
+                <a16:creationId xmlns:a16="http://schemas.microsoft.com/office/drawing/2014/main" id="{0CBD974B-C55E-F38B-99CE-864D2D01E33C}"/>
               </a:ext>
             </a:extLst>
           </p:cNvPr>
@@ -244,7 +255,7 @@
           <p:cNvPr id="4" name="날짜 개체 틀 3">
             <a:extLst>
               <a:ext uri="{FF2B5EF4-FFF2-40B4-BE49-F238E27FC236}">
-                <a16:creationId xmlns:a16="http://schemas.microsoft.com/office/drawing/2014/main" xmlns="" id="{632E0770-9CC2-F36E-EA57-6F860D9A1EBB}"/>
+                <a16:creationId xmlns:a16="http://schemas.microsoft.com/office/drawing/2014/main" id="{632E0770-9CC2-F36E-EA57-6F860D9A1EBB}"/>
               </a:ext>
             </a:extLst>
           </p:cNvPr>
@@ -262,7 +273,7 @@
           <a:p>
             <a:fld id="{DE1A4F41-A76E-4852-8F55-2746E7B52609}" type="datetimeFigureOut">
               <a:rPr lang="ko-KR" altLang="en-US" smtClean="0"/>
-              <a:t>2022-12-11</a:t>
+              <a:t>2022-12-15</a:t>
             </a:fld>
             <a:endParaRPr lang="ko-KR" altLang="en-US"/>
           </a:p>
@@ -273,7 +284,7 @@
           <p:cNvPr id="5" name="바닥글 개체 틀 4">
             <a:extLst>
               <a:ext uri="{FF2B5EF4-FFF2-40B4-BE49-F238E27FC236}">
-                <a16:creationId xmlns:a16="http://schemas.microsoft.com/office/drawing/2014/main" xmlns="" id="{F121A2AE-6467-02FB-D453-492614D4BFEB}"/>
+                <a16:creationId xmlns:a16="http://schemas.microsoft.com/office/drawing/2014/main" id="{F121A2AE-6467-02FB-D453-492614D4BFEB}"/>
               </a:ext>
             </a:extLst>
           </p:cNvPr>
@@ -298,7 +309,7 @@
           <p:cNvPr id="6" name="슬라이드 번호 개체 틀 5">
             <a:extLst>
               <a:ext uri="{FF2B5EF4-FFF2-40B4-BE49-F238E27FC236}">
-                <a16:creationId xmlns:a16="http://schemas.microsoft.com/office/drawing/2014/main" xmlns="" id="{303BD8BA-6B34-C296-B8FB-3D08D9C017D5}"/>
+                <a16:creationId xmlns:a16="http://schemas.microsoft.com/office/drawing/2014/main" id="{303BD8BA-6B34-C296-B8FB-3D08D9C017D5}"/>
               </a:ext>
             </a:extLst>
           </p:cNvPr>
@@ -357,7 +368,7 @@
           <p:cNvPr id="2" name="제목 1">
             <a:extLst>
               <a:ext uri="{FF2B5EF4-FFF2-40B4-BE49-F238E27FC236}">
-                <a16:creationId xmlns:a16="http://schemas.microsoft.com/office/drawing/2014/main" xmlns="" id="{3AD112FC-8C68-581D-E4A7-BD6A0CD3F1F8}"/>
+                <a16:creationId xmlns:a16="http://schemas.microsoft.com/office/drawing/2014/main" id="{3AD112FC-8C68-581D-E4A7-BD6A0CD3F1F8}"/>
               </a:ext>
             </a:extLst>
           </p:cNvPr>
@@ -385,7 +396,7 @@
           <p:cNvPr id="3" name="세로 텍스트 개체 틀 2">
             <a:extLst>
               <a:ext uri="{FF2B5EF4-FFF2-40B4-BE49-F238E27FC236}">
-                <a16:creationId xmlns:a16="http://schemas.microsoft.com/office/drawing/2014/main" xmlns="" id="{705BDFBA-8161-5E9D-5306-39633F919ADC}"/>
+                <a16:creationId xmlns:a16="http://schemas.microsoft.com/office/drawing/2014/main" id="{705BDFBA-8161-5E9D-5306-39633F919ADC}"/>
               </a:ext>
             </a:extLst>
           </p:cNvPr>
@@ -442,7 +453,7 @@
           <p:cNvPr id="4" name="날짜 개체 틀 3">
             <a:extLst>
               <a:ext uri="{FF2B5EF4-FFF2-40B4-BE49-F238E27FC236}">
-                <a16:creationId xmlns:a16="http://schemas.microsoft.com/office/drawing/2014/main" xmlns="" id="{10499AED-EBEE-AE14-843F-F54D9763A2BB}"/>
+                <a16:creationId xmlns:a16="http://schemas.microsoft.com/office/drawing/2014/main" id="{10499AED-EBEE-AE14-843F-F54D9763A2BB}"/>
               </a:ext>
             </a:extLst>
           </p:cNvPr>
@@ -460,7 +471,7 @@
           <a:p>
             <a:fld id="{DE1A4F41-A76E-4852-8F55-2746E7B52609}" type="datetimeFigureOut">
               <a:rPr lang="ko-KR" altLang="en-US" smtClean="0"/>
-              <a:t>2022-12-11</a:t>
+              <a:t>2022-12-15</a:t>
             </a:fld>
             <a:endParaRPr lang="ko-KR" altLang="en-US"/>
           </a:p>
@@ -471,7 +482,7 @@
           <p:cNvPr id="5" name="바닥글 개체 틀 4">
             <a:extLst>
               <a:ext uri="{FF2B5EF4-FFF2-40B4-BE49-F238E27FC236}">
-                <a16:creationId xmlns:a16="http://schemas.microsoft.com/office/drawing/2014/main" xmlns="" id="{5AC494CD-4343-5B23-B816-E01AB3C6B81B}"/>
+                <a16:creationId xmlns:a16="http://schemas.microsoft.com/office/drawing/2014/main" id="{5AC494CD-4343-5B23-B816-E01AB3C6B81B}"/>
               </a:ext>
             </a:extLst>
           </p:cNvPr>
@@ -496,7 +507,7 @@
           <p:cNvPr id="6" name="슬라이드 번호 개체 틀 5">
             <a:extLst>
               <a:ext uri="{FF2B5EF4-FFF2-40B4-BE49-F238E27FC236}">
-                <a16:creationId xmlns:a16="http://schemas.microsoft.com/office/drawing/2014/main" xmlns="" id="{DE9BA120-4C37-4762-5D4F-283594989455}"/>
+                <a16:creationId xmlns:a16="http://schemas.microsoft.com/office/drawing/2014/main" id="{DE9BA120-4C37-4762-5D4F-283594989455}"/>
               </a:ext>
             </a:extLst>
           </p:cNvPr>
@@ -555,7 +566,7 @@
           <p:cNvPr id="2" name="세로 제목 1">
             <a:extLst>
               <a:ext uri="{FF2B5EF4-FFF2-40B4-BE49-F238E27FC236}">
-                <a16:creationId xmlns:a16="http://schemas.microsoft.com/office/drawing/2014/main" xmlns="" id="{7BA90191-E178-F795-23DA-8AA8F61E0780}"/>
+                <a16:creationId xmlns:a16="http://schemas.microsoft.com/office/drawing/2014/main" id="{7BA90191-E178-F795-23DA-8AA8F61E0780}"/>
               </a:ext>
             </a:extLst>
           </p:cNvPr>
@@ -588,7 +599,7 @@
           <p:cNvPr id="3" name="세로 텍스트 개체 틀 2">
             <a:extLst>
               <a:ext uri="{FF2B5EF4-FFF2-40B4-BE49-F238E27FC236}">
-                <a16:creationId xmlns:a16="http://schemas.microsoft.com/office/drawing/2014/main" xmlns="" id="{B37A81A2-3574-97A0-B669-B1F9002B2242}"/>
+                <a16:creationId xmlns:a16="http://schemas.microsoft.com/office/drawing/2014/main" id="{B37A81A2-3574-97A0-B669-B1F9002B2242}"/>
               </a:ext>
             </a:extLst>
           </p:cNvPr>
@@ -650,7 +661,7 @@
           <p:cNvPr id="4" name="날짜 개체 틀 3">
             <a:extLst>
               <a:ext uri="{FF2B5EF4-FFF2-40B4-BE49-F238E27FC236}">
-                <a16:creationId xmlns:a16="http://schemas.microsoft.com/office/drawing/2014/main" xmlns="" id="{7093D321-9553-C5FC-1AB8-1C21AA853EA2}"/>
+                <a16:creationId xmlns:a16="http://schemas.microsoft.com/office/drawing/2014/main" id="{7093D321-9553-C5FC-1AB8-1C21AA853EA2}"/>
               </a:ext>
             </a:extLst>
           </p:cNvPr>
@@ -668,7 +679,7 @@
           <a:p>
             <a:fld id="{DE1A4F41-A76E-4852-8F55-2746E7B52609}" type="datetimeFigureOut">
               <a:rPr lang="ko-KR" altLang="en-US" smtClean="0"/>
-              <a:t>2022-12-11</a:t>
+              <a:t>2022-12-15</a:t>
             </a:fld>
             <a:endParaRPr lang="ko-KR" altLang="en-US"/>
           </a:p>
@@ -679,7 +690,7 @@
           <p:cNvPr id="5" name="바닥글 개체 틀 4">
             <a:extLst>
               <a:ext uri="{FF2B5EF4-FFF2-40B4-BE49-F238E27FC236}">
-                <a16:creationId xmlns:a16="http://schemas.microsoft.com/office/drawing/2014/main" xmlns="" id="{4A9DA5EA-7E92-CDEB-C16D-DBADEA4E7C4F}"/>
+                <a16:creationId xmlns:a16="http://schemas.microsoft.com/office/drawing/2014/main" id="{4A9DA5EA-7E92-CDEB-C16D-DBADEA4E7C4F}"/>
               </a:ext>
             </a:extLst>
           </p:cNvPr>
@@ -704,7 +715,7 @@
           <p:cNvPr id="6" name="슬라이드 번호 개체 틀 5">
             <a:extLst>
               <a:ext uri="{FF2B5EF4-FFF2-40B4-BE49-F238E27FC236}">
-                <a16:creationId xmlns:a16="http://schemas.microsoft.com/office/drawing/2014/main" xmlns="" id="{2B70D6E9-EB43-591B-BC67-8D20CB9E4CB8}"/>
+                <a16:creationId xmlns:a16="http://schemas.microsoft.com/office/drawing/2014/main" id="{2B70D6E9-EB43-591B-BC67-8D20CB9E4CB8}"/>
               </a:ext>
             </a:extLst>
           </p:cNvPr>
@@ -763,7 +774,7 @@
           <p:cNvPr id="2" name="제목 1">
             <a:extLst>
               <a:ext uri="{FF2B5EF4-FFF2-40B4-BE49-F238E27FC236}">
-                <a16:creationId xmlns:a16="http://schemas.microsoft.com/office/drawing/2014/main" xmlns="" id="{496F6A08-6278-2ED1-2DC9-F0749523920E}"/>
+                <a16:creationId xmlns:a16="http://schemas.microsoft.com/office/drawing/2014/main" id="{496F6A08-6278-2ED1-2DC9-F0749523920E}"/>
               </a:ext>
             </a:extLst>
           </p:cNvPr>
@@ -791,7 +802,7 @@
           <p:cNvPr id="3" name="내용 개체 틀 2">
             <a:extLst>
               <a:ext uri="{FF2B5EF4-FFF2-40B4-BE49-F238E27FC236}">
-                <a16:creationId xmlns:a16="http://schemas.microsoft.com/office/drawing/2014/main" xmlns="" id="{2B799D18-5EEC-FEF7-9226-42049F00748A}"/>
+                <a16:creationId xmlns:a16="http://schemas.microsoft.com/office/drawing/2014/main" id="{2B799D18-5EEC-FEF7-9226-42049F00748A}"/>
               </a:ext>
             </a:extLst>
           </p:cNvPr>
@@ -848,7 +859,7 @@
           <p:cNvPr id="4" name="날짜 개체 틀 3">
             <a:extLst>
               <a:ext uri="{FF2B5EF4-FFF2-40B4-BE49-F238E27FC236}">
-                <a16:creationId xmlns:a16="http://schemas.microsoft.com/office/drawing/2014/main" xmlns="" id="{DEC7297D-BDEA-3DA8-A093-9A35E2D859D3}"/>
+                <a16:creationId xmlns:a16="http://schemas.microsoft.com/office/drawing/2014/main" id="{DEC7297D-BDEA-3DA8-A093-9A35E2D859D3}"/>
               </a:ext>
             </a:extLst>
           </p:cNvPr>
@@ -866,7 +877,7 @@
           <a:p>
             <a:fld id="{DE1A4F41-A76E-4852-8F55-2746E7B52609}" type="datetimeFigureOut">
               <a:rPr lang="ko-KR" altLang="en-US" smtClean="0"/>
-              <a:t>2022-12-11</a:t>
+              <a:t>2022-12-15</a:t>
             </a:fld>
             <a:endParaRPr lang="ko-KR" altLang="en-US"/>
           </a:p>
@@ -877,7 +888,7 @@
           <p:cNvPr id="5" name="바닥글 개체 틀 4">
             <a:extLst>
               <a:ext uri="{FF2B5EF4-FFF2-40B4-BE49-F238E27FC236}">
-                <a16:creationId xmlns:a16="http://schemas.microsoft.com/office/drawing/2014/main" xmlns="" id="{800F4056-960F-6EAC-6C33-EE67DD917FA0}"/>
+                <a16:creationId xmlns:a16="http://schemas.microsoft.com/office/drawing/2014/main" id="{800F4056-960F-6EAC-6C33-EE67DD917FA0}"/>
               </a:ext>
             </a:extLst>
           </p:cNvPr>
@@ -902,7 +913,7 @@
           <p:cNvPr id="6" name="슬라이드 번호 개체 틀 5">
             <a:extLst>
               <a:ext uri="{FF2B5EF4-FFF2-40B4-BE49-F238E27FC236}">
-                <a16:creationId xmlns:a16="http://schemas.microsoft.com/office/drawing/2014/main" xmlns="" id="{F1A9033F-69E8-0003-4D3A-E0E03C97A11D}"/>
+                <a16:creationId xmlns:a16="http://schemas.microsoft.com/office/drawing/2014/main" id="{F1A9033F-69E8-0003-4D3A-E0E03C97A11D}"/>
               </a:ext>
             </a:extLst>
           </p:cNvPr>
@@ -961,7 +972,7 @@
           <p:cNvPr id="2" name="제목 1">
             <a:extLst>
               <a:ext uri="{FF2B5EF4-FFF2-40B4-BE49-F238E27FC236}">
-                <a16:creationId xmlns:a16="http://schemas.microsoft.com/office/drawing/2014/main" xmlns="" id="{EEEFD127-F6C9-EA9E-1B8E-5B8FEF536F49}"/>
+                <a16:creationId xmlns:a16="http://schemas.microsoft.com/office/drawing/2014/main" id="{EEEFD127-F6C9-EA9E-1B8E-5B8FEF536F49}"/>
               </a:ext>
             </a:extLst>
           </p:cNvPr>
@@ -998,7 +1009,7 @@
           <p:cNvPr id="3" name="텍스트 개체 틀 2">
             <a:extLst>
               <a:ext uri="{FF2B5EF4-FFF2-40B4-BE49-F238E27FC236}">
-                <a16:creationId xmlns:a16="http://schemas.microsoft.com/office/drawing/2014/main" xmlns="" id="{A016A7B9-E5BE-67CD-8D4B-C56AC3FD4361}"/>
+                <a16:creationId xmlns:a16="http://schemas.microsoft.com/office/drawing/2014/main" id="{A016A7B9-E5BE-67CD-8D4B-C56AC3FD4361}"/>
               </a:ext>
             </a:extLst>
           </p:cNvPr>
@@ -1123,7 +1134,7 @@
           <p:cNvPr id="4" name="날짜 개체 틀 3">
             <a:extLst>
               <a:ext uri="{FF2B5EF4-FFF2-40B4-BE49-F238E27FC236}">
-                <a16:creationId xmlns:a16="http://schemas.microsoft.com/office/drawing/2014/main" xmlns="" id="{BB46CCD3-D772-1248-E16D-4B1E0AD6158A}"/>
+                <a16:creationId xmlns:a16="http://schemas.microsoft.com/office/drawing/2014/main" id="{BB46CCD3-D772-1248-E16D-4B1E0AD6158A}"/>
               </a:ext>
             </a:extLst>
           </p:cNvPr>
@@ -1141,7 +1152,7 @@
           <a:p>
             <a:fld id="{DE1A4F41-A76E-4852-8F55-2746E7B52609}" type="datetimeFigureOut">
               <a:rPr lang="ko-KR" altLang="en-US" smtClean="0"/>
-              <a:t>2022-12-11</a:t>
+              <a:t>2022-12-15</a:t>
             </a:fld>
             <a:endParaRPr lang="ko-KR" altLang="en-US"/>
           </a:p>
@@ -1152,7 +1163,7 @@
           <p:cNvPr id="5" name="바닥글 개체 틀 4">
             <a:extLst>
               <a:ext uri="{FF2B5EF4-FFF2-40B4-BE49-F238E27FC236}">
-                <a16:creationId xmlns:a16="http://schemas.microsoft.com/office/drawing/2014/main" xmlns="" id="{0D0B4FF8-A64B-78A0-DE84-D324A0C948FD}"/>
+                <a16:creationId xmlns:a16="http://schemas.microsoft.com/office/drawing/2014/main" id="{0D0B4FF8-A64B-78A0-DE84-D324A0C948FD}"/>
               </a:ext>
             </a:extLst>
           </p:cNvPr>
@@ -1177,7 +1188,7 @@
           <p:cNvPr id="6" name="슬라이드 번호 개체 틀 5">
             <a:extLst>
               <a:ext uri="{FF2B5EF4-FFF2-40B4-BE49-F238E27FC236}">
-                <a16:creationId xmlns:a16="http://schemas.microsoft.com/office/drawing/2014/main" xmlns="" id="{1D5CDF91-EF48-538A-7D98-74BF79A289F6}"/>
+                <a16:creationId xmlns:a16="http://schemas.microsoft.com/office/drawing/2014/main" id="{1D5CDF91-EF48-538A-7D98-74BF79A289F6}"/>
               </a:ext>
             </a:extLst>
           </p:cNvPr>
@@ -1236,7 +1247,7 @@
           <p:cNvPr id="2" name="제목 1">
             <a:extLst>
               <a:ext uri="{FF2B5EF4-FFF2-40B4-BE49-F238E27FC236}">
-                <a16:creationId xmlns:a16="http://schemas.microsoft.com/office/drawing/2014/main" xmlns="" id="{BD5D7BC4-8EFB-4113-FBE1-3F9E2F2B12A7}"/>
+                <a16:creationId xmlns:a16="http://schemas.microsoft.com/office/drawing/2014/main" id="{BD5D7BC4-8EFB-4113-FBE1-3F9E2F2B12A7}"/>
               </a:ext>
             </a:extLst>
           </p:cNvPr>
@@ -1264,7 +1275,7 @@
           <p:cNvPr id="3" name="내용 개체 틀 2">
             <a:extLst>
               <a:ext uri="{FF2B5EF4-FFF2-40B4-BE49-F238E27FC236}">
-                <a16:creationId xmlns:a16="http://schemas.microsoft.com/office/drawing/2014/main" xmlns="" id="{EDEE2099-518F-F1DE-11DD-D45C853B987A}"/>
+                <a16:creationId xmlns:a16="http://schemas.microsoft.com/office/drawing/2014/main" id="{EDEE2099-518F-F1DE-11DD-D45C853B987A}"/>
               </a:ext>
             </a:extLst>
           </p:cNvPr>
@@ -1326,7 +1337,7 @@
           <p:cNvPr id="4" name="내용 개체 틀 3">
             <a:extLst>
               <a:ext uri="{FF2B5EF4-FFF2-40B4-BE49-F238E27FC236}">
-                <a16:creationId xmlns:a16="http://schemas.microsoft.com/office/drawing/2014/main" xmlns="" id="{82D71EF5-CB72-2F30-8F64-1B8D8DCCB216}"/>
+                <a16:creationId xmlns:a16="http://schemas.microsoft.com/office/drawing/2014/main" id="{82D71EF5-CB72-2F30-8F64-1B8D8DCCB216}"/>
               </a:ext>
             </a:extLst>
           </p:cNvPr>
@@ -1388,7 +1399,7 @@
           <p:cNvPr id="5" name="날짜 개체 틀 4">
             <a:extLst>
               <a:ext uri="{FF2B5EF4-FFF2-40B4-BE49-F238E27FC236}">
-                <a16:creationId xmlns:a16="http://schemas.microsoft.com/office/drawing/2014/main" xmlns="" id="{DA892DC2-6A22-4FD0-8DC1-B2CB97CAF876}"/>
+                <a16:creationId xmlns:a16="http://schemas.microsoft.com/office/drawing/2014/main" id="{DA892DC2-6A22-4FD0-8DC1-B2CB97CAF876}"/>
               </a:ext>
             </a:extLst>
           </p:cNvPr>
@@ -1406,7 +1417,7 @@
           <a:p>
             <a:fld id="{DE1A4F41-A76E-4852-8F55-2746E7B52609}" type="datetimeFigureOut">
               <a:rPr lang="ko-KR" altLang="en-US" smtClean="0"/>
-              <a:t>2022-12-11</a:t>
+              <a:t>2022-12-15</a:t>
             </a:fld>
             <a:endParaRPr lang="ko-KR" altLang="en-US"/>
           </a:p>
@@ -1417,7 +1428,7 @@
           <p:cNvPr id="6" name="바닥글 개체 틀 5">
             <a:extLst>
               <a:ext uri="{FF2B5EF4-FFF2-40B4-BE49-F238E27FC236}">
-                <a16:creationId xmlns:a16="http://schemas.microsoft.com/office/drawing/2014/main" xmlns="" id="{9166CFA2-FC53-08F1-02D1-35AE2347463E}"/>
+                <a16:creationId xmlns:a16="http://schemas.microsoft.com/office/drawing/2014/main" id="{9166CFA2-FC53-08F1-02D1-35AE2347463E}"/>
               </a:ext>
             </a:extLst>
           </p:cNvPr>
@@ -1442,7 +1453,7 @@
           <p:cNvPr id="7" name="슬라이드 번호 개체 틀 6">
             <a:extLst>
               <a:ext uri="{FF2B5EF4-FFF2-40B4-BE49-F238E27FC236}">
-                <a16:creationId xmlns:a16="http://schemas.microsoft.com/office/drawing/2014/main" xmlns="" id="{4D7CA0AE-9097-9CDD-0EC0-C228B78D5726}"/>
+                <a16:creationId xmlns:a16="http://schemas.microsoft.com/office/drawing/2014/main" id="{4D7CA0AE-9097-9CDD-0EC0-C228B78D5726}"/>
               </a:ext>
             </a:extLst>
           </p:cNvPr>
@@ -1501,7 +1512,7 @@
           <p:cNvPr id="2" name="제목 1">
             <a:extLst>
               <a:ext uri="{FF2B5EF4-FFF2-40B4-BE49-F238E27FC236}">
-                <a16:creationId xmlns:a16="http://schemas.microsoft.com/office/drawing/2014/main" xmlns="" id="{1BA7C5F6-1881-DD1E-74A3-3F1B650EB668}"/>
+                <a16:creationId xmlns:a16="http://schemas.microsoft.com/office/drawing/2014/main" id="{1BA7C5F6-1881-DD1E-74A3-3F1B650EB668}"/>
               </a:ext>
             </a:extLst>
           </p:cNvPr>
@@ -1534,7 +1545,7 @@
           <p:cNvPr id="3" name="텍스트 개체 틀 2">
             <a:extLst>
               <a:ext uri="{FF2B5EF4-FFF2-40B4-BE49-F238E27FC236}">
-                <a16:creationId xmlns:a16="http://schemas.microsoft.com/office/drawing/2014/main" xmlns="" id="{6B24FA09-E8AD-D36F-C255-FE14A2FFD897}"/>
+                <a16:creationId xmlns:a16="http://schemas.microsoft.com/office/drawing/2014/main" id="{6B24FA09-E8AD-D36F-C255-FE14A2FFD897}"/>
               </a:ext>
             </a:extLst>
           </p:cNvPr>
@@ -1605,7 +1616,7 @@
           <p:cNvPr id="4" name="내용 개체 틀 3">
             <a:extLst>
               <a:ext uri="{FF2B5EF4-FFF2-40B4-BE49-F238E27FC236}">
-                <a16:creationId xmlns:a16="http://schemas.microsoft.com/office/drawing/2014/main" xmlns="" id="{DBB30CBF-9D01-5B61-BB91-4004D55C5B9D}"/>
+                <a16:creationId xmlns:a16="http://schemas.microsoft.com/office/drawing/2014/main" id="{DBB30CBF-9D01-5B61-BB91-4004D55C5B9D}"/>
               </a:ext>
             </a:extLst>
           </p:cNvPr>
@@ -1667,7 +1678,7 @@
           <p:cNvPr id="5" name="텍스트 개체 틀 4">
             <a:extLst>
               <a:ext uri="{FF2B5EF4-FFF2-40B4-BE49-F238E27FC236}">
-                <a16:creationId xmlns:a16="http://schemas.microsoft.com/office/drawing/2014/main" xmlns="" id="{71CD3E62-5AC7-6980-02D4-C365698333FF}"/>
+                <a16:creationId xmlns:a16="http://schemas.microsoft.com/office/drawing/2014/main" id="{71CD3E62-5AC7-6980-02D4-C365698333FF}"/>
               </a:ext>
             </a:extLst>
           </p:cNvPr>
@@ -1738,7 +1749,7 @@
           <p:cNvPr id="6" name="내용 개체 틀 5">
             <a:extLst>
               <a:ext uri="{FF2B5EF4-FFF2-40B4-BE49-F238E27FC236}">
-                <a16:creationId xmlns:a16="http://schemas.microsoft.com/office/drawing/2014/main" xmlns="" id="{57FEA27C-E8A2-F4DE-3B64-B79EDF0C2AB4}"/>
+                <a16:creationId xmlns:a16="http://schemas.microsoft.com/office/drawing/2014/main" id="{57FEA27C-E8A2-F4DE-3B64-B79EDF0C2AB4}"/>
               </a:ext>
             </a:extLst>
           </p:cNvPr>
@@ -1800,7 +1811,7 @@
           <p:cNvPr id="7" name="날짜 개체 틀 6">
             <a:extLst>
               <a:ext uri="{FF2B5EF4-FFF2-40B4-BE49-F238E27FC236}">
-                <a16:creationId xmlns:a16="http://schemas.microsoft.com/office/drawing/2014/main" xmlns="" id="{383282FE-19FC-7783-3251-D73A65D21215}"/>
+                <a16:creationId xmlns:a16="http://schemas.microsoft.com/office/drawing/2014/main" id="{383282FE-19FC-7783-3251-D73A65D21215}"/>
               </a:ext>
             </a:extLst>
           </p:cNvPr>
@@ -1818,7 +1829,7 @@
           <a:p>
             <a:fld id="{DE1A4F41-A76E-4852-8F55-2746E7B52609}" type="datetimeFigureOut">
               <a:rPr lang="ko-KR" altLang="en-US" smtClean="0"/>
-              <a:t>2022-12-11</a:t>
+              <a:t>2022-12-15</a:t>
             </a:fld>
             <a:endParaRPr lang="ko-KR" altLang="en-US"/>
           </a:p>
@@ -1829,7 +1840,7 @@
           <p:cNvPr id="8" name="바닥글 개체 틀 7">
             <a:extLst>
               <a:ext uri="{FF2B5EF4-FFF2-40B4-BE49-F238E27FC236}">
-                <a16:creationId xmlns:a16="http://schemas.microsoft.com/office/drawing/2014/main" xmlns="" id="{3198D3F6-3FAF-F6F6-CD58-C3EDB5594E03}"/>
+                <a16:creationId xmlns:a16="http://schemas.microsoft.com/office/drawing/2014/main" id="{3198D3F6-3FAF-F6F6-CD58-C3EDB5594E03}"/>
               </a:ext>
             </a:extLst>
           </p:cNvPr>
@@ -1854,7 +1865,7 @@
           <p:cNvPr id="9" name="슬라이드 번호 개체 틀 8">
             <a:extLst>
               <a:ext uri="{FF2B5EF4-FFF2-40B4-BE49-F238E27FC236}">
-                <a16:creationId xmlns:a16="http://schemas.microsoft.com/office/drawing/2014/main" xmlns="" id="{864C2091-4172-467B-FD82-D456CF54B887}"/>
+                <a16:creationId xmlns:a16="http://schemas.microsoft.com/office/drawing/2014/main" id="{864C2091-4172-467B-FD82-D456CF54B887}"/>
               </a:ext>
             </a:extLst>
           </p:cNvPr>
@@ -1913,7 +1924,7 @@
           <p:cNvPr id="2" name="제목 1">
             <a:extLst>
               <a:ext uri="{FF2B5EF4-FFF2-40B4-BE49-F238E27FC236}">
-                <a16:creationId xmlns:a16="http://schemas.microsoft.com/office/drawing/2014/main" xmlns="" id="{4D89B6B3-9B9E-4619-2DA7-4BED1C5ABE42}"/>
+                <a16:creationId xmlns:a16="http://schemas.microsoft.com/office/drawing/2014/main" id="{4D89B6B3-9B9E-4619-2DA7-4BED1C5ABE42}"/>
               </a:ext>
             </a:extLst>
           </p:cNvPr>
@@ -1941,7 +1952,7 @@
           <p:cNvPr id="3" name="날짜 개체 틀 2">
             <a:extLst>
               <a:ext uri="{FF2B5EF4-FFF2-40B4-BE49-F238E27FC236}">
-                <a16:creationId xmlns:a16="http://schemas.microsoft.com/office/drawing/2014/main" xmlns="" id="{9AF481D9-47AD-582E-E07A-2B5BBC1F9E90}"/>
+                <a16:creationId xmlns:a16="http://schemas.microsoft.com/office/drawing/2014/main" id="{9AF481D9-47AD-582E-E07A-2B5BBC1F9E90}"/>
               </a:ext>
             </a:extLst>
           </p:cNvPr>
@@ -1959,7 +1970,7 @@
           <a:p>
             <a:fld id="{DE1A4F41-A76E-4852-8F55-2746E7B52609}" type="datetimeFigureOut">
               <a:rPr lang="ko-KR" altLang="en-US" smtClean="0"/>
-              <a:t>2022-12-11</a:t>
+              <a:t>2022-12-15</a:t>
             </a:fld>
             <a:endParaRPr lang="ko-KR" altLang="en-US"/>
           </a:p>
@@ -1970,7 +1981,7 @@
           <p:cNvPr id="4" name="바닥글 개체 틀 3">
             <a:extLst>
               <a:ext uri="{FF2B5EF4-FFF2-40B4-BE49-F238E27FC236}">
-                <a16:creationId xmlns:a16="http://schemas.microsoft.com/office/drawing/2014/main" xmlns="" id="{FC6850E4-5315-D71D-16F3-9CAD912C4CA3}"/>
+                <a16:creationId xmlns:a16="http://schemas.microsoft.com/office/drawing/2014/main" id="{FC6850E4-5315-D71D-16F3-9CAD912C4CA3}"/>
               </a:ext>
             </a:extLst>
           </p:cNvPr>
@@ -1995,7 +2006,7 @@
           <p:cNvPr id="5" name="슬라이드 번호 개체 틀 4">
             <a:extLst>
               <a:ext uri="{FF2B5EF4-FFF2-40B4-BE49-F238E27FC236}">
-                <a16:creationId xmlns:a16="http://schemas.microsoft.com/office/drawing/2014/main" xmlns="" id="{0AC696C9-0B85-9376-FF07-69C6A745F8B9}"/>
+                <a16:creationId xmlns:a16="http://schemas.microsoft.com/office/drawing/2014/main" id="{0AC696C9-0B85-9376-FF07-69C6A745F8B9}"/>
               </a:ext>
             </a:extLst>
           </p:cNvPr>
@@ -2054,7 +2065,7 @@
           <p:cNvPr id="2" name="날짜 개체 틀 1">
             <a:extLst>
               <a:ext uri="{FF2B5EF4-FFF2-40B4-BE49-F238E27FC236}">
-                <a16:creationId xmlns:a16="http://schemas.microsoft.com/office/drawing/2014/main" xmlns="" id="{5E5C0E46-B042-D235-D5AE-306492D51C17}"/>
+                <a16:creationId xmlns:a16="http://schemas.microsoft.com/office/drawing/2014/main" id="{5E5C0E46-B042-D235-D5AE-306492D51C17}"/>
               </a:ext>
             </a:extLst>
           </p:cNvPr>
@@ -2072,7 +2083,7 @@
           <a:p>
             <a:fld id="{DE1A4F41-A76E-4852-8F55-2746E7B52609}" type="datetimeFigureOut">
               <a:rPr lang="ko-KR" altLang="en-US" smtClean="0"/>
-              <a:t>2022-12-11</a:t>
+              <a:t>2022-12-15</a:t>
             </a:fld>
             <a:endParaRPr lang="ko-KR" altLang="en-US"/>
           </a:p>
@@ -2083,7 +2094,7 @@
           <p:cNvPr id="3" name="바닥글 개체 틀 2">
             <a:extLst>
               <a:ext uri="{FF2B5EF4-FFF2-40B4-BE49-F238E27FC236}">
-                <a16:creationId xmlns:a16="http://schemas.microsoft.com/office/drawing/2014/main" xmlns="" id="{2DA7D486-C092-E8AA-84BC-9A92526A1A50}"/>
+                <a16:creationId xmlns:a16="http://schemas.microsoft.com/office/drawing/2014/main" id="{2DA7D486-C092-E8AA-84BC-9A92526A1A50}"/>
               </a:ext>
             </a:extLst>
           </p:cNvPr>
@@ -2108,7 +2119,7 @@
           <p:cNvPr id="4" name="슬라이드 번호 개체 틀 3">
             <a:extLst>
               <a:ext uri="{FF2B5EF4-FFF2-40B4-BE49-F238E27FC236}">
-                <a16:creationId xmlns:a16="http://schemas.microsoft.com/office/drawing/2014/main" xmlns="" id="{1572FB4D-D203-35A9-9424-70F0DD654224}"/>
+                <a16:creationId xmlns:a16="http://schemas.microsoft.com/office/drawing/2014/main" id="{1572FB4D-D203-35A9-9424-70F0DD654224}"/>
               </a:ext>
             </a:extLst>
           </p:cNvPr>
@@ -2167,7 +2178,7 @@
           <p:cNvPr id="2" name="제목 1">
             <a:extLst>
               <a:ext uri="{FF2B5EF4-FFF2-40B4-BE49-F238E27FC236}">
-                <a16:creationId xmlns:a16="http://schemas.microsoft.com/office/drawing/2014/main" xmlns="" id="{E5CA5939-54EE-2351-1822-6804497C9AAE}"/>
+                <a16:creationId xmlns:a16="http://schemas.microsoft.com/office/drawing/2014/main" id="{E5CA5939-54EE-2351-1822-6804497C9AAE}"/>
               </a:ext>
             </a:extLst>
           </p:cNvPr>
@@ -2204,7 +2215,7 @@
           <p:cNvPr id="3" name="내용 개체 틀 2">
             <a:extLst>
               <a:ext uri="{FF2B5EF4-FFF2-40B4-BE49-F238E27FC236}">
-                <a16:creationId xmlns:a16="http://schemas.microsoft.com/office/drawing/2014/main" xmlns="" id="{E7A666E1-6718-6509-8605-FFEFC7079726}"/>
+                <a16:creationId xmlns:a16="http://schemas.microsoft.com/office/drawing/2014/main" id="{E7A666E1-6718-6509-8605-FFEFC7079726}"/>
               </a:ext>
             </a:extLst>
           </p:cNvPr>
@@ -2294,7 +2305,7 @@
           <p:cNvPr id="4" name="텍스트 개체 틀 3">
             <a:extLst>
               <a:ext uri="{FF2B5EF4-FFF2-40B4-BE49-F238E27FC236}">
-                <a16:creationId xmlns:a16="http://schemas.microsoft.com/office/drawing/2014/main" xmlns="" id="{593A06D6-EF69-CCF7-5559-AB04FBD9B38D}"/>
+                <a16:creationId xmlns:a16="http://schemas.microsoft.com/office/drawing/2014/main" id="{593A06D6-EF69-CCF7-5559-AB04FBD9B38D}"/>
               </a:ext>
             </a:extLst>
           </p:cNvPr>
@@ -2365,7 +2376,7 @@
           <p:cNvPr id="5" name="날짜 개체 틀 4">
             <a:extLst>
               <a:ext uri="{FF2B5EF4-FFF2-40B4-BE49-F238E27FC236}">
-                <a16:creationId xmlns:a16="http://schemas.microsoft.com/office/drawing/2014/main" xmlns="" id="{65F4A30C-2DAD-90B2-A9FE-2AEFF0B3EC0A}"/>
+                <a16:creationId xmlns:a16="http://schemas.microsoft.com/office/drawing/2014/main" id="{65F4A30C-2DAD-90B2-A9FE-2AEFF0B3EC0A}"/>
               </a:ext>
             </a:extLst>
           </p:cNvPr>
@@ -2383,7 +2394,7 @@
           <a:p>
             <a:fld id="{DE1A4F41-A76E-4852-8F55-2746E7B52609}" type="datetimeFigureOut">
               <a:rPr lang="ko-KR" altLang="en-US" smtClean="0"/>
-              <a:t>2022-12-11</a:t>
+              <a:t>2022-12-15</a:t>
             </a:fld>
             <a:endParaRPr lang="ko-KR" altLang="en-US"/>
           </a:p>
@@ -2394,7 +2405,7 @@
           <p:cNvPr id="6" name="바닥글 개체 틀 5">
             <a:extLst>
               <a:ext uri="{FF2B5EF4-FFF2-40B4-BE49-F238E27FC236}">
-                <a16:creationId xmlns:a16="http://schemas.microsoft.com/office/drawing/2014/main" xmlns="" id="{8F557E01-8198-954D-B0E7-13954D66D131}"/>
+                <a16:creationId xmlns:a16="http://schemas.microsoft.com/office/drawing/2014/main" id="{8F557E01-8198-954D-B0E7-13954D66D131}"/>
               </a:ext>
             </a:extLst>
           </p:cNvPr>
@@ -2419,7 +2430,7 @@
           <p:cNvPr id="7" name="슬라이드 번호 개체 틀 6">
             <a:extLst>
               <a:ext uri="{FF2B5EF4-FFF2-40B4-BE49-F238E27FC236}">
-                <a16:creationId xmlns:a16="http://schemas.microsoft.com/office/drawing/2014/main" xmlns="" id="{167B4A83-C034-D112-444B-B11282B445C3}"/>
+                <a16:creationId xmlns:a16="http://schemas.microsoft.com/office/drawing/2014/main" id="{167B4A83-C034-D112-444B-B11282B445C3}"/>
               </a:ext>
             </a:extLst>
           </p:cNvPr>
@@ -2478,7 +2489,7 @@
           <p:cNvPr id="2" name="제목 1">
             <a:extLst>
               <a:ext uri="{FF2B5EF4-FFF2-40B4-BE49-F238E27FC236}">
-                <a16:creationId xmlns:a16="http://schemas.microsoft.com/office/drawing/2014/main" xmlns="" id="{D532A6E7-329E-8C6E-AFDB-591B9DA3A024}"/>
+                <a16:creationId xmlns:a16="http://schemas.microsoft.com/office/drawing/2014/main" id="{D532A6E7-329E-8C6E-AFDB-591B9DA3A024}"/>
               </a:ext>
             </a:extLst>
           </p:cNvPr>
@@ -2515,7 +2526,7 @@
           <p:cNvPr id="3" name="그림 개체 틀 2">
             <a:extLst>
               <a:ext uri="{FF2B5EF4-FFF2-40B4-BE49-F238E27FC236}">
-                <a16:creationId xmlns:a16="http://schemas.microsoft.com/office/drawing/2014/main" xmlns="" id="{39F957C3-8976-6187-23AD-77ACBDF03DFA}"/>
+                <a16:creationId xmlns:a16="http://schemas.microsoft.com/office/drawing/2014/main" id="{39F957C3-8976-6187-23AD-77ACBDF03DFA}"/>
               </a:ext>
             </a:extLst>
           </p:cNvPr>
@@ -2582,7 +2593,7 @@
           <p:cNvPr id="4" name="텍스트 개체 틀 3">
             <a:extLst>
               <a:ext uri="{FF2B5EF4-FFF2-40B4-BE49-F238E27FC236}">
-                <a16:creationId xmlns:a16="http://schemas.microsoft.com/office/drawing/2014/main" xmlns="" id="{64D682BF-155B-92D9-2EA2-27EF8A1B7A96}"/>
+                <a16:creationId xmlns:a16="http://schemas.microsoft.com/office/drawing/2014/main" id="{64D682BF-155B-92D9-2EA2-27EF8A1B7A96}"/>
               </a:ext>
             </a:extLst>
           </p:cNvPr>
@@ -2653,7 +2664,7 @@
           <p:cNvPr id="5" name="날짜 개체 틀 4">
             <a:extLst>
               <a:ext uri="{FF2B5EF4-FFF2-40B4-BE49-F238E27FC236}">
-                <a16:creationId xmlns:a16="http://schemas.microsoft.com/office/drawing/2014/main" xmlns="" id="{EDAA8E7E-A032-8DEA-9270-3B0053A6C808}"/>
+                <a16:creationId xmlns:a16="http://schemas.microsoft.com/office/drawing/2014/main" id="{EDAA8E7E-A032-8DEA-9270-3B0053A6C808}"/>
               </a:ext>
             </a:extLst>
           </p:cNvPr>
@@ -2671,7 +2682,7 @@
           <a:p>
             <a:fld id="{DE1A4F41-A76E-4852-8F55-2746E7B52609}" type="datetimeFigureOut">
               <a:rPr lang="ko-KR" altLang="en-US" smtClean="0"/>
-              <a:t>2022-12-11</a:t>
+              <a:t>2022-12-15</a:t>
             </a:fld>
             <a:endParaRPr lang="ko-KR" altLang="en-US"/>
           </a:p>
@@ -2682,7 +2693,7 @@
           <p:cNvPr id="6" name="바닥글 개체 틀 5">
             <a:extLst>
               <a:ext uri="{FF2B5EF4-FFF2-40B4-BE49-F238E27FC236}">
-                <a16:creationId xmlns:a16="http://schemas.microsoft.com/office/drawing/2014/main" xmlns="" id="{63CC3B22-58FB-F9A5-B458-9DF305DECB7B}"/>
+                <a16:creationId xmlns:a16="http://schemas.microsoft.com/office/drawing/2014/main" id="{63CC3B22-58FB-F9A5-B458-9DF305DECB7B}"/>
               </a:ext>
             </a:extLst>
           </p:cNvPr>
@@ -2707,7 +2718,7 @@
           <p:cNvPr id="7" name="슬라이드 번호 개체 틀 6">
             <a:extLst>
               <a:ext uri="{FF2B5EF4-FFF2-40B4-BE49-F238E27FC236}">
-                <a16:creationId xmlns:a16="http://schemas.microsoft.com/office/drawing/2014/main" xmlns="" id="{89280F5D-47D9-BF49-1936-F08F5676BB81}"/>
+                <a16:creationId xmlns:a16="http://schemas.microsoft.com/office/drawing/2014/main" id="{89280F5D-47D9-BF49-1936-F08F5676BB81}"/>
               </a:ext>
             </a:extLst>
           </p:cNvPr>
@@ -2771,7 +2782,7 @@
           <p:cNvPr id="2" name="제목 개체 틀 1">
             <a:extLst>
               <a:ext uri="{FF2B5EF4-FFF2-40B4-BE49-F238E27FC236}">
-                <a16:creationId xmlns:a16="http://schemas.microsoft.com/office/drawing/2014/main" xmlns="" id="{87900882-C5C2-B7CB-55AA-73751D230126}"/>
+                <a16:creationId xmlns:a16="http://schemas.microsoft.com/office/drawing/2014/main" id="{87900882-C5C2-B7CB-55AA-73751D230126}"/>
               </a:ext>
             </a:extLst>
           </p:cNvPr>
@@ -2809,7 +2820,7 @@
           <p:cNvPr id="3" name="텍스트 개체 틀 2">
             <a:extLst>
               <a:ext uri="{FF2B5EF4-FFF2-40B4-BE49-F238E27FC236}">
-                <a16:creationId xmlns:a16="http://schemas.microsoft.com/office/drawing/2014/main" xmlns="" id="{7EB48F54-5935-C556-2618-767F14911812}"/>
+                <a16:creationId xmlns:a16="http://schemas.microsoft.com/office/drawing/2014/main" id="{7EB48F54-5935-C556-2618-767F14911812}"/>
               </a:ext>
             </a:extLst>
           </p:cNvPr>
@@ -2876,7 +2887,7 @@
           <p:cNvPr id="4" name="날짜 개체 틀 3">
             <a:extLst>
               <a:ext uri="{FF2B5EF4-FFF2-40B4-BE49-F238E27FC236}">
-                <a16:creationId xmlns:a16="http://schemas.microsoft.com/office/drawing/2014/main" xmlns="" id="{8A18E11C-F843-9EF9-848F-EF6CF70589CF}"/>
+                <a16:creationId xmlns:a16="http://schemas.microsoft.com/office/drawing/2014/main" id="{8A18E11C-F843-9EF9-848F-EF6CF70589CF}"/>
               </a:ext>
             </a:extLst>
           </p:cNvPr>
@@ -2912,7 +2923,7 @@
           <a:p>
             <a:fld id="{DE1A4F41-A76E-4852-8F55-2746E7B52609}" type="datetimeFigureOut">
               <a:rPr lang="ko-KR" altLang="en-US" smtClean="0"/>
-              <a:t>2022-12-11</a:t>
+              <a:t>2022-12-15</a:t>
             </a:fld>
             <a:endParaRPr lang="ko-KR" altLang="en-US"/>
           </a:p>
@@ -2923,7 +2934,7 @@
           <p:cNvPr id="5" name="바닥글 개체 틀 4">
             <a:extLst>
               <a:ext uri="{FF2B5EF4-FFF2-40B4-BE49-F238E27FC236}">
-                <a16:creationId xmlns:a16="http://schemas.microsoft.com/office/drawing/2014/main" xmlns="" id="{F8E4107D-7741-17B8-F71E-BCC0265E58B8}"/>
+                <a16:creationId xmlns:a16="http://schemas.microsoft.com/office/drawing/2014/main" id="{F8E4107D-7741-17B8-F71E-BCC0265E58B8}"/>
               </a:ext>
             </a:extLst>
           </p:cNvPr>
@@ -2966,7 +2977,7 @@
           <p:cNvPr id="6" name="슬라이드 번호 개체 틀 5">
             <a:extLst>
               <a:ext uri="{FF2B5EF4-FFF2-40B4-BE49-F238E27FC236}">
-                <a16:creationId xmlns:a16="http://schemas.microsoft.com/office/drawing/2014/main" xmlns="" id="{22938146-0069-F2A5-89D8-A2B85293C062}"/>
+                <a16:creationId xmlns:a16="http://schemas.microsoft.com/office/drawing/2014/main" id="{22938146-0069-F2A5-89D8-A2B85293C062}"/>
               </a:ext>
             </a:extLst>
           </p:cNvPr>
@@ -3348,7 +3359,7 @@
             <p:cNvPr id="46" name="TextBox 45">
               <a:extLst>
                 <a:ext uri="{FF2B5EF4-FFF2-40B4-BE49-F238E27FC236}">
-                  <a16:creationId xmlns:a16="http://schemas.microsoft.com/office/drawing/2014/main" xmlns="" id="{A9AFB107-57BE-3FF3-7AFF-962C2368E148}"/>
+                  <a16:creationId xmlns:a16="http://schemas.microsoft.com/office/drawing/2014/main" id="{A9AFB107-57BE-3FF3-7AFF-962C2368E148}"/>
                 </a:ext>
               </a:extLst>
             </p:cNvPr>
@@ -3393,7 +3404,7 @@
             <p:cNvPr id="48" name="TextBox 47">
               <a:extLst>
                 <a:ext uri="{FF2B5EF4-FFF2-40B4-BE49-F238E27FC236}">
-                  <a16:creationId xmlns:a16="http://schemas.microsoft.com/office/drawing/2014/main" xmlns="" id="{A9AFB107-57BE-3FF3-7AFF-962C2368E148}"/>
+                  <a16:creationId xmlns:a16="http://schemas.microsoft.com/office/drawing/2014/main" id="{A9AFB107-57BE-3FF3-7AFF-962C2368E148}"/>
                 </a:ext>
               </a:extLst>
             </p:cNvPr>
@@ -3426,18 +3437,13 @@
             <a:lstStyle/>
             <a:p>
               <a:r>
-                <a:rPr lang="en-US" altLang="ko-KR" sz="1100" dirty="0" smtClean="0">
+                <a:rPr lang="en-US" altLang="ko-KR" sz="1100" dirty="0">
                   <a:solidFill>
                     <a:srgbClr val="FF0000"/>
                   </a:solidFill>
                 </a:rPr>
                 <a:t>Definition</a:t>
               </a:r>
-              <a:endParaRPr lang="en-US" altLang="ko-KR" sz="1100" dirty="0">
-                <a:solidFill>
-                  <a:srgbClr val="FF0000"/>
-                </a:solidFill>
-              </a:endParaRPr>
             </a:p>
           </p:txBody>
         </p:sp>
@@ -3447,7 +3453,7 @@
           <p:cNvPr id="34" name="TextBox 33">
             <a:extLst>
               <a:ext uri="{FF2B5EF4-FFF2-40B4-BE49-F238E27FC236}">
-                <a16:creationId xmlns:a16="http://schemas.microsoft.com/office/drawing/2014/main" xmlns="" id="{A9AFB107-57BE-3FF3-7AFF-962C2368E148}"/>
+                <a16:creationId xmlns:a16="http://schemas.microsoft.com/office/drawing/2014/main" id="{A9AFB107-57BE-3FF3-7AFF-962C2368E148}"/>
               </a:ext>
             </a:extLst>
           </p:cNvPr>
@@ -3490,7 +3496,7 @@
           <p:cNvPr id="4" name="TextBox 3">
             <a:extLst>
               <a:ext uri="{FF2B5EF4-FFF2-40B4-BE49-F238E27FC236}">
-                <a16:creationId xmlns:a16="http://schemas.microsoft.com/office/drawing/2014/main" xmlns="" id="{A9AFB107-57BE-3FF3-7AFF-962C2368E148}"/>
+                <a16:creationId xmlns:a16="http://schemas.microsoft.com/office/drawing/2014/main" id="{A9AFB107-57BE-3FF3-7AFF-962C2368E148}"/>
               </a:ext>
             </a:extLst>
           </p:cNvPr>
@@ -3521,7 +3527,7 @@
           <a:lstStyle/>
           <a:p>
             <a:r>
-              <a:rPr lang="en-US" altLang="ko-KR" sz="1100" b="1" dirty="0" smtClean="0"/>
+              <a:rPr lang="en-US" altLang="ko-KR" sz="1100" b="1" dirty="0"/>
               <a:t>Provider</a:t>
             </a:r>
             <a:endParaRPr lang="en-US" altLang="ko-KR" sz="1100" dirty="0"/>
@@ -3533,7 +3539,7 @@
           <p:cNvPr id="25" name="TextBox 24">
             <a:extLst>
               <a:ext uri="{FF2B5EF4-FFF2-40B4-BE49-F238E27FC236}">
-                <a16:creationId xmlns:a16="http://schemas.microsoft.com/office/drawing/2014/main" xmlns="" id="{A9AFB107-57BE-3FF3-7AFF-962C2368E148}"/>
+                <a16:creationId xmlns:a16="http://schemas.microsoft.com/office/drawing/2014/main" id="{A9AFB107-57BE-3FF3-7AFF-962C2368E148}"/>
               </a:ext>
             </a:extLst>
           </p:cNvPr>
@@ -3564,20 +3570,20 @@
           <a:lstStyle/>
           <a:p>
             <a:r>
-              <a:rPr lang="en-US" altLang="ko-KR" sz="1100" b="1" dirty="0" smtClean="0"/>
+              <a:rPr lang="en-US" altLang="ko-KR" sz="1100" b="1" dirty="0"/>
               <a:t>ChangeNotifierProvider</a:t>
             </a:r>
             <a:endParaRPr lang="en-US" altLang="ko-KR" sz="1100" dirty="0"/>
           </a:p>
           <a:p>
             <a:r>
-              <a:rPr lang="en-US" altLang="ko-KR" sz="1100" b="1" dirty="0" smtClean="0"/>
+              <a:rPr lang="en-US" altLang="ko-KR" sz="1100" b="1" dirty="0"/>
               <a:t>FutureProvider</a:t>
             </a:r>
           </a:p>
           <a:p>
             <a:r>
-              <a:rPr lang="en-US" altLang="ko-KR" sz="1100" b="1" dirty="0" smtClean="0"/>
+              <a:rPr lang="en-US" altLang="ko-KR" sz="1100" b="1" dirty="0"/>
               <a:t>StreamProvider</a:t>
             </a:r>
             <a:endParaRPr lang="en-US" altLang="ko-KR" sz="1100" dirty="0"/>
@@ -3589,7 +3595,7 @@
           <p:cNvPr id="30" name="TextBox 29">
             <a:extLst>
               <a:ext uri="{FF2B5EF4-FFF2-40B4-BE49-F238E27FC236}">
-                <a16:creationId xmlns:a16="http://schemas.microsoft.com/office/drawing/2014/main" xmlns="" id="{A9AFB107-57BE-3FF3-7AFF-962C2368E148}"/>
+                <a16:creationId xmlns:a16="http://schemas.microsoft.com/office/drawing/2014/main" id="{A9AFB107-57BE-3FF3-7AFF-962C2368E148}"/>
               </a:ext>
             </a:extLst>
           </p:cNvPr>
@@ -3632,7 +3638,7 @@
           <p:cNvPr id="33" name="TextBox 32">
             <a:extLst>
               <a:ext uri="{FF2B5EF4-FFF2-40B4-BE49-F238E27FC236}">
-                <a16:creationId xmlns:a16="http://schemas.microsoft.com/office/drawing/2014/main" xmlns="" id="{A9AFB107-57BE-3FF3-7AFF-962C2368E148}"/>
+                <a16:creationId xmlns:a16="http://schemas.microsoft.com/office/drawing/2014/main" id="{A9AFB107-57BE-3FF3-7AFF-962C2368E148}"/>
               </a:ext>
             </a:extLst>
           </p:cNvPr>
@@ -3663,20 +3669,19 @@
           <a:lstStyle/>
           <a:p>
             <a:r>
-              <a:rPr lang="en-US" altLang="ko-KR" sz="1100" b="1" dirty="0" smtClean="0"/>
+              <a:rPr lang="en-US" altLang="ko-KR" sz="1100" b="1" dirty="0"/>
               <a:t>ProxyProvider</a:t>
             </a:r>
           </a:p>
           <a:p>
             <a:r>
-              <a:rPr lang="en-US" altLang="ko-KR" sz="1100" b="1" dirty="0" smtClean="0"/>
+              <a:rPr lang="en-US" altLang="ko-KR" sz="1100" b="1" dirty="0"/>
               <a:t>ProxyProvider0~N</a:t>
             </a:r>
-            <a:endParaRPr lang="en-US" altLang="ko-KR" sz="1100" b="1" dirty="0"/>
-          </a:p>
-          <a:p>
-            <a:r>
-              <a:rPr lang="en-US" altLang="ko-KR" sz="1100" b="1" dirty="0" smtClean="0"/>
+          </a:p>
+          <a:p>
+            <a:r>
+              <a:rPr lang="en-US" altLang="ko-KR" sz="1100" b="1" dirty="0"/>
               <a:t>ChangeNotifierProxyProvider</a:t>
             </a:r>
             <a:endParaRPr lang="en-US" altLang="ko-KR" sz="1100" dirty="0"/>
@@ -3706,7 +3711,7 @@
           <a:lstStyle/>
           <a:p>
             <a:r>
-              <a:rPr lang="en-US" altLang="ko-KR" sz="1000" dirty="0" smtClean="0"/>
+              <a:rPr lang="en-US" altLang="ko-KR" sz="1000" dirty="0"/>
               <a:t>  </a:t>
             </a:r>
             <a:endParaRPr lang="ko-KR" altLang="en-US" sz="1000" dirty="0"/>
@@ -3718,7 +3723,7 @@
           <p:cNvPr id="2" name="TextBox 1">
             <a:extLst>
               <a:ext uri="{FF2B5EF4-FFF2-40B4-BE49-F238E27FC236}">
-                <a16:creationId xmlns:a16="http://schemas.microsoft.com/office/drawing/2014/main" xmlns="" id="{C4AF561A-3B7B-158D-BC4D-3C39551F8D95}"/>
+                <a16:creationId xmlns:a16="http://schemas.microsoft.com/office/drawing/2014/main" id="{C4AF561A-3B7B-158D-BC4D-3C39551F8D95}"/>
               </a:ext>
             </a:extLst>
           </p:cNvPr>
@@ -3742,14 +3747,13 @@
           <a:lstStyle/>
           <a:p>
             <a:r>
-              <a:rPr lang="en-US" altLang="ko-KR" sz="1200" dirty="0" smtClean="0"/>
+              <a:rPr lang="en-US" altLang="ko-KR" sz="1200" dirty="0"/>
               <a:t>Provider </a:t>
             </a:r>
             <a:r>
-              <a:rPr lang="ko-KR" altLang="en-US" sz="1200" dirty="0" smtClean="0"/>
+              <a:rPr lang="ko-KR" altLang="en-US" sz="1200" dirty="0"/>
               <a:t>구성도</a:t>
             </a:r>
-            <a:endParaRPr lang="ko-KR" altLang="en-US" sz="1200" dirty="0"/>
           </a:p>
         </p:txBody>
       </p:sp>
@@ -3758,7 +3762,7 @@
           <p:cNvPr id="3" name="직선 연결선 2">
             <a:extLst>
               <a:ext uri="{FF2B5EF4-FFF2-40B4-BE49-F238E27FC236}">
-                <a16:creationId xmlns:a16="http://schemas.microsoft.com/office/drawing/2014/main" xmlns="" id="{648A685F-2664-99D3-FAE0-D046BBDCCF84}"/>
+                <a16:creationId xmlns:a16="http://schemas.microsoft.com/office/drawing/2014/main" id="{648A685F-2664-99D3-FAE0-D046BBDCCF84}"/>
               </a:ext>
             </a:extLst>
           </p:cNvPr>
@@ -3814,7 +3818,7 @@
             <p:cNvPr id="5" name="TextBox 4">
               <a:extLst>
                 <a:ext uri="{FF2B5EF4-FFF2-40B4-BE49-F238E27FC236}">
-                  <a16:creationId xmlns:a16="http://schemas.microsoft.com/office/drawing/2014/main" xmlns="" id="{A9AFB107-57BE-3FF3-7AFF-962C2368E148}"/>
+                  <a16:creationId xmlns:a16="http://schemas.microsoft.com/office/drawing/2014/main" id="{A9AFB107-57BE-3FF3-7AFF-962C2368E148}"/>
                 </a:ext>
               </a:extLst>
             </p:cNvPr>
@@ -3843,21 +3847,16 @@
             <a:lstStyle/>
             <a:p>
               <a:r>
-                <a:rPr lang="en-US" altLang="ko-KR" sz="1100" b="1" dirty="0" smtClean="0"/>
+                <a:rPr lang="en-US" altLang="ko-KR" sz="1100" b="1" dirty="0"/>
                 <a:t>ChangeNotifier</a:t>
               </a:r>
               <a:endParaRPr lang="en-US" altLang="ko-KR" sz="1100" dirty="0"/>
             </a:p>
             <a:p>
               <a:r>
-                <a:rPr lang="en-US" altLang="ko-KR" sz="1100" dirty="0" smtClean="0"/>
-                <a:t>  - </a:t>
+                <a:rPr lang="en-US" altLang="ko-KR" sz="1100" dirty="0"/>
+                <a:t>  - notifyListeners( )</a:t>
               </a:r>
-              <a:r>
-                <a:rPr lang="en-US" altLang="ko-KR" sz="1100" dirty="0" smtClean="0"/>
-                <a:t>notifyListeners( )</a:t>
-              </a:r>
-              <a:endParaRPr lang="en-US" altLang="ko-KR" sz="1100" dirty="0"/>
             </a:p>
           </p:txBody>
         </p:sp>
@@ -3866,7 +3865,7 @@
             <p:cNvPr id="11" name="TextBox 10">
               <a:extLst>
                 <a:ext uri="{FF2B5EF4-FFF2-40B4-BE49-F238E27FC236}">
-                  <a16:creationId xmlns:a16="http://schemas.microsoft.com/office/drawing/2014/main" xmlns="" id="{A9AFB107-57BE-3FF3-7AFF-962C2368E148}"/>
+                  <a16:creationId xmlns:a16="http://schemas.microsoft.com/office/drawing/2014/main" id="{A9AFB107-57BE-3FF3-7AFF-962C2368E148}"/>
                 </a:ext>
               </a:extLst>
             </p:cNvPr>
@@ -3895,18 +3894,13 @@
             <a:lstStyle/>
             <a:p>
               <a:r>
-                <a:rPr lang="en-US" altLang="ko-KR" sz="1100" dirty="0" smtClean="0">
+                <a:rPr lang="en-US" altLang="ko-KR" sz="1100" dirty="0">
                   <a:solidFill>
                     <a:srgbClr val="FF0000"/>
                   </a:solidFill>
                 </a:rPr>
                 <a:t>Notifier (Model)</a:t>
               </a:r>
-              <a:endParaRPr lang="en-US" altLang="ko-KR" sz="1100" dirty="0">
-                <a:solidFill>
-                  <a:srgbClr val="FF0000"/>
-                </a:solidFill>
-              </a:endParaRPr>
             </a:p>
           </p:txBody>
         </p:sp>
@@ -3966,7 +3960,7 @@
             <p:cNvPr id="39" name="TextBox 38">
               <a:extLst>
                 <a:ext uri="{FF2B5EF4-FFF2-40B4-BE49-F238E27FC236}">
-                  <a16:creationId xmlns:a16="http://schemas.microsoft.com/office/drawing/2014/main" xmlns="" id="{A9AFB107-57BE-3FF3-7AFF-962C2368E148}"/>
+                  <a16:creationId xmlns:a16="http://schemas.microsoft.com/office/drawing/2014/main" id="{A9AFB107-57BE-3FF3-7AFF-962C2368E148}"/>
                 </a:ext>
               </a:extLst>
             </p:cNvPr>
@@ -4011,7 +4005,7 @@
             <p:cNvPr id="40" name="TextBox 39">
               <a:extLst>
                 <a:ext uri="{FF2B5EF4-FFF2-40B4-BE49-F238E27FC236}">
-                  <a16:creationId xmlns:a16="http://schemas.microsoft.com/office/drawing/2014/main" xmlns="" id="{A9AFB107-57BE-3FF3-7AFF-962C2368E148}"/>
+                  <a16:creationId xmlns:a16="http://schemas.microsoft.com/office/drawing/2014/main" id="{A9AFB107-57BE-3FF3-7AFF-962C2368E148}"/>
                 </a:ext>
               </a:extLst>
             </p:cNvPr>
@@ -4044,18 +4038,13 @@
             <a:lstStyle/>
             <a:p>
               <a:r>
-                <a:rPr lang="en-US" altLang="ko-KR" sz="1100" dirty="0" smtClean="0">
+                <a:rPr lang="en-US" altLang="ko-KR" sz="1100" dirty="0">
                   <a:solidFill>
                     <a:srgbClr val="FF0000"/>
                   </a:solidFill>
                 </a:rPr>
                 <a:t>Definition &amp; Use</a:t>
               </a:r>
-              <a:endParaRPr lang="en-US" altLang="ko-KR" sz="1100" dirty="0">
-                <a:solidFill>
-                  <a:srgbClr val="FF0000"/>
-                </a:solidFill>
-              </a:endParaRPr>
             </a:p>
           </p:txBody>
         </p:sp>
@@ -4064,7 +4053,7 @@
             <p:cNvPr id="41" name="TextBox 40">
               <a:extLst>
                 <a:ext uri="{FF2B5EF4-FFF2-40B4-BE49-F238E27FC236}">
-                  <a16:creationId xmlns:a16="http://schemas.microsoft.com/office/drawing/2014/main" xmlns="" id="{A9AFB107-57BE-3FF3-7AFF-962C2368E148}"/>
+                  <a16:creationId xmlns:a16="http://schemas.microsoft.com/office/drawing/2014/main" id="{A9AFB107-57BE-3FF3-7AFF-962C2368E148}"/>
                 </a:ext>
               </a:extLst>
             </p:cNvPr>
@@ -4095,13 +4084,13 @@
             <a:lstStyle/>
             <a:p>
               <a:r>
-                <a:rPr lang="en-US" altLang="ko-KR" sz="1100" b="1" dirty="0" smtClean="0"/>
+                <a:rPr lang="en-US" altLang="ko-KR" sz="1100" b="1" dirty="0"/>
                 <a:t>Consumer</a:t>
               </a:r>
             </a:p>
             <a:p>
               <a:r>
-                <a:rPr lang="en-US" altLang="ko-KR" sz="1100" b="1" dirty="0" smtClean="0"/>
+                <a:rPr lang="en-US" altLang="ko-KR" sz="1100" b="1" dirty="0"/>
                 <a:t>Selector</a:t>
               </a:r>
               <a:endParaRPr lang="en-US" altLang="ko-KR" sz="1100" dirty="0"/>
@@ -4113,7 +4102,7 @@
             <p:cNvPr id="54" name="TextBox 53">
               <a:extLst>
                 <a:ext uri="{FF2B5EF4-FFF2-40B4-BE49-F238E27FC236}">
-                  <a16:creationId xmlns:a16="http://schemas.microsoft.com/office/drawing/2014/main" xmlns="" id="{A9AFB107-57BE-3FF3-7AFF-962C2368E148}"/>
+                  <a16:creationId xmlns:a16="http://schemas.microsoft.com/office/drawing/2014/main" id="{A9AFB107-57BE-3FF3-7AFF-962C2368E148}"/>
                 </a:ext>
               </a:extLst>
             </p:cNvPr>
@@ -4144,11 +4133,11 @@
             <a:lstStyle/>
             <a:p>
               <a:r>
-                <a:rPr lang="en-US" altLang="ko-KR" sz="1100" b="1" dirty="0" smtClean="0"/>
+                <a:rPr lang="en-US" altLang="ko-KR" sz="1100" b="1" dirty="0"/>
                 <a:t>Instance.</a:t>
               </a:r>
               <a:r>
-                <a:rPr lang="ko-KR" altLang="en-US" sz="1100" b="1" dirty="0" smtClean="0"/>
+                <a:rPr lang="ko-KR" altLang="en-US" sz="1100" b="1" dirty="0"/>
                 <a:t>속성</a:t>
               </a:r>
               <a:endParaRPr lang="en-US" altLang="ko-KR" sz="1100" dirty="0"/>
@@ -4227,7 +4216,7 @@
               <p:cNvPr id="20" name="TextBox 19">
                 <a:extLst>
                   <a:ext uri="{FF2B5EF4-FFF2-40B4-BE49-F238E27FC236}">
-                    <a16:creationId xmlns:a16="http://schemas.microsoft.com/office/drawing/2014/main" xmlns="" id="{A9AFB107-57BE-3FF3-7AFF-962C2368E148}"/>
+                    <a16:creationId xmlns:a16="http://schemas.microsoft.com/office/drawing/2014/main" id="{A9AFB107-57BE-3FF3-7AFF-962C2368E148}"/>
                   </a:ext>
                 </a:extLst>
               </p:cNvPr>
@@ -4269,7 +4258,7 @@
               <p:cNvPr id="21" name="TextBox 20">
                 <a:extLst>
                   <a:ext uri="{FF2B5EF4-FFF2-40B4-BE49-F238E27FC236}">
-                    <a16:creationId xmlns:a16="http://schemas.microsoft.com/office/drawing/2014/main" xmlns="" id="{A9AFB107-57BE-3FF3-7AFF-962C2368E148}"/>
+                    <a16:creationId xmlns:a16="http://schemas.microsoft.com/office/drawing/2014/main" id="{A9AFB107-57BE-3FF3-7AFF-962C2368E148}"/>
                   </a:ext>
                 </a:extLst>
               </p:cNvPr>
@@ -4303,7 +4292,7 @@
               <a:lstStyle/>
               <a:p>
                 <a:r>
-                  <a:rPr lang="en-US" altLang="ko-KR" sz="1100" dirty="0" smtClean="0">
+                  <a:rPr lang="en-US" altLang="ko-KR" sz="1100" dirty="0">
                     <a:solidFill>
                       <a:srgbClr val="FF0000"/>
                     </a:solidFill>
@@ -4311,7 +4300,7 @@
                   <a:t>Use (</a:t>
                 </a:r>
                 <a:r>
-                  <a:rPr lang="ko-KR" altLang="en-US" sz="1100" dirty="0" smtClean="0">
+                  <a:rPr lang="ko-KR" altLang="en-US" sz="1100" dirty="0">
                     <a:solidFill>
                       <a:srgbClr val="FF0000"/>
                     </a:solidFill>
@@ -4319,18 +4308,13 @@
                   <a:t>하위 </a:t>
                 </a:r>
                 <a:r>
-                  <a:rPr lang="en-US" altLang="ko-KR" sz="1100" dirty="0" smtClean="0">
+                  <a:rPr lang="en-US" altLang="ko-KR" sz="1100" dirty="0">
                     <a:solidFill>
                       <a:srgbClr val="FF0000"/>
                     </a:solidFill>
                   </a:rPr>
                   <a:t>Widget, Class)</a:t>
                 </a:r>
-                <a:endParaRPr lang="en-US" altLang="ko-KR" sz="1100" dirty="0">
-                  <a:solidFill>
-                    <a:srgbClr val="FF0000"/>
-                  </a:solidFill>
-                </a:endParaRPr>
               </a:p>
             </p:txBody>
           </p:sp>
@@ -4340,7 +4324,7 @@
             <p:cNvPr id="6" name="TextBox 5">
               <a:extLst>
                 <a:ext uri="{FF2B5EF4-FFF2-40B4-BE49-F238E27FC236}">
-                  <a16:creationId xmlns:a16="http://schemas.microsoft.com/office/drawing/2014/main" xmlns="" id="{A9AFB107-57BE-3FF3-7AFF-962C2368E148}"/>
+                  <a16:creationId xmlns:a16="http://schemas.microsoft.com/office/drawing/2014/main" id="{A9AFB107-57BE-3FF3-7AFF-962C2368E148}"/>
                 </a:ext>
               </a:extLst>
             </p:cNvPr>
@@ -4372,13 +4356,8 @@
             <a:p>
               <a:r>
                 <a:rPr lang="en-US" altLang="ko-KR" sz="1100" dirty="0"/>
-                <a:t>context.read&lt;Dog&gt;().</a:t>
+                <a:t>context.read&lt;Dog&gt;().name</a:t>
               </a:r>
-              <a:r>
-                <a:rPr lang="en-US" altLang="ko-KR" sz="1100" dirty="0" smtClean="0"/>
-                <a:t>name</a:t>
-              </a:r>
-              <a:endParaRPr lang="en-US" altLang="ko-KR" sz="1100" dirty="0"/>
             </a:p>
           </p:txBody>
         </p:sp>
@@ -4387,7 +4366,7 @@
             <p:cNvPr id="7" name="TextBox 6">
               <a:extLst>
                 <a:ext uri="{FF2B5EF4-FFF2-40B4-BE49-F238E27FC236}">
-                  <a16:creationId xmlns:a16="http://schemas.microsoft.com/office/drawing/2014/main" xmlns="" id="{A9AFB107-57BE-3FF3-7AFF-962C2368E148}"/>
+                  <a16:creationId xmlns:a16="http://schemas.microsoft.com/office/drawing/2014/main" id="{A9AFB107-57BE-3FF3-7AFF-962C2368E148}"/>
                 </a:ext>
               </a:extLst>
             </p:cNvPr>
@@ -4418,32 +4397,15 @@
             <a:lstStyle/>
             <a:p>
               <a:r>
-                <a:rPr lang="en-US" altLang="ko-KR" sz="1100" dirty="0" smtClean="0"/>
-                <a:t>Provider.of&lt;Dog</a:t>
-              </a:r>
-              <a:r>
                 <a:rPr lang="en-US" altLang="ko-KR" sz="1100" dirty="0"/>
-                <a:t>&gt;(context, listen: false).</a:t>
-              </a:r>
-              <a:r>
-                <a:rPr lang="en-US" altLang="ko-KR" sz="1100" dirty="0" smtClean="0"/>
-                <a:t>name</a:t>
+                <a:t>Provider.of&lt;Dog&gt;(context, listen: false).name</a:t>
               </a:r>
             </a:p>
             <a:p>
               <a:r>
-                <a:rPr lang="en-US" altLang="ko-KR" sz="1100" dirty="0" smtClean="0"/>
-                <a:t>Provider.of&lt;Dog</a:t>
+                <a:rPr lang="en-US" altLang="ko-KR" sz="1100" dirty="0"/>
+                <a:t>Provider.of&lt;Dog&gt;(context, listen: false).grow()</a:t>
               </a:r>
-              <a:r>
-                <a:rPr lang="en-US" altLang="ko-KR" sz="1100" dirty="0"/>
-                <a:t>&gt;(context, listen: false).grow</a:t>
-              </a:r>
-              <a:r>
-                <a:rPr lang="en-US" altLang="ko-KR" sz="1100" dirty="0" smtClean="0"/>
-                <a:t>()</a:t>
-              </a:r>
-              <a:endParaRPr lang="en-US" altLang="ko-KR" sz="1100" dirty="0"/>
             </a:p>
           </p:txBody>
         </p:sp>
@@ -4466,7 +4428,7 @@
               <p:cNvPr id="13" name="TextBox 12">
                 <a:extLst>
                   <a:ext uri="{FF2B5EF4-FFF2-40B4-BE49-F238E27FC236}">
-                    <a16:creationId xmlns:a16="http://schemas.microsoft.com/office/drawing/2014/main" xmlns="" id="{A9AFB107-57BE-3FF3-7AFF-962C2368E148}"/>
+                    <a16:creationId xmlns:a16="http://schemas.microsoft.com/office/drawing/2014/main" id="{A9AFB107-57BE-3FF3-7AFF-962C2368E148}"/>
                   </a:ext>
                 </a:extLst>
               </p:cNvPr>
@@ -4497,13 +4459,13 @@
               <a:lstStyle/>
               <a:p>
                 <a:r>
-                  <a:rPr lang="en-US" altLang="ko-KR" sz="1100" dirty="0" smtClean="0"/>
+                  <a:rPr lang="en-US" altLang="ko-KR" sz="1100" dirty="0"/>
                   <a:t>Provider.of&lt;Dog&gt;(context).name</a:t>
                 </a:r>
               </a:p>
               <a:p>
                 <a:r>
-                  <a:rPr lang="en-US" altLang="ko-KR" sz="1100" dirty="0" smtClean="0"/>
+                  <a:rPr lang="en-US" altLang="ko-KR" sz="1100" dirty="0"/>
                   <a:t>Provider.of&lt;Dog&gt;(context).age</a:t>
                 </a:r>
               </a:p>
@@ -4514,7 +4476,7 @@
               <p:cNvPr id="14" name="TextBox 13">
                 <a:extLst>
                   <a:ext uri="{FF2B5EF4-FFF2-40B4-BE49-F238E27FC236}">
-                    <a16:creationId xmlns:a16="http://schemas.microsoft.com/office/drawing/2014/main" xmlns="" id="{A9AFB107-57BE-3FF3-7AFF-962C2368E148}"/>
+                    <a16:creationId xmlns:a16="http://schemas.microsoft.com/office/drawing/2014/main" id="{A9AFB107-57BE-3FF3-7AFF-962C2368E148}"/>
                   </a:ext>
                 </a:extLst>
               </p:cNvPr>
@@ -4545,24 +4507,15 @@
               <a:lstStyle/>
               <a:p>
                 <a:r>
-                  <a:rPr lang="en-US" altLang="ko-KR" sz="1100" dirty="0" smtClean="0"/>
-                  <a:t>context.watch&lt;Dog</a:t>
-                </a:r>
-                <a:r>
                   <a:rPr lang="en-US" altLang="ko-KR" sz="1100" dirty="0"/>
-                  <a:t>&gt;().age</a:t>
+                  <a:t>context.watch&lt;Dog&gt;().age</a:t>
                 </a:r>
               </a:p>
               <a:p>
                 <a:r>
                   <a:rPr lang="en-US" altLang="ko-KR" sz="1100" dirty="0"/>
-                  <a:t>context.select&lt;Dog, String&gt;((Dog dog) =&gt; dog.breed</a:t>
+                  <a:t>context.select&lt;Dog, String&gt;((Dog dog) =&gt; dog.breed)</a:t>
                 </a:r>
-                <a:r>
-                  <a:rPr lang="en-US" altLang="ko-KR" sz="1100" dirty="0" smtClean="0"/>
-                  <a:t>)</a:t>
-                </a:r>
-                <a:endParaRPr lang="en-US" altLang="ko-KR" sz="1100" dirty="0"/>
               </a:p>
             </p:txBody>
           </p:sp>
@@ -4571,7 +4524,7 @@
               <p:cNvPr id="17" name="TextBox 16">
                 <a:extLst>
                   <a:ext uri="{FF2B5EF4-FFF2-40B4-BE49-F238E27FC236}">
-                    <a16:creationId xmlns:a16="http://schemas.microsoft.com/office/drawing/2014/main" xmlns="" id="{A9AFB107-57BE-3FF3-7AFF-962C2368E148}"/>
+                    <a16:creationId xmlns:a16="http://schemas.microsoft.com/office/drawing/2014/main" id="{A9AFB107-57BE-3FF3-7AFF-962C2368E148}"/>
                   </a:ext>
                 </a:extLst>
               </p:cNvPr>
@@ -4605,7 +4558,7 @@
               <a:lstStyle/>
               <a:p>
                 <a:r>
-                  <a:rPr lang="en-US" altLang="ko-KR" sz="1100" dirty="0" smtClean="0"/>
+                  <a:rPr lang="en-US" altLang="ko-KR" sz="1100" dirty="0"/>
                   <a:t>Observer, Listener</a:t>
                 </a:r>
               </a:p>
@@ -4717,7 +4670,7 @@
               <p:cNvPr id="79" name="TextBox 78">
                 <a:extLst>
                   <a:ext uri="{FF2B5EF4-FFF2-40B4-BE49-F238E27FC236}">
-                    <a16:creationId xmlns:a16="http://schemas.microsoft.com/office/drawing/2014/main" xmlns="" id="{A9AFB107-57BE-3FF3-7AFF-962C2368E148}"/>
+                    <a16:creationId xmlns:a16="http://schemas.microsoft.com/office/drawing/2014/main" id="{A9AFB107-57BE-3FF3-7AFF-962C2368E148}"/>
                   </a:ext>
                 </a:extLst>
               </p:cNvPr>
@@ -4758,7 +4711,7 @@
               <p:cNvPr id="80" name="TextBox 79">
                 <a:extLst>
                   <a:ext uri="{FF2B5EF4-FFF2-40B4-BE49-F238E27FC236}">
-                    <a16:creationId xmlns:a16="http://schemas.microsoft.com/office/drawing/2014/main" xmlns="" id="{A9AFB107-57BE-3FF3-7AFF-962C2368E148}"/>
+                    <a16:creationId xmlns:a16="http://schemas.microsoft.com/office/drawing/2014/main" id="{A9AFB107-57BE-3FF3-7AFF-962C2368E148}"/>
                   </a:ext>
                 </a:extLst>
               </p:cNvPr>
@@ -4791,18 +4744,13 @@
               <a:lstStyle/>
               <a:p>
                 <a:r>
-                  <a:rPr lang="en-US" altLang="ko-KR" sz="1100" dirty="0" smtClean="0">
+                  <a:rPr lang="en-US" altLang="ko-KR" sz="1100" dirty="0">
                     <a:solidFill>
                       <a:srgbClr val="FF0000"/>
                     </a:solidFill>
                   </a:rPr>
                   <a:t>Provider - Route Access</a:t>
                 </a:r>
-                <a:endParaRPr lang="en-US" altLang="ko-KR" sz="1100" dirty="0">
-                  <a:solidFill>
-                    <a:srgbClr val="FF0000"/>
-                  </a:solidFill>
-                </a:endParaRPr>
               </a:p>
             </p:txBody>
           </p:sp>
@@ -4812,7 +4760,7 @@
             <p:cNvPr id="74" name="TextBox 73">
               <a:extLst>
                 <a:ext uri="{FF2B5EF4-FFF2-40B4-BE49-F238E27FC236}">
-                  <a16:creationId xmlns:a16="http://schemas.microsoft.com/office/drawing/2014/main" xmlns="" id="{A9AFB107-57BE-3FF3-7AFF-962C2368E148}"/>
+                  <a16:creationId xmlns:a16="http://schemas.microsoft.com/office/drawing/2014/main" id="{A9AFB107-57BE-3FF3-7AFF-962C2368E148}"/>
                 </a:ext>
               </a:extLst>
             </p:cNvPr>
@@ -4844,36 +4792,24 @@
             <a:p>
               <a:r>
                 <a:rPr lang="en-US" altLang="ko-KR" sz="1100" dirty="0"/>
-                <a:t>Anonymous Route </a:t>
-              </a:r>
-              <a:r>
-                <a:rPr lang="en-US" altLang="ko-KR" sz="1100" dirty="0" smtClean="0"/>
-                <a:t>Access</a:t>
+                <a:t>Anonymous Route Access</a:t>
               </a:r>
             </a:p>
             <a:p>
               <a:r>
-                <a:rPr lang="en-US" altLang="ko-KR" sz="1100" dirty="0" smtClean="0"/>
-                <a:t>Named </a:t>
-              </a:r>
-              <a:r>
                 <a:rPr lang="en-US" altLang="ko-KR" sz="1100" dirty="0"/>
-                <a:t>Route Access</a:t>
+                <a:t>Named Route Access</a:t>
               </a:r>
             </a:p>
             <a:p>
               <a:r>
-                <a:rPr lang="en-US" altLang="ko-KR" sz="1100" dirty="0" smtClean="0"/>
-                <a:t>Generated </a:t>
-              </a:r>
-              <a:r>
                 <a:rPr lang="en-US" altLang="ko-KR" sz="1100" dirty="0"/>
-                <a:t>Route Access</a:t>
+                <a:t>Generated Route Access</a:t>
               </a:r>
             </a:p>
             <a:p>
               <a:r>
-                <a:rPr lang="en-US" altLang="ko-KR" sz="1100" dirty="0" smtClean="0"/>
+                <a:rPr lang="en-US" altLang="ko-KR" sz="1100" dirty="0"/>
                 <a:t>Global </a:t>
               </a:r>
               <a:r>
@@ -4884,7 +4820,6 @@
                 <a:rPr lang="en-US" altLang="ko-KR" sz="1100" dirty="0"/>
                 <a:t> Access</a:t>
               </a:r>
-              <a:endParaRPr lang="en-US" altLang="ko-KR" sz="1100" dirty="0"/>
             </a:p>
           </p:txBody>
         </p:sp>
@@ -5020,7 +4955,7 @@
           <a:lstStyle/>
           <a:p>
             <a:r>
-              <a:rPr lang="en-US" altLang="ko-KR" dirty="0" smtClean="0"/>
+              <a:rPr lang="en-US" altLang="ko-KR" dirty="0"/>
               <a:t>  </a:t>
             </a:r>
             <a:endParaRPr lang="ko-KR" altLang="en-US" dirty="0"/>
@@ -5032,7 +4967,7 @@
           <p:cNvPr id="100" name="TextBox 99">
             <a:extLst>
               <a:ext uri="{FF2B5EF4-FFF2-40B4-BE49-F238E27FC236}">
-                <a16:creationId xmlns:a16="http://schemas.microsoft.com/office/drawing/2014/main" xmlns="" id="{A9AFB107-57BE-3FF3-7AFF-962C2368E148}"/>
+                <a16:creationId xmlns:a16="http://schemas.microsoft.com/office/drawing/2014/main" id="{A9AFB107-57BE-3FF3-7AFF-962C2368E148}"/>
               </a:ext>
             </a:extLst>
           </p:cNvPr>
@@ -5063,10 +4998,9 @@
           <a:lstStyle/>
           <a:p>
             <a:r>
-              <a:rPr lang="en-US" altLang="ko-KR" sz="1100" dirty="0" smtClean="0"/>
+              <a:rPr lang="en-US" altLang="ko-KR" sz="1100" dirty="0"/>
               <a:t>StateNofifierProvider</a:t>
             </a:r>
-            <a:endParaRPr lang="en-US" altLang="ko-KR" sz="1100" dirty="0"/>
           </a:p>
         </p:txBody>
       </p:sp>
@@ -5075,7 +5009,7 @@
           <p:cNvPr id="113" name="TextBox 112">
             <a:extLst>
               <a:ext uri="{FF2B5EF4-FFF2-40B4-BE49-F238E27FC236}">
-                <a16:creationId xmlns:a16="http://schemas.microsoft.com/office/drawing/2014/main" xmlns="" id="{A9AFB107-57BE-3FF3-7AFF-962C2368E148}"/>
+                <a16:creationId xmlns:a16="http://schemas.microsoft.com/office/drawing/2014/main" id="{A9AFB107-57BE-3FF3-7AFF-962C2368E148}"/>
               </a:ext>
             </a:extLst>
           </p:cNvPr>
@@ -5109,10 +5043,9 @@
           <a:lstStyle/>
           <a:p>
             <a:r>
-              <a:rPr lang="en-US" altLang="ko-KR" sz="1100" dirty="0" smtClean="0"/>
+              <a:rPr lang="en-US" altLang="ko-KR" sz="1100" dirty="0"/>
               <a:t>Independent States</a:t>
             </a:r>
-            <a:endParaRPr lang="en-US" altLang="ko-KR" sz="1100" dirty="0" smtClean="0"/>
           </a:p>
         </p:txBody>
       </p:sp>
@@ -5121,7 +5054,7 @@
           <p:cNvPr id="114" name="TextBox 113">
             <a:extLst>
               <a:ext uri="{FF2B5EF4-FFF2-40B4-BE49-F238E27FC236}">
-                <a16:creationId xmlns:a16="http://schemas.microsoft.com/office/drawing/2014/main" xmlns="" id="{A9AFB107-57BE-3FF3-7AFF-962C2368E148}"/>
+                <a16:creationId xmlns:a16="http://schemas.microsoft.com/office/drawing/2014/main" id="{A9AFB107-57BE-3FF3-7AFF-962C2368E148}"/>
               </a:ext>
             </a:extLst>
           </p:cNvPr>
@@ -5155,10 +5088,53 @@
           <a:lstStyle/>
           <a:p>
             <a:r>
-              <a:rPr lang="en-US" altLang="ko-KR" sz="1100" dirty="0" smtClean="0"/>
+              <a:rPr lang="en-US" altLang="ko-KR" sz="1100" dirty="0"/>
               <a:t>Computed States</a:t>
             </a:r>
-            <a:endParaRPr lang="en-US" altLang="ko-KR" sz="1100" dirty="0" smtClean="0"/>
+          </a:p>
+        </p:txBody>
+      </p:sp>
+      <p:sp>
+        <p:nvSpPr>
+          <p:cNvPr id="8" name="TextBox 7">
+            <a:extLst>
+              <a:ext uri="{FF2B5EF4-FFF2-40B4-BE49-F238E27FC236}">
+                <a16:creationId xmlns:a16="http://schemas.microsoft.com/office/drawing/2014/main" id="{71D9ECDF-4C2D-8874-E457-4E46A92BB408}"/>
+              </a:ext>
+            </a:extLst>
+          </p:cNvPr>
+          <p:cNvSpPr txBox="1"/>
+          <p:nvPr/>
+        </p:nvSpPr>
+        <p:spPr>
+          <a:xfrm>
+            <a:off x="6249194" y="315831"/>
+            <a:ext cx="1349786" cy="276999"/>
+          </a:xfrm>
+          <a:prstGeom prst="rect">
+            <a:avLst/>
+          </a:prstGeom>
+          <a:noFill/>
+        </p:spPr>
+        <p:txBody>
+          <a:bodyPr wrap="square" rtlCol="0">
+            <a:spAutoFit/>
+          </a:bodyPr>
+          <a:lstStyle/>
+          <a:p>
+            <a:r>
+              <a:rPr lang="en-US" altLang="ko-KR" sz="1200" dirty="0">
+                <a:highlight>
+                  <a:srgbClr val="FFFF00"/>
+                </a:highlight>
+              </a:rPr>
+              <a:t>[ MultiProvider ]</a:t>
+            </a:r>
+            <a:endParaRPr lang="ko-KR" altLang="en-US" sz="1200" dirty="0">
+              <a:highlight>
+                <a:srgbClr val="FFFF00"/>
+              </a:highlight>
+            </a:endParaRPr>
           </a:p>
         </p:txBody>
       </p:sp>
@@ -5172,13 +5148,6 @@
   <p:clrMapOvr>
     <a:masterClrMapping/>
   </p:clrMapOvr>
-  <p:timing>
-    <p:tnLst>
-      <p:par>
-        <p:cTn id="1" dur="indefinite" restart="never" nodeType="tmRoot"/>
-      </p:par>
-    </p:tnLst>
-  </p:timing>
 </p:sld>
 </file>
 
@@ -5204,7 +5173,7 @@
           <p:cNvPr id="17" name="TextBox 16">
             <a:extLst>
               <a:ext uri="{FF2B5EF4-FFF2-40B4-BE49-F238E27FC236}">
-                <a16:creationId xmlns:a16="http://schemas.microsoft.com/office/drawing/2014/main" xmlns="" id="{C4AF561A-3B7B-158D-BC4D-3C39551F8D95}"/>
+                <a16:creationId xmlns:a16="http://schemas.microsoft.com/office/drawing/2014/main" id="{C4AF561A-3B7B-158D-BC4D-3C39551F8D95}"/>
               </a:ext>
             </a:extLst>
           </p:cNvPr>
@@ -5228,14 +5197,13 @@
           <a:lstStyle/>
           <a:p>
             <a:r>
-              <a:rPr lang="en-US" altLang="ko-KR" sz="1200" dirty="0" smtClean="0"/>
+              <a:rPr lang="en-US" altLang="ko-KR" sz="1200" dirty="0"/>
               <a:t>Provider </a:t>
             </a:r>
             <a:r>
-              <a:rPr lang="ko-KR" altLang="en-US" sz="1200" dirty="0" smtClean="0"/>
+              <a:rPr lang="ko-KR" altLang="en-US" sz="1200" dirty="0"/>
               <a:t>구성도</a:t>
             </a:r>
-            <a:endParaRPr lang="ko-KR" altLang="en-US" sz="1200" dirty="0"/>
           </a:p>
         </p:txBody>
       </p:sp>
@@ -5244,7 +5212,7 @@
           <p:cNvPr id="18" name="직선 연결선 17">
             <a:extLst>
               <a:ext uri="{FF2B5EF4-FFF2-40B4-BE49-F238E27FC236}">
-                <a16:creationId xmlns:a16="http://schemas.microsoft.com/office/drawing/2014/main" xmlns="" id="{648A685F-2664-99D3-FAE0-D046BBDCCF84}"/>
+                <a16:creationId xmlns:a16="http://schemas.microsoft.com/office/drawing/2014/main" id="{648A685F-2664-99D3-FAE0-D046BBDCCF84}"/>
               </a:ext>
             </a:extLst>
           </p:cNvPr>
@@ -5285,13 +5253,6 @@
   <p:clrMapOvr>
     <a:masterClrMapping/>
   </p:clrMapOvr>
-  <p:timing>
-    <p:tnLst>
-      <p:par>
-        <p:cTn id="1" dur="indefinite" restart="never" nodeType="tmRoot"/>
-      </p:par>
-    </p:tnLst>
-  </p:timing>
 </p:sld>
 </file>
 
@@ -5317,7 +5278,7 @@
           <p:cNvPr id="2" name="TextBox 1">
             <a:extLst>
               <a:ext uri="{FF2B5EF4-FFF2-40B4-BE49-F238E27FC236}">
-                <a16:creationId xmlns:a16="http://schemas.microsoft.com/office/drawing/2014/main" xmlns="" id="{C4AF561A-3B7B-158D-BC4D-3C39551F8D95}"/>
+                <a16:creationId xmlns:a16="http://schemas.microsoft.com/office/drawing/2014/main" id="{C4AF561A-3B7B-158D-BC4D-3C39551F8D95}"/>
               </a:ext>
             </a:extLst>
           </p:cNvPr>
@@ -5341,7 +5302,7 @@
           <a:lstStyle/>
           <a:p>
             <a:r>
-              <a:rPr lang="en-US" altLang="ko-KR" sz="1200" dirty="0" smtClean="0"/>
+              <a:rPr lang="en-US" altLang="ko-KR" sz="1200" dirty="0"/>
               <a:t>aaaaaaaaaa</a:t>
             </a:r>
             <a:endParaRPr lang="ko-KR" altLang="en-US" sz="1200" dirty="0"/>
@@ -5353,7 +5314,7 @@
           <p:cNvPr id="3" name="직선 연결선 2">
             <a:extLst>
               <a:ext uri="{FF2B5EF4-FFF2-40B4-BE49-F238E27FC236}">
-                <a16:creationId xmlns:a16="http://schemas.microsoft.com/office/drawing/2014/main" xmlns="" id="{648A685F-2664-99D3-FAE0-D046BBDCCF84}"/>
+                <a16:creationId xmlns:a16="http://schemas.microsoft.com/office/drawing/2014/main" id="{648A685F-2664-99D3-FAE0-D046BBDCCF84}"/>
               </a:ext>
             </a:extLst>
           </p:cNvPr>
@@ -5394,13 +5355,6 @@
   <p:clrMapOvr>
     <a:masterClrMapping/>
   </p:clrMapOvr>
-  <p:timing>
-    <p:tnLst>
-      <p:par>
-        <p:cTn id="1" dur="indefinite" restart="never" nodeType="tmRoot"/>
-      </p:par>
-    </p:tnLst>
-  </p:timing>
 </p:sld>
 </file>
 
@@ -5426,7 +5380,7 @@
           <p:cNvPr id="20" name="TextBox 19">
             <a:extLst>
               <a:ext uri="{FF2B5EF4-FFF2-40B4-BE49-F238E27FC236}">
-                <a16:creationId xmlns:a16="http://schemas.microsoft.com/office/drawing/2014/main" xmlns="" id="{A9AFB107-57BE-3FF3-7AFF-962C2368E148}"/>
+                <a16:creationId xmlns:a16="http://schemas.microsoft.com/office/drawing/2014/main" id="{A9AFB107-57BE-3FF3-7AFF-962C2368E148}"/>
               </a:ext>
             </a:extLst>
           </p:cNvPr>
@@ -5468,7 +5422,7 @@
           <p:cNvPr id="17" name="TextBox 16">
             <a:extLst>
               <a:ext uri="{FF2B5EF4-FFF2-40B4-BE49-F238E27FC236}">
-                <a16:creationId xmlns:a16="http://schemas.microsoft.com/office/drawing/2014/main" xmlns="" id="{A9AFB107-57BE-3FF3-7AFF-962C2368E148}"/>
+                <a16:creationId xmlns:a16="http://schemas.microsoft.com/office/drawing/2014/main" id="{A9AFB107-57BE-3FF3-7AFF-962C2368E148}"/>
               </a:ext>
             </a:extLst>
           </p:cNvPr>
@@ -5499,7 +5453,7 @@
           <a:lstStyle/>
           <a:p>
             <a:r>
-              <a:rPr lang="en-US" altLang="ko-KR" sz="1100" dirty="0" smtClean="0"/>
+              <a:rPr lang="en-US" altLang="ko-KR" sz="1100" dirty="0"/>
               <a:t>Observer, Listener</a:t>
             </a:r>
           </a:p>
@@ -5510,7 +5464,7 @@
           <p:cNvPr id="35" name="TextBox 34">
             <a:extLst>
               <a:ext uri="{FF2B5EF4-FFF2-40B4-BE49-F238E27FC236}">
-                <a16:creationId xmlns:a16="http://schemas.microsoft.com/office/drawing/2014/main" xmlns="" id="{A9AFB107-57BE-3FF3-7AFF-962C2368E148}"/>
+                <a16:creationId xmlns:a16="http://schemas.microsoft.com/office/drawing/2014/main" id="{A9AFB107-57BE-3FF3-7AFF-962C2368E148}"/>
               </a:ext>
             </a:extLst>
           </p:cNvPr>
@@ -5541,7 +5495,7 @@
           <a:lstStyle/>
           <a:p>
             <a:r>
-              <a:rPr lang="en-US" altLang="ko-KR" sz="1100" dirty="0" smtClean="0"/>
+              <a:rPr lang="en-US" altLang="ko-KR" sz="1100" dirty="0"/>
               <a:t> </a:t>
             </a:r>
           </a:p>
@@ -5552,7 +5506,7 @@
           <p:cNvPr id="21" name="TextBox 20">
             <a:extLst>
               <a:ext uri="{FF2B5EF4-FFF2-40B4-BE49-F238E27FC236}">
-                <a16:creationId xmlns:a16="http://schemas.microsoft.com/office/drawing/2014/main" xmlns="" id="{A9AFB107-57BE-3FF3-7AFF-962C2368E148}"/>
+                <a16:creationId xmlns:a16="http://schemas.microsoft.com/office/drawing/2014/main" id="{A9AFB107-57BE-3FF3-7AFF-962C2368E148}"/>
               </a:ext>
             </a:extLst>
           </p:cNvPr>
@@ -5586,18 +5540,13 @@
           <a:lstStyle/>
           <a:p>
             <a:r>
-              <a:rPr lang="en-US" altLang="ko-KR" sz="1100" dirty="0" smtClean="0">
+              <a:rPr lang="en-US" altLang="ko-KR" sz="1100" dirty="0">
                 <a:solidFill>
                   <a:srgbClr val="FF0000"/>
                 </a:solidFill>
               </a:rPr>
               <a:t>Use</a:t>
             </a:r>
-            <a:endParaRPr lang="en-US" altLang="ko-KR" sz="1100" dirty="0">
-              <a:solidFill>
-                <a:srgbClr val="FF0000"/>
-              </a:solidFill>
-            </a:endParaRPr>
           </a:p>
         </p:txBody>
       </p:sp>
@@ -5606,7 +5555,7 @@
           <p:cNvPr id="2" name="TextBox 1">
             <a:extLst>
               <a:ext uri="{FF2B5EF4-FFF2-40B4-BE49-F238E27FC236}">
-                <a16:creationId xmlns:a16="http://schemas.microsoft.com/office/drawing/2014/main" xmlns="" id="{C4AF561A-3B7B-158D-BC4D-3C39551F8D95}"/>
+                <a16:creationId xmlns:a16="http://schemas.microsoft.com/office/drawing/2014/main" id="{C4AF561A-3B7B-158D-BC4D-3C39551F8D95}"/>
               </a:ext>
             </a:extLst>
           </p:cNvPr>
@@ -5630,14 +5579,13 @@
           <a:lstStyle/>
           <a:p>
             <a:r>
-              <a:rPr lang="en-US" altLang="ko-KR" sz="1200" dirty="0" smtClean="0"/>
+              <a:rPr lang="en-US" altLang="ko-KR" sz="1200" dirty="0"/>
               <a:t>Provider </a:t>
             </a:r>
             <a:r>
-              <a:rPr lang="ko-KR" altLang="en-US" sz="1200" dirty="0" smtClean="0"/>
+              <a:rPr lang="ko-KR" altLang="en-US" sz="1200" dirty="0"/>
               <a:t>구성도</a:t>
             </a:r>
-            <a:endParaRPr lang="ko-KR" altLang="en-US" sz="1200" dirty="0"/>
           </a:p>
         </p:txBody>
       </p:sp>
@@ -5646,7 +5594,7 @@
           <p:cNvPr id="3" name="직선 연결선 2">
             <a:extLst>
               <a:ext uri="{FF2B5EF4-FFF2-40B4-BE49-F238E27FC236}">
-                <a16:creationId xmlns:a16="http://schemas.microsoft.com/office/drawing/2014/main" xmlns="" id="{648A685F-2664-99D3-FAE0-D046BBDCCF84}"/>
+                <a16:creationId xmlns:a16="http://schemas.microsoft.com/office/drawing/2014/main" id="{648A685F-2664-99D3-FAE0-D046BBDCCF84}"/>
               </a:ext>
             </a:extLst>
           </p:cNvPr>
@@ -5682,7 +5630,7 @@
           <p:cNvPr id="6" name="TextBox 5">
             <a:extLst>
               <a:ext uri="{FF2B5EF4-FFF2-40B4-BE49-F238E27FC236}">
-                <a16:creationId xmlns:a16="http://schemas.microsoft.com/office/drawing/2014/main" xmlns="" id="{A9AFB107-57BE-3FF3-7AFF-962C2368E148}"/>
+                <a16:creationId xmlns:a16="http://schemas.microsoft.com/office/drawing/2014/main" id="{A9AFB107-57BE-3FF3-7AFF-962C2368E148}"/>
               </a:ext>
             </a:extLst>
           </p:cNvPr>
@@ -5714,13 +5662,8 @@
           <a:p>
             <a:r>
               <a:rPr lang="en-US" altLang="ko-KR" sz="1100" dirty="0"/>
-              <a:t>context.read&lt;Dog&gt;().</a:t>
-            </a:r>
-            <a:r>
-              <a:rPr lang="en-US" altLang="ko-KR" sz="1100" dirty="0" smtClean="0"/>
-              <a:t>name</a:t>
-            </a:r>
-            <a:endParaRPr lang="en-US" altLang="ko-KR" sz="1100" dirty="0"/>
+              <a:t>context.read&lt;Dog&gt;().name</a:t>
+            </a:r>
           </a:p>
         </p:txBody>
       </p:sp>
@@ -5729,7 +5672,7 @@
           <p:cNvPr id="7" name="TextBox 6">
             <a:extLst>
               <a:ext uri="{FF2B5EF4-FFF2-40B4-BE49-F238E27FC236}">
-                <a16:creationId xmlns:a16="http://schemas.microsoft.com/office/drawing/2014/main" xmlns="" id="{A9AFB107-57BE-3FF3-7AFF-962C2368E148}"/>
+                <a16:creationId xmlns:a16="http://schemas.microsoft.com/office/drawing/2014/main" id="{A9AFB107-57BE-3FF3-7AFF-962C2368E148}"/>
               </a:ext>
             </a:extLst>
           </p:cNvPr>
@@ -5760,32 +5703,15 @@
           <a:lstStyle/>
           <a:p>
             <a:r>
-              <a:rPr lang="en-US" altLang="ko-KR" sz="1100" dirty="0" smtClean="0"/>
-              <a:t>Provider.of&lt;Dog</a:t>
-            </a:r>
-            <a:r>
               <a:rPr lang="en-US" altLang="ko-KR" sz="1100" dirty="0"/>
-              <a:t>&gt;(context, listen: false).</a:t>
-            </a:r>
-            <a:r>
-              <a:rPr lang="en-US" altLang="ko-KR" sz="1100" dirty="0" smtClean="0"/>
-              <a:t>name</a:t>
-            </a:r>
-          </a:p>
-          <a:p>
-            <a:r>
-              <a:rPr lang="en-US" altLang="ko-KR" sz="1100" dirty="0" smtClean="0"/>
-              <a:t>Provider.of&lt;Dog</a:t>
-            </a:r>
+              <a:t>Provider.of&lt;Dog&gt;(context, listen: false).name</a:t>
+            </a:r>
+          </a:p>
+          <a:p>
             <a:r>
               <a:rPr lang="en-US" altLang="ko-KR" sz="1100" dirty="0"/>
-              <a:t>&gt;(context, listen: false).grow</a:t>
-            </a:r>
-            <a:r>
-              <a:rPr lang="en-US" altLang="ko-KR" sz="1100" dirty="0" smtClean="0"/>
-              <a:t>()</a:t>
-            </a:r>
-            <a:endParaRPr lang="en-US" altLang="ko-KR" sz="1100" dirty="0"/>
+              <a:t>Provider.of&lt;Dog&gt;(context, listen: false).grow()</a:t>
+            </a:r>
           </a:p>
         </p:txBody>
       </p:sp>
@@ -5814,7 +5740,7 @@
             <p:cNvPr id="5" name="TextBox 4">
               <a:extLst>
                 <a:ext uri="{FF2B5EF4-FFF2-40B4-BE49-F238E27FC236}">
-                  <a16:creationId xmlns:a16="http://schemas.microsoft.com/office/drawing/2014/main" xmlns="" id="{A9AFB107-57BE-3FF3-7AFF-962C2368E148}"/>
+                  <a16:creationId xmlns:a16="http://schemas.microsoft.com/office/drawing/2014/main" id="{A9AFB107-57BE-3FF3-7AFF-962C2368E148}"/>
                 </a:ext>
               </a:extLst>
             </p:cNvPr>
@@ -5843,25 +5769,16 @@
             <a:lstStyle/>
             <a:p>
               <a:r>
-                <a:rPr lang="en-US" altLang="ko-KR" sz="1100" b="1" dirty="0" smtClean="0"/>
+                <a:rPr lang="en-US" altLang="ko-KR" sz="1100" b="1" dirty="0"/>
                 <a:t>ChangeNotifier</a:t>
               </a:r>
               <a:endParaRPr lang="en-US" altLang="ko-KR" sz="1100" dirty="0"/>
             </a:p>
             <a:p>
               <a:r>
-                <a:rPr lang="en-US" altLang="ko-KR" sz="1100" dirty="0" smtClean="0"/>
-                <a:t>  - </a:t>
+                <a:rPr lang="en-US" altLang="ko-KR" sz="1100" dirty="0"/>
+                <a:t>  - notifyListeners()</a:t>
               </a:r>
-              <a:r>
-                <a:rPr lang="en-US" altLang="ko-KR" sz="1100" dirty="0"/>
-                <a:t>notifyListeners</a:t>
-              </a:r>
-              <a:r>
-                <a:rPr lang="en-US" altLang="ko-KR" sz="1100" dirty="0" smtClean="0"/>
-                <a:t>()</a:t>
-              </a:r>
-              <a:endParaRPr lang="en-US" altLang="ko-KR" sz="1100" dirty="0"/>
             </a:p>
           </p:txBody>
         </p:sp>
@@ -5870,7 +5787,7 @@
             <p:cNvPr id="11" name="TextBox 10">
               <a:extLst>
                 <a:ext uri="{FF2B5EF4-FFF2-40B4-BE49-F238E27FC236}">
-                  <a16:creationId xmlns:a16="http://schemas.microsoft.com/office/drawing/2014/main" xmlns="" id="{A9AFB107-57BE-3FF3-7AFF-962C2368E148}"/>
+                  <a16:creationId xmlns:a16="http://schemas.microsoft.com/office/drawing/2014/main" id="{A9AFB107-57BE-3FF3-7AFF-962C2368E148}"/>
                 </a:ext>
               </a:extLst>
             </p:cNvPr>
@@ -5899,18 +5816,13 @@
             <a:lstStyle/>
             <a:p>
               <a:r>
-                <a:rPr lang="en-US" altLang="ko-KR" sz="1100" dirty="0" smtClean="0">
+                <a:rPr lang="en-US" altLang="ko-KR" sz="1100" dirty="0">
                   <a:solidFill>
                     <a:srgbClr val="FF0000"/>
                   </a:solidFill>
                 </a:rPr>
                 <a:t>Notifier (Model)</a:t>
               </a:r>
-              <a:endParaRPr lang="en-US" altLang="ko-KR" sz="1100" dirty="0">
-                <a:solidFill>
-                  <a:srgbClr val="FF0000"/>
-                </a:solidFill>
-              </a:endParaRPr>
             </a:p>
           </p:txBody>
         </p:sp>
@@ -5920,7 +5832,7 @@
           <p:cNvPr id="13" name="TextBox 12">
             <a:extLst>
               <a:ext uri="{FF2B5EF4-FFF2-40B4-BE49-F238E27FC236}">
-                <a16:creationId xmlns:a16="http://schemas.microsoft.com/office/drawing/2014/main" xmlns="" id="{A9AFB107-57BE-3FF3-7AFF-962C2368E148}"/>
+                <a16:creationId xmlns:a16="http://schemas.microsoft.com/office/drawing/2014/main" id="{A9AFB107-57BE-3FF3-7AFF-962C2368E148}"/>
               </a:ext>
             </a:extLst>
           </p:cNvPr>
@@ -5951,13 +5863,13 @@
           <a:lstStyle/>
           <a:p>
             <a:r>
-              <a:rPr lang="en-US" altLang="ko-KR" sz="1100" dirty="0" smtClean="0"/>
+              <a:rPr lang="en-US" altLang="ko-KR" sz="1100" dirty="0"/>
               <a:t>Provider.of&lt;Dog&gt;(context).name</a:t>
             </a:r>
           </a:p>
           <a:p>
             <a:r>
-              <a:rPr lang="en-US" altLang="ko-KR" sz="1100" dirty="0" smtClean="0"/>
+              <a:rPr lang="en-US" altLang="ko-KR" sz="1100" dirty="0"/>
               <a:t>Provider.of&lt;Dog&gt;(context).age</a:t>
             </a:r>
           </a:p>
@@ -5968,7 +5880,7 @@
           <p:cNvPr id="14" name="TextBox 13">
             <a:extLst>
               <a:ext uri="{FF2B5EF4-FFF2-40B4-BE49-F238E27FC236}">
-                <a16:creationId xmlns:a16="http://schemas.microsoft.com/office/drawing/2014/main" xmlns="" id="{A9AFB107-57BE-3FF3-7AFF-962C2368E148}"/>
+                <a16:creationId xmlns:a16="http://schemas.microsoft.com/office/drawing/2014/main" id="{A9AFB107-57BE-3FF3-7AFF-962C2368E148}"/>
               </a:ext>
             </a:extLst>
           </p:cNvPr>
@@ -5999,24 +5911,15 @@
           <a:lstStyle/>
           <a:p>
             <a:r>
-              <a:rPr lang="en-US" altLang="ko-KR" sz="1100" dirty="0" smtClean="0"/>
-              <a:t>context.watch&lt;Dog</a:t>
-            </a:r>
-            <a:r>
               <a:rPr lang="en-US" altLang="ko-KR" sz="1100" dirty="0"/>
-              <a:t>&gt;().age</a:t>
+              <a:t>context.watch&lt;Dog&gt;().age</a:t>
             </a:r>
           </a:p>
           <a:p>
             <a:r>
               <a:rPr lang="en-US" altLang="ko-KR" sz="1100" dirty="0"/>
-              <a:t>context.select&lt;Dog, String&gt;((Dog dog) =&gt; dog.breed</a:t>
-            </a:r>
-            <a:r>
-              <a:rPr lang="en-US" altLang="ko-KR" sz="1100" dirty="0" smtClean="0"/>
-              <a:t>)</a:t>
-            </a:r>
-            <a:endParaRPr lang="en-US" altLang="ko-KR" sz="1100" dirty="0"/>
+              <a:t>context.select&lt;Dog, String&gt;((Dog dog) =&gt; dog.breed)</a:t>
+            </a:r>
           </a:p>
         </p:txBody>
       </p:sp>
@@ -6039,7 +5942,7 @@
             <p:cNvPr id="34" name="TextBox 33">
               <a:extLst>
                 <a:ext uri="{FF2B5EF4-FFF2-40B4-BE49-F238E27FC236}">
-                  <a16:creationId xmlns:a16="http://schemas.microsoft.com/office/drawing/2014/main" xmlns="" id="{A9AFB107-57BE-3FF3-7AFF-962C2368E148}"/>
+                  <a16:creationId xmlns:a16="http://schemas.microsoft.com/office/drawing/2014/main" id="{A9AFB107-57BE-3FF3-7AFF-962C2368E148}"/>
                 </a:ext>
               </a:extLst>
             </p:cNvPr>
@@ -6084,7 +5987,7 @@
             <p:cNvPr id="4" name="TextBox 3">
               <a:extLst>
                 <a:ext uri="{FF2B5EF4-FFF2-40B4-BE49-F238E27FC236}">
-                  <a16:creationId xmlns:a16="http://schemas.microsoft.com/office/drawing/2014/main" xmlns="" id="{A9AFB107-57BE-3FF3-7AFF-962C2368E148}"/>
+                  <a16:creationId xmlns:a16="http://schemas.microsoft.com/office/drawing/2014/main" id="{A9AFB107-57BE-3FF3-7AFF-962C2368E148}"/>
                 </a:ext>
               </a:extLst>
             </p:cNvPr>
@@ -6115,7 +6018,7 @@
             <a:lstStyle/>
             <a:p>
               <a:r>
-                <a:rPr lang="en-US" altLang="ko-KR" sz="1100" b="1" dirty="0" smtClean="0"/>
+                <a:rPr lang="en-US" altLang="ko-KR" sz="1100" b="1" dirty="0"/>
                 <a:t>ProxyProvider</a:t>
               </a:r>
               <a:endParaRPr lang="en-US" altLang="ko-KR" sz="1100" dirty="0"/>
@@ -6127,7 +6030,7 @@
             <p:cNvPr id="10" name="TextBox 9">
               <a:extLst>
                 <a:ext uri="{FF2B5EF4-FFF2-40B4-BE49-F238E27FC236}">
-                  <a16:creationId xmlns:a16="http://schemas.microsoft.com/office/drawing/2014/main" xmlns="" id="{A9AFB107-57BE-3FF3-7AFF-962C2368E148}"/>
+                  <a16:creationId xmlns:a16="http://schemas.microsoft.com/office/drawing/2014/main" id="{A9AFB107-57BE-3FF3-7AFF-962C2368E148}"/>
                 </a:ext>
               </a:extLst>
             </p:cNvPr>
@@ -6160,18 +6063,13 @@
             <a:lstStyle/>
             <a:p>
               <a:r>
-                <a:rPr lang="en-US" altLang="ko-KR" sz="1100" dirty="0" smtClean="0">
+                <a:rPr lang="en-US" altLang="ko-KR" sz="1100" dirty="0">
                   <a:solidFill>
                     <a:srgbClr val="FF0000"/>
                   </a:solidFill>
                 </a:rPr>
                 <a:t>Definition</a:t>
               </a:r>
-              <a:endParaRPr lang="en-US" altLang="ko-KR" sz="1100" dirty="0">
-                <a:solidFill>
-                  <a:srgbClr val="FF0000"/>
-                </a:solidFill>
-              </a:endParaRPr>
             </a:p>
           </p:txBody>
         </p:sp>
@@ -6180,7 +6078,7 @@
             <p:cNvPr id="25" name="TextBox 24">
               <a:extLst>
                 <a:ext uri="{FF2B5EF4-FFF2-40B4-BE49-F238E27FC236}">
-                  <a16:creationId xmlns:a16="http://schemas.microsoft.com/office/drawing/2014/main" xmlns="" id="{A9AFB107-57BE-3FF3-7AFF-962C2368E148}"/>
+                  <a16:creationId xmlns:a16="http://schemas.microsoft.com/office/drawing/2014/main" id="{A9AFB107-57BE-3FF3-7AFF-962C2368E148}"/>
                 </a:ext>
               </a:extLst>
             </p:cNvPr>
@@ -6218,7 +6116,7 @@
             </a:p>
             <a:p>
               <a:r>
-                <a:rPr lang="en-US" altLang="ko-KR" sz="1100" b="1" dirty="0" smtClean="0"/>
+                <a:rPr lang="en-US" altLang="ko-KR" sz="1100" b="1" dirty="0"/>
                 <a:t>..</a:t>
               </a:r>
               <a:endParaRPr lang="en-US" altLang="ko-KR" sz="1100" dirty="0"/>
@@ -6353,7 +6251,7 @@
             <p:cNvPr id="39" name="TextBox 38">
               <a:extLst>
                 <a:ext uri="{FF2B5EF4-FFF2-40B4-BE49-F238E27FC236}">
-                  <a16:creationId xmlns:a16="http://schemas.microsoft.com/office/drawing/2014/main" xmlns="" id="{A9AFB107-57BE-3FF3-7AFF-962C2368E148}"/>
+                  <a16:creationId xmlns:a16="http://schemas.microsoft.com/office/drawing/2014/main" id="{A9AFB107-57BE-3FF3-7AFF-962C2368E148}"/>
                 </a:ext>
               </a:extLst>
             </p:cNvPr>
@@ -6398,7 +6296,7 @@
             <p:cNvPr id="40" name="TextBox 39">
               <a:extLst>
                 <a:ext uri="{FF2B5EF4-FFF2-40B4-BE49-F238E27FC236}">
-                  <a16:creationId xmlns:a16="http://schemas.microsoft.com/office/drawing/2014/main" xmlns="" id="{A9AFB107-57BE-3FF3-7AFF-962C2368E148}"/>
+                  <a16:creationId xmlns:a16="http://schemas.microsoft.com/office/drawing/2014/main" id="{A9AFB107-57BE-3FF3-7AFF-962C2368E148}"/>
                 </a:ext>
               </a:extLst>
             </p:cNvPr>
@@ -6431,18 +6329,13 @@
             <a:lstStyle/>
             <a:p>
               <a:r>
-                <a:rPr lang="en-US" altLang="ko-KR" sz="1100" dirty="0" smtClean="0">
+                <a:rPr lang="en-US" altLang="ko-KR" sz="1100" dirty="0">
                   <a:solidFill>
                     <a:srgbClr val="FF0000"/>
                   </a:solidFill>
                 </a:rPr>
                 <a:t>Definition &amp; Use</a:t>
               </a:r>
-              <a:endParaRPr lang="en-US" altLang="ko-KR" sz="1100" dirty="0">
-                <a:solidFill>
-                  <a:srgbClr val="FF0000"/>
-                </a:solidFill>
-              </a:endParaRPr>
             </a:p>
           </p:txBody>
         </p:sp>
@@ -6451,7 +6344,7 @@
             <p:cNvPr id="41" name="TextBox 40">
               <a:extLst>
                 <a:ext uri="{FF2B5EF4-FFF2-40B4-BE49-F238E27FC236}">
-                  <a16:creationId xmlns:a16="http://schemas.microsoft.com/office/drawing/2014/main" xmlns="" id="{A9AFB107-57BE-3FF3-7AFF-962C2368E148}"/>
+                  <a16:creationId xmlns:a16="http://schemas.microsoft.com/office/drawing/2014/main" id="{A9AFB107-57BE-3FF3-7AFF-962C2368E148}"/>
                 </a:ext>
               </a:extLst>
             </p:cNvPr>
@@ -6482,13 +6375,13 @@
             <a:lstStyle/>
             <a:p>
               <a:r>
-                <a:rPr lang="en-US" altLang="ko-KR" sz="1100" b="1" dirty="0" smtClean="0"/>
+                <a:rPr lang="en-US" altLang="ko-KR" sz="1100" b="1" dirty="0"/>
                 <a:t>Consumer</a:t>
               </a:r>
             </a:p>
             <a:p>
               <a:r>
-                <a:rPr lang="en-US" altLang="ko-KR" sz="1100" b="1" dirty="0" smtClean="0"/>
+                <a:rPr lang="en-US" altLang="ko-KR" sz="1100" b="1" dirty="0"/>
                 <a:t>Selector</a:t>
               </a:r>
               <a:endParaRPr lang="en-US" altLang="ko-KR" sz="1100" dirty="0"/>
@@ -6544,13 +6437,6 @@
   <p:clrMapOvr>
     <a:masterClrMapping/>
   </p:clrMapOvr>
-  <p:timing>
-    <p:tnLst>
-      <p:par>
-        <p:cTn id="1" dur="indefinite" restart="never" nodeType="tmRoot"/>
-      </p:par>
-    </p:tnLst>
-  </p:timing>
 </p:sld>
 </file>
 
@@ -6843,7 +6729,7 @@
   <a:extraClrSchemeLst/>
   <a:extLst>
     <a:ext uri="{05A4C25C-085E-4340-85A3-A5531E510DB2}">
-      <thm15:themeFamily xmlns:thm15="http://schemas.microsoft.com/office/thememl/2012/main" xmlns="" name="Office Theme" id="{62F939B6-93AF-4DB8-9C6B-D6C7DFDC589F}" vid="{4A3C46E8-61CC-4603-A589-7422A47A8E4A}"/>
+      <thm15:themeFamily xmlns:thm15="http://schemas.microsoft.com/office/thememl/2012/main" name="Office Theme" id="{62F939B6-93AF-4DB8-9C6B-D6C7DFDC589F}" vid="{4A3C46E8-61CC-4603-A589-7422A47A8E4A}"/>
     </a:ext>
   </a:extLst>
 </a:theme>
